--- a/computer/network/计算机网络-素材.pptx
+++ b/computer/network/计算机网络-素材.pptx
@@ -9,6 +9,8 @@
     <p:sldId id="257" r:id="rId3"/>
     <p:sldId id="259" r:id="rId4"/>
     <p:sldId id="258" r:id="rId5"/>
+    <p:sldId id="260" r:id="rId6"/>
+    <p:sldId id="261" r:id="rId7"/>
   </p:sldIdLst>
   <p:sldSz cx="12192000" cy="6858000"/>
   <p:notesSz cx="6858000" cy="9144000"/>
@@ -113,6 +115,6212 @@
     </p:ext>
   </p:extLst>
 </p:presentation>
+</file>
+
+<file path=ppt/diagrams/colors1.xml><?xml version="1.0" encoding="utf-8"?>
+<dgm:colorsDef xmlns:dgm="http://schemas.openxmlformats.org/drawingml/2006/diagram" xmlns:a="http://schemas.openxmlformats.org/drawingml/2006/main" uniqueId="urn:microsoft.com/office/officeart/2005/8/colors/colorful3">
+  <dgm:title val=""/>
+  <dgm:desc val=""/>
+  <dgm:catLst>
+    <dgm:cat type="colorful" pri="10300"/>
+  </dgm:catLst>
+  <dgm:styleLbl name="node0">
+    <dgm:fillClrLst meth="repeat">
+      <a:schemeClr val="accent2"/>
+    </dgm:fillClrLst>
+    <dgm:linClrLst meth="repeat">
+      <a:schemeClr val="lt1"/>
+    </dgm:linClrLst>
+    <dgm:effectClrLst/>
+    <dgm:txLinClrLst/>
+    <dgm:txFillClrLst/>
+    <dgm:txEffectClrLst/>
+  </dgm:styleLbl>
+  <dgm:styleLbl name="node1">
+    <dgm:fillClrLst>
+      <a:schemeClr val="accent3"/>
+      <a:schemeClr val="accent4"/>
+    </dgm:fillClrLst>
+    <dgm:linClrLst meth="repeat">
+      <a:schemeClr val="lt1"/>
+    </dgm:linClrLst>
+    <dgm:effectClrLst/>
+    <dgm:txLinClrLst/>
+    <dgm:txFillClrLst/>
+    <dgm:txEffectClrLst/>
+  </dgm:styleLbl>
+  <dgm:styleLbl name="alignNode1">
+    <dgm:fillClrLst>
+      <a:schemeClr val="accent3"/>
+      <a:schemeClr val="accent4"/>
+    </dgm:fillClrLst>
+    <dgm:linClrLst>
+      <a:schemeClr val="accent3"/>
+      <a:schemeClr val="accent4"/>
+    </dgm:linClrLst>
+    <dgm:effectClrLst/>
+    <dgm:txLinClrLst/>
+    <dgm:txFillClrLst/>
+    <dgm:txEffectClrLst/>
+  </dgm:styleLbl>
+  <dgm:styleLbl name="lnNode1">
+    <dgm:fillClrLst>
+      <a:schemeClr val="accent3"/>
+      <a:schemeClr val="accent4"/>
+    </dgm:fillClrLst>
+    <dgm:linClrLst meth="repeat">
+      <a:schemeClr val="lt1"/>
+    </dgm:linClrLst>
+    <dgm:effectClrLst/>
+    <dgm:txLinClrLst/>
+    <dgm:txFillClrLst/>
+    <dgm:txEffectClrLst/>
+  </dgm:styleLbl>
+  <dgm:styleLbl name="vennNode1">
+    <dgm:fillClrLst>
+      <a:schemeClr val="accent3">
+        <a:alpha val="50000"/>
+      </a:schemeClr>
+      <a:schemeClr val="accent4">
+        <a:alpha val="50000"/>
+      </a:schemeClr>
+    </dgm:fillClrLst>
+    <dgm:linClrLst meth="repeat">
+      <a:schemeClr val="lt1"/>
+    </dgm:linClrLst>
+    <dgm:effectClrLst/>
+    <dgm:txLinClrLst/>
+    <dgm:txFillClrLst/>
+    <dgm:txEffectClrLst/>
+  </dgm:styleLbl>
+  <dgm:styleLbl name="node2">
+    <dgm:fillClrLst>
+      <a:schemeClr val="accent4"/>
+    </dgm:fillClrLst>
+    <dgm:linClrLst meth="repeat">
+      <a:schemeClr val="lt1"/>
+    </dgm:linClrLst>
+    <dgm:effectClrLst/>
+    <dgm:txLinClrLst/>
+    <dgm:txFillClrLst/>
+    <dgm:txEffectClrLst/>
+  </dgm:styleLbl>
+  <dgm:styleLbl name="node3">
+    <dgm:fillClrLst>
+      <a:schemeClr val="accent5"/>
+    </dgm:fillClrLst>
+    <dgm:linClrLst meth="repeat">
+      <a:schemeClr val="lt1"/>
+    </dgm:linClrLst>
+    <dgm:effectClrLst/>
+    <dgm:txLinClrLst/>
+    <dgm:txFillClrLst/>
+    <dgm:txEffectClrLst/>
+  </dgm:styleLbl>
+  <dgm:styleLbl name="node4">
+    <dgm:fillClrLst>
+      <a:schemeClr val="accent6"/>
+    </dgm:fillClrLst>
+    <dgm:linClrLst meth="repeat">
+      <a:schemeClr val="lt1"/>
+    </dgm:linClrLst>
+    <dgm:effectClrLst/>
+    <dgm:txLinClrLst/>
+    <dgm:txFillClrLst/>
+    <dgm:txEffectClrLst/>
+  </dgm:styleLbl>
+  <dgm:styleLbl name="fgImgPlace1">
+    <dgm:fillClrLst>
+      <a:schemeClr val="accent3">
+        <a:tint val="50000"/>
+      </a:schemeClr>
+      <a:schemeClr val="accent4">
+        <a:tint val="50000"/>
+      </a:schemeClr>
+    </dgm:fillClrLst>
+    <dgm:linClrLst meth="repeat">
+      <a:schemeClr val="lt1"/>
+    </dgm:linClrLst>
+    <dgm:effectClrLst/>
+    <dgm:txLinClrLst/>
+    <dgm:txFillClrLst meth="repeat">
+      <a:schemeClr val="lt1"/>
+    </dgm:txFillClrLst>
+    <dgm:txEffectClrLst/>
+  </dgm:styleLbl>
+  <dgm:styleLbl name="alignImgPlace1">
+    <dgm:fillClrLst>
+      <a:schemeClr val="accent3">
+        <a:tint val="50000"/>
+      </a:schemeClr>
+      <a:schemeClr val="accent4">
+        <a:tint val="20000"/>
+      </a:schemeClr>
+    </dgm:fillClrLst>
+    <dgm:linClrLst meth="repeat">
+      <a:schemeClr val="lt1"/>
+    </dgm:linClrLst>
+    <dgm:effectClrLst/>
+    <dgm:txLinClrLst/>
+    <dgm:txFillClrLst meth="repeat">
+      <a:schemeClr val="lt1"/>
+    </dgm:txFillClrLst>
+    <dgm:txEffectClrLst/>
+  </dgm:styleLbl>
+  <dgm:styleLbl name="bgImgPlace1">
+    <dgm:fillClrLst>
+      <a:schemeClr val="accent3">
+        <a:tint val="50000"/>
+      </a:schemeClr>
+      <a:schemeClr val="accent4">
+        <a:tint val="20000"/>
+      </a:schemeClr>
+    </dgm:fillClrLst>
+    <dgm:linClrLst meth="repeat">
+      <a:schemeClr val="lt1"/>
+    </dgm:linClrLst>
+    <dgm:effectClrLst/>
+    <dgm:txLinClrLst/>
+    <dgm:txFillClrLst meth="repeat">
+      <a:schemeClr val="lt1"/>
+    </dgm:txFillClrLst>
+    <dgm:txEffectClrLst/>
+  </dgm:styleLbl>
+  <dgm:styleLbl name="sibTrans2D1">
+    <dgm:fillClrLst>
+      <a:schemeClr val="accent3"/>
+      <a:schemeClr val="accent4"/>
+    </dgm:fillClrLst>
+    <dgm:linClrLst meth="repeat">
+      <a:schemeClr val="lt1"/>
+    </dgm:linClrLst>
+    <dgm:effectClrLst/>
+    <dgm:txLinClrLst/>
+    <dgm:txFillClrLst/>
+    <dgm:txEffectClrLst/>
+  </dgm:styleLbl>
+  <dgm:styleLbl name="fgSibTrans2D1">
+    <dgm:fillClrLst>
+      <a:schemeClr val="accent3"/>
+      <a:schemeClr val="accent4"/>
+    </dgm:fillClrLst>
+    <dgm:linClrLst meth="repeat">
+      <a:schemeClr val="lt1"/>
+    </dgm:linClrLst>
+    <dgm:effectClrLst/>
+    <dgm:txLinClrLst/>
+    <dgm:txFillClrLst meth="repeat">
+      <a:schemeClr val="lt1"/>
+    </dgm:txFillClrLst>
+    <dgm:txEffectClrLst/>
+  </dgm:styleLbl>
+  <dgm:styleLbl name="bgSibTrans2D1">
+    <dgm:fillClrLst>
+      <a:schemeClr val="accent3"/>
+      <a:schemeClr val="accent4"/>
+    </dgm:fillClrLst>
+    <dgm:linClrLst meth="repeat">
+      <a:schemeClr val="lt1"/>
+    </dgm:linClrLst>
+    <dgm:effectClrLst/>
+    <dgm:txLinClrLst/>
+    <dgm:txFillClrLst meth="repeat">
+      <a:schemeClr val="lt1"/>
+    </dgm:txFillClrLst>
+    <dgm:txEffectClrLst/>
+  </dgm:styleLbl>
+  <dgm:styleLbl name="sibTrans1D1">
+    <dgm:fillClrLst/>
+    <dgm:linClrLst>
+      <a:schemeClr val="accent3"/>
+      <a:schemeClr val="accent4"/>
+    </dgm:linClrLst>
+    <dgm:effectClrLst/>
+    <dgm:txLinClrLst/>
+    <dgm:txFillClrLst meth="repeat">
+      <a:schemeClr val="tx1"/>
+    </dgm:txFillClrLst>
+    <dgm:txEffectClrLst/>
+  </dgm:styleLbl>
+  <dgm:styleLbl name="callout">
+    <dgm:fillClrLst meth="repeat">
+      <a:schemeClr val="accent3"/>
+    </dgm:fillClrLst>
+    <dgm:linClrLst meth="repeat">
+      <a:schemeClr val="accent3">
+        <a:tint val="50000"/>
+      </a:schemeClr>
+    </dgm:linClrLst>
+    <dgm:effectClrLst/>
+    <dgm:txLinClrLst/>
+    <dgm:txFillClrLst meth="repeat">
+      <a:schemeClr val="tx1"/>
+    </dgm:txFillClrLst>
+    <dgm:txEffectClrLst/>
+  </dgm:styleLbl>
+  <dgm:styleLbl name="asst0">
+    <dgm:fillClrLst meth="repeat">
+      <a:schemeClr val="accent3"/>
+    </dgm:fillClrLst>
+    <dgm:linClrLst meth="repeat">
+      <a:schemeClr val="lt1">
+        <a:shade val="80000"/>
+      </a:schemeClr>
+    </dgm:linClrLst>
+    <dgm:effectClrLst/>
+    <dgm:txLinClrLst/>
+    <dgm:txFillClrLst/>
+    <dgm:txEffectClrLst/>
+  </dgm:styleLbl>
+  <dgm:styleLbl name="asst1">
+    <dgm:fillClrLst meth="repeat">
+      <a:schemeClr val="accent4"/>
+    </dgm:fillClrLst>
+    <dgm:linClrLst meth="repeat">
+      <a:schemeClr val="lt1">
+        <a:shade val="80000"/>
+      </a:schemeClr>
+    </dgm:linClrLst>
+    <dgm:effectClrLst/>
+    <dgm:txLinClrLst/>
+    <dgm:txFillClrLst/>
+    <dgm:txEffectClrLst/>
+  </dgm:styleLbl>
+  <dgm:styleLbl name="asst2">
+    <dgm:fillClrLst>
+      <a:schemeClr val="accent5"/>
+    </dgm:fillClrLst>
+    <dgm:linClrLst meth="repeat">
+      <a:schemeClr val="lt1"/>
+    </dgm:linClrLst>
+    <dgm:effectClrLst/>
+    <dgm:txLinClrLst/>
+    <dgm:txFillClrLst/>
+    <dgm:txEffectClrLst/>
+  </dgm:styleLbl>
+  <dgm:styleLbl name="asst3">
+    <dgm:fillClrLst>
+      <a:schemeClr val="accent6"/>
+    </dgm:fillClrLst>
+    <dgm:linClrLst meth="repeat">
+      <a:schemeClr val="lt1"/>
+    </dgm:linClrLst>
+    <dgm:effectClrLst/>
+    <dgm:txLinClrLst/>
+    <dgm:txFillClrLst/>
+    <dgm:txEffectClrLst/>
+  </dgm:styleLbl>
+  <dgm:styleLbl name="asst4">
+    <dgm:fillClrLst>
+      <a:schemeClr val="accent1"/>
+    </dgm:fillClrLst>
+    <dgm:linClrLst meth="repeat">
+      <a:schemeClr val="lt1"/>
+    </dgm:linClrLst>
+    <dgm:effectClrLst/>
+    <dgm:txLinClrLst/>
+    <dgm:txFillClrLst/>
+    <dgm:txEffectClrLst/>
+  </dgm:styleLbl>
+  <dgm:styleLbl name="parChTrans2D1">
+    <dgm:fillClrLst meth="repeat">
+      <a:schemeClr val="accent2"/>
+    </dgm:fillClrLst>
+    <dgm:linClrLst meth="repeat">
+      <a:schemeClr val="lt1"/>
+    </dgm:linClrLst>
+    <dgm:effectClrLst/>
+    <dgm:txLinClrLst/>
+    <dgm:txFillClrLst meth="repeat">
+      <a:schemeClr val="lt1"/>
+    </dgm:txFillClrLst>
+    <dgm:txEffectClrLst/>
+  </dgm:styleLbl>
+  <dgm:styleLbl name="parChTrans2D2">
+    <dgm:fillClrLst meth="repeat">
+      <a:schemeClr val="accent3"/>
+    </dgm:fillClrLst>
+    <dgm:linClrLst meth="repeat">
+      <a:schemeClr val="lt1"/>
+    </dgm:linClrLst>
+    <dgm:effectClrLst/>
+    <dgm:txLinClrLst/>
+    <dgm:txFillClrLst/>
+    <dgm:txEffectClrLst/>
+  </dgm:styleLbl>
+  <dgm:styleLbl name="parChTrans2D3">
+    <dgm:fillClrLst meth="repeat">
+      <a:schemeClr val="accent4"/>
+    </dgm:fillClrLst>
+    <dgm:linClrLst meth="repeat">
+      <a:schemeClr val="lt1"/>
+    </dgm:linClrLst>
+    <dgm:effectClrLst/>
+    <dgm:txLinClrLst/>
+    <dgm:txFillClrLst/>
+    <dgm:txEffectClrLst/>
+  </dgm:styleLbl>
+  <dgm:styleLbl name="parChTrans2D4">
+    <dgm:fillClrLst meth="repeat">
+      <a:schemeClr val="accent5"/>
+    </dgm:fillClrLst>
+    <dgm:linClrLst meth="repeat">
+      <a:schemeClr val="lt1"/>
+    </dgm:linClrLst>
+    <dgm:effectClrLst/>
+    <dgm:txLinClrLst/>
+    <dgm:txFillClrLst meth="repeat">
+      <a:schemeClr val="lt1"/>
+    </dgm:txFillClrLst>
+    <dgm:txEffectClrLst/>
+  </dgm:styleLbl>
+  <dgm:styleLbl name="parChTrans1D1">
+    <dgm:fillClrLst meth="repeat">
+      <a:schemeClr val="accent3"/>
+    </dgm:fillClrLst>
+    <dgm:linClrLst meth="repeat">
+      <a:schemeClr val="accent3"/>
+    </dgm:linClrLst>
+    <dgm:effectClrLst/>
+    <dgm:txLinClrLst/>
+    <dgm:txFillClrLst meth="repeat">
+      <a:schemeClr val="tx1"/>
+    </dgm:txFillClrLst>
+    <dgm:txEffectClrLst/>
+  </dgm:styleLbl>
+  <dgm:styleLbl name="parChTrans1D2">
+    <dgm:fillClrLst meth="repeat">
+      <a:schemeClr val="accent2">
+        <a:tint val="90000"/>
+      </a:schemeClr>
+    </dgm:fillClrLst>
+    <dgm:linClrLst meth="repeat">
+      <a:schemeClr val="accent4"/>
+    </dgm:linClrLst>
+    <dgm:effectClrLst/>
+    <dgm:txLinClrLst/>
+    <dgm:txFillClrLst meth="repeat">
+      <a:schemeClr val="tx1"/>
+    </dgm:txFillClrLst>
+    <dgm:txEffectClrLst/>
+  </dgm:styleLbl>
+  <dgm:styleLbl name="parChTrans1D3">
+    <dgm:fillClrLst meth="repeat">
+      <a:schemeClr val="accent2">
+        <a:tint val="70000"/>
+      </a:schemeClr>
+    </dgm:fillClrLst>
+    <dgm:linClrLst meth="repeat">
+      <a:schemeClr val="accent5"/>
+    </dgm:linClrLst>
+    <dgm:effectClrLst/>
+    <dgm:txLinClrLst/>
+    <dgm:txFillClrLst meth="repeat">
+      <a:schemeClr val="tx1"/>
+    </dgm:txFillClrLst>
+    <dgm:txEffectClrLst/>
+  </dgm:styleLbl>
+  <dgm:styleLbl name="parChTrans1D4">
+    <dgm:fillClrLst meth="repeat">
+      <a:schemeClr val="accent6">
+        <a:tint val="50000"/>
+      </a:schemeClr>
+    </dgm:fillClrLst>
+    <dgm:linClrLst meth="repeat">
+      <a:schemeClr val="accent6"/>
+    </dgm:linClrLst>
+    <dgm:effectClrLst/>
+    <dgm:txLinClrLst/>
+    <dgm:txFillClrLst meth="repeat">
+      <a:schemeClr val="tx1"/>
+    </dgm:txFillClrLst>
+    <dgm:txEffectClrLst/>
+  </dgm:styleLbl>
+  <dgm:styleLbl name="fgAcc1">
+    <dgm:fillClrLst meth="repeat">
+      <a:schemeClr val="lt1">
+        <a:alpha val="90000"/>
+      </a:schemeClr>
+    </dgm:fillClrLst>
+    <dgm:linClrLst>
+      <a:schemeClr val="accent3"/>
+      <a:schemeClr val="accent4"/>
+    </dgm:linClrLst>
+    <dgm:effectClrLst/>
+    <dgm:txLinClrLst/>
+    <dgm:txFillClrLst meth="repeat">
+      <a:schemeClr val="dk1"/>
+    </dgm:txFillClrLst>
+    <dgm:txEffectClrLst/>
+  </dgm:styleLbl>
+  <dgm:styleLbl name="conFgAcc1">
+    <dgm:fillClrLst meth="repeat">
+      <a:schemeClr val="lt1">
+        <a:alpha val="90000"/>
+      </a:schemeClr>
+    </dgm:fillClrLst>
+    <dgm:linClrLst>
+      <a:schemeClr val="accent3"/>
+      <a:schemeClr val="accent4"/>
+    </dgm:linClrLst>
+    <dgm:effectClrLst/>
+    <dgm:txLinClrLst/>
+    <dgm:txFillClrLst meth="repeat">
+      <a:schemeClr val="dk1"/>
+    </dgm:txFillClrLst>
+    <dgm:txEffectClrLst/>
+  </dgm:styleLbl>
+  <dgm:styleLbl name="alignAcc1">
+    <dgm:fillClrLst meth="repeat">
+      <a:schemeClr val="lt1">
+        <a:alpha val="90000"/>
+      </a:schemeClr>
+    </dgm:fillClrLst>
+    <dgm:linClrLst>
+      <a:schemeClr val="accent3"/>
+      <a:schemeClr val="accent4"/>
+    </dgm:linClrLst>
+    <dgm:effectClrLst/>
+    <dgm:txLinClrLst/>
+    <dgm:txFillClrLst meth="repeat">
+      <a:schemeClr val="dk1"/>
+    </dgm:txFillClrLst>
+    <dgm:txEffectClrLst/>
+  </dgm:styleLbl>
+  <dgm:styleLbl name="trAlignAcc1">
+    <dgm:fillClrLst meth="repeat">
+      <a:schemeClr val="lt1">
+        <a:alpha val="40000"/>
+      </a:schemeClr>
+    </dgm:fillClrLst>
+    <dgm:linClrLst meth="repeat">
+      <a:schemeClr val="accent2"/>
+    </dgm:linClrLst>
+    <dgm:effectClrLst/>
+    <dgm:txLinClrLst/>
+    <dgm:txFillClrLst meth="repeat">
+      <a:schemeClr val="dk1"/>
+    </dgm:txFillClrLst>
+    <dgm:txEffectClrLst/>
+  </dgm:styleLbl>
+  <dgm:styleLbl name="bgAcc1">
+    <dgm:fillClrLst meth="repeat">
+      <a:schemeClr val="lt1">
+        <a:alpha val="90000"/>
+      </a:schemeClr>
+    </dgm:fillClrLst>
+    <dgm:linClrLst>
+      <a:schemeClr val="accent3"/>
+      <a:schemeClr val="accent4"/>
+    </dgm:linClrLst>
+    <dgm:effectClrLst/>
+    <dgm:txLinClrLst/>
+    <dgm:txFillClrLst meth="repeat">
+      <a:schemeClr val="dk1"/>
+    </dgm:txFillClrLst>
+    <dgm:txEffectClrLst/>
+  </dgm:styleLbl>
+  <dgm:styleLbl name="solidFgAcc1">
+    <dgm:fillClrLst meth="repeat">
+      <a:schemeClr val="lt1"/>
+    </dgm:fillClrLst>
+    <dgm:linClrLst>
+      <a:schemeClr val="accent3"/>
+      <a:schemeClr val="accent4"/>
+    </dgm:linClrLst>
+    <dgm:effectClrLst/>
+    <dgm:txLinClrLst/>
+    <dgm:txFillClrLst meth="repeat">
+      <a:schemeClr val="dk1"/>
+    </dgm:txFillClrLst>
+    <dgm:txEffectClrLst/>
+  </dgm:styleLbl>
+  <dgm:styleLbl name="solidAlignAcc1">
+    <dgm:fillClrLst meth="repeat">
+      <a:schemeClr val="lt1"/>
+    </dgm:fillClrLst>
+    <dgm:linClrLst>
+      <a:schemeClr val="accent3"/>
+      <a:schemeClr val="accent4"/>
+    </dgm:linClrLst>
+    <dgm:effectClrLst/>
+    <dgm:txLinClrLst/>
+    <dgm:txFillClrLst meth="repeat">
+      <a:schemeClr val="dk1"/>
+    </dgm:txFillClrLst>
+    <dgm:txEffectClrLst/>
+  </dgm:styleLbl>
+  <dgm:styleLbl name="solidBgAcc1">
+    <dgm:fillClrLst meth="repeat">
+      <a:schemeClr val="lt1"/>
+    </dgm:fillClrLst>
+    <dgm:linClrLst>
+      <a:schemeClr val="accent3"/>
+      <a:schemeClr val="accent4"/>
+    </dgm:linClrLst>
+    <dgm:effectClrLst/>
+    <dgm:txLinClrLst/>
+    <dgm:txFillClrLst meth="repeat">
+      <a:schemeClr val="dk1"/>
+    </dgm:txFillClrLst>
+    <dgm:txEffectClrLst/>
+  </dgm:styleLbl>
+  <dgm:styleLbl name="fgAccFollowNode1">
+    <dgm:fillClrLst>
+      <a:schemeClr val="accent3">
+        <a:tint val="40000"/>
+        <a:alpha val="90000"/>
+      </a:schemeClr>
+      <a:schemeClr val="accent4">
+        <a:tint val="40000"/>
+        <a:alpha val="90000"/>
+      </a:schemeClr>
+    </dgm:fillClrLst>
+    <dgm:linClrLst>
+      <a:schemeClr val="accent3">
+        <a:tint val="40000"/>
+        <a:alpha val="90000"/>
+      </a:schemeClr>
+      <a:schemeClr val="accent4">
+        <a:tint val="40000"/>
+        <a:alpha val="90000"/>
+      </a:schemeClr>
+    </dgm:linClrLst>
+    <dgm:effectClrLst/>
+    <dgm:txLinClrLst/>
+    <dgm:txFillClrLst meth="repeat">
+      <a:schemeClr val="dk1"/>
+    </dgm:txFillClrLst>
+    <dgm:txEffectClrLst/>
+  </dgm:styleLbl>
+  <dgm:styleLbl name="alignAccFollowNode1">
+    <dgm:fillClrLst>
+      <a:schemeClr val="accent3">
+        <a:tint val="40000"/>
+        <a:alpha val="90000"/>
+      </a:schemeClr>
+      <a:schemeClr val="accent4">
+        <a:tint val="40000"/>
+        <a:alpha val="90000"/>
+      </a:schemeClr>
+    </dgm:fillClrLst>
+    <dgm:linClrLst>
+      <a:schemeClr val="accent3">
+        <a:tint val="40000"/>
+        <a:alpha val="90000"/>
+      </a:schemeClr>
+      <a:schemeClr val="accent4">
+        <a:tint val="40000"/>
+        <a:alpha val="90000"/>
+      </a:schemeClr>
+    </dgm:linClrLst>
+    <dgm:effectClrLst/>
+    <dgm:txLinClrLst/>
+    <dgm:txFillClrLst meth="repeat">
+      <a:schemeClr val="dk1"/>
+    </dgm:txFillClrLst>
+    <dgm:txEffectClrLst/>
+  </dgm:styleLbl>
+  <dgm:styleLbl name="bgAccFollowNode1">
+    <dgm:fillClrLst>
+      <a:schemeClr val="accent3">
+        <a:tint val="40000"/>
+        <a:alpha val="90000"/>
+      </a:schemeClr>
+      <a:schemeClr val="accent4">
+        <a:tint val="40000"/>
+        <a:alpha val="90000"/>
+      </a:schemeClr>
+    </dgm:fillClrLst>
+    <dgm:linClrLst>
+      <a:schemeClr val="accent3">
+        <a:tint val="40000"/>
+        <a:alpha val="90000"/>
+      </a:schemeClr>
+      <a:schemeClr val="accent4">
+        <a:tint val="40000"/>
+        <a:alpha val="90000"/>
+      </a:schemeClr>
+    </dgm:linClrLst>
+    <dgm:effectClrLst/>
+    <dgm:txLinClrLst/>
+    <dgm:txFillClrLst meth="repeat">
+      <a:schemeClr val="dk1"/>
+    </dgm:txFillClrLst>
+    <dgm:txEffectClrLst/>
+  </dgm:styleLbl>
+  <dgm:styleLbl name="fgAcc0">
+    <dgm:fillClrLst meth="repeat">
+      <a:schemeClr val="lt1">
+        <a:alpha val="90000"/>
+      </a:schemeClr>
+    </dgm:fillClrLst>
+    <dgm:linClrLst>
+      <a:schemeClr val="accent2"/>
+    </dgm:linClrLst>
+    <dgm:effectClrLst/>
+    <dgm:txLinClrLst/>
+    <dgm:txFillClrLst meth="repeat">
+      <a:schemeClr val="dk1"/>
+    </dgm:txFillClrLst>
+    <dgm:txEffectClrLst/>
+  </dgm:styleLbl>
+  <dgm:styleLbl name="fgAcc2">
+    <dgm:fillClrLst meth="repeat">
+      <a:schemeClr val="lt1">
+        <a:alpha val="90000"/>
+      </a:schemeClr>
+    </dgm:fillClrLst>
+    <dgm:linClrLst>
+      <a:schemeClr val="accent4"/>
+    </dgm:linClrLst>
+    <dgm:effectClrLst/>
+    <dgm:txLinClrLst/>
+    <dgm:txFillClrLst meth="repeat">
+      <a:schemeClr val="dk1"/>
+    </dgm:txFillClrLst>
+    <dgm:txEffectClrLst/>
+  </dgm:styleLbl>
+  <dgm:styleLbl name="fgAcc3">
+    <dgm:fillClrLst meth="repeat">
+      <a:schemeClr val="lt1">
+        <a:alpha val="90000"/>
+      </a:schemeClr>
+    </dgm:fillClrLst>
+    <dgm:linClrLst>
+      <a:schemeClr val="accent5"/>
+    </dgm:linClrLst>
+    <dgm:effectClrLst/>
+    <dgm:txLinClrLst/>
+    <dgm:txFillClrLst meth="repeat">
+      <a:schemeClr val="dk1"/>
+    </dgm:txFillClrLst>
+    <dgm:txEffectClrLst/>
+  </dgm:styleLbl>
+  <dgm:styleLbl name="fgAcc4">
+    <dgm:fillClrLst meth="repeat">
+      <a:schemeClr val="lt1">
+        <a:alpha val="90000"/>
+      </a:schemeClr>
+    </dgm:fillClrLst>
+    <dgm:linClrLst>
+      <a:schemeClr val="accent6"/>
+    </dgm:linClrLst>
+    <dgm:effectClrLst/>
+    <dgm:txLinClrLst/>
+    <dgm:txFillClrLst meth="repeat">
+      <a:schemeClr val="dk1"/>
+    </dgm:txFillClrLst>
+    <dgm:txEffectClrLst/>
+  </dgm:styleLbl>
+  <dgm:styleLbl name="bgShp">
+    <dgm:fillClrLst meth="repeat">
+      <a:schemeClr val="accent3">
+        <a:tint val="40000"/>
+      </a:schemeClr>
+    </dgm:fillClrLst>
+    <dgm:linClrLst meth="repeat">
+      <a:schemeClr val="dk1"/>
+    </dgm:linClrLst>
+    <dgm:effectClrLst/>
+    <dgm:txLinClrLst/>
+    <dgm:txFillClrLst meth="repeat">
+      <a:schemeClr val="dk1"/>
+    </dgm:txFillClrLst>
+    <dgm:txEffectClrLst/>
+  </dgm:styleLbl>
+  <dgm:styleLbl name="dkBgShp">
+    <dgm:fillClrLst meth="repeat">
+      <a:schemeClr val="accent3">
+        <a:shade val="90000"/>
+      </a:schemeClr>
+    </dgm:fillClrLst>
+    <dgm:linClrLst meth="repeat">
+      <a:schemeClr val="dk1"/>
+    </dgm:linClrLst>
+    <dgm:effectClrLst/>
+    <dgm:txLinClrLst/>
+    <dgm:txFillClrLst meth="repeat">
+      <a:schemeClr val="lt1"/>
+    </dgm:txFillClrLst>
+    <dgm:txEffectClrLst/>
+  </dgm:styleLbl>
+  <dgm:styleLbl name="trBgShp">
+    <dgm:fillClrLst meth="repeat">
+      <a:schemeClr val="accent2">
+        <a:tint val="50000"/>
+        <a:alpha val="40000"/>
+      </a:schemeClr>
+    </dgm:fillClrLst>
+    <dgm:linClrLst meth="repeat">
+      <a:schemeClr val="accent3"/>
+    </dgm:linClrLst>
+    <dgm:effectClrLst/>
+    <dgm:txLinClrLst/>
+    <dgm:txFillClrLst meth="repeat">
+      <a:schemeClr val="lt1"/>
+    </dgm:txFillClrLst>
+    <dgm:txEffectClrLst/>
+  </dgm:styleLbl>
+  <dgm:styleLbl name="fgShp">
+    <dgm:fillClrLst meth="repeat">
+      <a:schemeClr val="accent3">
+        <a:tint val="40000"/>
+      </a:schemeClr>
+    </dgm:fillClrLst>
+    <dgm:linClrLst meth="repeat">
+      <a:schemeClr val="lt1"/>
+    </dgm:linClrLst>
+    <dgm:effectClrLst/>
+    <dgm:txLinClrLst/>
+    <dgm:txFillClrLst meth="repeat">
+      <a:schemeClr val="dk1"/>
+    </dgm:txFillClrLst>
+    <dgm:txEffectClrLst/>
+  </dgm:styleLbl>
+  <dgm:styleLbl name="revTx">
+    <dgm:fillClrLst meth="repeat">
+      <a:schemeClr val="lt1">
+        <a:alpha val="0"/>
+      </a:schemeClr>
+    </dgm:fillClrLst>
+    <dgm:linClrLst meth="repeat">
+      <a:schemeClr val="dk1">
+        <a:alpha val="0"/>
+      </a:schemeClr>
+    </dgm:linClrLst>
+    <dgm:effectClrLst/>
+    <dgm:txLinClrLst/>
+    <dgm:txFillClrLst meth="repeat">
+      <a:schemeClr val="tx1"/>
+    </dgm:txFillClrLst>
+    <dgm:txEffectClrLst/>
+  </dgm:styleLbl>
+</dgm:colorsDef>
+</file>
+
+<file path=ppt/diagrams/colors2.xml><?xml version="1.0" encoding="utf-8"?>
+<dgm:colorsDef xmlns:dgm="http://schemas.openxmlformats.org/drawingml/2006/diagram" xmlns:a="http://schemas.openxmlformats.org/drawingml/2006/main" uniqueId="urn:microsoft.com/office/officeart/2005/8/colors/colorful3">
+  <dgm:title val=""/>
+  <dgm:desc val=""/>
+  <dgm:catLst>
+    <dgm:cat type="colorful" pri="10300"/>
+  </dgm:catLst>
+  <dgm:styleLbl name="node0">
+    <dgm:fillClrLst meth="repeat">
+      <a:schemeClr val="accent2"/>
+    </dgm:fillClrLst>
+    <dgm:linClrLst meth="repeat">
+      <a:schemeClr val="lt1"/>
+    </dgm:linClrLst>
+    <dgm:effectClrLst/>
+    <dgm:txLinClrLst/>
+    <dgm:txFillClrLst/>
+    <dgm:txEffectClrLst/>
+  </dgm:styleLbl>
+  <dgm:styleLbl name="node1">
+    <dgm:fillClrLst>
+      <a:schemeClr val="accent3"/>
+      <a:schemeClr val="accent4"/>
+    </dgm:fillClrLst>
+    <dgm:linClrLst meth="repeat">
+      <a:schemeClr val="lt1"/>
+    </dgm:linClrLst>
+    <dgm:effectClrLst/>
+    <dgm:txLinClrLst/>
+    <dgm:txFillClrLst/>
+    <dgm:txEffectClrLst/>
+  </dgm:styleLbl>
+  <dgm:styleLbl name="alignNode1">
+    <dgm:fillClrLst>
+      <a:schemeClr val="accent3"/>
+      <a:schemeClr val="accent4"/>
+    </dgm:fillClrLst>
+    <dgm:linClrLst>
+      <a:schemeClr val="accent3"/>
+      <a:schemeClr val="accent4"/>
+    </dgm:linClrLst>
+    <dgm:effectClrLst/>
+    <dgm:txLinClrLst/>
+    <dgm:txFillClrLst/>
+    <dgm:txEffectClrLst/>
+  </dgm:styleLbl>
+  <dgm:styleLbl name="lnNode1">
+    <dgm:fillClrLst>
+      <a:schemeClr val="accent3"/>
+      <a:schemeClr val="accent4"/>
+    </dgm:fillClrLst>
+    <dgm:linClrLst meth="repeat">
+      <a:schemeClr val="lt1"/>
+    </dgm:linClrLst>
+    <dgm:effectClrLst/>
+    <dgm:txLinClrLst/>
+    <dgm:txFillClrLst/>
+    <dgm:txEffectClrLst/>
+  </dgm:styleLbl>
+  <dgm:styleLbl name="vennNode1">
+    <dgm:fillClrLst>
+      <a:schemeClr val="accent3">
+        <a:alpha val="50000"/>
+      </a:schemeClr>
+      <a:schemeClr val="accent4">
+        <a:alpha val="50000"/>
+      </a:schemeClr>
+    </dgm:fillClrLst>
+    <dgm:linClrLst meth="repeat">
+      <a:schemeClr val="lt1"/>
+    </dgm:linClrLst>
+    <dgm:effectClrLst/>
+    <dgm:txLinClrLst/>
+    <dgm:txFillClrLst/>
+    <dgm:txEffectClrLst/>
+  </dgm:styleLbl>
+  <dgm:styleLbl name="node2">
+    <dgm:fillClrLst>
+      <a:schemeClr val="accent4"/>
+    </dgm:fillClrLst>
+    <dgm:linClrLst meth="repeat">
+      <a:schemeClr val="lt1"/>
+    </dgm:linClrLst>
+    <dgm:effectClrLst/>
+    <dgm:txLinClrLst/>
+    <dgm:txFillClrLst/>
+    <dgm:txEffectClrLst/>
+  </dgm:styleLbl>
+  <dgm:styleLbl name="node3">
+    <dgm:fillClrLst>
+      <a:schemeClr val="accent5"/>
+    </dgm:fillClrLst>
+    <dgm:linClrLst meth="repeat">
+      <a:schemeClr val="lt1"/>
+    </dgm:linClrLst>
+    <dgm:effectClrLst/>
+    <dgm:txLinClrLst/>
+    <dgm:txFillClrLst/>
+    <dgm:txEffectClrLst/>
+  </dgm:styleLbl>
+  <dgm:styleLbl name="node4">
+    <dgm:fillClrLst>
+      <a:schemeClr val="accent6"/>
+    </dgm:fillClrLst>
+    <dgm:linClrLst meth="repeat">
+      <a:schemeClr val="lt1"/>
+    </dgm:linClrLst>
+    <dgm:effectClrLst/>
+    <dgm:txLinClrLst/>
+    <dgm:txFillClrLst/>
+    <dgm:txEffectClrLst/>
+  </dgm:styleLbl>
+  <dgm:styleLbl name="fgImgPlace1">
+    <dgm:fillClrLst>
+      <a:schemeClr val="accent3">
+        <a:tint val="50000"/>
+      </a:schemeClr>
+      <a:schemeClr val="accent4">
+        <a:tint val="50000"/>
+      </a:schemeClr>
+    </dgm:fillClrLst>
+    <dgm:linClrLst meth="repeat">
+      <a:schemeClr val="lt1"/>
+    </dgm:linClrLst>
+    <dgm:effectClrLst/>
+    <dgm:txLinClrLst/>
+    <dgm:txFillClrLst meth="repeat">
+      <a:schemeClr val="lt1"/>
+    </dgm:txFillClrLst>
+    <dgm:txEffectClrLst/>
+  </dgm:styleLbl>
+  <dgm:styleLbl name="alignImgPlace1">
+    <dgm:fillClrLst>
+      <a:schemeClr val="accent3">
+        <a:tint val="50000"/>
+      </a:schemeClr>
+      <a:schemeClr val="accent4">
+        <a:tint val="20000"/>
+      </a:schemeClr>
+    </dgm:fillClrLst>
+    <dgm:linClrLst meth="repeat">
+      <a:schemeClr val="lt1"/>
+    </dgm:linClrLst>
+    <dgm:effectClrLst/>
+    <dgm:txLinClrLst/>
+    <dgm:txFillClrLst meth="repeat">
+      <a:schemeClr val="lt1"/>
+    </dgm:txFillClrLst>
+    <dgm:txEffectClrLst/>
+  </dgm:styleLbl>
+  <dgm:styleLbl name="bgImgPlace1">
+    <dgm:fillClrLst>
+      <a:schemeClr val="accent3">
+        <a:tint val="50000"/>
+      </a:schemeClr>
+      <a:schemeClr val="accent4">
+        <a:tint val="20000"/>
+      </a:schemeClr>
+    </dgm:fillClrLst>
+    <dgm:linClrLst meth="repeat">
+      <a:schemeClr val="lt1"/>
+    </dgm:linClrLst>
+    <dgm:effectClrLst/>
+    <dgm:txLinClrLst/>
+    <dgm:txFillClrLst meth="repeat">
+      <a:schemeClr val="lt1"/>
+    </dgm:txFillClrLst>
+    <dgm:txEffectClrLst/>
+  </dgm:styleLbl>
+  <dgm:styleLbl name="sibTrans2D1">
+    <dgm:fillClrLst>
+      <a:schemeClr val="accent3"/>
+      <a:schemeClr val="accent4"/>
+    </dgm:fillClrLst>
+    <dgm:linClrLst meth="repeat">
+      <a:schemeClr val="lt1"/>
+    </dgm:linClrLst>
+    <dgm:effectClrLst/>
+    <dgm:txLinClrLst/>
+    <dgm:txFillClrLst/>
+    <dgm:txEffectClrLst/>
+  </dgm:styleLbl>
+  <dgm:styleLbl name="fgSibTrans2D1">
+    <dgm:fillClrLst>
+      <a:schemeClr val="accent3"/>
+      <a:schemeClr val="accent4"/>
+    </dgm:fillClrLst>
+    <dgm:linClrLst meth="repeat">
+      <a:schemeClr val="lt1"/>
+    </dgm:linClrLst>
+    <dgm:effectClrLst/>
+    <dgm:txLinClrLst/>
+    <dgm:txFillClrLst meth="repeat">
+      <a:schemeClr val="lt1"/>
+    </dgm:txFillClrLst>
+    <dgm:txEffectClrLst/>
+  </dgm:styleLbl>
+  <dgm:styleLbl name="bgSibTrans2D1">
+    <dgm:fillClrLst>
+      <a:schemeClr val="accent3"/>
+      <a:schemeClr val="accent4"/>
+    </dgm:fillClrLst>
+    <dgm:linClrLst meth="repeat">
+      <a:schemeClr val="lt1"/>
+    </dgm:linClrLst>
+    <dgm:effectClrLst/>
+    <dgm:txLinClrLst/>
+    <dgm:txFillClrLst meth="repeat">
+      <a:schemeClr val="lt1"/>
+    </dgm:txFillClrLst>
+    <dgm:txEffectClrLst/>
+  </dgm:styleLbl>
+  <dgm:styleLbl name="sibTrans1D1">
+    <dgm:fillClrLst/>
+    <dgm:linClrLst>
+      <a:schemeClr val="accent3"/>
+      <a:schemeClr val="accent4"/>
+    </dgm:linClrLst>
+    <dgm:effectClrLst/>
+    <dgm:txLinClrLst/>
+    <dgm:txFillClrLst meth="repeat">
+      <a:schemeClr val="tx1"/>
+    </dgm:txFillClrLst>
+    <dgm:txEffectClrLst/>
+  </dgm:styleLbl>
+  <dgm:styleLbl name="callout">
+    <dgm:fillClrLst meth="repeat">
+      <a:schemeClr val="accent3"/>
+    </dgm:fillClrLst>
+    <dgm:linClrLst meth="repeat">
+      <a:schemeClr val="accent3">
+        <a:tint val="50000"/>
+      </a:schemeClr>
+    </dgm:linClrLst>
+    <dgm:effectClrLst/>
+    <dgm:txLinClrLst/>
+    <dgm:txFillClrLst meth="repeat">
+      <a:schemeClr val="tx1"/>
+    </dgm:txFillClrLst>
+    <dgm:txEffectClrLst/>
+  </dgm:styleLbl>
+  <dgm:styleLbl name="asst0">
+    <dgm:fillClrLst meth="repeat">
+      <a:schemeClr val="accent3"/>
+    </dgm:fillClrLst>
+    <dgm:linClrLst meth="repeat">
+      <a:schemeClr val="lt1">
+        <a:shade val="80000"/>
+      </a:schemeClr>
+    </dgm:linClrLst>
+    <dgm:effectClrLst/>
+    <dgm:txLinClrLst/>
+    <dgm:txFillClrLst/>
+    <dgm:txEffectClrLst/>
+  </dgm:styleLbl>
+  <dgm:styleLbl name="asst1">
+    <dgm:fillClrLst meth="repeat">
+      <a:schemeClr val="accent4"/>
+    </dgm:fillClrLst>
+    <dgm:linClrLst meth="repeat">
+      <a:schemeClr val="lt1">
+        <a:shade val="80000"/>
+      </a:schemeClr>
+    </dgm:linClrLst>
+    <dgm:effectClrLst/>
+    <dgm:txLinClrLst/>
+    <dgm:txFillClrLst/>
+    <dgm:txEffectClrLst/>
+  </dgm:styleLbl>
+  <dgm:styleLbl name="asst2">
+    <dgm:fillClrLst>
+      <a:schemeClr val="accent5"/>
+    </dgm:fillClrLst>
+    <dgm:linClrLst meth="repeat">
+      <a:schemeClr val="lt1"/>
+    </dgm:linClrLst>
+    <dgm:effectClrLst/>
+    <dgm:txLinClrLst/>
+    <dgm:txFillClrLst/>
+    <dgm:txEffectClrLst/>
+  </dgm:styleLbl>
+  <dgm:styleLbl name="asst3">
+    <dgm:fillClrLst>
+      <a:schemeClr val="accent6"/>
+    </dgm:fillClrLst>
+    <dgm:linClrLst meth="repeat">
+      <a:schemeClr val="lt1"/>
+    </dgm:linClrLst>
+    <dgm:effectClrLst/>
+    <dgm:txLinClrLst/>
+    <dgm:txFillClrLst/>
+    <dgm:txEffectClrLst/>
+  </dgm:styleLbl>
+  <dgm:styleLbl name="asst4">
+    <dgm:fillClrLst>
+      <a:schemeClr val="accent1"/>
+    </dgm:fillClrLst>
+    <dgm:linClrLst meth="repeat">
+      <a:schemeClr val="lt1"/>
+    </dgm:linClrLst>
+    <dgm:effectClrLst/>
+    <dgm:txLinClrLst/>
+    <dgm:txFillClrLst/>
+    <dgm:txEffectClrLst/>
+  </dgm:styleLbl>
+  <dgm:styleLbl name="parChTrans2D1">
+    <dgm:fillClrLst meth="repeat">
+      <a:schemeClr val="accent2"/>
+    </dgm:fillClrLst>
+    <dgm:linClrLst meth="repeat">
+      <a:schemeClr val="lt1"/>
+    </dgm:linClrLst>
+    <dgm:effectClrLst/>
+    <dgm:txLinClrLst/>
+    <dgm:txFillClrLst meth="repeat">
+      <a:schemeClr val="lt1"/>
+    </dgm:txFillClrLst>
+    <dgm:txEffectClrLst/>
+  </dgm:styleLbl>
+  <dgm:styleLbl name="parChTrans2D2">
+    <dgm:fillClrLst meth="repeat">
+      <a:schemeClr val="accent3"/>
+    </dgm:fillClrLst>
+    <dgm:linClrLst meth="repeat">
+      <a:schemeClr val="lt1"/>
+    </dgm:linClrLst>
+    <dgm:effectClrLst/>
+    <dgm:txLinClrLst/>
+    <dgm:txFillClrLst/>
+    <dgm:txEffectClrLst/>
+  </dgm:styleLbl>
+  <dgm:styleLbl name="parChTrans2D3">
+    <dgm:fillClrLst meth="repeat">
+      <a:schemeClr val="accent4"/>
+    </dgm:fillClrLst>
+    <dgm:linClrLst meth="repeat">
+      <a:schemeClr val="lt1"/>
+    </dgm:linClrLst>
+    <dgm:effectClrLst/>
+    <dgm:txLinClrLst/>
+    <dgm:txFillClrLst/>
+    <dgm:txEffectClrLst/>
+  </dgm:styleLbl>
+  <dgm:styleLbl name="parChTrans2D4">
+    <dgm:fillClrLst meth="repeat">
+      <a:schemeClr val="accent5"/>
+    </dgm:fillClrLst>
+    <dgm:linClrLst meth="repeat">
+      <a:schemeClr val="lt1"/>
+    </dgm:linClrLst>
+    <dgm:effectClrLst/>
+    <dgm:txLinClrLst/>
+    <dgm:txFillClrLst meth="repeat">
+      <a:schemeClr val="lt1"/>
+    </dgm:txFillClrLst>
+    <dgm:txEffectClrLst/>
+  </dgm:styleLbl>
+  <dgm:styleLbl name="parChTrans1D1">
+    <dgm:fillClrLst meth="repeat">
+      <a:schemeClr val="accent3"/>
+    </dgm:fillClrLst>
+    <dgm:linClrLst meth="repeat">
+      <a:schemeClr val="accent3"/>
+    </dgm:linClrLst>
+    <dgm:effectClrLst/>
+    <dgm:txLinClrLst/>
+    <dgm:txFillClrLst meth="repeat">
+      <a:schemeClr val="tx1"/>
+    </dgm:txFillClrLst>
+    <dgm:txEffectClrLst/>
+  </dgm:styleLbl>
+  <dgm:styleLbl name="parChTrans1D2">
+    <dgm:fillClrLst meth="repeat">
+      <a:schemeClr val="accent2">
+        <a:tint val="90000"/>
+      </a:schemeClr>
+    </dgm:fillClrLst>
+    <dgm:linClrLst meth="repeat">
+      <a:schemeClr val="accent4"/>
+    </dgm:linClrLst>
+    <dgm:effectClrLst/>
+    <dgm:txLinClrLst/>
+    <dgm:txFillClrLst meth="repeat">
+      <a:schemeClr val="tx1"/>
+    </dgm:txFillClrLst>
+    <dgm:txEffectClrLst/>
+  </dgm:styleLbl>
+  <dgm:styleLbl name="parChTrans1D3">
+    <dgm:fillClrLst meth="repeat">
+      <a:schemeClr val="accent2">
+        <a:tint val="70000"/>
+      </a:schemeClr>
+    </dgm:fillClrLst>
+    <dgm:linClrLst meth="repeat">
+      <a:schemeClr val="accent5"/>
+    </dgm:linClrLst>
+    <dgm:effectClrLst/>
+    <dgm:txLinClrLst/>
+    <dgm:txFillClrLst meth="repeat">
+      <a:schemeClr val="tx1"/>
+    </dgm:txFillClrLst>
+    <dgm:txEffectClrLst/>
+  </dgm:styleLbl>
+  <dgm:styleLbl name="parChTrans1D4">
+    <dgm:fillClrLst meth="repeat">
+      <a:schemeClr val="accent6">
+        <a:tint val="50000"/>
+      </a:schemeClr>
+    </dgm:fillClrLst>
+    <dgm:linClrLst meth="repeat">
+      <a:schemeClr val="accent6"/>
+    </dgm:linClrLst>
+    <dgm:effectClrLst/>
+    <dgm:txLinClrLst/>
+    <dgm:txFillClrLst meth="repeat">
+      <a:schemeClr val="tx1"/>
+    </dgm:txFillClrLst>
+    <dgm:txEffectClrLst/>
+  </dgm:styleLbl>
+  <dgm:styleLbl name="fgAcc1">
+    <dgm:fillClrLst meth="repeat">
+      <a:schemeClr val="lt1">
+        <a:alpha val="90000"/>
+      </a:schemeClr>
+    </dgm:fillClrLst>
+    <dgm:linClrLst>
+      <a:schemeClr val="accent3"/>
+      <a:schemeClr val="accent4"/>
+    </dgm:linClrLst>
+    <dgm:effectClrLst/>
+    <dgm:txLinClrLst/>
+    <dgm:txFillClrLst meth="repeat">
+      <a:schemeClr val="dk1"/>
+    </dgm:txFillClrLst>
+    <dgm:txEffectClrLst/>
+  </dgm:styleLbl>
+  <dgm:styleLbl name="conFgAcc1">
+    <dgm:fillClrLst meth="repeat">
+      <a:schemeClr val="lt1">
+        <a:alpha val="90000"/>
+      </a:schemeClr>
+    </dgm:fillClrLst>
+    <dgm:linClrLst>
+      <a:schemeClr val="accent3"/>
+      <a:schemeClr val="accent4"/>
+    </dgm:linClrLst>
+    <dgm:effectClrLst/>
+    <dgm:txLinClrLst/>
+    <dgm:txFillClrLst meth="repeat">
+      <a:schemeClr val="dk1"/>
+    </dgm:txFillClrLst>
+    <dgm:txEffectClrLst/>
+  </dgm:styleLbl>
+  <dgm:styleLbl name="alignAcc1">
+    <dgm:fillClrLst meth="repeat">
+      <a:schemeClr val="lt1">
+        <a:alpha val="90000"/>
+      </a:schemeClr>
+    </dgm:fillClrLst>
+    <dgm:linClrLst>
+      <a:schemeClr val="accent3"/>
+      <a:schemeClr val="accent4"/>
+    </dgm:linClrLst>
+    <dgm:effectClrLst/>
+    <dgm:txLinClrLst/>
+    <dgm:txFillClrLst meth="repeat">
+      <a:schemeClr val="dk1"/>
+    </dgm:txFillClrLst>
+    <dgm:txEffectClrLst/>
+  </dgm:styleLbl>
+  <dgm:styleLbl name="trAlignAcc1">
+    <dgm:fillClrLst meth="repeat">
+      <a:schemeClr val="lt1">
+        <a:alpha val="40000"/>
+      </a:schemeClr>
+    </dgm:fillClrLst>
+    <dgm:linClrLst meth="repeat">
+      <a:schemeClr val="accent2"/>
+    </dgm:linClrLst>
+    <dgm:effectClrLst/>
+    <dgm:txLinClrLst/>
+    <dgm:txFillClrLst meth="repeat">
+      <a:schemeClr val="dk1"/>
+    </dgm:txFillClrLst>
+    <dgm:txEffectClrLst/>
+  </dgm:styleLbl>
+  <dgm:styleLbl name="bgAcc1">
+    <dgm:fillClrLst meth="repeat">
+      <a:schemeClr val="lt1">
+        <a:alpha val="90000"/>
+      </a:schemeClr>
+    </dgm:fillClrLst>
+    <dgm:linClrLst>
+      <a:schemeClr val="accent3"/>
+      <a:schemeClr val="accent4"/>
+    </dgm:linClrLst>
+    <dgm:effectClrLst/>
+    <dgm:txLinClrLst/>
+    <dgm:txFillClrLst meth="repeat">
+      <a:schemeClr val="dk1"/>
+    </dgm:txFillClrLst>
+    <dgm:txEffectClrLst/>
+  </dgm:styleLbl>
+  <dgm:styleLbl name="solidFgAcc1">
+    <dgm:fillClrLst meth="repeat">
+      <a:schemeClr val="lt1"/>
+    </dgm:fillClrLst>
+    <dgm:linClrLst>
+      <a:schemeClr val="accent3"/>
+      <a:schemeClr val="accent4"/>
+    </dgm:linClrLst>
+    <dgm:effectClrLst/>
+    <dgm:txLinClrLst/>
+    <dgm:txFillClrLst meth="repeat">
+      <a:schemeClr val="dk1"/>
+    </dgm:txFillClrLst>
+    <dgm:txEffectClrLst/>
+  </dgm:styleLbl>
+  <dgm:styleLbl name="solidAlignAcc1">
+    <dgm:fillClrLst meth="repeat">
+      <a:schemeClr val="lt1"/>
+    </dgm:fillClrLst>
+    <dgm:linClrLst>
+      <a:schemeClr val="accent3"/>
+      <a:schemeClr val="accent4"/>
+    </dgm:linClrLst>
+    <dgm:effectClrLst/>
+    <dgm:txLinClrLst/>
+    <dgm:txFillClrLst meth="repeat">
+      <a:schemeClr val="dk1"/>
+    </dgm:txFillClrLst>
+    <dgm:txEffectClrLst/>
+  </dgm:styleLbl>
+  <dgm:styleLbl name="solidBgAcc1">
+    <dgm:fillClrLst meth="repeat">
+      <a:schemeClr val="lt1"/>
+    </dgm:fillClrLst>
+    <dgm:linClrLst>
+      <a:schemeClr val="accent3"/>
+      <a:schemeClr val="accent4"/>
+    </dgm:linClrLst>
+    <dgm:effectClrLst/>
+    <dgm:txLinClrLst/>
+    <dgm:txFillClrLst meth="repeat">
+      <a:schemeClr val="dk1"/>
+    </dgm:txFillClrLst>
+    <dgm:txEffectClrLst/>
+  </dgm:styleLbl>
+  <dgm:styleLbl name="fgAccFollowNode1">
+    <dgm:fillClrLst>
+      <a:schemeClr val="accent3">
+        <a:tint val="40000"/>
+        <a:alpha val="90000"/>
+      </a:schemeClr>
+      <a:schemeClr val="accent4">
+        <a:tint val="40000"/>
+        <a:alpha val="90000"/>
+      </a:schemeClr>
+    </dgm:fillClrLst>
+    <dgm:linClrLst>
+      <a:schemeClr val="accent3">
+        <a:tint val="40000"/>
+        <a:alpha val="90000"/>
+      </a:schemeClr>
+      <a:schemeClr val="accent4">
+        <a:tint val="40000"/>
+        <a:alpha val="90000"/>
+      </a:schemeClr>
+    </dgm:linClrLst>
+    <dgm:effectClrLst/>
+    <dgm:txLinClrLst/>
+    <dgm:txFillClrLst meth="repeat">
+      <a:schemeClr val="dk1"/>
+    </dgm:txFillClrLst>
+    <dgm:txEffectClrLst/>
+  </dgm:styleLbl>
+  <dgm:styleLbl name="alignAccFollowNode1">
+    <dgm:fillClrLst>
+      <a:schemeClr val="accent3">
+        <a:tint val="40000"/>
+        <a:alpha val="90000"/>
+      </a:schemeClr>
+      <a:schemeClr val="accent4">
+        <a:tint val="40000"/>
+        <a:alpha val="90000"/>
+      </a:schemeClr>
+    </dgm:fillClrLst>
+    <dgm:linClrLst>
+      <a:schemeClr val="accent3">
+        <a:tint val="40000"/>
+        <a:alpha val="90000"/>
+      </a:schemeClr>
+      <a:schemeClr val="accent4">
+        <a:tint val="40000"/>
+        <a:alpha val="90000"/>
+      </a:schemeClr>
+    </dgm:linClrLst>
+    <dgm:effectClrLst/>
+    <dgm:txLinClrLst/>
+    <dgm:txFillClrLst meth="repeat">
+      <a:schemeClr val="dk1"/>
+    </dgm:txFillClrLst>
+    <dgm:txEffectClrLst/>
+  </dgm:styleLbl>
+  <dgm:styleLbl name="bgAccFollowNode1">
+    <dgm:fillClrLst>
+      <a:schemeClr val="accent3">
+        <a:tint val="40000"/>
+        <a:alpha val="90000"/>
+      </a:schemeClr>
+      <a:schemeClr val="accent4">
+        <a:tint val="40000"/>
+        <a:alpha val="90000"/>
+      </a:schemeClr>
+    </dgm:fillClrLst>
+    <dgm:linClrLst>
+      <a:schemeClr val="accent3">
+        <a:tint val="40000"/>
+        <a:alpha val="90000"/>
+      </a:schemeClr>
+      <a:schemeClr val="accent4">
+        <a:tint val="40000"/>
+        <a:alpha val="90000"/>
+      </a:schemeClr>
+    </dgm:linClrLst>
+    <dgm:effectClrLst/>
+    <dgm:txLinClrLst/>
+    <dgm:txFillClrLst meth="repeat">
+      <a:schemeClr val="dk1"/>
+    </dgm:txFillClrLst>
+    <dgm:txEffectClrLst/>
+  </dgm:styleLbl>
+  <dgm:styleLbl name="fgAcc0">
+    <dgm:fillClrLst meth="repeat">
+      <a:schemeClr val="lt1">
+        <a:alpha val="90000"/>
+      </a:schemeClr>
+    </dgm:fillClrLst>
+    <dgm:linClrLst>
+      <a:schemeClr val="accent2"/>
+    </dgm:linClrLst>
+    <dgm:effectClrLst/>
+    <dgm:txLinClrLst/>
+    <dgm:txFillClrLst meth="repeat">
+      <a:schemeClr val="dk1"/>
+    </dgm:txFillClrLst>
+    <dgm:txEffectClrLst/>
+  </dgm:styleLbl>
+  <dgm:styleLbl name="fgAcc2">
+    <dgm:fillClrLst meth="repeat">
+      <a:schemeClr val="lt1">
+        <a:alpha val="90000"/>
+      </a:schemeClr>
+    </dgm:fillClrLst>
+    <dgm:linClrLst>
+      <a:schemeClr val="accent4"/>
+    </dgm:linClrLst>
+    <dgm:effectClrLst/>
+    <dgm:txLinClrLst/>
+    <dgm:txFillClrLst meth="repeat">
+      <a:schemeClr val="dk1"/>
+    </dgm:txFillClrLst>
+    <dgm:txEffectClrLst/>
+  </dgm:styleLbl>
+  <dgm:styleLbl name="fgAcc3">
+    <dgm:fillClrLst meth="repeat">
+      <a:schemeClr val="lt1">
+        <a:alpha val="90000"/>
+      </a:schemeClr>
+    </dgm:fillClrLst>
+    <dgm:linClrLst>
+      <a:schemeClr val="accent5"/>
+    </dgm:linClrLst>
+    <dgm:effectClrLst/>
+    <dgm:txLinClrLst/>
+    <dgm:txFillClrLst meth="repeat">
+      <a:schemeClr val="dk1"/>
+    </dgm:txFillClrLst>
+    <dgm:txEffectClrLst/>
+  </dgm:styleLbl>
+  <dgm:styleLbl name="fgAcc4">
+    <dgm:fillClrLst meth="repeat">
+      <a:schemeClr val="lt1">
+        <a:alpha val="90000"/>
+      </a:schemeClr>
+    </dgm:fillClrLst>
+    <dgm:linClrLst>
+      <a:schemeClr val="accent6"/>
+    </dgm:linClrLst>
+    <dgm:effectClrLst/>
+    <dgm:txLinClrLst/>
+    <dgm:txFillClrLst meth="repeat">
+      <a:schemeClr val="dk1"/>
+    </dgm:txFillClrLst>
+    <dgm:txEffectClrLst/>
+  </dgm:styleLbl>
+  <dgm:styleLbl name="bgShp">
+    <dgm:fillClrLst meth="repeat">
+      <a:schemeClr val="accent3">
+        <a:tint val="40000"/>
+      </a:schemeClr>
+    </dgm:fillClrLst>
+    <dgm:linClrLst meth="repeat">
+      <a:schemeClr val="dk1"/>
+    </dgm:linClrLst>
+    <dgm:effectClrLst/>
+    <dgm:txLinClrLst/>
+    <dgm:txFillClrLst meth="repeat">
+      <a:schemeClr val="dk1"/>
+    </dgm:txFillClrLst>
+    <dgm:txEffectClrLst/>
+  </dgm:styleLbl>
+  <dgm:styleLbl name="dkBgShp">
+    <dgm:fillClrLst meth="repeat">
+      <a:schemeClr val="accent3">
+        <a:shade val="90000"/>
+      </a:schemeClr>
+    </dgm:fillClrLst>
+    <dgm:linClrLst meth="repeat">
+      <a:schemeClr val="dk1"/>
+    </dgm:linClrLst>
+    <dgm:effectClrLst/>
+    <dgm:txLinClrLst/>
+    <dgm:txFillClrLst meth="repeat">
+      <a:schemeClr val="lt1"/>
+    </dgm:txFillClrLst>
+    <dgm:txEffectClrLst/>
+  </dgm:styleLbl>
+  <dgm:styleLbl name="trBgShp">
+    <dgm:fillClrLst meth="repeat">
+      <a:schemeClr val="accent2">
+        <a:tint val="50000"/>
+        <a:alpha val="40000"/>
+      </a:schemeClr>
+    </dgm:fillClrLst>
+    <dgm:linClrLst meth="repeat">
+      <a:schemeClr val="accent3"/>
+    </dgm:linClrLst>
+    <dgm:effectClrLst/>
+    <dgm:txLinClrLst/>
+    <dgm:txFillClrLst meth="repeat">
+      <a:schemeClr val="lt1"/>
+    </dgm:txFillClrLst>
+    <dgm:txEffectClrLst/>
+  </dgm:styleLbl>
+  <dgm:styleLbl name="fgShp">
+    <dgm:fillClrLst meth="repeat">
+      <a:schemeClr val="accent3">
+        <a:tint val="40000"/>
+      </a:schemeClr>
+    </dgm:fillClrLst>
+    <dgm:linClrLst meth="repeat">
+      <a:schemeClr val="lt1"/>
+    </dgm:linClrLst>
+    <dgm:effectClrLst/>
+    <dgm:txLinClrLst/>
+    <dgm:txFillClrLst meth="repeat">
+      <a:schemeClr val="dk1"/>
+    </dgm:txFillClrLst>
+    <dgm:txEffectClrLst/>
+  </dgm:styleLbl>
+  <dgm:styleLbl name="revTx">
+    <dgm:fillClrLst meth="repeat">
+      <a:schemeClr val="lt1">
+        <a:alpha val="0"/>
+      </a:schemeClr>
+    </dgm:fillClrLst>
+    <dgm:linClrLst meth="repeat">
+      <a:schemeClr val="dk1">
+        <a:alpha val="0"/>
+      </a:schemeClr>
+    </dgm:linClrLst>
+    <dgm:effectClrLst/>
+    <dgm:txLinClrLst/>
+    <dgm:txFillClrLst meth="repeat">
+      <a:schemeClr val="tx1"/>
+    </dgm:txFillClrLst>
+    <dgm:txEffectClrLst/>
+  </dgm:styleLbl>
+</dgm:colorsDef>
+</file>
+
+<file path=ppt/diagrams/data1.xml><?xml version="1.0" encoding="utf-8"?>
+<dgm:dataModel xmlns:dgm="http://schemas.openxmlformats.org/drawingml/2006/diagram" xmlns:a="http://schemas.openxmlformats.org/drawingml/2006/main">
+  <dgm:ptLst>
+    <dgm:pt modelId="{8546CA92-6D7B-0444-B258-BA626F73AD33}" type="doc">
+      <dgm:prSet loTypeId="urn:microsoft.com/office/officeart/2005/8/layout/hierarchy4" loCatId="" qsTypeId="urn:microsoft.com/office/officeart/2005/8/quickstyle/simple1" qsCatId="simple" csTypeId="urn:microsoft.com/office/officeart/2005/8/colors/colorful3" csCatId="colorful" phldr="1"/>
+      <dgm:spPr/>
+      <dgm:t>
+        <a:bodyPr/>
+        <a:lstStyle/>
+        <a:p>
+          <a:endParaRPr lang="zh-CN" altLang="en-US"/>
+        </a:p>
+      </dgm:t>
+    </dgm:pt>
+    <dgm:pt modelId="{9CC014DA-8A8F-2649-9C34-1A3B09EB7A82}">
+      <dgm:prSet phldrT="[文本]"/>
+      <dgm:spPr/>
+      <dgm:t>
+        <a:bodyPr/>
+        <a:lstStyle/>
+        <a:p>
+          <a:r>
+            <a:rPr lang="zh-CN" altLang="en-US" dirty="0"/>
+            <a:t>应用层</a:t>
+          </a:r>
+        </a:p>
+      </dgm:t>
+    </dgm:pt>
+    <dgm:pt modelId="{2DEE5B66-AD63-F141-A700-AA446A366827}" type="parTrans" cxnId="{B2A34245-A2AE-214A-A200-BB7F966594EC}">
+      <dgm:prSet/>
+      <dgm:spPr/>
+      <dgm:t>
+        <a:bodyPr/>
+        <a:lstStyle/>
+        <a:p>
+          <a:endParaRPr lang="zh-CN" altLang="en-US"/>
+        </a:p>
+      </dgm:t>
+    </dgm:pt>
+    <dgm:pt modelId="{FE229A28-01FD-6848-90E6-6E19BDADB84D}" type="sibTrans" cxnId="{B2A34245-A2AE-214A-A200-BB7F966594EC}">
+      <dgm:prSet/>
+      <dgm:spPr/>
+      <dgm:t>
+        <a:bodyPr/>
+        <a:lstStyle/>
+        <a:p>
+          <a:endParaRPr lang="zh-CN" altLang="en-US"/>
+        </a:p>
+      </dgm:t>
+    </dgm:pt>
+    <dgm:pt modelId="{57BA5470-8382-7244-B98F-295274DC7022}">
+      <dgm:prSet phldrT="[文本]"/>
+      <dgm:spPr/>
+      <dgm:t>
+        <a:bodyPr/>
+        <a:lstStyle/>
+        <a:p>
+          <a:r>
+            <a:rPr lang="zh-CN" altLang="en-US" dirty="0"/>
+            <a:t>传输层</a:t>
+          </a:r>
+        </a:p>
+      </dgm:t>
+    </dgm:pt>
+    <dgm:pt modelId="{FB79550D-296C-B640-94B9-6A3F71D61EC0}" type="parTrans" cxnId="{644FD5AC-479E-284D-B918-5E6E0388CF06}">
+      <dgm:prSet/>
+      <dgm:spPr/>
+      <dgm:t>
+        <a:bodyPr/>
+        <a:lstStyle/>
+        <a:p>
+          <a:endParaRPr lang="zh-CN" altLang="en-US"/>
+        </a:p>
+      </dgm:t>
+    </dgm:pt>
+    <dgm:pt modelId="{70D86D20-67FA-9D48-8AC0-4337B620842B}" type="sibTrans" cxnId="{644FD5AC-479E-284D-B918-5E6E0388CF06}">
+      <dgm:prSet/>
+      <dgm:spPr/>
+      <dgm:t>
+        <a:bodyPr/>
+        <a:lstStyle/>
+        <a:p>
+          <a:endParaRPr lang="zh-CN" altLang="en-US"/>
+        </a:p>
+      </dgm:t>
+    </dgm:pt>
+    <dgm:pt modelId="{5C909E60-DD9B-984A-A344-8273E9C83B58}">
+      <dgm:prSet phldrT="[文本]"/>
+      <dgm:spPr/>
+      <dgm:t>
+        <a:bodyPr/>
+        <a:lstStyle/>
+        <a:p>
+          <a:r>
+            <a:rPr lang="zh-CN" altLang="en-US" dirty="0"/>
+            <a:t>网络层</a:t>
+          </a:r>
+        </a:p>
+      </dgm:t>
+    </dgm:pt>
+    <dgm:pt modelId="{8959BC92-1BA0-8B47-9C03-21E817110116}" type="parTrans" cxnId="{27BFF554-0338-1141-BD44-DE6755DB3FF7}">
+      <dgm:prSet/>
+      <dgm:spPr/>
+      <dgm:t>
+        <a:bodyPr/>
+        <a:lstStyle/>
+        <a:p>
+          <a:endParaRPr lang="zh-CN" altLang="en-US"/>
+        </a:p>
+      </dgm:t>
+    </dgm:pt>
+    <dgm:pt modelId="{B522337E-4F2C-1546-A056-656F4F5A074C}" type="sibTrans" cxnId="{27BFF554-0338-1141-BD44-DE6755DB3FF7}">
+      <dgm:prSet/>
+      <dgm:spPr/>
+      <dgm:t>
+        <a:bodyPr/>
+        <a:lstStyle/>
+        <a:p>
+          <a:endParaRPr lang="zh-CN" altLang="en-US"/>
+        </a:p>
+      </dgm:t>
+    </dgm:pt>
+    <dgm:pt modelId="{947B39DB-244D-4740-BAB4-BE403717F8AA}">
+      <dgm:prSet phldrT="[文本]"/>
+      <dgm:spPr/>
+      <dgm:t>
+        <a:bodyPr/>
+        <a:lstStyle/>
+        <a:p>
+          <a:r>
+            <a:rPr lang="zh-CN" altLang="en-US" dirty="0"/>
+            <a:t>数据链路层</a:t>
+          </a:r>
+        </a:p>
+      </dgm:t>
+    </dgm:pt>
+    <dgm:pt modelId="{2FCCAD26-E1A8-5046-B75D-58E48B340BDD}" type="parTrans" cxnId="{A1A159E1-2DB5-AF43-B85C-074BFB00BAAD}">
+      <dgm:prSet/>
+      <dgm:spPr/>
+      <dgm:t>
+        <a:bodyPr/>
+        <a:lstStyle/>
+        <a:p>
+          <a:endParaRPr lang="zh-CN" altLang="en-US"/>
+        </a:p>
+      </dgm:t>
+    </dgm:pt>
+    <dgm:pt modelId="{AD8CEB71-F5C9-4344-B678-9A290A4A43E9}" type="sibTrans" cxnId="{A1A159E1-2DB5-AF43-B85C-074BFB00BAAD}">
+      <dgm:prSet/>
+      <dgm:spPr/>
+      <dgm:t>
+        <a:bodyPr/>
+        <a:lstStyle/>
+        <a:p>
+          <a:endParaRPr lang="zh-CN" altLang="en-US"/>
+        </a:p>
+      </dgm:t>
+    </dgm:pt>
+    <dgm:pt modelId="{D353CF13-C4B6-F743-9A44-994382738518}">
+      <dgm:prSet phldrT="[文本]"/>
+      <dgm:spPr/>
+      <dgm:t>
+        <a:bodyPr/>
+        <a:lstStyle/>
+        <a:p>
+          <a:r>
+            <a:rPr lang="zh-CN" altLang="en-US" dirty="0"/>
+            <a:t>物理层</a:t>
+          </a:r>
+        </a:p>
+      </dgm:t>
+    </dgm:pt>
+    <dgm:pt modelId="{397B5719-8BE7-8549-9B16-F711255E2D9A}" type="parTrans" cxnId="{B170B3DD-C83F-C149-84C9-6464BBFCCC7A}">
+      <dgm:prSet/>
+      <dgm:spPr/>
+      <dgm:t>
+        <a:bodyPr/>
+        <a:lstStyle/>
+        <a:p>
+          <a:endParaRPr lang="zh-CN" altLang="en-US"/>
+        </a:p>
+      </dgm:t>
+    </dgm:pt>
+    <dgm:pt modelId="{0ECA6C5B-9435-704E-881F-32537D56B301}" type="sibTrans" cxnId="{B170B3DD-C83F-C149-84C9-6464BBFCCC7A}">
+      <dgm:prSet/>
+      <dgm:spPr/>
+      <dgm:t>
+        <a:bodyPr/>
+        <a:lstStyle/>
+        <a:p>
+          <a:endParaRPr lang="zh-CN" altLang="en-US"/>
+        </a:p>
+      </dgm:t>
+    </dgm:pt>
+    <dgm:pt modelId="{A8E643D2-5BDC-3349-ABD4-3E8CAA1763C2}" type="pres">
+      <dgm:prSet presAssocID="{8546CA92-6D7B-0444-B258-BA626F73AD33}" presName="Name0" presStyleCnt="0">
+        <dgm:presLayoutVars>
+          <dgm:chPref val="1"/>
+          <dgm:dir/>
+          <dgm:animOne val="branch"/>
+          <dgm:animLvl val="lvl"/>
+          <dgm:resizeHandles/>
+        </dgm:presLayoutVars>
+      </dgm:prSet>
+      <dgm:spPr/>
+    </dgm:pt>
+    <dgm:pt modelId="{01DBAB49-1D08-2B43-B32E-45485EC262A3}" type="pres">
+      <dgm:prSet presAssocID="{9CC014DA-8A8F-2649-9C34-1A3B09EB7A82}" presName="vertOne" presStyleCnt="0"/>
+      <dgm:spPr/>
+    </dgm:pt>
+    <dgm:pt modelId="{340BE0E2-6200-1B44-B834-335AA1D98650}" type="pres">
+      <dgm:prSet presAssocID="{9CC014DA-8A8F-2649-9C34-1A3B09EB7A82}" presName="txOne" presStyleLbl="node0" presStyleIdx="0" presStyleCnt="1" custScaleY="15386">
+        <dgm:presLayoutVars>
+          <dgm:chPref val="3"/>
+        </dgm:presLayoutVars>
+      </dgm:prSet>
+      <dgm:spPr/>
+    </dgm:pt>
+    <dgm:pt modelId="{20E4F4C9-19C9-F14E-AA3F-49A0C672F3C5}" type="pres">
+      <dgm:prSet presAssocID="{9CC014DA-8A8F-2649-9C34-1A3B09EB7A82}" presName="parTransOne" presStyleCnt="0"/>
+      <dgm:spPr/>
+    </dgm:pt>
+    <dgm:pt modelId="{57D54CD3-F597-3E47-B2F3-CA17220F2869}" type="pres">
+      <dgm:prSet presAssocID="{9CC014DA-8A8F-2649-9C34-1A3B09EB7A82}" presName="horzOne" presStyleCnt="0"/>
+      <dgm:spPr/>
+    </dgm:pt>
+    <dgm:pt modelId="{38460EC2-DB23-A543-B127-615A4FAC7675}" type="pres">
+      <dgm:prSet presAssocID="{57BA5470-8382-7244-B98F-295274DC7022}" presName="vertTwo" presStyleCnt="0"/>
+      <dgm:spPr/>
+    </dgm:pt>
+    <dgm:pt modelId="{1E33F59A-7C20-D84B-8877-2A9FF474BFAA}" type="pres">
+      <dgm:prSet presAssocID="{57BA5470-8382-7244-B98F-295274DC7022}" presName="txTwo" presStyleLbl="node2" presStyleIdx="0" presStyleCnt="1" custScaleY="15386">
+        <dgm:presLayoutVars>
+          <dgm:chPref val="3"/>
+        </dgm:presLayoutVars>
+      </dgm:prSet>
+      <dgm:spPr/>
+    </dgm:pt>
+    <dgm:pt modelId="{303CE0DB-16A9-614B-9FE9-BAD4A2BF5A8C}" type="pres">
+      <dgm:prSet presAssocID="{57BA5470-8382-7244-B98F-295274DC7022}" presName="parTransTwo" presStyleCnt="0"/>
+      <dgm:spPr/>
+    </dgm:pt>
+    <dgm:pt modelId="{F124E5C6-BBED-EA46-9DFF-130065C9BAEF}" type="pres">
+      <dgm:prSet presAssocID="{57BA5470-8382-7244-B98F-295274DC7022}" presName="horzTwo" presStyleCnt="0"/>
+      <dgm:spPr/>
+    </dgm:pt>
+    <dgm:pt modelId="{F8586080-1B4D-974E-A2A1-59EE6114C732}" type="pres">
+      <dgm:prSet presAssocID="{5C909E60-DD9B-984A-A344-8273E9C83B58}" presName="vertThree" presStyleCnt="0"/>
+      <dgm:spPr/>
+    </dgm:pt>
+    <dgm:pt modelId="{7439BB0D-E4FC-814B-B478-327CFFCABCC3}" type="pres">
+      <dgm:prSet presAssocID="{5C909E60-DD9B-984A-A344-8273E9C83B58}" presName="txThree" presStyleLbl="node3" presStyleIdx="0" presStyleCnt="1" custScaleY="15386">
+        <dgm:presLayoutVars>
+          <dgm:chPref val="3"/>
+        </dgm:presLayoutVars>
+      </dgm:prSet>
+      <dgm:spPr/>
+    </dgm:pt>
+    <dgm:pt modelId="{09F914CD-DD30-0645-BFD1-E4E90F76E9FF}" type="pres">
+      <dgm:prSet presAssocID="{5C909E60-DD9B-984A-A344-8273E9C83B58}" presName="parTransThree" presStyleCnt="0"/>
+      <dgm:spPr/>
+    </dgm:pt>
+    <dgm:pt modelId="{F9F185F4-D276-3541-B549-D01CCC9E8A76}" type="pres">
+      <dgm:prSet presAssocID="{5C909E60-DD9B-984A-A344-8273E9C83B58}" presName="horzThree" presStyleCnt="0"/>
+      <dgm:spPr/>
+    </dgm:pt>
+    <dgm:pt modelId="{D8BAA2F2-4652-3B48-81BE-C54B605EC349}" type="pres">
+      <dgm:prSet presAssocID="{947B39DB-244D-4740-BAB4-BE403717F8AA}" presName="vertFour" presStyleCnt="0">
+        <dgm:presLayoutVars>
+          <dgm:chPref val="3"/>
+        </dgm:presLayoutVars>
+      </dgm:prSet>
+      <dgm:spPr/>
+    </dgm:pt>
+    <dgm:pt modelId="{4CC0721E-73E5-F540-BB1B-F02C939E054F}" type="pres">
+      <dgm:prSet presAssocID="{947B39DB-244D-4740-BAB4-BE403717F8AA}" presName="txFour" presStyleLbl="node4" presStyleIdx="0" presStyleCnt="2" custScaleY="15386">
+        <dgm:presLayoutVars>
+          <dgm:chPref val="3"/>
+        </dgm:presLayoutVars>
+      </dgm:prSet>
+      <dgm:spPr/>
+    </dgm:pt>
+    <dgm:pt modelId="{77287EE9-B43D-F847-99BD-C853AC18CC49}" type="pres">
+      <dgm:prSet presAssocID="{947B39DB-244D-4740-BAB4-BE403717F8AA}" presName="parTransFour" presStyleCnt="0"/>
+      <dgm:spPr/>
+    </dgm:pt>
+    <dgm:pt modelId="{6D74F92F-5B0D-3F47-945F-344B76D0E860}" type="pres">
+      <dgm:prSet presAssocID="{947B39DB-244D-4740-BAB4-BE403717F8AA}" presName="horzFour" presStyleCnt="0"/>
+      <dgm:spPr/>
+    </dgm:pt>
+    <dgm:pt modelId="{FB85C6DB-887D-B849-852D-D1153EC5BBA7}" type="pres">
+      <dgm:prSet presAssocID="{D353CF13-C4B6-F743-9A44-994382738518}" presName="vertFour" presStyleCnt="0">
+        <dgm:presLayoutVars>
+          <dgm:chPref val="3"/>
+        </dgm:presLayoutVars>
+      </dgm:prSet>
+      <dgm:spPr/>
+    </dgm:pt>
+    <dgm:pt modelId="{01C36D6A-EAE6-7F43-B0B1-D3A0431F4044}" type="pres">
+      <dgm:prSet presAssocID="{D353CF13-C4B6-F743-9A44-994382738518}" presName="txFour" presStyleLbl="node4" presStyleIdx="1" presStyleCnt="2" custScaleY="15386">
+        <dgm:presLayoutVars>
+          <dgm:chPref val="3"/>
+        </dgm:presLayoutVars>
+      </dgm:prSet>
+      <dgm:spPr/>
+    </dgm:pt>
+    <dgm:pt modelId="{085E7CCF-05F3-B146-A4FB-A094FDB72BF6}" type="pres">
+      <dgm:prSet presAssocID="{D353CF13-C4B6-F743-9A44-994382738518}" presName="horzFour" presStyleCnt="0"/>
+      <dgm:spPr/>
+    </dgm:pt>
+  </dgm:ptLst>
+  <dgm:cxnLst>
+    <dgm:cxn modelId="{7DE2ED00-99CD-494E-B4A0-4C3D98268276}" type="presOf" srcId="{57BA5470-8382-7244-B98F-295274DC7022}" destId="{1E33F59A-7C20-D84B-8877-2A9FF474BFAA}" srcOrd="0" destOrd="0" presId="urn:microsoft.com/office/officeart/2005/8/layout/hierarchy4"/>
+    <dgm:cxn modelId="{BBEAC92A-48E2-7847-96E3-DFB7B13DF01F}" type="presOf" srcId="{5C909E60-DD9B-984A-A344-8273E9C83B58}" destId="{7439BB0D-E4FC-814B-B478-327CFFCABCC3}" srcOrd="0" destOrd="0" presId="urn:microsoft.com/office/officeart/2005/8/layout/hierarchy4"/>
+    <dgm:cxn modelId="{B2A34245-A2AE-214A-A200-BB7F966594EC}" srcId="{8546CA92-6D7B-0444-B258-BA626F73AD33}" destId="{9CC014DA-8A8F-2649-9C34-1A3B09EB7A82}" srcOrd="0" destOrd="0" parTransId="{2DEE5B66-AD63-F141-A700-AA446A366827}" sibTransId="{FE229A28-01FD-6848-90E6-6E19BDADB84D}"/>
+    <dgm:cxn modelId="{27BFF554-0338-1141-BD44-DE6755DB3FF7}" srcId="{57BA5470-8382-7244-B98F-295274DC7022}" destId="{5C909E60-DD9B-984A-A344-8273E9C83B58}" srcOrd="0" destOrd="0" parTransId="{8959BC92-1BA0-8B47-9C03-21E817110116}" sibTransId="{B522337E-4F2C-1546-A056-656F4F5A074C}"/>
+    <dgm:cxn modelId="{7310FD5A-9171-FA4E-9A20-448F531FDF41}" type="presOf" srcId="{8546CA92-6D7B-0444-B258-BA626F73AD33}" destId="{A8E643D2-5BDC-3349-ABD4-3E8CAA1763C2}" srcOrd="0" destOrd="0" presId="urn:microsoft.com/office/officeart/2005/8/layout/hierarchy4"/>
+    <dgm:cxn modelId="{E0D50885-2423-F247-A0BE-12F82F41FF1B}" type="presOf" srcId="{947B39DB-244D-4740-BAB4-BE403717F8AA}" destId="{4CC0721E-73E5-F540-BB1B-F02C939E054F}" srcOrd="0" destOrd="0" presId="urn:microsoft.com/office/officeart/2005/8/layout/hierarchy4"/>
+    <dgm:cxn modelId="{644FD5AC-479E-284D-B918-5E6E0388CF06}" srcId="{9CC014DA-8A8F-2649-9C34-1A3B09EB7A82}" destId="{57BA5470-8382-7244-B98F-295274DC7022}" srcOrd="0" destOrd="0" parTransId="{FB79550D-296C-B640-94B9-6A3F71D61EC0}" sibTransId="{70D86D20-67FA-9D48-8AC0-4337B620842B}"/>
+    <dgm:cxn modelId="{A9C807C3-3096-9549-88E2-7D7E8552ED44}" type="presOf" srcId="{9CC014DA-8A8F-2649-9C34-1A3B09EB7A82}" destId="{340BE0E2-6200-1B44-B834-335AA1D98650}" srcOrd="0" destOrd="0" presId="urn:microsoft.com/office/officeart/2005/8/layout/hierarchy4"/>
+    <dgm:cxn modelId="{B170B3DD-C83F-C149-84C9-6464BBFCCC7A}" srcId="{947B39DB-244D-4740-BAB4-BE403717F8AA}" destId="{D353CF13-C4B6-F743-9A44-994382738518}" srcOrd="0" destOrd="0" parTransId="{397B5719-8BE7-8549-9B16-F711255E2D9A}" sibTransId="{0ECA6C5B-9435-704E-881F-32537D56B301}"/>
+    <dgm:cxn modelId="{A1A159E1-2DB5-AF43-B85C-074BFB00BAAD}" srcId="{5C909E60-DD9B-984A-A344-8273E9C83B58}" destId="{947B39DB-244D-4740-BAB4-BE403717F8AA}" srcOrd="0" destOrd="0" parTransId="{2FCCAD26-E1A8-5046-B75D-58E48B340BDD}" sibTransId="{AD8CEB71-F5C9-4344-B678-9A290A4A43E9}"/>
+    <dgm:cxn modelId="{BD6896E5-6FE0-E24B-95F5-6DE73C0453AD}" type="presOf" srcId="{D353CF13-C4B6-F743-9A44-994382738518}" destId="{01C36D6A-EAE6-7F43-B0B1-D3A0431F4044}" srcOrd="0" destOrd="0" presId="urn:microsoft.com/office/officeart/2005/8/layout/hierarchy4"/>
+    <dgm:cxn modelId="{0A8B86A0-3204-4244-BE18-EAC42F9986F6}" type="presParOf" srcId="{A8E643D2-5BDC-3349-ABD4-3E8CAA1763C2}" destId="{01DBAB49-1D08-2B43-B32E-45485EC262A3}" srcOrd="0" destOrd="0" presId="urn:microsoft.com/office/officeart/2005/8/layout/hierarchy4"/>
+    <dgm:cxn modelId="{AEC0BF42-25D3-5943-937B-439852639717}" type="presParOf" srcId="{01DBAB49-1D08-2B43-B32E-45485EC262A3}" destId="{340BE0E2-6200-1B44-B834-335AA1D98650}" srcOrd="0" destOrd="0" presId="urn:microsoft.com/office/officeart/2005/8/layout/hierarchy4"/>
+    <dgm:cxn modelId="{F2C37814-CB40-2844-AFDD-12DA5D1B9F92}" type="presParOf" srcId="{01DBAB49-1D08-2B43-B32E-45485EC262A3}" destId="{20E4F4C9-19C9-F14E-AA3F-49A0C672F3C5}" srcOrd="1" destOrd="0" presId="urn:microsoft.com/office/officeart/2005/8/layout/hierarchy4"/>
+    <dgm:cxn modelId="{7A6FE70A-9617-694A-8AC2-06D24D4EB734}" type="presParOf" srcId="{01DBAB49-1D08-2B43-B32E-45485EC262A3}" destId="{57D54CD3-F597-3E47-B2F3-CA17220F2869}" srcOrd="2" destOrd="0" presId="urn:microsoft.com/office/officeart/2005/8/layout/hierarchy4"/>
+    <dgm:cxn modelId="{747E7C9B-94A7-3F46-B81E-54860286B4CE}" type="presParOf" srcId="{57D54CD3-F597-3E47-B2F3-CA17220F2869}" destId="{38460EC2-DB23-A543-B127-615A4FAC7675}" srcOrd="0" destOrd="0" presId="urn:microsoft.com/office/officeart/2005/8/layout/hierarchy4"/>
+    <dgm:cxn modelId="{67F62FCE-A158-3943-83BD-7A3853CC5BF5}" type="presParOf" srcId="{38460EC2-DB23-A543-B127-615A4FAC7675}" destId="{1E33F59A-7C20-D84B-8877-2A9FF474BFAA}" srcOrd="0" destOrd="0" presId="urn:microsoft.com/office/officeart/2005/8/layout/hierarchy4"/>
+    <dgm:cxn modelId="{2D681EA4-AE7B-A348-9B37-EF2287E65E91}" type="presParOf" srcId="{38460EC2-DB23-A543-B127-615A4FAC7675}" destId="{303CE0DB-16A9-614B-9FE9-BAD4A2BF5A8C}" srcOrd="1" destOrd="0" presId="urn:microsoft.com/office/officeart/2005/8/layout/hierarchy4"/>
+    <dgm:cxn modelId="{F83079BC-90BD-4142-8175-CEF2948785CD}" type="presParOf" srcId="{38460EC2-DB23-A543-B127-615A4FAC7675}" destId="{F124E5C6-BBED-EA46-9DFF-130065C9BAEF}" srcOrd="2" destOrd="0" presId="urn:microsoft.com/office/officeart/2005/8/layout/hierarchy4"/>
+    <dgm:cxn modelId="{A4DF03FF-2BBF-8E44-8280-B726C34D58F7}" type="presParOf" srcId="{F124E5C6-BBED-EA46-9DFF-130065C9BAEF}" destId="{F8586080-1B4D-974E-A2A1-59EE6114C732}" srcOrd="0" destOrd="0" presId="urn:microsoft.com/office/officeart/2005/8/layout/hierarchy4"/>
+    <dgm:cxn modelId="{616B40A0-53B6-F844-A3A4-BD690DAB39BA}" type="presParOf" srcId="{F8586080-1B4D-974E-A2A1-59EE6114C732}" destId="{7439BB0D-E4FC-814B-B478-327CFFCABCC3}" srcOrd="0" destOrd="0" presId="urn:microsoft.com/office/officeart/2005/8/layout/hierarchy4"/>
+    <dgm:cxn modelId="{AEEB27CD-F826-FB4D-A764-F242F2FDDD4D}" type="presParOf" srcId="{F8586080-1B4D-974E-A2A1-59EE6114C732}" destId="{09F914CD-DD30-0645-BFD1-E4E90F76E9FF}" srcOrd="1" destOrd="0" presId="urn:microsoft.com/office/officeart/2005/8/layout/hierarchy4"/>
+    <dgm:cxn modelId="{F44CCE09-3B14-9B4D-909B-D4E0DB2658DA}" type="presParOf" srcId="{F8586080-1B4D-974E-A2A1-59EE6114C732}" destId="{F9F185F4-D276-3541-B549-D01CCC9E8A76}" srcOrd="2" destOrd="0" presId="urn:microsoft.com/office/officeart/2005/8/layout/hierarchy4"/>
+    <dgm:cxn modelId="{D6734EAA-2E59-D44A-8360-737B910435B3}" type="presParOf" srcId="{F9F185F4-D276-3541-B549-D01CCC9E8A76}" destId="{D8BAA2F2-4652-3B48-81BE-C54B605EC349}" srcOrd="0" destOrd="0" presId="urn:microsoft.com/office/officeart/2005/8/layout/hierarchy4"/>
+    <dgm:cxn modelId="{72C470BC-A950-E44F-97CB-4CD25F13AA41}" type="presParOf" srcId="{D8BAA2F2-4652-3B48-81BE-C54B605EC349}" destId="{4CC0721E-73E5-F540-BB1B-F02C939E054F}" srcOrd="0" destOrd="0" presId="urn:microsoft.com/office/officeart/2005/8/layout/hierarchy4"/>
+    <dgm:cxn modelId="{B10129FA-1BF9-0049-BE8A-03160CD3C6FC}" type="presParOf" srcId="{D8BAA2F2-4652-3B48-81BE-C54B605EC349}" destId="{77287EE9-B43D-F847-99BD-C853AC18CC49}" srcOrd="1" destOrd="0" presId="urn:microsoft.com/office/officeart/2005/8/layout/hierarchy4"/>
+    <dgm:cxn modelId="{FDA75772-6C97-4242-B7C7-7FA3017B3861}" type="presParOf" srcId="{D8BAA2F2-4652-3B48-81BE-C54B605EC349}" destId="{6D74F92F-5B0D-3F47-945F-344B76D0E860}" srcOrd="2" destOrd="0" presId="urn:microsoft.com/office/officeart/2005/8/layout/hierarchy4"/>
+    <dgm:cxn modelId="{B93B8AF7-7F4F-F749-AF90-F67D5FDB273A}" type="presParOf" srcId="{6D74F92F-5B0D-3F47-945F-344B76D0E860}" destId="{FB85C6DB-887D-B849-852D-D1153EC5BBA7}" srcOrd="0" destOrd="0" presId="urn:microsoft.com/office/officeart/2005/8/layout/hierarchy4"/>
+    <dgm:cxn modelId="{D34310AB-F414-3045-B5A2-702FDA1DD9E7}" type="presParOf" srcId="{FB85C6DB-887D-B849-852D-D1153EC5BBA7}" destId="{01C36D6A-EAE6-7F43-B0B1-D3A0431F4044}" srcOrd="0" destOrd="0" presId="urn:microsoft.com/office/officeart/2005/8/layout/hierarchy4"/>
+    <dgm:cxn modelId="{88BE6728-57FD-8A4B-887D-4D688057197C}" type="presParOf" srcId="{FB85C6DB-887D-B849-852D-D1153EC5BBA7}" destId="{085E7CCF-05F3-B146-A4FB-A094FDB72BF6}" srcOrd="1" destOrd="0" presId="urn:microsoft.com/office/officeart/2005/8/layout/hierarchy4"/>
+  </dgm:cxnLst>
+  <dgm:bg/>
+  <dgm:whole/>
+  <dgm:extLst>
+    <a:ext uri="http://schemas.microsoft.com/office/drawing/2008/diagram">
+      <dsp:dataModelExt xmlns:dsp="http://schemas.microsoft.com/office/drawing/2008/diagram" relId="rId6" minVer="http://schemas.openxmlformats.org/drawingml/2006/diagram"/>
+    </a:ext>
+  </dgm:extLst>
+</dgm:dataModel>
+</file>
+
+<file path=ppt/diagrams/data2.xml><?xml version="1.0" encoding="utf-8"?>
+<dgm:dataModel xmlns:dgm="http://schemas.openxmlformats.org/drawingml/2006/diagram" xmlns:a="http://schemas.openxmlformats.org/drawingml/2006/main">
+  <dgm:ptLst>
+    <dgm:pt modelId="{8546CA92-6D7B-0444-B258-BA626F73AD33}" type="doc">
+      <dgm:prSet loTypeId="urn:microsoft.com/office/officeart/2005/8/layout/hierarchy4" loCatId="" qsTypeId="urn:microsoft.com/office/officeart/2005/8/quickstyle/simple1" qsCatId="simple" csTypeId="urn:microsoft.com/office/officeart/2005/8/colors/colorful3" csCatId="colorful" phldr="1"/>
+      <dgm:spPr/>
+      <dgm:t>
+        <a:bodyPr/>
+        <a:lstStyle/>
+        <a:p>
+          <a:endParaRPr lang="zh-CN" altLang="en-US"/>
+        </a:p>
+      </dgm:t>
+    </dgm:pt>
+    <dgm:pt modelId="{9CC014DA-8A8F-2649-9C34-1A3B09EB7A82}">
+      <dgm:prSet phldrT="[文本]"/>
+      <dgm:spPr/>
+      <dgm:t>
+        <a:bodyPr/>
+        <a:lstStyle/>
+        <a:p>
+          <a:r>
+            <a:rPr lang="zh-CN" altLang="en-US" dirty="0"/>
+            <a:t>应用层</a:t>
+          </a:r>
+        </a:p>
+      </dgm:t>
+    </dgm:pt>
+    <dgm:pt modelId="{2DEE5B66-AD63-F141-A700-AA446A366827}" type="parTrans" cxnId="{B2A34245-A2AE-214A-A200-BB7F966594EC}">
+      <dgm:prSet/>
+      <dgm:spPr/>
+      <dgm:t>
+        <a:bodyPr/>
+        <a:lstStyle/>
+        <a:p>
+          <a:endParaRPr lang="zh-CN" altLang="en-US"/>
+        </a:p>
+      </dgm:t>
+    </dgm:pt>
+    <dgm:pt modelId="{FE229A28-01FD-6848-90E6-6E19BDADB84D}" type="sibTrans" cxnId="{B2A34245-A2AE-214A-A200-BB7F966594EC}">
+      <dgm:prSet/>
+      <dgm:spPr/>
+      <dgm:t>
+        <a:bodyPr/>
+        <a:lstStyle/>
+        <a:p>
+          <a:endParaRPr lang="zh-CN" altLang="en-US"/>
+        </a:p>
+      </dgm:t>
+    </dgm:pt>
+    <dgm:pt modelId="{57BA5470-8382-7244-B98F-295274DC7022}">
+      <dgm:prSet phldrT="[文本]"/>
+      <dgm:spPr/>
+      <dgm:t>
+        <a:bodyPr/>
+        <a:lstStyle/>
+        <a:p>
+          <a:r>
+            <a:rPr lang="zh-CN" altLang="en-US" dirty="0"/>
+            <a:t>传输层</a:t>
+          </a:r>
+        </a:p>
+      </dgm:t>
+    </dgm:pt>
+    <dgm:pt modelId="{FB79550D-296C-B640-94B9-6A3F71D61EC0}" type="parTrans" cxnId="{644FD5AC-479E-284D-B918-5E6E0388CF06}">
+      <dgm:prSet/>
+      <dgm:spPr/>
+      <dgm:t>
+        <a:bodyPr/>
+        <a:lstStyle/>
+        <a:p>
+          <a:endParaRPr lang="zh-CN" altLang="en-US"/>
+        </a:p>
+      </dgm:t>
+    </dgm:pt>
+    <dgm:pt modelId="{70D86D20-67FA-9D48-8AC0-4337B620842B}" type="sibTrans" cxnId="{644FD5AC-479E-284D-B918-5E6E0388CF06}">
+      <dgm:prSet/>
+      <dgm:spPr/>
+      <dgm:t>
+        <a:bodyPr/>
+        <a:lstStyle/>
+        <a:p>
+          <a:endParaRPr lang="zh-CN" altLang="en-US"/>
+        </a:p>
+      </dgm:t>
+    </dgm:pt>
+    <dgm:pt modelId="{5C909E60-DD9B-984A-A344-8273E9C83B58}">
+      <dgm:prSet phldrT="[文本]"/>
+      <dgm:spPr/>
+      <dgm:t>
+        <a:bodyPr/>
+        <a:lstStyle/>
+        <a:p>
+          <a:r>
+            <a:rPr lang="zh-CN" altLang="en-US" dirty="0"/>
+            <a:t>网络层</a:t>
+          </a:r>
+        </a:p>
+      </dgm:t>
+    </dgm:pt>
+    <dgm:pt modelId="{8959BC92-1BA0-8B47-9C03-21E817110116}" type="parTrans" cxnId="{27BFF554-0338-1141-BD44-DE6755DB3FF7}">
+      <dgm:prSet/>
+      <dgm:spPr/>
+      <dgm:t>
+        <a:bodyPr/>
+        <a:lstStyle/>
+        <a:p>
+          <a:endParaRPr lang="zh-CN" altLang="en-US"/>
+        </a:p>
+      </dgm:t>
+    </dgm:pt>
+    <dgm:pt modelId="{B522337E-4F2C-1546-A056-656F4F5A074C}" type="sibTrans" cxnId="{27BFF554-0338-1141-BD44-DE6755DB3FF7}">
+      <dgm:prSet/>
+      <dgm:spPr/>
+      <dgm:t>
+        <a:bodyPr/>
+        <a:lstStyle/>
+        <a:p>
+          <a:endParaRPr lang="zh-CN" altLang="en-US"/>
+        </a:p>
+      </dgm:t>
+    </dgm:pt>
+    <dgm:pt modelId="{947B39DB-244D-4740-BAB4-BE403717F8AA}">
+      <dgm:prSet phldrT="[文本]"/>
+      <dgm:spPr/>
+      <dgm:t>
+        <a:bodyPr/>
+        <a:lstStyle/>
+        <a:p>
+          <a:r>
+            <a:rPr lang="zh-CN" altLang="en-US" dirty="0"/>
+            <a:t>数据链路层</a:t>
+          </a:r>
+        </a:p>
+      </dgm:t>
+    </dgm:pt>
+    <dgm:pt modelId="{2FCCAD26-E1A8-5046-B75D-58E48B340BDD}" type="parTrans" cxnId="{A1A159E1-2DB5-AF43-B85C-074BFB00BAAD}">
+      <dgm:prSet/>
+      <dgm:spPr/>
+      <dgm:t>
+        <a:bodyPr/>
+        <a:lstStyle/>
+        <a:p>
+          <a:endParaRPr lang="zh-CN" altLang="en-US"/>
+        </a:p>
+      </dgm:t>
+    </dgm:pt>
+    <dgm:pt modelId="{AD8CEB71-F5C9-4344-B678-9A290A4A43E9}" type="sibTrans" cxnId="{A1A159E1-2DB5-AF43-B85C-074BFB00BAAD}">
+      <dgm:prSet/>
+      <dgm:spPr/>
+      <dgm:t>
+        <a:bodyPr/>
+        <a:lstStyle/>
+        <a:p>
+          <a:endParaRPr lang="zh-CN" altLang="en-US"/>
+        </a:p>
+      </dgm:t>
+    </dgm:pt>
+    <dgm:pt modelId="{D353CF13-C4B6-F743-9A44-994382738518}">
+      <dgm:prSet phldrT="[文本]"/>
+      <dgm:spPr/>
+      <dgm:t>
+        <a:bodyPr/>
+        <a:lstStyle/>
+        <a:p>
+          <a:r>
+            <a:rPr lang="zh-CN" altLang="en-US" dirty="0"/>
+            <a:t>物理层</a:t>
+          </a:r>
+        </a:p>
+      </dgm:t>
+    </dgm:pt>
+    <dgm:pt modelId="{397B5719-8BE7-8549-9B16-F711255E2D9A}" type="parTrans" cxnId="{B170B3DD-C83F-C149-84C9-6464BBFCCC7A}">
+      <dgm:prSet/>
+      <dgm:spPr/>
+      <dgm:t>
+        <a:bodyPr/>
+        <a:lstStyle/>
+        <a:p>
+          <a:endParaRPr lang="zh-CN" altLang="en-US"/>
+        </a:p>
+      </dgm:t>
+    </dgm:pt>
+    <dgm:pt modelId="{0ECA6C5B-9435-704E-881F-32537D56B301}" type="sibTrans" cxnId="{B170B3DD-C83F-C149-84C9-6464BBFCCC7A}">
+      <dgm:prSet/>
+      <dgm:spPr/>
+      <dgm:t>
+        <a:bodyPr/>
+        <a:lstStyle/>
+        <a:p>
+          <a:endParaRPr lang="zh-CN" altLang="en-US"/>
+        </a:p>
+      </dgm:t>
+    </dgm:pt>
+    <dgm:pt modelId="{A8E643D2-5BDC-3349-ABD4-3E8CAA1763C2}" type="pres">
+      <dgm:prSet presAssocID="{8546CA92-6D7B-0444-B258-BA626F73AD33}" presName="Name0" presStyleCnt="0">
+        <dgm:presLayoutVars>
+          <dgm:chPref val="1"/>
+          <dgm:dir/>
+          <dgm:animOne val="branch"/>
+          <dgm:animLvl val="lvl"/>
+          <dgm:resizeHandles/>
+        </dgm:presLayoutVars>
+      </dgm:prSet>
+      <dgm:spPr/>
+    </dgm:pt>
+    <dgm:pt modelId="{01DBAB49-1D08-2B43-B32E-45485EC262A3}" type="pres">
+      <dgm:prSet presAssocID="{9CC014DA-8A8F-2649-9C34-1A3B09EB7A82}" presName="vertOne" presStyleCnt="0"/>
+      <dgm:spPr/>
+    </dgm:pt>
+    <dgm:pt modelId="{340BE0E2-6200-1B44-B834-335AA1D98650}" type="pres">
+      <dgm:prSet presAssocID="{9CC014DA-8A8F-2649-9C34-1A3B09EB7A82}" presName="txOne" presStyleLbl="node0" presStyleIdx="0" presStyleCnt="1" custScaleY="15386">
+        <dgm:presLayoutVars>
+          <dgm:chPref val="3"/>
+        </dgm:presLayoutVars>
+      </dgm:prSet>
+      <dgm:spPr/>
+    </dgm:pt>
+    <dgm:pt modelId="{20E4F4C9-19C9-F14E-AA3F-49A0C672F3C5}" type="pres">
+      <dgm:prSet presAssocID="{9CC014DA-8A8F-2649-9C34-1A3B09EB7A82}" presName="parTransOne" presStyleCnt="0"/>
+      <dgm:spPr/>
+    </dgm:pt>
+    <dgm:pt modelId="{57D54CD3-F597-3E47-B2F3-CA17220F2869}" type="pres">
+      <dgm:prSet presAssocID="{9CC014DA-8A8F-2649-9C34-1A3B09EB7A82}" presName="horzOne" presStyleCnt="0"/>
+      <dgm:spPr/>
+    </dgm:pt>
+    <dgm:pt modelId="{38460EC2-DB23-A543-B127-615A4FAC7675}" type="pres">
+      <dgm:prSet presAssocID="{57BA5470-8382-7244-B98F-295274DC7022}" presName="vertTwo" presStyleCnt="0"/>
+      <dgm:spPr/>
+    </dgm:pt>
+    <dgm:pt modelId="{1E33F59A-7C20-D84B-8877-2A9FF474BFAA}" type="pres">
+      <dgm:prSet presAssocID="{57BA5470-8382-7244-B98F-295274DC7022}" presName="txTwo" presStyleLbl="node2" presStyleIdx="0" presStyleCnt="1" custScaleY="15386">
+        <dgm:presLayoutVars>
+          <dgm:chPref val="3"/>
+        </dgm:presLayoutVars>
+      </dgm:prSet>
+      <dgm:spPr/>
+    </dgm:pt>
+    <dgm:pt modelId="{303CE0DB-16A9-614B-9FE9-BAD4A2BF5A8C}" type="pres">
+      <dgm:prSet presAssocID="{57BA5470-8382-7244-B98F-295274DC7022}" presName="parTransTwo" presStyleCnt="0"/>
+      <dgm:spPr/>
+    </dgm:pt>
+    <dgm:pt modelId="{F124E5C6-BBED-EA46-9DFF-130065C9BAEF}" type="pres">
+      <dgm:prSet presAssocID="{57BA5470-8382-7244-B98F-295274DC7022}" presName="horzTwo" presStyleCnt="0"/>
+      <dgm:spPr/>
+    </dgm:pt>
+    <dgm:pt modelId="{F8586080-1B4D-974E-A2A1-59EE6114C732}" type="pres">
+      <dgm:prSet presAssocID="{5C909E60-DD9B-984A-A344-8273E9C83B58}" presName="vertThree" presStyleCnt="0"/>
+      <dgm:spPr/>
+    </dgm:pt>
+    <dgm:pt modelId="{7439BB0D-E4FC-814B-B478-327CFFCABCC3}" type="pres">
+      <dgm:prSet presAssocID="{5C909E60-DD9B-984A-A344-8273E9C83B58}" presName="txThree" presStyleLbl="node3" presStyleIdx="0" presStyleCnt="1" custScaleY="15386">
+        <dgm:presLayoutVars>
+          <dgm:chPref val="3"/>
+        </dgm:presLayoutVars>
+      </dgm:prSet>
+      <dgm:spPr/>
+    </dgm:pt>
+    <dgm:pt modelId="{09F914CD-DD30-0645-BFD1-E4E90F76E9FF}" type="pres">
+      <dgm:prSet presAssocID="{5C909E60-DD9B-984A-A344-8273E9C83B58}" presName="parTransThree" presStyleCnt="0"/>
+      <dgm:spPr/>
+    </dgm:pt>
+    <dgm:pt modelId="{F9F185F4-D276-3541-B549-D01CCC9E8A76}" type="pres">
+      <dgm:prSet presAssocID="{5C909E60-DD9B-984A-A344-8273E9C83B58}" presName="horzThree" presStyleCnt="0"/>
+      <dgm:spPr/>
+    </dgm:pt>
+    <dgm:pt modelId="{D8BAA2F2-4652-3B48-81BE-C54B605EC349}" type="pres">
+      <dgm:prSet presAssocID="{947B39DB-244D-4740-BAB4-BE403717F8AA}" presName="vertFour" presStyleCnt="0">
+        <dgm:presLayoutVars>
+          <dgm:chPref val="3"/>
+        </dgm:presLayoutVars>
+      </dgm:prSet>
+      <dgm:spPr/>
+    </dgm:pt>
+    <dgm:pt modelId="{4CC0721E-73E5-F540-BB1B-F02C939E054F}" type="pres">
+      <dgm:prSet presAssocID="{947B39DB-244D-4740-BAB4-BE403717F8AA}" presName="txFour" presStyleLbl="node4" presStyleIdx="0" presStyleCnt="2" custScaleY="15386">
+        <dgm:presLayoutVars>
+          <dgm:chPref val="3"/>
+        </dgm:presLayoutVars>
+      </dgm:prSet>
+      <dgm:spPr/>
+    </dgm:pt>
+    <dgm:pt modelId="{77287EE9-B43D-F847-99BD-C853AC18CC49}" type="pres">
+      <dgm:prSet presAssocID="{947B39DB-244D-4740-BAB4-BE403717F8AA}" presName="parTransFour" presStyleCnt="0"/>
+      <dgm:spPr/>
+    </dgm:pt>
+    <dgm:pt modelId="{6D74F92F-5B0D-3F47-945F-344B76D0E860}" type="pres">
+      <dgm:prSet presAssocID="{947B39DB-244D-4740-BAB4-BE403717F8AA}" presName="horzFour" presStyleCnt="0"/>
+      <dgm:spPr/>
+    </dgm:pt>
+    <dgm:pt modelId="{FB85C6DB-887D-B849-852D-D1153EC5BBA7}" type="pres">
+      <dgm:prSet presAssocID="{D353CF13-C4B6-F743-9A44-994382738518}" presName="vertFour" presStyleCnt="0">
+        <dgm:presLayoutVars>
+          <dgm:chPref val="3"/>
+        </dgm:presLayoutVars>
+      </dgm:prSet>
+      <dgm:spPr/>
+    </dgm:pt>
+    <dgm:pt modelId="{01C36D6A-EAE6-7F43-B0B1-D3A0431F4044}" type="pres">
+      <dgm:prSet presAssocID="{D353CF13-C4B6-F743-9A44-994382738518}" presName="txFour" presStyleLbl="node4" presStyleIdx="1" presStyleCnt="2" custScaleY="15386">
+        <dgm:presLayoutVars>
+          <dgm:chPref val="3"/>
+        </dgm:presLayoutVars>
+      </dgm:prSet>
+      <dgm:spPr/>
+    </dgm:pt>
+    <dgm:pt modelId="{085E7CCF-05F3-B146-A4FB-A094FDB72BF6}" type="pres">
+      <dgm:prSet presAssocID="{D353CF13-C4B6-F743-9A44-994382738518}" presName="horzFour" presStyleCnt="0"/>
+      <dgm:spPr/>
+    </dgm:pt>
+  </dgm:ptLst>
+  <dgm:cxnLst>
+    <dgm:cxn modelId="{7DE2ED00-99CD-494E-B4A0-4C3D98268276}" type="presOf" srcId="{57BA5470-8382-7244-B98F-295274DC7022}" destId="{1E33F59A-7C20-D84B-8877-2A9FF474BFAA}" srcOrd="0" destOrd="0" presId="urn:microsoft.com/office/officeart/2005/8/layout/hierarchy4"/>
+    <dgm:cxn modelId="{BBEAC92A-48E2-7847-96E3-DFB7B13DF01F}" type="presOf" srcId="{5C909E60-DD9B-984A-A344-8273E9C83B58}" destId="{7439BB0D-E4FC-814B-B478-327CFFCABCC3}" srcOrd="0" destOrd="0" presId="urn:microsoft.com/office/officeart/2005/8/layout/hierarchy4"/>
+    <dgm:cxn modelId="{B2A34245-A2AE-214A-A200-BB7F966594EC}" srcId="{8546CA92-6D7B-0444-B258-BA626F73AD33}" destId="{9CC014DA-8A8F-2649-9C34-1A3B09EB7A82}" srcOrd="0" destOrd="0" parTransId="{2DEE5B66-AD63-F141-A700-AA446A366827}" sibTransId="{FE229A28-01FD-6848-90E6-6E19BDADB84D}"/>
+    <dgm:cxn modelId="{27BFF554-0338-1141-BD44-DE6755DB3FF7}" srcId="{57BA5470-8382-7244-B98F-295274DC7022}" destId="{5C909E60-DD9B-984A-A344-8273E9C83B58}" srcOrd="0" destOrd="0" parTransId="{8959BC92-1BA0-8B47-9C03-21E817110116}" sibTransId="{B522337E-4F2C-1546-A056-656F4F5A074C}"/>
+    <dgm:cxn modelId="{7310FD5A-9171-FA4E-9A20-448F531FDF41}" type="presOf" srcId="{8546CA92-6D7B-0444-B258-BA626F73AD33}" destId="{A8E643D2-5BDC-3349-ABD4-3E8CAA1763C2}" srcOrd="0" destOrd="0" presId="urn:microsoft.com/office/officeart/2005/8/layout/hierarchy4"/>
+    <dgm:cxn modelId="{E0D50885-2423-F247-A0BE-12F82F41FF1B}" type="presOf" srcId="{947B39DB-244D-4740-BAB4-BE403717F8AA}" destId="{4CC0721E-73E5-F540-BB1B-F02C939E054F}" srcOrd="0" destOrd="0" presId="urn:microsoft.com/office/officeart/2005/8/layout/hierarchy4"/>
+    <dgm:cxn modelId="{644FD5AC-479E-284D-B918-5E6E0388CF06}" srcId="{9CC014DA-8A8F-2649-9C34-1A3B09EB7A82}" destId="{57BA5470-8382-7244-B98F-295274DC7022}" srcOrd="0" destOrd="0" parTransId="{FB79550D-296C-B640-94B9-6A3F71D61EC0}" sibTransId="{70D86D20-67FA-9D48-8AC0-4337B620842B}"/>
+    <dgm:cxn modelId="{A9C807C3-3096-9549-88E2-7D7E8552ED44}" type="presOf" srcId="{9CC014DA-8A8F-2649-9C34-1A3B09EB7A82}" destId="{340BE0E2-6200-1B44-B834-335AA1D98650}" srcOrd="0" destOrd="0" presId="urn:microsoft.com/office/officeart/2005/8/layout/hierarchy4"/>
+    <dgm:cxn modelId="{B170B3DD-C83F-C149-84C9-6464BBFCCC7A}" srcId="{947B39DB-244D-4740-BAB4-BE403717F8AA}" destId="{D353CF13-C4B6-F743-9A44-994382738518}" srcOrd="0" destOrd="0" parTransId="{397B5719-8BE7-8549-9B16-F711255E2D9A}" sibTransId="{0ECA6C5B-9435-704E-881F-32537D56B301}"/>
+    <dgm:cxn modelId="{A1A159E1-2DB5-AF43-B85C-074BFB00BAAD}" srcId="{5C909E60-DD9B-984A-A344-8273E9C83B58}" destId="{947B39DB-244D-4740-BAB4-BE403717F8AA}" srcOrd="0" destOrd="0" parTransId="{2FCCAD26-E1A8-5046-B75D-58E48B340BDD}" sibTransId="{AD8CEB71-F5C9-4344-B678-9A290A4A43E9}"/>
+    <dgm:cxn modelId="{BD6896E5-6FE0-E24B-95F5-6DE73C0453AD}" type="presOf" srcId="{D353CF13-C4B6-F743-9A44-994382738518}" destId="{01C36D6A-EAE6-7F43-B0B1-D3A0431F4044}" srcOrd="0" destOrd="0" presId="urn:microsoft.com/office/officeart/2005/8/layout/hierarchy4"/>
+    <dgm:cxn modelId="{0A8B86A0-3204-4244-BE18-EAC42F9986F6}" type="presParOf" srcId="{A8E643D2-5BDC-3349-ABD4-3E8CAA1763C2}" destId="{01DBAB49-1D08-2B43-B32E-45485EC262A3}" srcOrd="0" destOrd="0" presId="urn:microsoft.com/office/officeart/2005/8/layout/hierarchy4"/>
+    <dgm:cxn modelId="{AEC0BF42-25D3-5943-937B-439852639717}" type="presParOf" srcId="{01DBAB49-1D08-2B43-B32E-45485EC262A3}" destId="{340BE0E2-6200-1B44-B834-335AA1D98650}" srcOrd="0" destOrd="0" presId="urn:microsoft.com/office/officeart/2005/8/layout/hierarchy4"/>
+    <dgm:cxn modelId="{F2C37814-CB40-2844-AFDD-12DA5D1B9F92}" type="presParOf" srcId="{01DBAB49-1D08-2B43-B32E-45485EC262A3}" destId="{20E4F4C9-19C9-F14E-AA3F-49A0C672F3C5}" srcOrd="1" destOrd="0" presId="urn:microsoft.com/office/officeart/2005/8/layout/hierarchy4"/>
+    <dgm:cxn modelId="{7A6FE70A-9617-694A-8AC2-06D24D4EB734}" type="presParOf" srcId="{01DBAB49-1D08-2B43-B32E-45485EC262A3}" destId="{57D54CD3-F597-3E47-B2F3-CA17220F2869}" srcOrd="2" destOrd="0" presId="urn:microsoft.com/office/officeart/2005/8/layout/hierarchy4"/>
+    <dgm:cxn modelId="{747E7C9B-94A7-3F46-B81E-54860286B4CE}" type="presParOf" srcId="{57D54CD3-F597-3E47-B2F3-CA17220F2869}" destId="{38460EC2-DB23-A543-B127-615A4FAC7675}" srcOrd="0" destOrd="0" presId="urn:microsoft.com/office/officeart/2005/8/layout/hierarchy4"/>
+    <dgm:cxn modelId="{67F62FCE-A158-3943-83BD-7A3853CC5BF5}" type="presParOf" srcId="{38460EC2-DB23-A543-B127-615A4FAC7675}" destId="{1E33F59A-7C20-D84B-8877-2A9FF474BFAA}" srcOrd="0" destOrd="0" presId="urn:microsoft.com/office/officeart/2005/8/layout/hierarchy4"/>
+    <dgm:cxn modelId="{2D681EA4-AE7B-A348-9B37-EF2287E65E91}" type="presParOf" srcId="{38460EC2-DB23-A543-B127-615A4FAC7675}" destId="{303CE0DB-16A9-614B-9FE9-BAD4A2BF5A8C}" srcOrd="1" destOrd="0" presId="urn:microsoft.com/office/officeart/2005/8/layout/hierarchy4"/>
+    <dgm:cxn modelId="{F83079BC-90BD-4142-8175-CEF2948785CD}" type="presParOf" srcId="{38460EC2-DB23-A543-B127-615A4FAC7675}" destId="{F124E5C6-BBED-EA46-9DFF-130065C9BAEF}" srcOrd="2" destOrd="0" presId="urn:microsoft.com/office/officeart/2005/8/layout/hierarchy4"/>
+    <dgm:cxn modelId="{A4DF03FF-2BBF-8E44-8280-B726C34D58F7}" type="presParOf" srcId="{F124E5C6-BBED-EA46-9DFF-130065C9BAEF}" destId="{F8586080-1B4D-974E-A2A1-59EE6114C732}" srcOrd="0" destOrd="0" presId="urn:microsoft.com/office/officeart/2005/8/layout/hierarchy4"/>
+    <dgm:cxn modelId="{616B40A0-53B6-F844-A3A4-BD690DAB39BA}" type="presParOf" srcId="{F8586080-1B4D-974E-A2A1-59EE6114C732}" destId="{7439BB0D-E4FC-814B-B478-327CFFCABCC3}" srcOrd="0" destOrd="0" presId="urn:microsoft.com/office/officeart/2005/8/layout/hierarchy4"/>
+    <dgm:cxn modelId="{AEEB27CD-F826-FB4D-A764-F242F2FDDD4D}" type="presParOf" srcId="{F8586080-1B4D-974E-A2A1-59EE6114C732}" destId="{09F914CD-DD30-0645-BFD1-E4E90F76E9FF}" srcOrd="1" destOrd="0" presId="urn:microsoft.com/office/officeart/2005/8/layout/hierarchy4"/>
+    <dgm:cxn modelId="{F44CCE09-3B14-9B4D-909B-D4E0DB2658DA}" type="presParOf" srcId="{F8586080-1B4D-974E-A2A1-59EE6114C732}" destId="{F9F185F4-D276-3541-B549-D01CCC9E8A76}" srcOrd="2" destOrd="0" presId="urn:microsoft.com/office/officeart/2005/8/layout/hierarchy4"/>
+    <dgm:cxn modelId="{D6734EAA-2E59-D44A-8360-737B910435B3}" type="presParOf" srcId="{F9F185F4-D276-3541-B549-D01CCC9E8A76}" destId="{D8BAA2F2-4652-3B48-81BE-C54B605EC349}" srcOrd="0" destOrd="0" presId="urn:microsoft.com/office/officeart/2005/8/layout/hierarchy4"/>
+    <dgm:cxn modelId="{72C470BC-A950-E44F-97CB-4CD25F13AA41}" type="presParOf" srcId="{D8BAA2F2-4652-3B48-81BE-C54B605EC349}" destId="{4CC0721E-73E5-F540-BB1B-F02C939E054F}" srcOrd="0" destOrd="0" presId="urn:microsoft.com/office/officeart/2005/8/layout/hierarchy4"/>
+    <dgm:cxn modelId="{B10129FA-1BF9-0049-BE8A-03160CD3C6FC}" type="presParOf" srcId="{D8BAA2F2-4652-3B48-81BE-C54B605EC349}" destId="{77287EE9-B43D-F847-99BD-C853AC18CC49}" srcOrd="1" destOrd="0" presId="urn:microsoft.com/office/officeart/2005/8/layout/hierarchy4"/>
+    <dgm:cxn modelId="{FDA75772-6C97-4242-B7C7-7FA3017B3861}" type="presParOf" srcId="{D8BAA2F2-4652-3B48-81BE-C54B605EC349}" destId="{6D74F92F-5B0D-3F47-945F-344B76D0E860}" srcOrd="2" destOrd="0" presId="urn:microsoft.com/office/officeart/2005/8/layout/hierarchy4"/>
+    <dgm:cxn modelId="{B93B8AF7-7F4F-F749-AF90-F67D5FDB273A}" type="presParOf" srcId="{6D74F92F-5B0D-3F47-945F-344B76D0E860}" destId="{FB85C6DB-887D-B849-852D-D1153EC5BBA7}" srcOrd="0" destOrd="0" presId="urn:microsoft.com/office/officeart/2005/8/layout/hierarchy4"/>
+    <dgm:cxn modelId="{D34310AB-F414-3045-B5A2-702FDA1DD9E7}" type="presParOf" srcId="{FB85C6DB-887D-B849-852D-D1153EC5BBA7}" destId="{01C36D6A-EAE6-7F43-B0B1-D3A0431F4044}" srcOrd="0" destOrd="0" presId="urn:microsoft.com/office/officeart/2005/8/layout/hierarchy4"/>
+    <dgm:cxn modelId="{88BE6728-57FD-8A4B-887D-4D688057197C}" type="presParOf" srcId="{FB85C6DB-887D-B849-852D-D1153EC5BBA7}" destId="{085E7CCF-05F3-B146-A4FB-A094FDB72BF6}" srcOrd="1" destOrd="0" presId="urn:microsoft.com/office/officeart/2005/8/layout/hierarchy4"/>
+  </dgm:cxnLst>
+  <dgm:bg/>
+  <dgm:whole/>
+  <dgm:extLst>
+    <a:ext uri="http://schemas.microsoft.com/office/drawing/2008/diagram">
+      <dsp:dataModelExt xmlns:dsp="http://schemas.microsoft.com/office/drawing/2008/diagram" relId="rId6" minVer="http://schemas.openxmlformats.org/drawingml/2006/diagram"/>
+    </a:ext>
+  </dgm:extLst>
+</dgm:dataModel>
+</file>
+
+<file path=ppt/diagrams/drawing1.xml><?xml version="1.0" encoding="utf-8"?>
+<dsp:drawing xmlns:dgm="http://schemas.openxmlformats.org/drawingml/2006/diagram" xmlns:dsp="http://schemas.microsoft.com/office/drawing/2008/diagram" xmlns:a="http://schemas.openxmlformats.org/drawingml/2006/main">
+  <dsp:spTree>
+    <dsp:nvGrpSpPr>
+      <dsp:cNvPr id="0" name=""/>
+      <dsp:cNvGrpSpPr/>
+    </dsp:nvGrpSpPr>
+    <dsp:grpSpPr/>
+    <dsp:sp modelId="{340BE0E2-6200-1B44-B834-335AA1D98650}">
+      <dsp:nvSpPr>
+        <dsp:cNvPr id="0" name=""/>
+        <dsp:cNvSpPr/>
+      </dsp:nvSpPr>
+      <dsp:spPr>
+        <a:xfrm>
+          <a:off x="0" y="113985"/>
+          <a:ext cx="3973550" cy="745654"/>
+        </a:xfrm>
+        <a:prstGeom prst="roundRect">
+          <a:avLst>
+            <a:gd name="adj" fmla="val 10000"/>
+          </a:avLst>
+        </a:prstGeom>
+        <a:solidFill>
+          <a:schemeClr val="accent2">
+            <a:hueOff val="0"/>
+            <a:satOff val="0"/>
+            <a:lumOff val="0"/>
+            <a:alphaOff val="0"/>
+          </a:schemeClr>
+        </a:solidFill>
+        <a:ln w="12700" cap="flat" cmpd="sng" algn="ctr">
+          <a:solidFill>
+            <a:schemeClr val="lt1">
+              <a:hueOff val="0"/>
+              <a:satOff val="0"/>
+              <a:lumOff val="0"/>
+              <a:alphaOff val="0"/>
+            </a:schemeClr>
+          </a:solidFill>
+          <a:prstDash val="solid"/>
+          <a:miter lim="800000"/>
+        </a:ln>
+        <a:effectLst/>
+      </dsp:spPr>
+      <dsp:style>
+        <a:lnRef idx="2">
+          <a:scrgbClr r="0" g="0" b="0"/>
+        </a:lnRef>
+        <a:fillRef idx="1">
+          <a:scrgbClr r="0" g="0" b="0"/>
+        </a:fillRef>
+        <a:effectRef idx="0">
+          <a:scrgbClr r="0" g="0" b="0"/>
+        </a:effectRef>
+        <a:fontRef idx="minor">
+          <a:schemeClr val="lt1"/>
+        </a:fontRef>
+      </dsp:style>
+      <dsp:txBody>
+        <a:bodyPr spcFirstLastPara="0" vert="horz" wrap="square" lIns="110490" tIns="110490" rIns="110490" bIns="110490" numCol="1" spcCol="1270" anchor="ctr" anchorCtr="0">
+          <a:noAutofit/>
+        </a:bodyPr>
+        <a:lstStyle/>
+        <a:p>
+          <a:pPr marL="0" lvl="0" indent="0" algn="ctr" defTabSz="1289050">
+            <a:lnSpc>
+              <a:spcPct val="90000"/>
+            </a:lnSpc>
+            <a:spcBef>
+              <a:spcPct val="0"/>
+            </a:spcBef>
+            <a:spcAft>
+              <a:spcPct val="35000"/>
+            </a:spcAft>
+            <a:buNone/>
+          </a:pPr>
+          <a:r>
+            <a:rPr lang="zh-CN" altLang="en-US" sz="2900" kern="1200" dirty="0"/>
+            <a:t>应用层</a:t>
+          </a:r>
+        </a:p>
+      </dsp:txBody>
+      <dsp:txXfrm>
+        <a:off x="21839" y="135824"/>
+        <a:ext cx="3929872" cy="701976"/>
+      </dsp:txXfrm>
+    </dsp:sp>
+    <dsp:sp modelId="{1E33F59A-7C20-D84B-8877-2A9FF474BFAA}">
+      <dsp:nvSpPr>
+        <dsp:cNvPr id="0" name=""/>
+        <dsp:cNvSpPr/>
+      </dsp:nvSpPr>
+      <dsp:spPr>
+        <a:xfrm>
+          <a:off x="0" y="1082159"/>
+          <a:ext cx="3973550" cy="745654"/>
+        </a:xfrm>
+        <a:prstGeom prst="roundRect">
+          <a:avLst>
+            <a:gd name="adj" fmla="val 10000"/>
+          </a:avLst>
+        </a:prstGeom>
+        <a:solidFill>
+          <a:schemeClr val="accent4">
+            <a:hueOff val="0"/>
+            <a:satOff val="0"/>
+            <a:lumOff val="0"/>
+            <a:alphaOff val="0"/>
+          </a:schemeClr>
+        </a:solidFill>
+        <a:ln w="12700" cap="flat" cmpd="sng" algn="ctr">
+          <a:solidFill>
+            <a:schemeClr val="lt1">
+              <a:hueOff val="0"/>
+              <a:satOff val="0"/>
+              <a:lumOff val="0"/>
+              <a:alphaOff val="0"/>
+            </a:schemeClr>
+          </a:solidFill>
+          <a:prstDash val="solid"/>
+          <a:miter lim="800000"/>
+        </a:ln>
+        <a:effectLst/>
+      </dsp:spPr>
+      <dsp:style>
+        <a:lnRef idx="2">
+          <a:scrgbClr r="0" g="0" b="0"/>
+        </a:lnRef>
+        <a:fillRef idx="1">
+          <a:scrgbClr r="0" g="0" b="0"/>
+        </a:fillRef>
+        <a:effectRef idx="0">
+          <a:scrgbClr r="0" g="0" b="0"/>
+        </a:effectRef>
+        <a:fontRef idx="minor">
+          <a:schemeClr val="lt1"/>
+        </a:fontRef>
+      </dsp:style>
+      <dsp:txBody>
+        <a:bodyPr spcFirstLastPara="0" vert="horz" wrap="square" lIns="110490" tIns="110490" rIns="110490" bIns="110490" numCol="1" spcCol="1270" anchor="ctr" anchorCtr="0">
+          <a:noAutofit/>
+        </a:bodyPr>
+        <a:lstStyle/>
+        <a:p>
+          <a:pPr marL="0" lvl="0" indent="0" algn="ctr" defTabSz="1289050">
+            <a:lnSpc>
+              <a:spcPct val="90000"/>
+            </a:lnSpc>
+            <a:spcBef>
+              <a:spcPct val="0"/>
+            </a:spcBef>
+            <a:spcAft>
+              <a:spcPct val="35000"/>
+            </a:spcAft>
+            <a:buNone/>
+          </a:pPr>
+          <a:r>
+            <a:rPr lang="zh-CN" altLang="en-US" sz="2900" kern="1200" dirty="0"/>
+            <a:t>传输层</a:t>
+          </a:r>
+        </a:p>
+      </dsp:txBody>
+      <dsp:txXfrm>
+        <a:off x="21839" y="1103998"/>
+        <a:ext cx="3929872" cy="701976"/>
+      </dsp:txXfrm>
+    </dsp:sp>
+    <dsp:sp modelId="{7439BB0D-E4FC-814B-B478-327CFFCABCC3}">
+      <dsp:nvSpPr>
+        <dsp:cNvPr id="0" name=""/>
+        <dsp:cNvSpPr/>
+      </dsp:nvSpPr>
+      <dsp:spPr>
+        <a:xfrm>
+          <a:off x="0" y="2050332"/>
+          <a:ext cx="3973550" cy="745654"/>
+        </a:xfrm>
+        <a:prstGeom prst="roundRect">
+          <a:avLst>
+            <a:gd name="adj" fmla="val 10000"/>
+          </a:avLst>
+        </a:prstGeom>
+        <a:solidFill>
+          <a:schemeClr val="accent5">
+            <a:hueOff val="0"/>
+            <a:satOff val="0"/>
+            <a:lumOff val="0"/>
+            <a:alphaOff val="0"/>
+          </a:schemeClr>
+        </a:solidFill>
+        <a:ln w="12700" cap="flat" cmpd="sng" algn="ctr">
+          <a:solidFill>
+            <a:schemeClr val="lt1">
+              <a:hueOff val="0"/>
+              <a:satOff val="0"/>
+              <a:lumOff val="0"/>
+              <a:alphaOff val="0"/>
+            </a:schemeClr>
+          </a:solidFill>
+          <a:prstDash val="solid"/>
+          <a:miter lim="800000"/>
+        </a:ln>
+        <a:effectLst/>
+      </dsp:spPr>
+      <dsp:style>
+        <a:lnRef idx="2">
+          <a:scrgbClr r="0" g="0" b="0"/>
+        </a:lnRef>
+        <a:fillRef idx="1">
+          <a:scrgbClr r="0" g="0" b="0"/>
+        </a:fillRef>
+        <a:effectRef idx="0">
+          <a:scrgbClr r="0" g="0" b="0"/>
+        </a:effectRef>
+        <a:fontRef idx="minor">
+          <a:schemeClr val="lt1"/>
+        </a:fontRef>
+      </dsp:style>
+      <dsp:txBody>
+        <a:bodyPr spcFirstLastPara="0" vert="horz" wrap="square" lIns="110490" tIns="110490" rIns="110490" bIns="110490" numCol="1" spcCol="1270" anchor="ctr" anchorCtr="0">
+          <a:noAutofit/>
+        </a:bodyPr>
+        <a:lstStyle/>
+        <a:p>
+          <a:pPr marL="0" lvl="0" indent="0" algn="ctr" defTabSz="1289050">
+            <a:lnSpc>
+              <a:spcPct val="90000"/>
+            </a:lnSpc>
+            <a:spcBef>
+              <a:spcPct val="0"/>
+            </a:spcBef>
+            <a:spcAft>
+              <a:spcPct val="35000"/>
+            </a:spcAft>
+            <a:buNone/>
+          </a:pPr>
+          <a:r>
+            <a:rPr lang="zh-CN" altLang="en-US" sz="2900" kern="1200" dirty="0"/>
+            <a:t>网络层</a:t>
+          </a:r>
+        </a:p>
+      </dsp:txBody>
+      <dsp:txXfrm>
+        <a:off x="21839" y="2072171"/>
+        <a:ext cx="3929872" cy="701976"/>
+      </dsp:txXfrm>
+    </dsp:sp>
+    <dsp:sp modelId="{4CC0721E-73E5-F540-BB1B-F02C939E054F}">
+      <dsp:nvSpPr>
+        <dsp:cNvPr id="0" name=""/>
+        <dsp:cNvSpPr/>
+      </dsp:nvSpPr>
+      <dsp:spPr>
+        <a:xfrm>
+          <a:off x="0" y="3018506"/>
+          <a:ext cx="3973550" cy="745654"/>
+        </a:xfrm>
+        <a:prstGeom prst="roundRect">
+          <a:avLst>
+            <a:gd name="adj" fmla="val 10000"/>
+          </a:avLst>
+        </a:prstGeom>
+        <a:solidFill>
+          <a:schemeClr val="accent6">
+            <a:hueOff val="0"/>
+            <a:satOff val="0"/>
+            <a:lumOff val="0"/>
+            <a:alphaOff val="0"/>
+          </a:schemeClr>
+        </a:solidFill>
+        <a:ln w="12700" cap="flat" cmpd="sng" algn="ctr">
+          <a:solidFill>
+            <a:schemeClr val="lt1">
+              <a:hueOff val="0"/>
+              <a:satOff val="0"/>
+              <a:lumOff val="0"/>
+              <a:alphaOff val="0"/>
+            </a:schemeClr>
+          </a:solidFill>
+          <a:prstDash val="solid"/>
+          <a:miter lim="800000"/>
+        </a:ln>
+        <a:effectLst/>
+      </dsp:spPr>
+      <dsp:style>
+        <a:lnRef idx="2">
+          <a:scrgbClr r="0" g="0" b="0"/>
+        </a:lnRef>
+        <a:fillRef idx="1">
+          <a:scrgbClr r="0" g="0" b="0"/>
+        </a:fillRef>
+        <a:effectRef idx="0">
+          <a:scrgbClr r="0" g="0" b="0"/>
+        </a:effectRef>
+        <a:fontRef idx="minor">
+          <a:schemeClr val="lt1"/>
+        </a:fontRef>
+      </dsp:style>
+      <dsp:txBody>
+        <a:bodyPr spcFirstLastPara="0" vert="horz" wrap="square" lIns="110490" tIns="110490" rIns="110490" bIns="110490" numCol="1" spcCol="1270" anchor="ctr" anchorCtr="0">
+          <a:noAutofit/>
+        </a:bodyPr>
+        <a:lstStyle/>
+        <a:p>
+          <a:pPr marL="0" lvl="0" indent="0" algn="ctr" defTabSz="1289050">
+            <a:lnSpc>
+              <a:spcPct val="90000"/>
+            </a:lnSpc>
+            <a:spcBef>
+              <a:spcPct val="0"/>
+            </a:spcBef>
+            <a:spcAft>
+              <a:spcPct val="35000"/>
+            </a:spcAft>
+            <a:buNone/>
+          </a:pPr>
+          <a:r>
+            <a:rPr lang="zh-CN" altLang="en-US" sz="2900" kern="1200" dirty="0"/>
+            <a:t>数据链路层</a:t>
+          </a:r>
+        </a:p>
+      </dsp:txBody>
+      <dsp:txXfrm>
+        <a:off x="21839" y="3040345"/>
+        <a:ext cx="3929872" cy="701976"/>
+      </dsp:txXfrm>
+    </dsp:sp>
+    <dsp:sp modelId="{01C36D6A-EAE6-7F43-B0B1-D3A0431F4044}">
+      <dsp:nvSpPr>
+        <dsp:cNvPr id="0" name=""/>
+        <dsp:cNvSpPr/>
+      </dsp:nvSpPr>
+      <dsp:spPr>
+        <a:xfrm>
+          <a:off x="0" y="3986679"/>
+          <a:ext cx="3973550" cy="745654"/>
+        </a:xfrm>
+        <a:prstGeom prst="roundRect">
+          <a:avLst>
+            <a:gd name="adj" fmla="val 10000"/>
+          </a:avLst>
+        </a:prstGeom>
+        <a:solidFill>
+          <a:schemeClr val="accent6">
+            <a:hueOff val="0"/>
+            <a:satOff val="0"/>
+            <a:lumOff val="0"/>
+            <a:alphaOff val="0"/>
+          </a:schemeClr>
+        </a:solidFill>
+        <a:ln w="12700" cap="flat" cmpd="sng" algn="ctr">
+          <a:solidFill>
+            <a:schemeClr val="lt1">
+              <a:hueOff val="0"/>
+              <a:satOff val="0"/>
+              <a:lumOff val="0"/>
+              <a:alphaOff val="0"/>
+            </a:schemeClr>
+          </a:solidFill>
+          <a:prstDash val="solid"/>
+          <a:miter lim="800000"/>
+        </a:ln>
+        <a:effectLst/>
+      </dsp:spPr>
+      <dsp:style>
+        <a:lnRef idx="2">
+          <a:scrgbClr r="0" g="0" b="0"/>
+        </a:lnRef>
+        <a:fillRef idx="1">
+          <a:scrgbClr r="0" g="0" b="0"/>
+        </a:fillRef>
+        <a:effectRef idx="0">
+          <a:scrgbClr r="0" g="0" b="0"/>
+        </a:effectRef>
+        <a:fontRef idx="minor">
+          <a:schemeClr val="lt1"/>
+        </a:fontRef>
+      </dsp:style>
+      <dsp:txBody>
+        <a:bodyPr spcFirstLastPara="0" vert="horz" wrap="square" lIns="110490" tIns="110490" rIns="110490" bIns="110490" numCol="1" spcCol="1270" anchor="ctr" anchorCtr="0">
+          <a:noAutofit/>
+        </a:bodyPr>
+        <a:lstStyle/>
+        <a:p>
+          <a:pPr marL="0" lvl="0" indent="0" algn="ctr" defTabSz="1289050">
+            <a:lnSpc>
+              <a:spcPct val="90000"/>
+            </a:lnSpc>
+            <a:spcBef>
+              <a:spcPct val="0"/>
+            </a:spcBef>
+            <a:spcAft>
+              <a:spcPct val="35000"/>
+            </a:spcAft>
+            <a:buNone/>
+          </a:pPr>
+          <a:r>
+            <a:rPr lang="zh-CN" altLang="en-US" sz="2900" kern="1200" dirty="0"/>
+            <a:t>物理层</a:t>
+          </a:r>
+        </a:p>
+      </dsp:txBody>
+      <dsp:txXfrm>
+        <a:off x="21839" y="4008518"/>
+        <a:ext cx="3929872" cy="701976"/>
+      </dsp:txXfrm>
+    </dsp:sp>
+  </dsp:spTree>
+</dsp:drawing>
+</file>
+
+<file path=ppt/diagrams/drawing2.xml><?xml version="1.0" encoding="utf-8"?>
+<dsp:drawing xmlns:dgm="http://schemas.openxmlformats.org/drawingml/2006/diagram" xmlns:dsp="http://schemas.microsoft.com/office/drawing/2008/diagram" xmlns:a="http://schemas.openxmlformats.org/drawingml/2006/main">
+  <dsp:spTree>
+    <dsp:nvGrpSpPr>
+      <dsp:cNvPr id="0" name=""/>
+      <dsp:cNvGrpSpPr/>
+    </dsp:nvGrpSpPr>
+    <dsp:grpSpPr/>
+    <dsp:sp modelId="{340BE0E2-6200-1B44-B834-335AA1D98650}">
+      <dsp:nvSpPr>
+        <dsp:cNvPr id="0" name=""/>
+        <dsp:cNvSpPr/>
+      </dsp:nvSpPr>
+      <dsp:spPr>
+        <a:xfrm>
+          <a:off x="0" y="113985"/>
+          <a:ext cx="3973550" cy="745654"/>
+        </a:xfrm>
+        <a:prstGeom prst="roundRect">
+          <a:avLst>
+            <a:gd name="adj" fmla="val 10000"/>
+          </a:avLst>
+        </a:prstGeom>
+        <a:solidFill>
+          <a:schemeClr val="accent2">
+            <a:hueOff val="0"/>
+            <a:satOff val="0"/>
+            <a:lumOff val="0"/>
+            <a:alphaOff val="0"/>
+          </a:schemeClr>
+        </a:solidFill>
+        <a:ln w="12700" cap="flat" cmpd="sng" algn="ctr">
+          <a:solidFill>
+            <a:schemeClr val="lt1">
+              <a:hueOff val="0"/>
+              <a:satOff val="0"/>
+              <a:lumOff val="0"/>
+              <a:alphaOff val="0"/>
+            </a:schemeClr>
+          </a:solidFill>
+          <a:prstDash val="solid"/>
+          <a:miter lim="800000"/>
+        </a:ln>
+        <a:effectLst/>
+      </dsp:spPr>
+      <dsp:style>
+        <a:lnRef idx="2">
+          <a:scrgbClr r="0" g="0" b="0"/>
+        </a:lnRef>
+        <a:fillRef idx="1">
+          <a:scrgbClr r="0" g="0" b="0"/>
+        </a:fillRef>
+        <a:effectRef idx="0">
+          <a:scrgbClr r="0" g="0" b="0"/>
+        </a:effectRef>
+        <a:fontRef idx="minor">
+          <a:schemeClr val="lt1"/>
+        </a:fontRef>
+      </dsp:style>
+      <dsp:txBody>
+        <a:bodyPr spcFirstLastPara="0" vert="horz" wrap="square" lIns="110490" tIns="110490" rIns="110490" bIns="110490" numCol="1" spcCol="1270" anchor="ctr" anchorCtr="0">
+          <a:noAutofit/>
+        </a:bodyPr>
+        <a:lstStyle/>
+        <a:p>
+          <a:pPr marL="0" lvl="0" indent="0" algn="ctr" defTabSz="1289050">
+            <a:lnSpc>
+              <a:spcPct val="90000"/>
+            </a:lnSpc>
+            <a:spcBef>
+              <a:spcPct val="0"/>
+            </a:spcBef>
+            <a:spcAft>
+              <a:spcPct val="35000"/>
+            </a:spcAft>
+            <a:buNone/>
+          </a:pPr>
+          <a:r>
+            <a:rPr lang="zh-CN" altLang="en-US" sz="2900" kern="1200" dirty="0"/>
+            <a:t>应用层</a:t>
+          </a:r>
+        </a:p>
+      </dsp:txBody>
+      <dsp:txXfrm>
+        <a:off x="21839" y="135824"/>
+        <a:ext cx="3929872" cy="701976"/>
+      </dsp:txXfrm>
+    </dsp:sp>
+    <dsp:sp modelId="{1E33F59A-7C20-D84B-8877-2A9FF474BFAA}">
+      <dsp:nvSpPr>
+        <dsp:cNvPr id="0" name=""/>
+        <dsp:cNvSpPr/>
+      </dsp:nvSpPr>
+      <dsp:spPr>
+        <a:xfrm>
+          <a:off x="0" y="1082159"/>
+          <a:ext cx="3973550" cy="745654"/>
+        </a:xfrm>
+        <a:prstGeom prst="roundRect">
+          <a:avLst>
+            <a:gd name="adj" fmla="val 10000"/>
+          </a:avLst>
+        </a:prstGeom>
+        <a:solidFill>
+          <a:schemeClr val="accent4">
+            <a:hueOff val="0"/>
+            <a:satOff val="0"/>
+            <a:lumOff val="0"/>
+            <a:alphaOff val="0"/>
+          </a:schemeClr>
+        </a:solidFill>
+        <a:ln w="12700" cap="flat" cmpd="sng" algn="ctr">
+          <a:solidFill>
+            <a:schemeClr val="lt1">
+              <a:hueOff val="0"/>
+              <a:satOff val="0"/>
+              <a:lumOff val="0"/>
+              <a:alphaOff val="0"/>
+            </a:schemeClr>
+          </a:solidFill>
+          <a:prstDash val="solid"/>
+          <a:miter lim="800000"/>
+        </a:ln>
+        <a:effectLst/>
+      </dsp:spPr>
+      <dsp:style>
+        <a:lnRef idx="2">
+          <a:scrgbClr r="0" g="0" b="0"/>
+        </a:lnRef>
+        <a:fillRef idx="1">
+          <a:scrgbClr r="0" g="0" b="0"/>
+        </a:fillRef>
+        <a:effectRef idx="0">
+          <a:scrgbClr r="0" g="0" b="0"/>
+        </a:effectRef>
+        <a:fontRef idx="minor">
+          <a:schemeClr val="lt1"/>
+        </a:fontRef>
+      </dsp:style>
+      <dsp:txBody>
+        <a:bodyPr spcFirstLastPara="0" vert="horz" wrap="square" lIns="110490" tIns="110490" rIns="110490" bIns="110490" numCol="1" spcCol="1270" anchor="ctr" anchorCtr="0">
+          <a:noAutofit/>
+        </a:bodyPr>
+        <a:lstStyle/>
+        <a:p>
+          <a:pPr marL="0" lvl="0" indent="0" algn="ctr" defTabSz="1289050">
+            <a:lnSpc>
+              <a:spcPct val="90000"/>
+            </a:lnSpc>
+            <a:spcBef>
+              <a:spcPct val="0"/>
+            </a:spcBef>
+            <a:spcAft>
+              <a:spcPct val="35000"/>
+            </a:spcAft>
+            <a:buNone/>
+          </a:pPr>
+          <a:r>
+            <a:rPr lang="zh-CN" altLang="en-US" sz="2900" kern="1200" dirty="0"/>
+            <a:t>传输层</a:t>
+          </a:r>
+        </a:p>
+      </dsp:txBody>
+      <dsp:txXfrm>
+        <a:off x="21839" y="1103998"/>
+        <a:ext cx="3929872" cy="701976"/>
+      </dsp:txXfrm>
+    </dsp:sp>
+    <dsp:sp modelId="{7439BB0D-E4FC-814B-B478-327CFFCABCC3}">
+      <dsp:nvSpPr>
+        <dsp:cNvPr id="0" name=""/>
+        <dsp:cNvSpPr/>
+      </dsp:nvSpPr>
+      <dsp:spPr>
+        <a:xfrm>
+          <a:off x="0" y="2050332"/>
+          <a:ext cx="3973550" cy="745654"/>
+        </a:xfrm>
+        <a:prstGeom prst="roundRect">
+          <a:avLst>
+            <a:gd name="adj" fmla="val 10000"/>
+          </a:avLst>
+        </a:prstGeom>
+        <a:solidFill>
+          <a:schemeClr val="accent5">
+            <a:hueOff val="0"/>
+            <a:satOff val="0"/>
+            <a:lumOff val="0"/>
+            <a:alphaOff val="0"/>
+          </a:schemeClr>
+        </a:solidFill>
+        <a:ln w="12700" cap="flat" cmpd="sng" algn="ctr">
+          <a:solidFill>
+            <a:schemeClr val="lt1">
+              <a:hueOff val="0"/>
+              <a:satOff val="0"/>
+              <a:lumOff val="0"/>
+              <a:alphaOff val="0"/>
+            </a:schemeClr>
+          </a:solidFill>
+          <a:prstDash val="solid"/>
+          <a:miter lim="800000"/>
+        </a:ln>
+        <a:effectLst/>
+      </dsp:spPr>
+      <dsp:style>
+        <a:lnRef idx="2">
+          <a:scrgbClr r="0" g="0" b="0"/>
+        </a:lnRef>
+        <a:fillRef idx="1">
+          <a:scrgbClr r="0" g="0" b="0"/>
+        </a:fillRef>
+        <a:effectRef idx="0">
+          <a:scrgbClr r="0" g="0" b="0"/>
+        </a:effectRef>
+        <a:fontRef idx="minor">
+          <a:schemeClr val="lt1"/>
+        </a:fontRef>
+      </dsp:style>
+      <dsp:txBody>
+        <a:bodyPr spcFirstLastPara="0" vert="horz" wrap="square" lIns="110490" tIns="110490" rIns="110490" bIns="110490" numCol="1" spcCol="1270" anchor="ctr" anchorCtr="0">
+          <a:noAutofit/>
+        </a:bodyPr>
+        <a:lstStyle/>
+        <a:p>
+          <a:pPr marL="0" lvl="0" indent="0" algn="ctr" defTabSz="1289050">
+            <a:lnSpc>
+              <a:spcPct val="90000"/>
+            </a:lnSpc>
+            <a:spcBef>
+              <a:spcPct val="0"/>
+            </a:spcBef>
+            <a:spcAft>
+              <a:spcPct val="35000"/>
+            </a:spcAft>
+            <a:buNone/>
+          </a:pPr>
+          <a:r>
+            <a:rPr lang="zh-CN" altLang="en-US" sz="2900" kern="1200" dirty="0"/>
+            <a:t>网络层</a:t>
+          </a:r>
+        </a:p>
+      </dsp:txBody>
+      <dsp:txXfrm>
+        <a:off x="21839" y="2072171"/>
+        <a:ext cx="3929872" cy="701976"/>
+      </dsp:txXfrm>
+    </dsp:sp>
+    <dsp:sp modelId="{4CC0721E-73E5-F540-BB1B-F02C939E054F}">
+      <dsp:nvSpPr>
+        <dsp:cNvPr id="0" name=""/>
+        <dsp:cNvSpPr/>
+      </dsp:nvSpPr>
+      <dsp:spPr>
+        <a:xfrm>
+          <a:off x="0" y="3018506"/>
+          <a:ext cx="3973550" cy="745654"/>
+        </a:xfrm>
+        <a:prstGeom prst="roundRect">
+          <a:avLst>
+            <a:gd name="adj" fmla="val 10000"/>
+          </a:avLst>
+        </a:prstGeom>
+        <a:solidFill>
+          <a:schemeClr val="accent6">
+            <a:hueOff val="0"/>
+            <a:satOff val="0"/>
+            <a:lumOff val="0"/>
+            <a:alphaOff val="0"/>
+          </a:schemeClr>
+        </a:solidFill>
+        <a:ln w="12700" cap="flat" cmpd="sng" algn="ctr">
+          <a:solidFill>
+            <a:schemeClr val="lt1">
+              <a:hueOff val="0"/>
+              <a:satOff val="0"/>
+              <a:lumOff val="0"/>
+              <a:alphaOff val="0"/>
+            </a:schemeClr>
+          </a:solidFill>
+          <a:prstDash val="solid"/>
+          <a:miter lim="800000"/>
+        </a:ln>
+        <a:effectLst/>
+      </dsp:spPr>
+      <dsp:style>
+        <a:lnRef idx="2">
+          <a:scrgbClr r="0" g="0" b="0"/>
+        </a:lnRef>
+        <a:fillRef idx="1">
+          <a:scrgbClr r="0" g="0" b="0"/>
+        </a:fillRef>
+        <a:effectRef idx="0">
+          <a:scrgbClr r="0" g="0" b="0"/>
+        </a:effectRef>
+        <a:fontRef idx="minor">
+          <a:schemeClr val="lt1"/>
+        </a:fontRef>
+      </dsp:style>
+      <dsp:txBody>
+        <a:bodyPr spcFirstLastPara="0" vert="horz" wrap="square" lIns="110490" tIns="110490" rIns="110490" bIns="110490" numCol="1" spcCol="1270" anchor="ctr" anchorCtr="0">
+          <a:noAutofit/>
+        </a:bodyPr>
+        <a:lstStyle/>
+        <a:p>
+          <a:pPr marL="0" lvl="0" indent="0" algn="ctr" defTabSz="1289050">
+            <a:lnSpc>
+              <a:spcPct val="90000"/>
+            </a:lnSpc>
+            <a:spcBef>
+              <a:spcPct val="0"/>
+            </a:spcBef>
+            <a:spcAft>
+              <a:spcPct val="35000"/>
+            </a:spcAft>
+            <a:buNone/>
+          </a:pPr>
+          <a:r>
+            <a:rPr lang="zh-CN" altLang="en-US" sz="2900" kern="1200" dirty="0"/>
+            <a:t>数据链路层</a:t>
+          </a:r>
+        </a:p>
+      </dsp:txBody>
+      <dsp:txXfrm>
+        <a:off x="21839" y="3040345"/>
+        <a:ext cx="3929872" cy="701976"/>
+      </dsp:txXfrm>
+    </dsp:sp>
+    <dsp:sp modelId="{01C36D6A-EAE6-7F43-B0B1-D3A0431F4044}">
+      <dsp:nvSpPr>
+        <dsp:cNvPr id="0" name=""/>
+        <dsp:cNvSpPr/>
+      </dsp:nvSpPr>
+      <dsp:spPr>
+        <a:xfrm>
+          <a:off x="0" y="3986679"/>
+          <a:ext cx="3973550" cy="745654"/>
+        </a:xfrm>
+        <a:prstGeom prst="roundRect">
+          <a:avLst>
+            <a:gd name="adj" fmla="val 10000"/>
+          </a:avLst>
+        </a:prstGeom>
+        <a:solidFill>
+          <a:schemeClr val="accent6">
+            <a:hueOff val="0"/>
+            <a:satOff val="0"/>
+            <a:lumOff val="0"/>
+            <a:alphaOff val="0"/>
+          </a:schemeClr>
+        </a:solidFill>
+        <a:ln w="12700" cap="flat" cmpd="sng" algn="ctr">
+          <a:solidFill>
+            <a:schemeClr val="lt1">
+              <a:hueOff val="0"/>
+              <a:satOff val="0"/>
+              <a:lumOff val="0"/>
+              <a:alphaOff val="0"/>
+            </a:schemeClr>
+          </a:solidFill>
+          <a:prstDash val="solid"/>
+          <a:miter lim="800000"/>
+        </a:ln>
+        <a:effectLst/>
+      </dsp:spPr>
+      <dsp:style>
+        <a:lnRef idx="2">
+          <a:scrgbClr r="0" g="0" b="0"/>
+        </a:lnRef>
+        <a:fillRef idx="1">
+          <a:scrgbClr r="0" g="0" b="0"/>
+        </a:fillRef>
+        <a:effectRef idx="0">
+          <a:scrgbClr r="0" g="0" b="0"/>
+        </a:effectRef>
+        <a:fontRef idx="minor">
+          <a:schemeClr val="lt1"/>
+        </a:fontRef>
+      </dsp:style>
+      <dsp:txBody>
+        <a:bodyPr spcFirstLastPara="0" vert="horz" wrap="square" lIns="110490" tIns="110490" rIns="110490" bIns="110490" numCol="1" spcCol="1270" anchor="ctr" anchorCtr="0">
+          <a:noAutofit/>
+        </a:bodyPr>
+        <a:lstStyle/>
+        <a:p>
+          <a:pPr marL="0" lvl="0" indent="0" algn="ctr" defTabSz="1289050">
+            <a:lnSpc>
+              <a:spcPct val="90000"/>
+            </a:lnSpc>
+            <a:spcBef>
+              <a:spcPct val="0"/>
+            </a:spcBef>
+            <a:spcAft>
+              <a:spcPct val="35000"/>
+            </a:spcAft>
+            <a:buNone/>
+          </a:pPr>
+          <a:r>
+            <a:rPr lang="zh-CN" altLang="en-US" sz="2900" kern="1200" dirty="0"/>
+            <a:t>物理层</a:t>
+          </a:r>
+        </a:p>
+      </dsp:txBody>
+      <dsp:txXfrm>
+        <a:off x="21839" y="4008518"/>
+        <a:ext cx="3929872" cy="701976"/>
+      </dsp:txXfrm>
+    </dsp:sp>
+  </dsp:spTree>
+</dsp:drawing>
+</file>
+
+<file path=ppt/diagrams/layout1.xml><?xml version="1.0" encoding="utf-8"?>
+<dgm:layoutDef xmlns:dgm="http://schemas.openxmlformats.org/drawingml/2006/diagram" xmlns:a="http://schemas.openxmlformats.org/drawingml/2006/main" uniqueId="urn:microsoft.com/office/officeart/2005/8/layout/hierarchy4">
+  <dgm:title val=""/>
+  <dgm:desc val=""/>
+  <dgm:catLst>
+    <dgm:cat type="hierarchy" pri="4000"/>
+    <dgm:cat type="list" pri="24000"/>
+    <dgm:cat type="relationship" pri="10000"/>
+  </dgm:catLst>
+  <dgm:sampData>
+    <dgm:dataModel>
+      <dgm:ptLst>
+        <dgm:pt modelId="0" type="doc"/>
+        <dgm:pt modelId="1">
+          <dgm:prSet phldr="1"/>
+        </dgm:pt>
+        <dgm:pt modelId="2">
+          <dgm:prSet phldr="1"/>
+        </dgm:pt>
+        <dgm:pt modelId="21">
+          <dgm:prSet phldr="1"/>
+        </dgm:pt>
+        <dgm:pt modelId="22">
+          <dgm:prSet phldr="1"/>
+        </dgm:pt>
+        <dgm:pt modelId="3">
+          <dgm:prSet phldr="1"/>
+        </dgm:pt>
+        <dgm:pt modelId="31">
+          <dgm:prSet phldr="1"/>
+        </dgm:pt>
+      </dgm:ptLst>
+      <dgm:cxnLst>
+        <dgm:cxn modelId="4" srcId="0" destId="1" srcOrd="0" destOrd="0"/>
+        <dgm:cxn modelId="5" srcId="1" destId="2" srcOrd="0" destOrd="0"/>
+        <dgm:cxn modelId="6" srcId="1" destId="3" srcOrd="1" destOrd="0"/>
+        <dgm:cxn modelId="23" srcId="2" destId="21" srcOrd="0" destOrd="0"/>
+        <dgm:cxn modelId="24" srcId="2" destId="22" srcOrd="1" destOrd="0"/>
+        <dgm:cxn modelId="33" srcId="3" destId="31" srcOrd="0" destOrd="0"/>
+      </dgm:cxnLst>
+      <dgm:bg/>
+      <dgm:whole/>
+    </dgm:dataModel>
+  </dgm:sampData>
+  <dgm:styleData>
+    <dgm:dataModel>
+      <dgm:ptLst>
+        <dgm:pt modelId="0" type="doc"/>
+        <dgm:pt modelId="1"/>
+        <dgm:pt modelId="11"/>
+        <dgm:pt modelId="12"/>
+      </dgm:ptLst>
+      <dgm:cxnLst>
+        <dgm:cxn modelId="2" srcId="0" destId="1" srcOrd="0" destOrd="0"/>
+        <dgm:cxn modelId="13" srcId="1" destId="11" srcOrd="0" destOrd="0"/>
+        <dgm:cxn modelId="14" srcId="1" destId="12" srcOrd="1" destOrd="0"/>
+      </dgm:cxnLst>
+      <dgm:bg/>
+      <dgm:whole/>
+    </dgm:dataModel>
+  </dgm:styleData>
+  <dgm:clrData>
+    <dgm:dataModel>
+      <dgm:ptLst>
+        <dgm:pt modelId="0" type="doc"/>
+        <dgm:pt modelId="1"/>
+        <dgm:pt modelId="2"/>
+        <dgm:pt modelId="21"/>
+        <dgm:pt modelId="211"/>
+        <dgm:pt modelId="3"/>
+        <dgm:pt modelId="31"/>
+        <dgm:pt modelId="311"/>
+      </dgm:ptLst>
+      <dgm:cxnLst>
+        <dgm:cxn modelId="4" srcId="0" destId="1" srcOrd="0" destOrd="0"/>
+        <dgm:cxn modelId="5" srcId="1" destId="2" srcOrd="0" destOrd="0"/>
+        <dgm:cxn modelId="6" srcId="1" destId="3" srcOrd="1" destOrd="0"/>
+        <dgm:cxn modelId="23" srcId="2" destId="21" srcOrd="0" destOrd="0"/>
+        <dgm:cxn modelId="24" srcId="21" destId="211" srcOrd="0" destOrd="0"/>
+        <dgm:cxn modelId="33" srcId="3" destId="31" srcOrd="0" destOrd="0"/>
+        <dgm:cxn modelId="34" srcId="31" destId="311" srcOrd="0" destOrd="0"/>
+      </dgm:cxnLst>
+      <dgm:bg/>
+      <dgm:whole/>
+    </dgm:dataModel>
+  </dgm:clrData>
+  <dgm:layoutNode name="Name0">
+    <dgm:varLst>
+      <dgm:chPref val="1"/>
+      <dgm:dir/>
+      <dgm:animOne val="branch"/>
+      <dgm:animLvl val="lvl"/>
+      <dgm:resizeHandles/>
+    </dgm:varLst>
+    <dgm:choose name="Name1">
+      <dgm:if name="Name2" func="var" arg="dir" op="equ" val="norm">
+        <dgm:alg type="lin">
+          <dgm:param type="linDir" val="fromL"/>
+          <dgm:param type="nodeVertAlign" val="t"/>
+        </dgm:alg>
+      </dgm:if>
+      <dgm:else name="Name3">
+        <dgm:alg type="lin">
+          <dgm:param type="linDir" val="fromR"/>
+          <dgm:param type="nodeVertAlign" val="t"/>
+        </dgm:alg>
+      </dgm:else>
+    </dgm:choose>
+    <dgm:shape xmlns:r="http://schemas.openxmlformats.org/officeDocument/2006/relationships" r:blip="">
+      <dgm:adjLst/>
+    </dgm:shape>
+    <dgm:presOf/>
+    <dgm:constrLst>
+      <dgm:constr type="w" for="ch" forName="vertOne" refType="w"/>
+      <dgm:constr type="w" for="des" forName="horzOne" refType="w"/>
+      <dgm:constr type="w" for="des" forName="txOne" refType="w"/>
+      <dgm:constr type="w" for="des" forName="vertTwo" refType="w"/>
+      <dgm:constr type="w" for="des" forName="horzTwo" refType="w"/>
+      <dgm:constr type="w" for="des" forName="txTwo" refType="w"/>
+      <dgm:constr type="w" for="des" forName="vertThree" refType="w"/>
+      <dgm:constr type="w" for="des" forName="horzThree" refType="w"/>
+      <dgm:constr type="w" for="des" forName="txThree" refType="w"/>
+      <dgm:constr type="w" for="des" forName="vertFour" refType="w"/>
+      <dgm:constr type="w" for="des" forName="horzFour" refType="w"/>
+      <dgm:constr type="w" for="des" forName="txFour" refType="w"/>
+      <dgm:constr type="h" for="des" ptType="node" op="equ"/>
+      <dgm:constr type="h" for="des" forName="txOne" refType="h"/>
+      <dgm:constr type="userH" for="des" ptType="node" refType="h" refFor="des" refForName="txOne"/>
+      <dgm:constr type="primFontSz" for="des" forName="txOne" val="65"/>
+      <dgm:constr type="primFontSz" for="des" forName="txTwo" val="65"/>
+      <dgm:constr type="primFontSz" for="des" forName="txTwo" refType="primFontSz" refFor="des" refForName="txOne" op="lte"/>
+      <dgm:constr type="primFontSz" for="des" forName="txThree" val="65"/>
+      <dgm:constr type="primFontSz" for="des" forName="txThree" refType="primFontSz" refFor="des" refForName="txOne" op="lte"/>
+      <dgm:constr type="primFontSz" for="des" forName="txThree" refType="primFontSz" refFor="des" refForName="txTwo" op="lte"/>
+      <dgm:constr type="primFontSz" for="des" forName="txFour" val="65"/>
+      <dgm:constr type="primFontSz" for="des" forName="txFour" refType="primFontSz" refFor="des" refForName="txOne" op="lte"/>
+      <dgm:constr type="primFontSz" for="des" forName="txFour" refType="primFontSz" refFor="des" refForName="txTwo" op="lte"/>
+      <dgm:constr type="primFontSz" for="des" forName="txFour" refType="primFontSz" refFor="des" refForName="txThree" op="lte"/>
+      <dgm:constr type="w" for="des" forName="sibSpaceOne" refType="w" fact="0.168"/>
+      <dgm:constr type="w" for="des" forName="sibSpaceTwo" refType="w" refFor="des" refForName="sibSpaceOne" op="equ" fact="0.5"/>
+      <dgm:constr type="w" for="des" forName="sibSpaceThree" refType="w" refFor="des" refForName="sibSpaceTwo" op="equ" fact="0.5"/>
+      <dgm:constr type="w" for="des" forName="sibSpaceFour" refType="w" refFor="des" refForName="sibSpaceThree" op="equ" fact="0.5"/>
+      <dgm:constr type="h" for="des" forName="parTransOne" refType="w" fact="0.056"/>
+      <dgm:constr type="h" for="des" forName="parTransTwo" refType="h" refFor="des" refForName="parTransOne" op="equ"/>
+      <dgm:constr type="h" for="des" forName="parTransThree" refType="h" refFor="des" refForName="parTransTwo" op="equ"/>
+      <dgm:constr type="h" for="des" forName="parTransFour" refType="h" refFor="des" refForName="parTransThree" op="equ"/>
+    </dgm:constrLst>
+    <dgm:ruleLst/>
+    <dgm:forEach name="Name4" axis="ch" ptType="node">
+      <dgm:layoutNode name="vertOne">
+        <dgm:alg type="lin">
+          <dgm:param type="linDir" val="fromT"/>
+        </dgm:alg>
+        <dgm:shape xmlns:r="http://schemas.openxmlformats.org/officeDocument/2006/relationships" r:blip="">
+          <dgm:adjLst/>
+        </dgm:shape>
+        <dgm:presOf/>
+        <dgm:constrLst>
+          <dgm:constr type="w" for="ch" forName="txOne" refType="w" refFor="ch" refForName="horzOne" op="gte"/>
+        </dgm:constrLst>
+        <dgm:ruleLst/>
+        <dgm:layoutNode name="txOne" styleLbl="node0">
+          <dgm:varLst>
+            <dgm:chPref val="3"/>
+          </dgm:varLst>
+          <dgm:alg type="tx"/>
+          <dgm:shape xmlns:r="http://schemas.openxmlformats.org/officeDocument/2006/relationships" type="roundRect" r:blip="">
+            <dgm:adjLst>
+              <dgm:adj idx="1" val="0.1"/>
+            </dgm:adjLst>
+          </dgm:shape>
+          <dgm:presOf axis="self"/>
+          <dgm:constrLst>
+            <dgm:constr type="tMarg" refType="primFontSz" fact="0.3"/>
+            <dgm:constr type="bMarg" refType="primFontSz" fact="0.3"/>
+            <dgm:constr type="lMarg" refType="primFontSz" fact="0.3"/>
+            <dgm:constr type="rMarg" refType="primFontSz" fact="0.3"/>
+          </dgm:constrLst>
+          <dgm:ruleLst>
+            <dgm:rule type="primFontSz" val="5" fact="NaN" max="NaN"/>
+          </dgm:ruleLst>
+        </dgm:layoutNode>
+        <dgm:choose name="Name5">
+          <dgm:if name="Name6" axis="des" ptType="node" func="cnt" op="gt" val="0">
+            <dgm:layoutNode name="parTransOne">
+              <dgm:alg type="sp"/>
+              <dgm:shape xmlns:r="http://schemas.openxmlformats.org/officeDocument/2006/relationships" r:blip="">
+                <dgm:adjLst/>
+              </dgm:shape>
+              <dgm:presOf/>
+              <dgm:constrLst/>
+              <dgm:ruleLst/>
+            </dgm:layoutNode>
+          </dgm:if>
+          <dgm:else name="Name7"/>
+        </dgm:choose>
+        <dgm:layoutNode name="horzOne">
+          <dgm:choose name="Name8">
+            <dgm:if name="Name9" func="var" arg="dir" op="equ" val="norm">
+              <dgm:alg type="lin">
+                <dgm:param type="linDir" val="fromL"/>
+                <dgm:param type="nodeVertAlign" val="t"/>
+              </dgm:alg>
+            </dgm:if>
+            <dgm:else name="Name10">
+              <dgm:alg type="lin">
+                <dgm:param type="linDir" val="fromR"/>
+                <dgm:param type="nodeVertAlign" val="t"/>
+              </dgm:alg>
+            </dgm:else>
+          </dgm:choose>
+          <dgm:shape xmlns:r="http://schemas.openxmlformats.org/officeDocument/2006/relationships" r:blip="">
+            <dgm:adjLst/>
+          </dgm:shape>
+          <dgm:presOf/>
+          <dgm:constrLst/>
+          <dgm:ruleLst>
+            <dgm:rule type="w" val="INF" fact="NaN" max="NaN"/>
+          </dgm:ruleLst>
+          <dgm:forEach name="Name11" axis="ch" ptType="node">
+            <dgm:layoutNode name="vertTwo">
+              <dgm:alg type="lin">
+                <dgm:param type="linDir" val="fromT"/>
+              </dgm:alg>
+              <dgm:shape xmlns:r="http://schemas.openxmlformats.org/officeDocument/2006/relationships" r:blip="">
+                <dgm:adjLst/>
+              </dgm:shape>
+              <dgm:presOf/>
+              <dgm:constrLst>
+                <dgm:constr type="w" for="ch" forName="txTwo" refType="w" refFor="ch" refForName="horzTwo" op="gte"/>
+              </dgm:constrLst>
+              <dgm:ruleLst/>
+              <dgm:layoutNode name="txTwo">
+                <dgm:varLst>
+                  <dgm:chPref val="3"/>
+                </dgm:varLst>
+                <dgm:alg type="tx"/>
+                <dgm:shape xmlns:r="http://schemas.openxmlformats.org/officeDocument/2006/relationships" type="roundRect" r:blip="">
+                  <dgm:adjLst>
+                    <dgm:adj idx="1" val="0.1"/>
+                  </dgm:adjLst>
+                </dgm:shape>
+                <dgm:presOf axis="self"/>
+                <dgm:constrLst>
+                  <dgm:constr type="userH"/>
+                  <dgm:constr type="h" refType="userH"/>
+                  <dgm:constr type="tMarg" refType="primFontSz" fact="0.3"/>
+                  <dgm:constr type="bMarg" refType="primFontSz" fact="0.3"/>
+                  <dgm:constr type="lMarg" refType="primFontSz" fact="0.3"/>
+                  <dgm:constr type="rMarg" refType="primFontSz" fact="0.3"/>
+                </dgm:constrLst>
+                <dgm:ruleLst>
+                  <dgm:rule type="primFontSz" val="5" fact="NaN" max="NaN"/>
+                </dgm:ruleLst>
+              </dgm:layoutNode>
+              <dgm:choose name="Name12">
+                <dgm:if name="Name13" axis="des" ptType="node" func="cnt" op="gt" val="0">
+                  <dgm:layoutNode name="parTransTwo">
+                    <dgm:alg type="sp"/>
+                    <dgm:shape xmlns:r="http://schemas.openxmlformats.org/officeDocument/2006/relationships" r:blip="">
+                      <dgm:adjLst/>
+                    </dgm:shape>
+                    <dgm:presOf/>
+                    <dgm:constrLst/>
+                    <dgm:ruleLst/>
+                  </dgm:layoutNode>
+                </dgm:if>
+                <dgm:else name="Name14"/>
+              </dgm:choose>
+              <dgm:layoutNode name="horzTwo">
+                <dgm:choose name="Name15">
+                  <dgm:if name="Name16" func="var" arg="dir" op="equ" val="norm">
+                    <dgm:alg type="lin">
+                      <dgm:param type="linDir" val="fromL"/>
+                      <dgm:param type="nodeVertAlign" val="t"/>
+                    </dgm:alg>
+                  </dgm:if>
+                  <dgm:else name="Name17">
+                    <dgm:alg type="lin">
+                      <dgm:param type="linDir" val="fromR"/>
+                      <dgm:param type="nodeVertAlign" val="t"/>
+                    </dgm:alg>
+                  </dgm:else>
+                </dgm:choose>
+                <dgm:shape xmlns:r="http://schemas.openxmlformats.org/officeDocument/2006/relationships" r:blip="">
+                  <dgm:adjLst/>
+                </dgm:shape>
+                <dgm:presOf/>
+                <dgm:constrLst/>
+                <dgm:ruleLst>
+                  <dgm:rule type="w" val="INF" fact="NaN" max="NaN"/>
+                </dgm:ruleLst>
+                <dgm:forEach name="Name18" axis="ch" ptType="node">
+                  <dgm:layoutNode name="vertThree">
+                    <dgm:alg type="lin">
+                      <dgm:param type="linDir" val="fromT"/>
+                    </dgm:alg>
+                    <dgm:shape xmlns:r="http://schemas.openxmlformats.org/officeDocument/2006/relationships" r:blip="">
+                      <dgm:adjLst/>
+                    </dgm:shape>
+                    <dgm:presOf/>
+                    <dgm:constrLst>
+                      <dgm:constr type="w" for="ch" forName="txThree" refType="w" refFor="ch" refForName="horzThree" op="gte"/>
+                    </dgm:constrLst>
+                    <dgm:ruleLst/>
+                    <dgm:layoutNode name="txThree">
+                      <dgm:varLst>
+                        <dgm:chPref val="3"/>
+                      </dgm:varLst>
+                      <dgm:alg type="tx"/>
+                      <dgm:shape xmlns:r="http://schemas.openxmlformats.org/officeDocument/2006/relationships" type="roundRect" r:blip="">
+                        <dgm:adjLst>
+                          <dgm:adj idx="1" val="0.1"/>
+                        </dgm:adjLst>
+                      </dgm:shape>
+                      <dgm:presOf axis="self"/>
+                      <dgm:constrLst>
+                        <dgm:constr type="userH"/>
+                        <dgm:constr type="h" refType="userH"/>
+                        <dgm:constr type="tMarg" refType="primFontSz" fact="0.3"/>
+                        <dgm:constr type="bMarg" refType="primFontSz" fact="0.3"/>
+                        <dgm:constr type="lMarg" refType="primFontSz" fact="0.3"/>
+                        <dgm:constr type="rMarg" refType="primFontSz" fact="0.3"/>
+                      </dgm:constrLst>
+                      <dgm:ruleLst>
+                        <dgm:rule type="primFontSz" val="5" fact="NaN" max="NaN"/>
+                      </dgm:ruleLst>
+                    </dgm:layoutNode>
+                    <dgm:choose name="Name19">
+                      <dgm:if name="Name20" axis="des" ptType="node" func="cnt" op="gt" val="0">
+                        <dgm:layoutNode name="parTransThree">
+                          <dgm:alg type="sp"/>
+                          <dgm:shape xmlns:r="http://schemas.openxmlformats.org/officeDocument/2006/relationships" r:blip="">
+                            <dgm:adjLst/>
+                          </dgm:shape>
+                          <dgm:presOf/>
+                          <dgm:constrLst/>
+                          <dgm:ruleLst/>
+                        </dgm:layoutNode>
+                      </dgm:if>
+                      <dgm:else name="Name21"/>
+                    </dgm:choose>
+                    <dgm:layoutNode name="horzThree">
+                      <dgm:choose name="Name22">
+                        <dgm:if name="Name23" func="var" arg="dir" op="equ" val="norm">
+                          <dgm:alg type="lin">
+                            <dgm:param type="linDir" val="fromL"/>
+                            <dgm:param type="nodeVertAlign" val="t"/>
+                          </dgm:alg>
+                        </dgm:if>
+                        <dgm:else name="Name24">
+                          <dgm:alg type="lin">
+                            <dgm:param type="linDir" val="fromR"/>
+                            <dgm:param type="nodeVertAlign" val="t"/>
+                          </dgm:alg>
+                        </dgm:else>
+                      </dgm:choose>
+                      <dgm:shape xmlns:r="http://schemas.openxmlformats.org/officeDocument/2006/relationships" r:blip="">
+                        <dgm:adjLst/>
+                      </dgm:shape>
+                      <dgm:presOf/>
+                      <dgm:constrLst/>
+                      <dgm:ruleLst>
+                        <dgm:rule type="w" val="INF" fact="NaN" max="NaN"/>
+                      </dgm:ruleLst>
+                      <dgm:forEach name="repeat" axis="ch" ptType="node">
+                        <dgm:layoutNode name="vertFour">
+                          <dgm:varLst>
+                            <dgm:chPref val="3"/>
+                          </dgm:varLst>
+                          <dgm:alg type="lin">
+                            <dgm:param type="linDir" val="fromT"/>
+                          </dgm:alg>
+                          <dgm:shape xmlns:r="http://schemas.openxmlformats.org/officeDocument/2006/relationships" r:blip="">
+                            <dgm:adjLst/>
+                          </dgm:shape>
+                          <dgm:presOf/>
+                          <dgm:constrLst>
+                            <dgm:constr type="w" for="ch" forName="txFour" refType="w" refFor="ch" refForName="horzFour" op="gte"/>
+                          </dgm:constrLst>
+                          <dgm:ruleLst/>
+                          <dgm:layoutNode name="txFour">
+                            <dgm:varLst>
+                              <dgm:chPref val="3"/>
+                            </dgm:varLst>
+                            <dgm:alg type="tx"/>
+                            <dgm:shape xmlns:r="http://schemas.openxmlformats.org/officeDocument/2006/relationships" type="roundRect" r:blip="">
+                              <dgm:adjLst>
+                                <dgm:adj idx="1" val="0.1"/>
+                              </dgm:adjLst>
+                            </dgm:shape>
+                            <dgm:presOf axis="self"/>
+                            <dgm:constrLst>
+                              <dgm:constr type="userH"/>
+                              <dgm:constr type="h" refType="userH"/>
+                              <dgm:constr type="tMarg" refType="primFontSz" fact="0.3"/>
+                              <dgm:constr type="bMarg" refType="primFontSz" fact="0.3"/>
+                              <dgm:constr type="lMarg" refType="primFontSz" fact="0.3"/>
+                              <dgm:constr type="rMarg" refType="primFontSz" fact="0.3"/>
+                            </dgm:constrLst>
+                            <dgm:ruleLst>
+                              <dgm:rule type="primFontSz" val="5" fact="NaN" max="NaN"/>
+                            </dgm:ruleLst>
+                          </dgm:layoutNode>
+                          <dgm:choose name="Name25">
+                            <dgm:if name="Name26" axis="des" ptType="node" func="cnt" op="gt" val="0">
+                              <dgm:layoutNode name="parTransFour">
+                                <dgm:alg type="sp"/>
+                                <dgm:shape xmlns:r="http://schemas.openxmlformats.org/officeDocument/2006/relationships" r:blip="">
+                                  <dgm:adjLst/>
+                                </dgm:shape>
+                                <dgm:presOf/>
+                                <dgm:constrLst/>
+                                <dgm:ruleLst/>
+                              </dgm:layoutNode>
+                            </dgm:if>
+                            <dgm:else name="Name27"/>
+                          </dgm:choose>
+                          <dgm:layoutNode name="horzFour">
+                            <dgm:choose name="Name28">
+                              <dgm:if name="Name29" func="var" arg="dir" op="equ" val="norm">
+                                <dgm:alg type="lin">
+                                  <dgm:param type="linDir" val="fromL"/>
+                                  <dgm:param type="nodeVertAlign" val="t"/>
+                                </dgm:alg>
+                              </dgm:if>
+                              <dgm:else name="Name30">
+                                <dgm:alg type="lin">
+                                  <dgm:param type="linDir" val="fromR"/>
+                                  <dgm:param type="nodeVertAlign" val="t"/>
+                                </dgm:alg>
+                              </dgm:else>
+                            </dgm:choose>
+                            <dgm:shape xmlns:r="http://schemas.openxmlformats.org/officeDocument/2006/relationships" r:blip="">
+                              <dgm:adjLst/>
+                            </dgm:shape>
+                            <dgm:presOf/>
+                            <dgm:constrLst/>
+                            <dgm:ruleLst>
+                              <dgm:rule type="w" val="INF" fact="NaN" max="NaN"/>
+                            </dgm:ruleLst>
+                            <dgm:forEach name="Name31" ref="repeat"/>
+                          </dgm:layoutNode>
+                        </dgm:layoutNode>
+                        <dgm:choose name="Name32">
+                          <dgm:if name="Name33" axis="self" ptType="node" func="revPos" op="gte" val="2">
+                            <dgm:forEach name="Name34" axis="followSib" ptType="sibTrans" cnt="1">
+                              <dgm:layoutNode name="sibSpaceFour">
+                                <dgm:alg type="sp"/>
+                                <dgm:shape xmlns:r="http://schemas.openxmlformats.org/officeDocument/2006/relationships" r:blip="">
+                                  <dgm:adjLst/>
+                                </dgm:shape>
+                                <dgm:presOf/>
+                                <dgm:constrLst/>
+                                <dgm:ruleLst/>
+                              </dgm:layoutNode>
+                            </dgm:forEach>
+                          </dgm:if>
+                          <dgm:else name="Name35"/>
+                        </dgm:choose>
+                      </dgm:forEach>
+                    </dgm:layoutNode>
+                  </dgm:layoutNode>
+                  <dgm:choose name="Name36">
+                    <dgm:if name="Name37" axis="self" ptType="node" func="revPos" op="gte" val="2">
+                      <dgm:forEach name="Name38" axis="followSib" ptType="sibTrans" cnt="1">
+                        <dgm:layoutNode name="sibSpaceThree">
+                          <dgm:alg type="sp"/>
+                          <dgm:shape xmlns:r="http://schemas.openxmlformats.org/officeDocument/2006/relationships" r:blip="">
+                            <dgm:adjLst/>
+                          </dgm:shape>
+                          <dgm:presOf/>
+                          <dgm:constrLst/>
+                          <dgm:ruleLst/>
+                        </dgm:layoutNode>
+                      </dgm:forEach>
+                    </dgm:if>
+                    <dgm:else name="Name39"/>
+                  </dgm:choose>
+                </dgm:forEach>
+              </dgm:layoutNode>
+            </dgm:layoutNode>
+            <dgm:choose name="Name40">
+              <dgm:if name="Name41" axis="self" ptType="node" func="revPos" op="gte" val="2">
+                <dgm:forEach name="Name42" axis="followSib" ptType="sibTrans" cnt="1">
+                  <dgm:layoutNode name="sibSpaceTwo">
+                    <dgm:alg type="sp"/>
+                    <dgm:shape xmlns:r="http://schemas.openxmlformats.org/officeDocument/2006/relationships" r:blip="">
+                      <dgm:adjLst/>
+                    </dgm:shape>
+                    <dgm:presOf/>
+                    <dgm:constrLst/>
+                    <dgm:ruleLst/>
+                  </dgm:layoutNode>
+                </dgm:forEach>
+              </dgm:if>
+              <dgm:else name="Name43"/>
+            </dgm:choose>
+          </dgm:forEach>
+        </dgm:layoutNode>
+      </dgm:layoutNode>
+      <dgm:choose name="Name44">
+        <dgm:if name="Name45" axis="self" ptType="node" func="revPos" op="gte" val="2">
+          <dgm:forEach name="Name46" axis="followSib" ptType="sibTrans" cnt="1">
+            <dgm:layoutNode name="sibSpaceOne">
+              <dgm:alg type="sp"/>
+              <dgm:shape xmlns:r="http://schemas.openxmlformats.org/officeDocument/2006/relationships" r:blip="">
+                <dgm:adjLst/>
+              </dgm:shape>
+              <dgm:presOf/>
+              <dgm:constrLst/>
+              <dgm:ruleLst/>
+            </dgm:layoutNode>
+          </dgm:forEach>
+        </dgm:if>
+        <dgm:else name="Name47"/>
+      </dgm:choose>
+    </dgm:forEach>
+  </dgm:layoutNode>
+</dgm:layoutDef>
+</file>
+
+<file path=ppt/diagrams/layout2.xml><?xml version="1.0" encoding="utf-8"?>
+<dgm:layoutDef xmlns:dgm="http://schemas.openxmlformats.org/drawingml/2006/diagram" xmlns:a="http://schemas.openxmlformats.org/drawingml/2006/main" uniqueId="urn:microsoft.com/office/officeart/2005/8/layout/hierarchy4">
+  <dgm:title val=""/>
+  <dgm:desc val=""/>
+  <dgm:catLst>
+    <dgm:cat type="hierarchy" pri="4000"/>
+    <dgm:cat type="list" pri="24000"/>
+    <dgm:cat type="relationship" pri="10000"/>
+  </dgm:catLst>
+  <dgm:sampData>
+    <dgm:dataModel>
+      <dgm:ptLst>
+        <dgm:pt modelId="0" type="doc"/>
+        <dgm:pt modelId="1">
+          <dgm:prSet phldr="1"/>
+        </dgm:pt>
+        <dgm:pt modelId="2">
+          <dgm:prSet phldr="1"/>
+        </dgm:pt>
+        <dgm:pt modelId="21">
+          <dgm:prSet phldr="1"/>
+        </dgm:pt>
+        <dgm:pt modelId="22">
+          <dgm:prSet phldr="1"/>
+        </dgm:pt>
+        <dgm:pt modelId="3">
+          <dgm:prSet phldr="1"/>
+        </dgm:pt>
+        <dgm:pt modelId="31">
+          <dgm:prSet phldr="1"/>
+        </dgm:pt>
+      </dgm:ptLst>
+      <dgm:cxnLst>
+        <dgm:cxn modelId="4" srcId="0" destId="1" srcOrd="0" destOrd="0"/>
+        <dgm:cxn modelId="5" srcId="1" destId="2" srcOrd="0" destOrd="0"/>
+        <dgm:cxn modelId="6" srcId="1" destId="3" srcOrd="1" destOrd="0"/>
+        <dgm:cxn modelId="23" srcId="2" destId="21" srcOrd="0" destOrd="0"/>
+        <dgm:cxn modelId="24" srcId="2" destId="22" srcOrd="1" destOrd="0"/>
+        <dgm:cxn modelId="33" srcId="3" destId="31" srcOrd="0" destOrd="0"/>
+      </dgm:cxnLst>
+      <dgm:bg/>
+      <dgm:whole/>
+    </dgm:dataModel>
+  </dgm:sampData>
+  <dgm:styleData>
+    <dgm:dataModel>
+      <dgm:ptLst>
+        <dgm:pt modelId="0" type="doc"/>
+        <dgm:pt modelId="1"/>
+        <dgm:pt modelId="11"/>
+        <dgm:pt modelId="12"/>
+      </dgm:ptLst>
+      <dgm:cxnLst>
+        <dgm:cxn modelId="2" srcId="0" destId="1" srcOrd="0" destOrd="0"/>
+        <dgm:cxn modelId="13" srcId="1" destId="11" srcOrd="0" destOrd="0"/>
+        <dgm:cxn modelId="14" srcId="1" destId="12" srcOrd="1" destOrd="0"/>
+      </dgm:cxnLst>
+      <dgm:bg/>
+      <dgm:whole/>
+    </dgm:dataModel>
+  </dgm:styleData>
+  <dgm:clrData>
+    <dgm:dataModel>
+      <dgm:ptLst>
+        <dgm:pt modelId="0" type="doc"/>
+        <dgm:pt modelId="1"/>
+        <dgm:pt modelId="2"/>
+        <dgm:pt modelId="21"/>
+        <dgm:pt modelId="211"/>
+        <dgm:pt modelId="3"/>
+        <dgm:pt modelId="31"/>
+        <dgm:pt modelId="311"/>
+      </dgm:ptLst>
+      <dgm:cxnLst>
+        <dgm:cxn modelId="4" srcId="0" destId="1" srcOrd="0" destOrd="0"/>
+        <dgm:cxn modelId="5" srcId="1" destId="2" srcOrd="0" destOrd="0"/>
+        <dgm:cxn modelId="6" srcId="1" destId="3" srcOrd="1" destOrd="0"/>
+        <dgm:cxn modelId="23" srcId="2" destId="21" srcOrd="0" destOrd="0"/>
+        <dgm:cxn modelId="24" srcId="21" destId="211" srcOrd="0" destOrd="0"/>
+        <dgm:cxn modelId="33" srcId="3" destId="31" srcOrd="0" destOrd="0"/>
+        <dgm:cxn modelId="34" srcId="31" destId="311" srcOrd="0" destOrd="0"/>
+      </dgm:cxnLst>
+      <dgm:bg/>
+      <dgm:whole/>
+    </dgm:dataModel>
+  </dgm:clrData>
+  <dgm:layoutNode name="Name0">
+    <dgm:varLst>
+      <dgm:chPref val="1"/>
+      <dgm:dir/>
+      <dgm:animOne val="branch"/>
+      <dgm:animLvl val="lvl"/>
+      <dgm:resizeHandles/>
+    </dgm:varLst>
+    <dgm:choose name="Name1">
+      <dgm:if name="Name2" func="var" arg="dir" op="equ" val="norm">
+        <dgm:alg type="lin">
+          <dgm:param type="linDir" val="fromL"/>
+          <dgm:param type="nodeVertAlign" val="t"/>
+        </dgm:alg>
+      </dgm:if>
+      <dgm:else name="Name3">
+        <dgm:alg type="lin">
+          <dgm:param type="linDir" val="fromR"/>
+          <dgm:param type="nodeVertAlign" val="t"/>
+        </dgm:alg>
+      </dgm:else>
+    </dgm:choose>
+    <dgm:shape xmlns:r="http://schemas.openxmlformats.org/officeDocument/2006/relationships" r:blip="">
+      <dgm:adjLst/>
+    </dgm:shape>
+    <dgm:presOf/>
+    <dgm:constrLst>
+      <dgm:constr type="w" for="ch" forName="vertOne" refType="w"/>
+      <dgm:constr type="w" for="des" forName="horzOne" refType="w"/>
+      <dgm:constr type="w" for="des" forName="txOne" refType="w"/>
+      <dgm:constr type="w" for="des" forName="vertTwo" refType="w"/>
+      <dgm:constr type="w" for="des" forName="horzTwo" refType="w"/>
+      <dgm:constr type="w" for="des" forName="txTwo" refType="w"/>
+      <dgm:constr type="w" for="des" forName="vertThree" refType="w"/>
+      <dgm:constr type="w" for="des" forName="horzThree" refType="w"/>
+      <dgm:constr type="w" for="des" forName="txThree" refType="w"/>
+      <dgm:constr type="w" for="des" forName="vertFour" refType="w"/>
+      <dgm:constr type="w" for="des" forName="horzFour" refType="w"/>
+      <dgm:constr type="w" for="des" forName="txFour" refType="w"/>
+      <dgm:constr type="h" for="des" ptType="node" op="equ"/>
+      <dgm:constr type="h" for="des" forName="txOne" refType="h"/>
+      <dgm:constr type="userH" for="des" ptType="node" refType="h" refFor="des" refForName="txOne"/>
+      <dgm:constr type="primFontSz" for="des" forName="txOne" val="65"/>
+      <dgm:constr type="primFontSz" for="des" forName="txTwo" val="65"/>
+      <dgm:constr type="primFontSz" for="des" forName="txTwo" refType="primFontSz" refFor="des" refForName="txOne" op="lte"/>
+      <dgm:constr type="primFontSz" for="des" forName="txThree" val="65"/>
+      <dgm:constr type="primFontSz" for="des" forName="txThree" refType="primFontSz" refFor="des" refForName="txOne" op="lte"/>
+      <dgm:constr type="primFontSz" for="des" forName="txThree" refType="primFontSz" refFor="des" refForName="txTwo" op="lte"/>
+      <dgm:constr type="primFontSz" for="des" forName="txFour" val="65"/>
+      <dgm:constr type="primFontSz" for="des" forName="txFour" refType="primFontSz" refFor="des" refForName="txOne" op="lte"/>
+      <dgm:constr type="primFontSz" for="des" forName="txFour" refType="primFontSz" refFor="des" refForName="txTwo" op="lte"/>
+      <dgm:constr type="primFontSz" for="des" forName="txFour" refType="primFontSz" refFor="des" refForName="txThree" op="lte"/>
+      <dgm:constr type="w" for="des" forName="sibSpaceOne" refType="w" fact="0.168"/>
+      <dgm:constr type="w" for="des" forName="sibSpaceTwo" refType="w" refFor="des" refForName="sibSpaceOne" op="equ" fact="0.5"/>
+      <dgm:constr type="w" for="des" forName="sibSpaceThree" refType="w" refFor="des" refForName="sibSpaceTwo" op="equ" fact="0.5"/>
+      <dgm:constr type="w" for="des" forName="sibSpaceFour" refType="w" refFor="des" refForName="sibSpaceThree" op="equ" fact="0.5"/>
+      <dgm:constr type="h" for="des" forName="parTransOne" refType="w" fact="0.056"/>
+      <dgm:constr type="h" for="des" forName="parTransTwo" refType="h" refFor="des" refForName="parTransOne" op="equ"/>
+      <dgm:constr type="h" for="des" forName="parTransThree" refType="h" refFor="des" refForName="parTransTwo" op="equ"/>
+      <dgm:constr type="h" for="des" forName="parTransFour" refType="h" refFor="des" refForName="parTransThree" op="equ"/>
+    </dgm:constrLst>
+    <dgm:ruleLst/>
+    <dgm:forEach name="Name4" axis="ch" ptType="node">
+      <dgm:layoutNode name="vertOne">
+        <dgm:alg type="lin">
+          <dgm:param type="linDir" val="fromT"/>
+        </dgm:alg>
+        <dgm:shape xmlns:r="http://schemas.openxmlformats.org/officeDocument/2006/relationships" r:blip="">
+          <dgm:adjLst/>
+        </dgm:shape>
+        <dgm:presOf/>
+        <dgm:constrLst>
+          <dgm:constr type="w" for="ch" forName="txOne" refType="w" refFor="ch" refForName="horzOne" op="gte"/>
+        </dgm:constrLst>
+        <dgm:ruleLst/>
+        <dgm:layoutNode name="txOne" styleLbl="node0">
+          <dgm:varLst>
+            <dgm:chPref val="3"/>
+          </dgm:varLst>
+          <dgm:alg type="tx"/>
+          <dgm:shape xmlns:r="http://schemas.openxmlformats.org/officeDocument/2006/relationships" type="roundRect" r:blip="">
+            <dgm:adjLst>
+              <dgm:adj idx="1" val="0.1"/>
+            </dgm:adjLst>
+          </dgm:shape>
+          <dgm:presOf axis="self"/>
+          <dgm:constrLst>
+            <dgm:constr type="tMarg" refType="primFontSz" fact="0.3"/>
+            <dgm:constr type="bMarg" refType="primFontSz" fact="0.3"/>
+            <dgm:constr type="lMarg" refType="primFontSz" fact="0.3"/>
+            <dgm:constr type="rMarg" refType="primFontSz" fact="0.3"/>
+          </dgm:constrLst>
+          <dgm:ruleLst>
+            <dgm:rule type="primFontSz" val="5" fact="NaN" max="NaN"/>
+          </dgm:ruleLst>
+        </dgm:layoutNode>
+        <dgm:choose name="Name5">
+          <dgm:if name="Name6" axis="des" ptType="node" func="cnt" op="gt" val="0">
+            <dgm:layoutNode name="parTransOne">
+              <dgm:alg type="sp"/>
+              <dgm:shape xmlns:r="http://schemas.openxmlformats.org/officeDocument/2006/relationships" r:blip="">
+                <dgm:adjLst/>
+              </dgm:shape>
+              <dgm:presOf/>
+              <dgm:constrLst/>
+              <dgm:ruleLst/>
+            </dgm:layoutNode>
+          </dgm:if>
+          <dgm:else name="Name7"/>
+        </dgm:choose>
+        <dgm:layoutNode name="horzOne">
+          <dgm:choose name="Name8">
+            <dgm:if name="Name9" func="var" arg="dir" op="equ" val="norm">
+              <dgm:alg type="lin">
+                <dgm:param type="linDir" val="fromL"/>
+                <dgm:param type="nodeVertAlign" val="t"/>
+              </dgm:alg>
+            </dgm:if>
+            <dgm:else name="Name10">
+              <dgm:alg type="lin">
+                <dgm:param type="linDir" val="fromR"/>
+                <dgm:param type="nodeVertAlign" val="t"/>
+              </dgm:alg>
+            </dgm:else>
+          </dgm:choose>
+          <dgm:shape xmlns:r="http://schemas.openxmlformats.org/officeDocument/2006/relationships" r:blip="">
+            <dgm:adjLst/>
+          </dgm:shape>
+          <dgm:presOf/>
+          <dgm:constrLst/>
+          <dgm:ruleLst>
+            <dgm:rule type="w" val="INF" fact="NaN" max="NaN"/>
+          </dgm:ruleLst>
+          <dgm:forEach name="Name11" axis="ch" ptType="node">
+            <dgm:layoutNode name="vertTwo">
+              <dgm:alg type="lin">
+                <dgm:param type="linDir" val="fromT"/>
+              </dgm:alg>
+              <dgm:shape xmlns:r="http://schemas.openxmlformats.org/officeDocument/2006/relationships" r:blip="">
+                <dgm:adjLst/>
+              </dgm:shape>
+              <dgm:presOf/>
+              <dgm:constrLst>
+                <dgm:constr type="w" for="ch" forName="txTwo" refType="w" refFor="ch" refForName="horzTwo" op="gte"/>
+              </dgm:constrLst>
+              <dgm:ruleLst/>
+              <dgm:layoutNode name="txTwo">
+                <dgm:varLst>
+                  <dgm:chPref val="3"/>
+                </dgm:varLst>
+                <dgm:alg type="tx"/>
+                <dgm:shape xmlns:r="http://schemas.openxmlformats.org/officeDocument/2006/relationships" type="roundRect" r:blip="">
+                  <dgm:adjLst>
+                    <dgm:adj idx="1" val="0.1"/>
+                  </dgm:adjLst>
+                </dgm:shape>
+                <dgm:presOf axis="self"/>
+                <dgm:constrLst>
+                  <dgm:constr type="userH"/>
+                  <dgm:constr type="h" refType="userH"/>
+                  <dgm:constr type="tMarg" refType="primFontSz" fact="0.3"/>
+                  <dgm:constr type="bMarg" refType="primFontSz" fact="0.3"/>
+                  <dgm:constr type="lMarg" refType="primFontSz" fact="0.3"/>
+                  <dgm:constr type="rMarg" refType="primFontSz" fact="0.3"/>
+                </dgm:constrLst>
+                <dgm:ruleLst>
+                  <dgm:rule type="primFontSz" val="5" fact="NaN" max="NaN"/>
+                </dgm:ruleLst>
+              </dgm:layoutNode>
+              <dgm:choose name="Name12">
+                <dgm:if name="Name13" axis="des" ptType="node" func="cnt" op="gt" val="0">
+                  <dgm:layoutNode name="parTransTwo">
+                    <dgm:alg type="sp"/>
+                    <dgm:shape xmlns:r="http://schemas.openxmlformats.org/officeDocument/2006/relationships" r:blip="">
+                      <dgm:adjLst/>
+                    </dgm:shape>
+                    <dgm:presOf/>
+                    <dgm:constrLst/>
+                    <dgm:ruleLst/>
+                  </dgm:layoutNode>
+                </dgm:if>
+                <dgm:else name="Name14"/>
+              </dgm:choose>
+              <dgm:layoutNode name="horzTwo">
+                <dgm:choose name="Name15">
+                  <dgm:if name="Name16" func="var" arg="dir" op="equ" val="norm">
+                    <dgm:alg type="lin">
+                      <dgm:param type="linDir" val="fromL"/>
+                      <dgm:param type="nodeVertAlign" val="t"/>
+                    </dgm:alg>
+                  </dgm:if>
+                  <dgm:else name="Name17">
+                    <dgm:alg type="lin">
+                      <dgm:param type="linDir" val="fromR"/>
+                      <dgm:param type="nodeVertAlign" val="t"/>
+                    </dgm:alg>
+                  </dgm:else>
+                </dgm:choose>
+                <dgm:shape xmlns:r="http://schemas.openxmlformats.org/officeDocument/2006/relationships" r:blip="">
+                  <dgm:adjLst/>
+                </dgm:shape>
+                <dgm:presOf/>
+                <dgm:constrLst/>
+                <dgm:ruleLst>
+                  <dgm:rule type="w" val="INF" fact="NaN" max="NaN"/>
+                </dgm:ruleLst>
+                <dgm:forEach name="Name18" axis="ch" ptType="node">
+                  <dgm:layoutNode name="vertThree">
+                    <dgm:alg type="lin">
+                      <dgm:param type="linDir" val="fromT"/>
+                    </dgm:alg>
+                    <dgm:shape xmlns:r="http://schemas.openxmlformats.org/officeDocument/2006/relationships" r:blip="">
+                      <dgm:adjLst/>
+                    </dgm:shape>
+                    <dgm:presOf/>
+                    <dgm:constrLst>
+                      <dgm:constr type="w" for="ch" forName="txThree" refType="w" refFor="ch" refForName="horzThree" op="gte"/>
+                    </dgm:constrLst>
+                    <dgm:ruleLst/>
+                    <dgm:layoutNode name="txThree">
+                      <dgm:varLst>
+                        <dgm:chPref val="3"/>
+                      </dgm:varLst>
+                      <dgm:alg type="tx"/>
+                      <dgm:shape xmlns:r="http://schemas.openxmlformats.org/officeDocument/2006/relationships" type="roundRect" r:blip="">
+                        <dgm:adjLst>
+                          <dgm:adj idx="1" val="0.1"/>
+                        </dgm:adjLst>
+                      </dgm:shape>
+                      <dgm:presOf axis="self"/>
+                      <dgm:constrLst>
+                        <dgm:constr type="userH"/>
+                        <dgm:constr type="h" refType="userH"/>
+                        <dgm:constr type="tMarg" refType="primFontSz" fact="0.3"/>
+                        <dgm:constr type="bMarg" refType="primFontSz" fact="0.3"/>
+                        <dgm:constr type="lMarg" refType="primFontSz" fact="0.3"/>
+                        <dgm:constr type="rMarg" refType="primFontSz" fact="0.3"/>
+                      </dgm:constrLst>
+                      <dgm:ruleLst>
+                        <dgm:rule type="primFontSz" val="5" fact="NaN" max="NaN"/>
+                      </dgm:ruleLst>
+                    </dgm:layoutNode>
+                    <dgm:choose name="Name19">
+                      <dgm:if name="Name20" axis="des" ptType="node" func="cnt" op="gt" val="0">
+                        <dgm:layoutNode name="parTransThree">
+                          <dgm:alg type="sp"/>
+                          <dgm:shape xmlns:r="http://schemas.openxmlformats.org/officeDocument/2006/relationships" r:blip="">
+                            <dgm:adjLst/>
+                          </dgm:shape>
+                          <dgm:presOf/>
+                          <dgm:constrLst/>
+                          <dgm:ruleLst/>
+                        </dgm:layoutNode>
+                      </dgm:if>
+                      <dgm:else name="Name21"/>
+                    </dgm:choose>
+                    <dgm:layoutNode name="horzThree">
+                      <dgm:choose name="Name22">
+                        <dgm:if name="Name23" func="var" arg="dir" op="equ" val="norm">
+                          <dgm:alg type="lin">
+                            <dgm:param type="linDir" val="fromL"/>
+                            <dgm:param type="nodeVertAlign" val="t"/>
+                          </dgm:alg>
+                        </dgm:if>
+                        <dgm:else name="Name24">
+                          <dgm:alg type="lin">
+                            <dgm:param type="linDir" val="fromR"/>
+                            <dgm:param type="nodeVertAlign" val="t"/>
+                          </dgm:alg>
+                        </dgm:else>
+                      </dgm:choose>
+                      <dgm:shape xmlns:r="http://schemas.openxmlformats.org/officeDocument/2006/relationships" r:blip="">
+                        <dgm:adjLst/>
+                      </dgm:shape>
+                      <dgm:presOf/>
+                      <dgm:constrLst/>
+                      <dgm:ruleLst>
+                        <dgm:rule type="w" val="INF" fact="NaN" max="NaN"/>
+                      </dgm:ruleLst>
+                      <dgm:forEach name="repeat" axis="ch" ptType="node">
+                        <dgm:layoutNode name="vertFour">
+                          <dgm:varLst>
+                            <dgm:chPref val="3"/>
+                          </dgm:varLst>
+                          <dgm:alg type="lin">
+                            <dgm:param type="linDir" val="fromT"/>
+                          </dgm:alg>
+                          <dgm:shape xmlns:r="http://schemas.openxmlformats.org/officeDocument/2006/relationships" r:blip="">
+                            <dgm:adjLst/>
+                          </dgm:shape>
+                          <dgm:presOf/>
+                          <dgm:constrLst>
+                            <dgm:constr type="w" for="ch" forName="txFour" refType="w" refFor="ch" refForName="horzFour" op="gte"/>
+                          </dgm:constrLst>
+                          <dgm:ruleLst/>
+                          <dgm:layoutNode name="txFour">
+                            <dgm:varLst>
+                              <dgm:chPref val="3"/>
+                            </dgm:varLst>
+                            <dgm:alg type="tx"/>
+                            <dgm:shape xmlns:r="http://schemas.openxmlformats.org/officeDocument/2006/relationships" type="roundRect" r:blip="">
+                              <dgm:adjLst>
+                                <dgm:adj idx="1" val="0.1"/>
+                              </dgm:adjLst>
+                            </dgm:shape>
+                            <dgm:presOf axis="self"/>
+                            <dgm:constrLst>
+                              <dgm:constr type="userH"/>
+                              <dgm:constr type="h" refType="userH"/>
+                              <dgm:constr type="tMarg" refType="primFontSz" fact="0.3"/>
+                              <dgm:constr type="bMarg" refType="primFontSz" fact="0.3"/>
+                              <dgm:constr type="lMarg" refType="primFontSz" fact="0.3"/>
+                              <dgm:constr type="rMarg" refType="primFontSz" fact="0.3"/>
+                            </dgm:constrLst>
+                            <dgm:ruleLst>
+                              <dgm:rule type="primFontSz" val="5" fact="NaN" max="NaN"/>
+                            </dgm:ruleLst>
+                          </dgm:layoutNode>
+                          <dgm:choose name="Name25">
+                            <dgm:if name="Name26" axis="des" ptType="node" func="cnt" op="gt" val="0">
+                              <dgm:layoutNode name="parTransFour">
+                                <dgm:alg type="sp"/>
+                                <dgm:shape xmlns:r="http://schemas.openxmlformats.org/officeDocument/2006/relationships" r:blip="">
+                                  <dgm:adjLst/>
+                                </dgm:shape>
+                                <dgm:presOf/>
+                                <dgm:constrLst/>
+                                <dgm:ruleLst/>
+                              </dgm:layoutNode>
+                            </dgm:if>
+                            <dgm:else name="Name27"/>
+                          </dgm:choose>
+                          <dgm:layoutNode name="horzFour">
+                            <dgm:choose name="Name28">
+                              <dgm:if name="Name29" func="var" arg="dir" op="equ" val="norm">
+                                <dgm:alg type="lin">
+                                  <dgm:param type="linDir" val="fromL"/>
+                                  <dgm:param type="nodeVertAlign" val="t"/>
+                                </dgm:alg>
+                              </dgm:if>
+                              <dgm:else name="Name30">
+                                <dgm:alg type="lin">
+                                  <dgm:param type="linDir" val="fromR"/>
+                                  <dgm:param type="nodeVertAlign" val="t"/>
+                                </dgm:alg>
+                              </dgm:else>
+                            </dgm:choose>
+                            <dgm:shape xmlns:r="http://schemas.openxmlformats.org/officeDocument/2006/relationships" r:blip="">
+                              <dgm:adjLst/>
+                            </dgm:shape>
+                            <dgm:presOf/>
+                            <dgm:constrLst/>
+                            <dgm:ruleLst>
+                              <dgm:rule type="w" val="INF" fact="NaN" max="NaN"/>
+                            </dgm:ruleLst>
+                            <dgm:forEach name="Name31" ref="repeat"/>
+                          </dgm:layoutNode>
+                        </dgm:layoutNode>
+                        <dgm:choose name="Name32">
+                          <dgm:if name="Name33" axis="self" ptType="node" func="revPos" op="gte" val="2">
+                            <dgm:forEach name="Name34" axis="followSib" ptType="sibTrans" cnt="1">
+                              <dgm:layoutNode name="sibSpaceFour">
+                                <dgm:alg type="sp"/>
+                                <dgm:shape xmlns:r="http://schemas.openxmlformats.org/officeDocument/2006/relationships" r:blip="">
+                                  <dgm:adjLst/>
+                                </dgm:shape>
+                                <dgm:presOf/>
+                                <dgm:constrLst/>
+                                <dgm:ruleLst/>
+                              </dgm:layoutNode>
+                            </dgm:forEach>
+                          </dgm:if>
+                          <dgm:else name="Name35"/>
+                        </dgm:choose>
+                      </dgm:forEach>
+                    </dgm:layoutNode>
+                  </dgm:layoutNode>
+                  <dgm:choose name="Name36">
+                    <dgm:if name="Name37" axis="self" ptType="node" func="revPos" op="gte" val="2">
+                      <dgm:forEach name="Name38" axis="followSib" ptType="sibTrans" cnt="1">
+                        <dgm:layoutNode name="sibSpaceThree">
+                          <dgm:alg type="sp"/>
+                          <dgm:shape xmlns:r="http://schemas.openxmlformats.org/officeDocument/2006/relationships" r:blip="">
+                            <dgm:adjLst/>
+                          </dgm:shape>
+                          <dgm:presOf/>
+                          <dgm:constrLst/>
+                          <dgm:ruleLst/>
+                        </dgm:layoutNode>
+                      </dgm:forEach>
+                    </dgm:if>
+                    <dgm:else name="Name39"/>
+                  </dgm:choose>
+                </dgm:forEach>
+              </dgm:layoutNode>
+            </dgm:layoutNode>
+            <dgm:choose name="Name40">
+              <dgm:if name="Name41" axis="self" ptType="node" func="revPos" op="gte" val="2">
+                <dgm:forEach name="Name42" axis="followSib" ptType="sibTrans" cnt="1">
+                  <dgm:layoutNode name="sibSpaceTwo">
+                    <dgm:alg type="sp"/>
+                    <dgm:shape xmlns:r="http://schemas.openxmlformats.org/officeDocument/2006/relationships" r:blip="">
+                      <dgm:adjLst/>
+                    </dgm:shape>
+                    <dgm:presOf/>
+                    <dgm:constrLst/>
+                    <dgm:ruleLst/>
+                  </dgm:layoutNode>
+                </dgm:forEach>
+              </dgm:if>
+              <dgm:else name="Name43"/>
+            </dgm:choose>
+          </dgm:forEach>
+        </dgm:layoutNode>
+      </dgm:layoutNode>
+      <dgm:choose name="Name44">
+        <dgm:if name="Name45" axis="self" ptType="node" func="revPos" op="gte" val="2">
+          <dgm:forEach name="Name46" axis="followSib" ptType="sibTrans" cnt="1">
+            <dgm:layoutNode name="sibSpaceOne">
+              <dgm:alg type="sp"/>
+              <dgm:shape xmlns:r="http://schemas.openxmlformats.org/officeDocument/2006/relationships" r:blip="">
+                <dgm:adjLst/>
+              </dgm:shape>
+              <dgm:presOf/>
+              <dgm:constrLst/>
+              <dgm:ruleLst/>
+            </dgm:layoutNode>
+          </dgm:forEach>
+        </dgm:if>
+        <dgm:else name="Name47"/>
+      </dgm:choose>
+    </dgm:forEach>
+  </dgm:layoutNode>
+</dgm:layoutDef>
+</file>
+
+<file path=ppt/diagrams/quickStyle1.xml><?xml version="1.0" encoding="utf-8"?>
+<dgm:styleDef xmlns:dgm="http://schemas.openxmlformats.org/drawingml/2006/diagram" xmlns:a="http://schemas.openxmlformats.org/drawingml/2006/main" uniqueId="urn:microsoft.com/office/officeart/2005/8/quickstyle/simple1">
+  <dgm:title val=""/>
+  <dgm:desc val=""/>
+  <dgm:catLst>
+    <dgm:cat type="simple" pri="10100"/>
+  </dgm:catLst>
+  <dgm:scene3d>
+    <a:camera prst="orthographicFront"/>
+    <a:lightRig rig="threePt" dir="t"/>
+  </dgm:scene3d>
+  <dgm:styleLbl name="node0">
+    <dgm:scene3d>
+      <a:camera prst="orthographicFront"/>
+      <a:lightRig rig="threePt" dir="t"/>
+    </dgm:scene3d>
+    <dgm:sp3d/>
+    <dgm:txPr/>
+    <dgm:style>
+      <a:lnRef idx="2">
+        <a:scrgbClr r="0" g="0" b="0"/>
+      </a:lnRef>
+      <a:fillRef idx="1">
+        <a:scrgbClr r="0" g="0" b="0"/>
+      </a:fillRef>
+      <a:effectRef idx="0">
+        <a:scrgbClr r="0" g="0" b="0"/>
+      </a:effectRef>
+      <a:fontRef idx="minor">
+        <a:schemeClr val="lt1"/>
+      </a:fontRef>
+    </dgm:style>
+  </dgm:styleLbl>
+  <dgm:styleLbl name="lnNode1">
+    <dgm:scene3d>
+      <a:camera prst="orthographicFront"/>
+      <a:lightRig rig="threePt" dir="t"/>
+    </dgm:scene3d>
+    <dgm:sp3d/>
+    <dgm:txPr/>
+    <dgm:style>
+      <a:lnRef idx="2">
+        <a:scrgbClr r="0" g="0" b="0"/>
+      </a:lnRef>
+      <a:fillRef idx="1">
+        <a:scrgbClr r="0" g="0" b="0"/>
+      </a:fillRef>
+      <a:effectRef idx="0">
+        <a:scrgbClr r="0" g="0" b="0"/>
+      </a:effectRef>
+      <a:fontRef idx="minor">
+        <a:schemeClr val="lt1"/>
+      </a:fontRef>
+    </dgm:style>
+  </dgm:styleLbl>
+  <dgm:styleLbl name="vennNode1">
+    <dgm:scene3d>
+      <a:camera prst="orthographicFront"/>
+      <a:lightRig rig="threePt" dir="t"/>
+    </dgm:scene3d>
+    <dgm:sp3d/>
+    <dgm:txPr/>
+    <dgm:style>
+      <a:lnRef idx="2">
+        <a:scrgbClr r="0" g="0" b="0"/>
+      </a:lnRef>
+      <a:fillRef idx="1">
+        <a:scrgbClr r="0" g="0" b="0"/>
+      </a:fillRef>
+      <a:effectRef idx="0">
+        <a:scrgbClr r="0" g="0" b="0"/>
+      </a:effectRef>
+      <a:fontRef idx="minor">
+        <a:schemeClr val="tx1"/>
+      </a:fontRef>
+    </dgm:style>
+  </dgm:styleLbl>
+  <dgm:styleLbl name="alignNode1">
+    <dgm:scene3d>
+      <a:camera prst="orthographicFront"/>
+      <a:lightRig rig="threePt" dir="t"/>
+    </dgm:scene3d>
+    <dgm:sp3d/>
+    <dgm:txPr/>
+    <dgm:style>
+      <a:lnRef idx="2">
+        <a:scrgbClr r="0" g="0" b="0"/>
+      </a:lnRef>
+      <a:fillRef idx="1">
+        <a:scrgbClr r="0" g="0" b="0"/>
+      </a:fillRef>
+      <a:effectRef idx="0">
+        <a:scrgbClr r="0" g="0" b="0"/>
+      </a:effectRef>
+      <a:fontRef idx="minor">
+        <a:schemeClr val="lt1"/>
+      </a:fontRef>
+    </dgm:style>
+  </dgm:styleLbl>
+  <dgm:styleLbl name="node1">
+    <dgm:scene3d>
+      <a:camera prst="orthographicFront"/>
+      <a:lightRig rig="threePt" dir="t"/>
+    </dgm:scene3d>
+    <dgm:sp3d/>
+    <dgm:txPr/>
+    <dgm:style>
+      <a:lnRef idx="2">
+        <a:scrgbClr r="0" g="0" b="0"/>
+      </a:lnRef>
+      <a:fillRef idx="1">
+        <a:scrgbClr r="0" g="0" b="0"/>
+      </a:fillRef>
+      <a:effectRef idx="0">
+        <a:scrgbClr r="0" g="0" b="0"/>
+      </a:effectRef>
+      <a:fontRef idx="minor">
+        <a:schemeClr val="lt1"/>
+      </a:fontRef>
+    </dgm:style>
+  </dgm:styleLbl>
+  <dgm:styleLbl name="node2">
+    <dgm:scene3d>
+      <a:camera prst="orthographicFront"/>
+      <a:lightRig rig="threePt" dir="t"/>
+    </dgm:scene3d>
+    <dgm:sp3d/>
+    <dgm:txPr/>
+    <dgm:style>
+      <a:lnRef idx="2">
+        <a:scrgbClr r="0" g="0" b="0"/>
+      </a:lnRef>
+      <a:fillRef idx="1">
+        <a:scrgbClr r="0" g="0" b="0"/>
+      </a:fillRef>
+      <a:effectRef idx="0">
+        <a:scrgbClr r="0" g="0" b="0"/>
+      </a:effectRef>
+      <a:fontRef idx="minor">
+        <a:schemeClr val="lt1"/>
+      </a:fontRef>
+    </dgm:style>
+  </dgm:styleLbl>
+  <dgm:styleLbl name="node3">
+    <dgm:scene3d>
+      <a:camera prst="orthographicFront"/>
+      <a:lightRig rig="threePt" dir="t"/>
+    </dgm:scene3d>
+    <dgm:sp3d/>
+    <dgm:txPr/>
+    <dgm:style>
+      <a:lnRef idx="2">
+        <a:scrgbClr r="0" g="0" b="0"/>
+      </a:lnRef>
+      <a:fillRef idx="1">
+        <a:scrgbClr r="0" g="0" b="0"/>
+      </a:fillRef>
+      <a:effectRef idx="0">
+        <a:scrgbClr r="0" g="0" b="0"/>
+      </a:effectRef>
+      <a:fontRef idx="minor">
+        <a:schemeClr val="lt1"/>
+      </a:fontRef>
+    </dgm:style>
+  </dgm:styleLbl>
+  <dgm:styleLbl name="node4">
+    <dgm:scene3d>
+      <a:camera prst="orthographicFront"/>
+      <a:lightRig rig="threePt" dir="t"/>
+    </dgm:scene3d>
+    <dgm:sp3d/>
+    <dgm:txPr/>
+    <dgm:style>
+      <a:lnRef idx="2">
+        <a:scrgbClr r="0" g="0" b="0"/>
+      </a:lnRef>
+      <a:fillRef idx="1">
+        <a:scrgbClr r="0" g="0" b="0"/>
+      </a:fillRef>
+      <a:effectRef idx="0">
+        <a:scrgbClr r="0" g="0" b="0"/>
+      </a:effectRef>
+      <a:fontRef idx="minor">
+        <a:schemeClr val="lt1"/>
+      </a:fontRef>
+    </dgm:style>
+  </dgm:styleLbl>
+  <dgm:styleLbl name="fgImgPlace1">
+    <dgm:scene3d>
+      <a:camera prst="orthographicFront"/>
+      <a:lightRig rig="threePt" dir="t"/>
+    </dgm:scene3d>
+    <dgm:sp3d/>
+    <dgm:txPr/>
+    <dgm:style>
+      <a:lnRef idx="2">
+        <a:scrgbClr r="0" g="0" b="0"/>
+      </a:lnRef>
+      <a:fillRef idx="1">
+        <a:scrgbClr r="0" g="0" b="0"/>
+      </a:fillRef>
+      <a:effectRef idx="0">
+        <a:scrgbClr r="0" g="0" b="0"/>
+      </a:effectRef>
+      <a:fontRef idx="minor"/>
+    </dgm:style>
+  </dgm:styleLbl>
+  <dgm:styleLbl name="alignImgPlace1">
+    <dgm:scene3d>
+      <a:camera prst="orthographicFront"/>
+      <a:lightRig rig="threePt" dir="t"/>
+    </dgm:scene3d>
+    <dgm:sp3d/>
+    <dgm:txPr/>
+    <dgm:style>
+      <a:lnRef idx="2">
+        <a:scrgbClr r="0" g="0" b="0"/>
+      </a:lnRef>
+      <a:fillRef idx="1">
+        <a:scrgbClr r="0" g="0" b="0"/>
+      </a:fillRef>
+      <a:effectRef idx="0">
+        <a:scrgbClr r="0" g="0" b="0"/>
+      </a:effectRef>
+      <a:fontRef idx="minor"/>
+    </dgm:style>
+  </dgm:styleLbl>
+  <dgm:styleLbl name="bgImgPlace1">
+    <dgm:scene3d>
+      <a:camera prst="orthographicFront"/>
+      <a:lightRig rig="threePt" dir="t"/>
+    </dgm:scene3d>
+    <dgm:sp3d/>
+    <dgm:txPr/>
+    <dgm:style>
+      <a:lnRef idx="2">
+        <a:scrgbClr r="0" g="0" b="0"/>
+      </a:lnRef>
+      <a:fillRef idx="1">
+        <a:scrgbClr r="0" g="0" b="0"/>
+      </a:fillRef>
+      <a:effectRef idx="0">
+        <a:scrgbClr r="0" g="0" b="0"/>
+      </a:effectRef>
+      <a:fontRef idx="minor"/>
+    </dgm:style>
+  </dgm:styleLbl>
+  <dgm:styleLbl name="sibTrans2D1">
+    <dgm:scene3d>
+      <a:camera prst="orthographicFront"/>
+      <a:lightRig rig="threePt" dir="t"/>
+    </dgm:scene3d>
+    <dgm:sp3d/>
+    <dgm:txPr/>
+    <dgm:style>
+      <a:lnRef idx="0">
+        <a:scrgbClr r="0" g="0" b="0"/>
+      </a:lnRef>
+      <a:fillRef idx="1">
+        <a:scrgbClr r="0" g="0" b="0"/>
+      </a:fillRef>
+      <a:effectRef idx="0">
+        <a:scrgbClr r="0" g="0" b="0"/>
+      </a:effectRef>
+      <a:fontRef idx="minor">
+        <a:schemeClr val="lt1"/>
+      </a:fontRef>
+    </dgm:style>
+  </dgm:styleLbl>
+  <dgm:styleLbl name="fgSibTrans2D1">
+    <dgm:scene3d>
+      <a:camera prst="orthographicFront"/>
+      <a:lightRig rig="threePt" dir="t"/>
+    </dgm:scene3d>
+    <dgm:sp3d/>
+    <dgm:txPr/>
+    <dgm:style>
+      <a:lnRef idx="0">
+        <a:scrgbClr r="0" g="0" b="0"/>
+      </a:lnRef>
+      <a:fillRef idx="1">
+        <a:scrgbClr r="0" g="0" b="0"/>
+      </a:fillRef>
+      <a:effectRef idx="0">
+        <a:scrgbClr r="0" g="0" b="0"/>
+      </a:effectRef>
+      <a:fontRef idx="minor">
+        <a:schemeClr val="lt1"/>
+      </a:fontRef>
+    </dgm:style>
+  </dgm:styleLbl>
+  <dgm:styleLbl name="bgSibTrans2D1">
+    <dgm:scene3d>
+      <a:camera prst="orthographicFront"/>
+      <a:lightRig rig="threePt" dir="t"/>
+    </dgm:scene3d>
+    <dgm:sp3d/>
+    <dgm:txPr/>
+    <dgm:style>
+      <a:lnRef idx="0">
+        <a:scrgbClr r="0" g="0" b="0"/>
+      </a:lnRef>
+      <a:fillRef idx="1">
+        <a:scrgbClr r="0" g="0" b="0"/>
+      </a:fillRef>
+      <a:effectRef idx="0">
+        <a:scrgbClr r="0" g="0" b="0"/>
+      </a:effectRef>
+      <a:fontRef idx="minor">
+        <a:schemeClr val="lt1"/>
+      </a:fontRef>
+    </dgm:style>
+  </dgm:styleLbl>
+  <dgm:styleLbl name="sibTrans1D1">
+    <dgm:scene3d>
+      <a:camera prst="orthographicFront"/>
+      <a:lightRig rig="threePt" dir="t"/>
+    </dgm:scene3d>
+    <dgm:sp3d/>
+    <dgm:txPr/>
+    <dgm:style>
+      <a:lnRef idx="1">
+        <a:scrgbClr r="0" g="0" b="0"/>
+      </a:lnRef>
+      <a:fillRef idx="0">
+        <a:scrgbClr r="0" g="0" b="0"/>
+      </a:fillRef>
+      <a:effectRef idx="0">
+        <a:scrgbClr r="0" g="0" b="0"/>
+      </a:effectRef>
+      <a:fontRef idx="minor"/>
+    </dgm:style>
+  </dgm:styleLbl>
+  <dgm:styleLbl name="callout">
+    <dgm:scene3d>
+      <a:camera prst="orthographicFront"/>
+      <a:lightRig rig="threePt" dir="t"/>
+    </dgm:scene3d>
+    <dgm:sp3d/>
+    <dgm:txPr/>
+    <dgm:style>
+      <a:lnRef idx="2">
+        <a:scrgbClr r="0" g="0" b="0"/>
+      </a:lnRef>
+      <a:fillRef idx="1">
+        <a:scrgbClr r="0" g="0" b="0"/>
+      </a:fillRef>
+      <a:effectRef idx="0">
+        <a:scrgbClr r="0" g="0" b="0"/>
+      </a:effectRef>
+      <a:fontRef idx="minor"/>
+    </dgm:style>
+  </dgm:styleLbl>
+  <dgm:styleLbl name="asst0">
+    <dgm:scene3d>
+      <a:camera prst="orthographicFront"/>
+      <a:lightRig rig="threePt" dir="t"/>
+    </dgm:scene3d>
+    <dgm:sp3d/>
+    <dgm:txPr/>
+    <dgm:style>
+      <a:lnRef idx="2">
+        <a:scrgbClr r="0" g="0" b="0"/>
+      </a:lnRef>
+      <a:fillRef idx="1">
+        <a:scrgbClr r="0" g="0" b="0"/>
+      </a:fillRef>
+      <a:effectRef idx="0">
+        <a:scrgbClr r="0" g="0" b="0"/>
+      </a:effectRef>
+      <a:fontRef idx="minor">
+        <a:schemeClr val="lt1"/>
+      </a:fontRef>
+    </dgm:style>
+  </dgm:styleLbl>
+  <dgm:styleLbl name="asst1">
+    <dgm:scene3d>
+      <a:camera prst="orthographicFront"/>
+      <a:lightRig rig="threePt" dir="t"/>
+    </dgm:scene3d>
+    <dgm:sp3d/>
+    <dgm:txPr/>
+    <dgm:style>
+      <a:lnRef idx="2">
+        <a:scrgbClr r="0" g="0" b="0"/>
+      </a:lnRef>
+      <a:fillRef idx="1">
+        <a:scrgbClr r="0" g="0" b="0"/>
+      </a:fillRef>
+      <a:effectRef idx="0">
+        <a:scrgbClr r="0" g="0" b="0"/>
+      </a:effectRef>
+      <a:fontRef idx="minor">
+        <a:schemeClr val="lt1"/>
+      </a:fontRef>
+    </dgm:style>
+  </dgm:styleLbl>
+  <dgm:styleLbl name="asst2">
+    <dgm:scene3d>
+      <a:camera prst="orthographicFront"/>
+      <a:lightRig rig="threePt" dir="t"/>
+    </dgm:scene3d>
+    <dgm:sp3d/>
+    <dgm:txPr/>
+    <dgm:style>
+      <a:lnRef idx="2">
+        <a:scrgbClr r="0" g="0" b="0"/>
+      </a:lnRef>
+      <a:fillRef idx="1">
+        <a:scrgbClr r="0" g="0" b="0"/>
+      </a:fillRef>
+      <a:effectRef idx="0">
+        <a:scrgbClr r="0" g="0" b="0"/>
+      </a:effectRef>
+      <a:fontRef idx="minor">
+        <a:schemeClr val="lt1"/>
+      </a:fontRef>
+    </dgm:style>
+  </dgm:styleLbl>
+  <dgm:styleLbl name="asst3">
+    <dgm:scene3d>
+      <a:camera prst="orthographicFront"/>
+      <a:lightRig rig="threePt" dir="t"/>
+    </dgm:scene3d>
+    <dgm:sp3d/>
+    <dgm:txPr/>
+    <dgm:style>
+      <a:lnRef idx="2">
+        <a:scrgbClr r="0" g="0" b="0"/>
+      </a:lnRef>
+      <a:fillRef idx="1">
+        <a:scrgbClr r="0" g="0" b="0"/>
+      </a:fillRef>
+      <a:effectRef idx="0">
+        <a:scrgbClr r="0" g="0" b="0"/>
+      </a:effectRef>
+      <a:fontRef idx="minor">
+        <a:schemeClr val="lt1"/>
+      </a:fontRef>
+    </dgm:style>
+  </dgm:styleLbl>
+  <dgm:styleLbl name="asst4">
+    <dgm:scene3d>
+      <a:camera prst="orthographicFront"/>
+      <a:lightRig rig="threePt" dir="t"/>
+    </dgm:scene3d>
+    <dgm:sp3d/>
+    <dgm:txPr/>
+    <dgm:style>
+      <a:lnRef idx="2">
+        <a:scrgbClr r="0" g="0" b="0"/>
+      </a:lnRef>
+      <a:fillRef idx="1">
+        <a:scrgbClr r="0" g="0" b="0"/>
+      </a:fillRef>
+      <a:effectRef idx="0">
+        <a:scrgbClr r="0" g="0" b="0"/>
+      </a:effectRef>
+      <a:fontRef idx="minor">
+        <a:schemeClr val="lt1"/>
+      </a:fontRef>
+    </dgm:style>
+  </dgm:styleLbl>
+  <dgm:styleLbl name="parChTrans2D1">
+    <dgm:scene3d>
+      <a:camera prst="orthographicFront"/>
+      <a:lightRig rig="threePt" dir="t"/>
+    </dgm:scene3d>
+    <dgm:sp3d/>
+    <dgm:txPr/>
+    <dgm:style>
+      <a:lnRef idx="2">
+        <a:scrgbClr r="0" g="0" b="0"/>
+      </a:lnRef>
+      <a:fillRef idx="1">
+        <a:scrgbClr r="0" g="0" b="0"/>
+      </a:fillRef>
+      <a:effectRef idx="0">
+        <a:scrgbClr r="0" g="0" b="0"/>
+      </a:effectRef>
+      <a:fontRef idx="minor">
+        <a:schemeClr val="lt1"/>
+      </a:fontRef>
+    </dgm:style>
+  </dgm:styleLbl>
+  <dgm:styleLbl name="parChTrans2D2">
+    <dgm:scene3d>
+      <a:camera prst="orthographicFront"/>
+      <a:lightRig rig="threePt" dir="t"/>
+    </dgm:scene3d>
+    <dgm:sp3d/>
+    <dgm:txPr/>
+    <dgm:style>
+      <a:lnRef idx="2">
+        <a:scrgbClr r="0" g="0" b="0"/>
+      </a:lnRef>
+      <a:fillRef idx="1">
+        <a:scrgbClr r="0" g="0" b="0"/>
+      </a:fillRef>
+      <a:effectRef idx="0">
+        <a:scrgbClr r="0" g="0" b="0"/>
+      </a:effectRef>
+      <a:fontRef idx="minor">
+        <a:schemeClr val="lt1"/>
+      </a:fontRef>
+    </dgm:style>
+  </dgm:styleLbl>
+  <dgm:styleLbl name="parChTrans2D3">
+    <dgm:scene3d>
+      <a:camera prst="orthographicFront"/>
+      <a:lightRig rig="threePt" dir="t"/>
+    </dgm:scene3d>
+    <dgm:sp3d/>
+    <dgm:txPr/>
+    <dgm:style>
+      <a:lnRef idx="2">
+        <a:scrgbClr r="0" g="0" b="0"/>
+      </a:lnRef>
+      <a:fillRef idx="1">
+        <a:scrgbClr r="0" g="0" b="0"/>
+      </a:fillRef>
+      <a:effectRef idx="0">
+        <a:scrgbClr r="0" g="0" b="0"/>
+      </a:effectRef>
+      <a:fontRef idx="minor">
+        <a:schemeClr val="lt1"/>
+      </a:fontRef>
+    </dgm:style>
+  </dgm:styleLbl>
+  <dgm:styleLbl name="parChTrans2D4">
+    <dgm:scene3d>
+      <a:camera prst="orthographicFront"/>
+      <a:lightRig rig="threePt" dir="t"/>
+    </dgm:scene3d>
+    <dgm:sp3d/>
+    <dgm:txPr/>
+    <dgm:style>
+      <a:lnRef idx="2">
+        <a:scrgbClr r="0" g="0" b="0"/>
+      </a:lnRef>
+      <a:fillRef idx="1">
+        <a:scrgbClr r="0" g="0" b="0"/>
+      </a:fillRef>
+      <a:effectRef idx="0">
+        <a:scrgbClr r="0" g="0" b="0"/>
+      </a:effectRef>
+      <a:fontRef idx="minor">
+        <a:schemeClr val="lt1"/>
+      </a:fontRef>
+    </dgm:style>
+  </dgm:styleLbl>
+  <dgm:styleLbl name="parChTrans1D1">
+    <dgm:scene3d>
+      <a:camera prst="orthographicFront"/>
+      <a:lightRig rig="threePt" dir="t"/>
+    </dgm:scene3d>
+    <dgm:sp3d/>
+    <dgm:txPr/>
+    <dgm:style>
+      <a:lnRef idx="2">
+        <a:scrgbClr r="0" g="0" b="0"/>
+      </a:lnRef>
+      <a:fillRef idx="0">
+        <a:scrgbClr r="0" g="0" b="0"/>
+      </a:fillRef>
+      <a:effectRef idx="0">
+        <a:scrgbClr r="0" g="0" b="0"/>
+      </a:effectRef>
+      <a:fontRef idx="minor"/>
+    </dgm:style>
+  </dgm:styleLbl>
+  <dgm:styleLbl name="parChTrans1D2">
+    <dgm:scene3d>
+      <a:camera prst="orthographicFront"/>
+      <a:lightRig rig="threePt" dir="t"/>
+    </dgm:scene3d>
+    <dgm:sp3d/>
+    <dgm:txPr/>
+    <dgm:style>
+      <a:lnRef idx="2">
+        <a:scrgbClr r="0" g="0" b="0"/>
+      </a:lnRef>
+      <a:fillRef idx="0">
+        <a:scrgbClr r="0" g="0" b="0"/>
+      </a:fillRef>
+      <a:effectRef idx="0">
+        <a:scrgbClr r="0" g="0" b="0"/>
+      </a:effectRef>
+      <a:fontRef idx="minor"/>
+    </dgm:style>
+  </dgm:styleLbl>
+  <dgm:styleLbl name="parChTrans1D3">
+    <dgm:scene3d>
+      <a:camera prst="orthographicFront"/>
+      <a:lightRig rig="threePt" dir="t"/>
+    </dgm:scene3d>
+    <dgm:sp3d/>
+    <dgm:txPr/>
+    <dgm:style>
+      <a:lnRef idx="2">
+        <a:scrgbClr r="0" g="0" b="0"/>
+      </a:lnRef>
+      <a:fillRef idx="0">
+        <a:scrgbClr r="0" g="0" b="0"/>
+      </a:fillRef>
+      <a:effectRef idx="0">
+        <a:scrgbClr r="0" g="0" b="0"/>
+      </a:effectRef>
+      <a:fontRef idx="minor"/>
+    </dgm:style>
+  </dgm:styleLbl>
+  <dgm:styleLbl name="parChTrans1D4">
+    <dgm:scene3d>
+      <a:camera prst="orthographicFront"/>
+      <a:lightRig rig="threePt" dir="t"/>
+    </dgm:scene3d>
+    <dgm:sp3d/>
+    <dgm:txPr/>
+    <dgm:style>
+      <a:lnRef idx="2">
+        <a:scrgbClr r="0" g="0" b="0"/>
+      </a:lnRef>
+      <a:fillRef idx="0">
+        <a:scrgbClr r="0" g="0" b="0"/>
+      </a:fillRef>
+      <a:effectRef idx="0">
+        <a:scrgbClr r="0" g="0" b="0"/>
+      </a:effectRef>
+      <a:fontRef idx="minor"/>
+    </dgm:style>
+  </dgm:styleLbl>
+  <dgm:styleLbl name="fgAcc1">
+    <dgm:scene3d>
+      <a:camera prst="orthographicFront"/>
+      <a:lightRig rig="threePt" dir="t"/>
+    </dgm:scene3d>
+    <dgm:sp3d/>
+    <dgm:txPr/>
+    <dgm:style>
+      <a:lnRef idx="2">
+        <a:scrgbClr r="0" g="0" b="0"/>
+      </a:lnRef>
+      <a:fillRef idx="1">
+        <a:scrgbClr r="0" g="0" b="0"/>
+      </a:fillRef>
+      <a:effectRef idx="0">
+        <a:scrgbClr r="0" g="0" b="0"/>
+      </a:effectRef>
+      <a:fontRef idx="minor"/>
+    </dgm:style>
+  </dgm:styleLbl>
+  <dgm:styleLbl name="conFgAcc1">
+    <dgm:scene3d>
+      <a:camera prst="orthographicFront"/>
+      <a:lightRig rig="threePt" dir="t"/>
+    </dgm:scene3d>
+    <dgm:sp3d/>
+    <dgm:txPr/>
+    <dgm:style>
+      <a:lnRef idx="2">
+        <a:scrgbClr r="0" g="0" b="0"/>
+      </a:lnRef>
+      <a:fillRef idx="1">
+        <a:scrgbClr r="0" g="0" b="0"/>
+      </a:fillRef>
+      <a:effectRef idx="0">
+        <a:scrgbClr r="0" g="0" b="0"/>
+      </a:effectRef>
+      <a:fontRef idx="minor"/>
+    </dgm:style>
+  </dgm:styleLbl>
+  <dgm:styleLbl name="alignAcc1">
+    <dgm:scene3d>
+      <a:camera prst="orthographicFront"/>
+      <a:lightRig rig="threePt" dir="t"/>
+    </dgm:scene3d>
+    <dgm:sp3d/>
+    <dgm:txPr/>
+    <dgm:style>
+      <a:lnRef idx="2">
+        <a:scrgbClr r="0" g="0" b="0"/>
+      </a:lnRef>
+      <a:fillRef idx="1">
+        <a:scrgbClr r="0" g="0" b="0"/>
+      </a:fillRef>
+      <a:effectRef idx="0">
+        <a:scrgbClr r="0" g="0" b="0"/>
+      </a:effectRef>
+      <a:fontRef idx="minor"/>
+    </dgm:style>
+  </dgm:styleLbl>
+  <dgm:styleLbl name="trAlignAcc1">
+    <dgm:scene3d>
+      <a:camera prst="orthographicFront"/>
+      <a:lightRig rig="threePt" dir="t"/>
+    </dgm:scene3d>
+    <dgm:sp3d/>
+    <dgm:txPr/>
+    <dgm:style>
+      <a:lnRef idx="1">
+        <a:scrgbClr r="0" g="0" b="0"/>
+      </a:lnRef>
+      <a:fillRef idx="1">
+        <a:scrgbClr r="0" g="0" b="0"/>
+      </a:fillRef>
+      <a:effectRef idx="0">
+        <a:scrgbClr r="0" g="0" b="0"/>
+      </a:effectRef>
+      <a:fontRef idx="minor"/>
+    </dgm:style>
+  </dgm:styleLbl>
+  <dgm:styleLbl name="bgAcc1">
+    <dgm:scene3d>
+      <a:camera prst="orthographicFront"/>
+      <a:lightRig rig="threePt" dir="t"/>
+    </dgm:scene3d>
+    <dgm:sp3d/>
+    <dgm:txPr/>
+    <dgm:style>
+      <a:lnRef idx="2">
+        <a:scrgbClr r="0" g="0" b="0"/>
+      </a:lnRef>
+      <a:fillRef idx="1">
+        <a:scrgbClr r="0" g="0" b="0"/>
+      </a:fillRef>
+      <a:effectRef idx="0">
+        <a:scrgbClr r="0" g="0" b="0"/>
+      </a:effectRef>
+      <a:fontRef idx="minor"/>
+    </dgm:style>
+  </dgm:styleLbl>
+  <dgm:styleLbl name="solidFgAcc1">
+    <dgm:scene3d>
+      <a:camera prst="orthographicFront"/>
+      <a:lightRig rig="threePt" dir="t"/>
+    </dgm:scene3d>
+    <dgm:sp3d/>
+    <dgm:txPr/>
+    <dgm:style>
+      <a:lnRef idx="2">
+        <a:scrgbClr r="0" g="0" b="0"/>
+      </a:lnRef>
+      <a:fillRef idx="1">
+        <a:scrgbClr r="0" g="0" b="0"/>
+      </a:fillRef>
+      <a:effectRef idx="0">
+        <a:scrgbClr r="0" g="0" b="0"/>
+      </a:effectRef>
+      <a:fontRef idx="minor"/>
+    </dgm:style>
+  </dgm:styleLbl>
+  <dgm:styleLbl name="solidAlignAcc1">
+    <dgm:scene3d>
+      <a:camera prst="orthographicFront"/>
+      <a:lightRig rig="threePt" dir="t"/>
+    </dgm:scene3d>
+    <dgm:sp3d/>
+    <dgm:txPr/>
+    <dgm:style>
+      <a:lnRef idx="2">
+        <a:scrgbClr r="0" g="0" b="0"/>
+      </a:lnRef>
+      <a:fillRef idx="1">
+        <a:scrgbClr r="0" g="0" b="0"/>
+      </a:fillRef>
+      <a:effectRef idx="0">
+        <a:scrgbClr r="0" g="0" b="0"/>
+      </a:effectRef>
+      <a:fontRef idx="minor"/>
+    </dgm:style>
+  </dgm:styleLbl>
+  <dgm:styleLbl name="solidBgAcc1">
+    <dgm:scene3d>
+      <a:camera prst="orthographicFront"/>
+      <a:lightRig rig="threePt" dir="t"/>
+    </dgm:scene3d>
+    <dgm:sp3d/>
+    <dgm:txPr/>
+    <dgm:style>
+      <a:lnRef idx="2">
+        <a:scrgbClr r="0" g="0" b="0"/>
+      </a:lnRef>
+      <a:fillRef idx="1">
+        <a:scrgbClr r="0" g="0" b="0"/>
+      </a:fillRef>
+      <a:effectRef idx="0">
+        <a:scrgbClr r="0" g="0" b="0"/>
+      </a:effectRef>
+      <a:fontRef idx="minor"/>
+    </dgm:style>
+  </dgm:styleLbl>
+  <dgm:styleLbl name="fgAccFollowNode1">
+    <dgm:scene3d>
+      <a:camera prst="orthographicFront"/>
+      <a:lightRig rig="threePt" dir="t"/>
+    </dgm:scene3d>
+    <dgm:sp3d/>
+    <dgm:txPr/>
+    <dgm:style>
+      <a:lnRef idx="2">
+        <a:scrgbClr r="0" g="0" b="0"/>
+      </a:lnRef>
+      <a:fillRef idx="1">
+        <a:scrgbClr r="0" g="0" b="0"/>
+      </a:fillRef>
+      <a:effectRef idx="0">
+        <a:scrgbClr r="0" g="0" b="0"/>
+      </a:effectRef>
+      <a:fontRef idx="minor"/>
+    </dgm:style>
+  </dgm:styleLbl>
+  <dgm:styleLbl name="alignAccFollowNode1">
+    <dgm:scene3d>
+      <a:camera prst="orthographicFront"/>
+      <a:lightRig rig="threePt" dir="t"/>
+    </dgm:scene3d>
+    <dgm:sp3d/>
+    <dgm:txPr/>
+    <dgm:style>
+      <a:lnRef idx="2">
+        <a:scrgbClr r="0" g="0" b="0"/>
+      </a:lnRef>
+      <a:fillRef idx="1">
+        <a:scrgbClr r="0" g="0" b="0"/>
+      </a:fillRef>
+      <a:effectRef idx="0">
+        <a:scrgbClr r="0" g="0" b="0"/>
+      </a:effectRef>
+      <a:fontRef idx="minor"/>
+    </dgm:style>
+  </dgm:styleLbl>
+  <dgm:styleLbl name="bgAccFollowNode1">
+    <dgm:scene3d>
+      <a:camera prst="orthographicFront"/>
+      <a:lightRig rig="threePt" dir="t"/>
+    </dgm:scene3d>
+    <dgm:sp3d/>
+    <dgm:txPr/>
+    <dgm:style>
+      <a:lnRef idx="2">
+        <a:scrgbClr r="0" g="0" b="0"/>
+      </a:lnRef>
+      <a:fillRef idx="1">
+        <a:scrgbClr r="0" g="0" b="0"/>
+      </a:fillRef>
+      <a:effectRef idx="0">
+        <a:scrgbClr r="0" g="0" b="0"/>
+      </a:effectRef>
+      <a:fontRef idx="minor"/>
+    </dgm:style>
+  </dgm:styleLbl>
+  <dgm:styleLbl name="fgAcc0">
+    <dgm:scene3d>
+      <a:camera prst="orthographicFront"/>
+      <a:lightRig rig="threePt" dir="t"/>
+    </dgm:scene3d>
+    <dgm:sp3d/>
+    <dgm:txPr/>
+    <dgm:style>
+      <a:lnRef idx="2">
+        <a:scrgbClr r="0" g="0" b="0"/>
+      </a:lnRef>
+      <a:fillRef idx="1">
+        <a:scrgbClr r="0" g="0" b="0"/>
+      </a:fillRef>
+      <a:effectRef idx="0">
+        <a:scrgbClr r="0" g="0" b="0"/>
+      </a:effectRef>
+      <a:fontRef idx="minor"/>
+    </dgm:style>
+  </dgm:styleLbl>
+  <dgm:styleLbl name="fgAcc2">
+    <dgm:scene3d>
+      <a:camera prst="orthographicFront"/>
+      <a:lightRig rig="threePt" dir="t"/>
+    </dgm:scene3d>
+    <dgm:sp3d/>
+    <dgm:txPr/>
+    <dgm:style>
+      <a:lnRef idx="2">
+        <a:scrgbClr r="0" g="0" b="0"/>
+      </a:lnRef>
+      <a:fillRef idx="1">
+        <a:scrgbClr r="0" g="0" b="0"/>
+      </a:fillRef>
+      <a:effectRef idx="0">
+        <a:scrgbClr r="0" g="0" b="0"/>
+      </a:effectRef>
+      <a:fontRef idx="minor"/>
+    </dgm:style>
+  </dgm:styleLbl>
+  <dgm:styleLbl name="fgAcc3">
+    <dgm:scene3d>
+      <a:camera prst="orthographicFront"/>
+      <a:lightRig rig="threePt" dir="t"/>
+    </dgm:scene3d>
+    <dgm:sp3d/>
+    <dgm:txPr/>
+    <dgm:style>
+      <a:lnRef idx="2">
+        <a:scrgbClr r="0" g="0" b="0"/>
+      </a:lnRef>
+      <a:fillRef idx="1">
+        <a:scrgbClr r="0" g="0" b="0"/>
+      </a:fillRef>
+      <a:effectRef idx="0">
+        <a:scrgbClr r="0" g="0" b="0"/>
+      </a:effectRef>
+      <a:fontRef idx="minor"/>
+    </dgm:style>
+  </dgm:styleLbl>
+  <dgm:styleLbl name="fgAcc4">
+    <dgm:scene3d>
+      <a:camera prst="orthographicFront"/>
+      <a:lightRig rig="threePt" dir="t"/>
+    </dgm:scene3d>
+    <dgm:sp3d/>
+    <dgm:txPr/>
+    <dgm:style>
+      <a:lnRef idx="2">
+        <a:scrgbClr r="0" g="0" b="0"/>
+      </a:lnRef>
+      <a:fillRef idx="1">
+        <a:scrgbClr r="0" g="0" b="0"/>
+      </a:fillRef>
+      <a:effectRef idx="0">
+        <a:scrgbClr r="0" g="0" b="0"/>
+      </a:effectRef>
+      <a:fontRef idx="minor"/>
+    </dgm:style>
+  </dgm:styleLbl>
+  <dgm:styleLbl name="bgShp">
+    <dgm:scene3d>
+      <a:camera prst="orthographicFront"/>
+      <a:lightRig rig="threePt" dir="t"/>
+    </dgm:scene3d>
+    <dgm:sp3d/>
+    <dgm:txPr/>
+    <dgm:style>
+      <a:lnRef idx="0">
+        <a:scrgbClr r="0" g="0" b="0"/>
+      </a:lnRef>
+      <a:fillRef idx="1">
+        <a:scrgbClr r="0" g="0" b="0"/>
+      </a:fillRef>
+      <a:effectRef idx="0">
+        <a:scrgbClr r="0" g="0" b="0"/>
+      </a:effectRef>
+      <a:fontRef idx="minor"/>
+    </dgm:style>
+  </dgm:styleLbl>
+  <dgm:styleLbl name="dkBgShp">
+    <dgm:scene3d>
+      <a:camera prst="orthographicFront"/>
+      <a:lightRig rig="threePt" dir="t"/>
+    </dgm:scene3d>
+    <dgm:sp3d/>
+    <dgm:txPr/>
+    <dgm:style>
+      <a:lnRef idx="0">
+        <a:scrgbClr r="0" g="0" b="0"/>
+      </a:lnRef>
+      <a:fillRef idx="1">
+        <a:scrgbClr r="0" g="0" b="0"/>
+      </a:fillRef>
+      <a:effectRef idx="0">
+        <a:scrgbClr r="0" g="0" b="0"/>
+      </a:effectRef>
+      <a:fontRef idx="minor"/>
+    </dgm:style>
+  </dgm:styleLbl>
+  <dgm:styleLbl name="trBgShp">
+    <dgm:scene3d>
+      <a:camera prst="orthographicFront"/>
+      <a:lightRig rig="threePt" dir="t"/>
+    </dgm:scene3d>
+    <dgm:sp3d/>
+    <dgm:txPr/>
+    <dgm:style>
+      <a:lnRef idx="0">
+        <a:scrgbClr r="0" g="0" b="0"/>
+      </a:lnRef>
+      <a:fillRef idx="1">
+        <a:scrgbClr r="0" g="0" b="0"/>
+      </a:fillRef>
+      <a:effectRef idx="0">
+        <a:scrgbClr r="0" g="0" b="0"/>
+      </a:effectRef>
+      <a:fontRef idx="minor"/>
+    </dgm:style>
+  </dgm:styleLbl>
+  <dgm:styleLbl name="fgShp">
+    <dgm:scene3d>
+      <a:camera prst="orthographicFront"/>
+      <a:lightRig rig="threePt" dir="t"/>
+    </dgm:scene3d>
+    <dgm:sp3d/>
+    <dgm:txPr/>
+    <dgm:style>
+      <a:lnRef idx="2">
+        <a:scrgbClr r="0" g="0" b="0"/>
+      </a:lnRef>
+      <a:fillRef idx="1">
+        <a:scrgbClr r="0" g="0" b="0"/>
+      </a:fillRef>
+      <a:effectRef idx="0">
+        <a:scrgbClr r="0" g="0" b="0"/>
+      </a:effectRef>
+      <a:fontRef idx="minor"/>
+    </dgm:style>
+  </dgm:styleLbl>
+  <dgm:styleLbl name="revTx">
+    <dgm:scene3d>
+      <a:camera prst="orthographicFront"/>
+      <a:lightRig rig="threePt" dir="t"/>
+    </dgm:scene3d>
+    <dgm:sp3d/>
+    <dgm:txPr/>
+    <dgm:style>
+      <a:lnRef idx="0">
+        <a:scrgbClr r="0" g="0" b="0"/>
+      </a:lnRef>
+      <a:fillRef idx="0">
+        <a:scrgbClr r="0" g="0" b="0"/>
+      </a:fillRef>
+      <a:effectRef idx="0">
+        <a:scrgbClr r="0" g="0" b="0"/>
+      </a:effectRef>
+      <a:fontRef idx="minor"/>
+    </dgm:style>
+  </dgm:styleLbl>
+</dgm:styleDef>
+</file>
+
+<file path=ppt/diagrams/quickStyle2.xml><?xml version="1.0" encoding="utf-8"?>
+<dgm:styleDef xmlns:dgm="http://schemas.openxmlformats.org/drawingml/2006/diagram" xmlns:a="http://schemas.openxmlformats.org/drawingml/2006/main" uniqueId="urn:microsoft.com/office/officeart/2005/8/quickstyle/simple1">
+  <dgm:title val=""/>
+  <dgm:desc val=""/>
+  <dgm:catLst>
+    <dgm:cat type="simple" pri="10100"/>
+  </dgm:catLst>
+  <dgm:scene3d>
+    <a:camera prst="orthographicFront"/>
+    <a:lightRig rig="threePt" dir="t"/>
+  </dgm:scene3d>
+  <dgm:styleLbl name="node0">
+    <dgm:scene3d>
+      <a:camera prst="orthographicFront"/>
+      <a:lightRig rig="threePt" dir="t"/>
+    </dgm:scene3d>
+    <dgm:sp3d/>
+    <dgm:txPr/>
+    <dgm:style>
+      <a:lnRef idx="2">
+        <a:scrgbClr r="0" g="0" b="0"/>
+      </a:lnRef>
+      <a:fillRef idx="1">
+        <a:scrgbClr r="0" g="0" b="0"/>
+      </a:fillRef>
+      <a:effectRef idx="0">
+        <a:scrgbClr r="0" g="0" b="0"/>
+      </a:effectRef>
+      <a:fontRef idx="minor">
+        <a:schemeClr val="lt1"/>
+      </a:fontRef>
+    </dgm:style>
+  </dgm:styleLbl>
+  <dgm:styleLbl name="lnNode1">
+    <dgm:scene3d>
+      <a:camera prst="orthographicFront"/>
+      <a:lightRig rig="threePt" dir="t"/>
+    </dgm:scene3d>
+    <dgm:sp3d/>
+    <dgm:txPr/>
+    <dgm:style>
+      <a:lnRef idx="2">
+        <a:scrgbClr r="0" g="0" b="0"/>
+      </a:lnRef>
+      <a:fillRef idx="1">
+        <a:scrgbClr r="0" g="0" b="0"/>
+      </a:fillRef>
+      <a:effectRef idx="0">
+        <a:scrgbClr r="0" g="0" b="0"/>
+      </a:effectRef>
+      <a:fontRef idx="minor">
+        <a:schemeClr val="lt1"/>
+      </a:fontRef>
+    </dgm:style>
+  </dgm:styleLbl>
+  <dgm:styleLbl name="vennNode1">
+    <dgm:scene3d>
+      <a:camera prst="orthographicFront"/>
+      <a:lightRig rig="threePt" dir="t"/>
+    </dgm:scene3d>
+    <dgm:sp3d/>
+    <dgm:txPr/>
+    <dgm:style>
+      <a:lnRef idx="2">
+        <a:scrgbClr r="0" g="0" b="0"/>
+      </a:lnRef>
+      <a:fillRef idx="1">
+        <a:scrgbClr r="0" g="0" b="0"/>
+      </a:fillRef>
+      <a:effectRef idx="0">
+        <a:scrgbClr r="0" g="0" b="0"/>
+      </a:effectRef>
+      <a:fontRef idx="minor">
+        <a:schemeClr val="tx1"/>
+      </a:fontRef>
+    </dgm:style>
+  </dgm:styleLbl>
+  <dgm:styleLbl name="alignNode1">
+    <dgm:scene3d>
+      <a:camera prst="orthographicFront"/>
+      <a:lightRig rig="threePt" dir="t"/>
+    </dgm:scene3d>
+    <dgm:sp3d/>
+    <dgm:txPr/>
+    <dgm:style>
+      <a:lnRef idx="2">
+        <a:scrgbClr r="0" g="0" b="0"/>
+      </a:lnRef>
+      <a:fillRef idx="1">
+        <a:scrgbClr r="0" g="0" b="0"/>
+      </a:fillRef>
+      <a:effectRef idx="0">
+        <a:scrgbClr r="0" g="0" b="0"/>
+      </a:effectRef>
+      <a:fontRef idx="minor">
+        <a:schemeClr val="lt1"/>
+      </a:fontRef>
+    </dgm:style>
+  </dgm:styleLbl>
+  <dgm:styleLbl name="node1">
+    <dgm:scene3d>
+      <a:camera prst="orthographicFront"/>
+      <a:lightRig rig="threePt" dir="t"/>
+    </dgm:scene3d>
+    <dgm:sp3d/>
+    <dgm:txPr/>
+    <dgm:style>
+      <a:lnRef idx="2">
+        <a:scrgbClr r="0" g="0" b="0"/>
+      </a:lnRef>
+      <a:fillRef idx="1">
+        <a:scrgbClr r="0" g="0" b="0"/>
+      </a:fillRef>
+      <a:effectRef idx="0">
+        <a:scrgbClr r="0" g="0" b="0"/>
+      </a:effectRef>
+      <a:fontRef idx="minor">
+        <a:schemeClr val="lt1"/>
+      </a:fontRef>
+    </dgm:style>
+  </dgm:styleLbl>
+  <dgm:styleLbl name="node2">
+    <dgm:scene3d>
+      <a:camera prst="orthographicFront"/>
+      <a:lightRig rig="threePt" dir="t"/>
+    </dgm:scene3d>
+    <dgm:sp3d/>
+    <dgm:txPr/>
+    <dgm:style>
+      <a:lnRef idx="2">
+        <a:scrgbClr r="0" g="0" b="0"/>
+      </a:lnRef>
+      <a:fillRef idx="1">
+        <a:scrgbClr r="0" g="0" b="0"/>
+      </a:fillRef>
+      <a:effectRef idx="0">
+        <a:scrgbClr r="0" g="0" b="0"/>
+      </a:effectRef>
+      <a:fontRef idx="minor">
+        <a:schemeClr val="lt1"/>
+      </a:fontRef>
+    </dgm:style>
+  </dgm:styleLbl>
+  <dgm:styleLbl name="node3">
+    <dgm:scene3d>
+      <a:camera prst="orthographicFront"/>
+      <a:lightRig rig="threePt" dir="t"/>
+    </dgm:scene3d>
+    <dgm:sp3d/>
+    <dgm:txPr/>
+    <dgm:style>
+      <a:lnRef idx="2">
+        <a:scrgbClr r="0" g="0" b="0"/>
+      </a:lnRef>
+      <a:fillRef idx="1">
+        <a:scrgbClr r="0" g="0" b="0"/>
+      </a:fillRef>
+      <a:effectRef idx="0">
+        <a:scrgbClr r="0" g="0" b="0"/>
+      </a:effectRef>
+      <a:fontRef idx="minor">
+        <a:schemeClr val="lt1"/>
+      </a:fontRef>
+    </dgm:style>
+  </dgm:styleLbl>
+  <dgm:styleLbl name="node4">
+    <dgm:scene3d>
+      <a:camera prst="orthographicFront"/>
+      <a:lightRig rig="threePt" dir="t"/>
+    </dgm:scene3d>
+    <dgm:sp3d/>
+    <dgm:txPr/>
+    <dgm:style>
+      <a:lnRef idx="2">
+        <a:scrgbClr r="0" g="0" b="0"/>
+      </a:lnRef>
+      <a:fillRef idx="1">
+        <a:scrgbClr r="0" g="0" b="0"/>
+      </a:fillRef>
+      <a:effectRef idx="0">
+        <a:scrgbClr r="0" g="0" b="0"/>
+      </a:effectRef>
+      <a:fontRef idx="minor">
+        <a:schemeClr val="lt1"/>
+      </a:fontRef>
+    </dgm:style>
+  </dgm:styleLbl>
+  <dgm:styleLbl name="fgImgPlace1">
+    <dgm:scene3d>
+      <a:camera prst="orthographicFront"/>
+      <a:lightRig rig="threePt" dir="t"/>
+    </dgm:scene3d>
+    <dgm:sp3d/>
+    <dgm:txPr/>
+    <dgm:style>
+      <a:lnRef idx="2">
+        <a:scrgbClr r="0" g="0" b="0"/>
+      </a:lnRef>
+      <a:fillRef idx="1">
+        <a:scrgbClr r="0" g="0" b="0"/>
+      </a:fillRef>
+      <a:effectRef idx="0">
+        <a:scrgbClr r="0" g="0" b="0"/>
+      </a:effectRef>
+      <a:fontRef idx="minor"/>
+    </dgm:style>
+  </dgm:styleLbl>
+  <dgm:styleLbl name="alignImgPlace1">
+    <dgm:scene3d>
+      <a:camera prst="orthographicFront"/>
+      <a:lightRig rig="threePt" dir="t"/>
+    </dgm:scene3d>
+    <dgm:sp3d/>
+    <dgm:txPr/>
+    <dgm:style>
+      <a:lnRef idx="2">
+        <a:scrgbClr r="0" g="0" b="0"/>
+      </a:lnRef>
+      <a:fillRef idx="1">
+        <a:scrgbClr r="0" g="0" b="0"/>
+      </a:fillRef>
+      <a:effectRef idx="0">
+        <a:scrgbClr r="0" g="0" b="0"/>
+      </a:effectRef>
+      <a:fontRef idx="minor"/>
+    </dgm:style>
+  </dgm:styleLbl>
+  <dgm:styleLbl name="bgImgPlace1">
+    <dgm:scene3d>
+      <a:camera prst="orthographicFront"/>
+      <a:lightRig rig="threePt" dir="t"/>
+    </dgm:scene3d>
+    <dgm:sp3d/>
+    <dgm:txPr/>
+    <dgm:style>
+      <a:lnRef idx="2">
+        <a:scrgbClr r="0" g="0" b="0"/>
+      </a:lnRef>
+      <a:fillRef idx="1">
+        <a:scrgbClr r="0" g="0" b="0"/>
+      </a:fillRef>
+      <a:effectRef idx="0">
+        <a:scrgbClr r="0" g="0" b="0"/>
+      </a:effectRef>
+      <a:fontRef idx="minor"/>
+    </dgm:style>
+  </dgm:styleLbl>
+  <dgm:styleLbl name="sibTrans2D1">
+    <dgm:scene3d>
+      <a:camera prst="orthographicFront"/>
+      <a:lightRig rig="threePt" dir="t"/>
+    </dgm:scene3d>
+    <dgm:sp3d/>
+    <dgm:txPr/>
+    <dgm:style>
+      <a:lnRef idx="0">
+        <a:scrgbClr r="0" g="0" b="0"/>
+      </a:lnRef>
+      <a:fillRef idx="1">
+        <a:scrgbClr r="0" g="0" b="0"/>
+      </a:fillRef>
+      <a:effectRef idx="0">
+        <a:scrgbClr r="0" g="0" b="0"/>
+      </a:effectRef>
+      <a:fontRef idx="minor">
+        <a:schemeClr val="lt1"/>
+      </a:fontRef>
+    </dgm:style>
+  </dgm:styleLbl>
+  <dgm:styleLbl name="fgSibTrans2D1">
+    <dgm:scene3d>
+      <a:camera prst="orthographicFront"/>
+      <a:lightRig rig="threePt" dir="t"/>
+    </dgm:scene3d>
+    <dgm:sp3d/>
+    <dgm:txPr/>
+    <dgm:style>
+      <a:lnRef idx="0">
+        <a:scrgbClr r="0" g="0" b="0"/>
+      </a:lnRef>
+      <a:fillRef idx="1">
+        <a:scrgbClr r="0" g="0" b="0"/>
+      </a:fillRef>
+      <a:effectRef idx="0">
+        <a:scrgbClr r="0" g="0" b="0"/>
+      </a:effectRef>
+      <a:fontRef idx="minor">
+        <a:schemeClr val="lt1"/>
+      </a:fontRef>
+    </dgm:style>
+  </dgm:styleLbl>
+  <dgm:styleLbl name="bgSibTrans2D1">
+    <dgm:scene3d>
+      <a:camera prst="orthographicFront"/>
+      <a:lightRig rig="threePt" dir="t"/>
+    </dgm:scene3d>
+    <dgm:sp3d/>
+    <dgm:txPr/>
+    <dgm:style>
+      <a:lnRef idx="0">
+        <a:scrgbClr r="0" g="0" b="0"/>
+      </a:lnRef>
+      <a:fillRef idx="1">
+        <a:scrgbClr r="0" g="0" b="0"/>
+      </a:fillRef>
+      <a:effectRef idx="0">
+        <a:scrgbClr r="0" g="0" b="0"/>
+      </a:effectRef>
+      <a:fontRef idx="minor">
+        <a:schemeClr val="lt1"/>
+      </a:fontRef>
+    </dgm:style>
+  </dgm:styleLbl>
+  <dgm:styleLbl name="sibTrans1D1">
+    <dgm:scene3d>
+      <a:camera prst="orthographicFront"/>
+      <a:lightRig rig="threePt" dir="t"/>
+    </dgm:scene3d>
+    <dgm:sp3d/>
+    <dgm:txPr/>
+    <dgm:style>
+      <a:lnRef idx="1">
+        <a:scrgbClr r="0" g="0" b="0"/>
+      </a:lnRef>
+      <a:fillRef idx="0">
+        <a:scrgbClr r="0" g="0" b="0"/>
+      </a:fillRef>
+      <a:effectRef idx="0">
+        <a:scrgbClr r="0" g="0" b="0"/>
+      </a:effectRef>
+      <a:fontRef idx="minor"/>
+    </dgm:style>
+  </dgm:styleLbl>
+  <dgm:styleLbl name="callout">
+    <dgm:scene3d>
+      <a:camera prst="orthographicFront"/>
+      <a:lightRig rig="threePt" dir="t"/>
+    </dgm:scene3d>
+    <dgm:sp3d/>
+    <dgm:txPr/>
+    <dgm:style>
+      <a:lnRef idx="2">
+        <a:scrgbClr r="0" g="0" b="0"/>
+      </a:lnRef>
+      <a:fillRef idx="1">
+        <a:scrgbClr r="0" g="0" b="0"/>
+      </a:fillRef>
+      <a:effectRef idx="0">
+        <a:scrgbClr r="0" g="0" b="0"/>
+      </a:effectRef>
+      <a:fontRef idx="minor"/>
+    </dgm:style>
+  </dgm:styleLbl>
+  <dgm:styleLbl name="asst0">
+    <dgm:scene3d>
+      <a:camera prst="orthographicFront"/>
+      <a:lightRig rig="threePt" dir="t"/>
+    </dgm:scene3d>
+    <dgm:sp3d/>
+    <dgm:txPr/>
+    <dgm:style>
+      <a:lnRef idx="2">
+        <a:scrgbClr r="0" g="0" b="0"/>
+      </a:lnRef>
+      <a:fillRef idx="1">
+        <a:scrgbClr r="0" g="0" b="0"/>
+      </a:fillRef>
+      <a:effectRef idx="0">
+        <a:scrgbClr r="0" g="0" b="0"/>
+      </a:effectRef>
+      <a:fontRef idx="minor">
+        <a:schemeClr val="lt1"/>
+      </a:fontRef>
+    </dgm:style>
+  </dgm:styleLbl>
+  <dgm:styleLbl name="asst1">
+    <dgm:scene3d>
+      <a:camera prst="orthographicFront"/>
+      <a:lightRig rig="threePt" dir="t"/>
+    </dgm:scene3d>
+    <dgm:sp3d/>
+    <dgm:txPr/>
+    <dgm:style>
+      <a:lnRef idx="2">
+        <a:scrgbClr r="0" g="0" b="0"/>
+      </a:lnRef>
+      <a:fillRef idx="1">
+        <a:scrgbClr r="0" g="0" b="0"/>
+      </a:fillRef>
+      <a:effectRef idx="0">
+        <a:scrgbClr r="0" g="0" b="0"/>
+      </a:effectRef>
+      <a:fontRef idx="minor">
+        <a:schemeClr val="lt1"/>
+      </a:fontRef>
+    </dgm:style>
+  </dgm:styleLbl>
+  <dgm:styleLbl name="asst2">
+    <dgm:scene3d>
+      <a:camera prst="orthographicFront"/>
+      <a:lightRig rig="threePt" dir="t"/>
+    </dgm:scene3d>
+    <dgm:sp3d/>
+    <dgm:txPr/>
+    <dgm:style>
+      <a:lnRef idx="2">
+        <a:scrgbClr r="0" g="0" b="0"/>
+      </a:lnRef>
+      <a:fillRef idx="1">
+        <a:scrgbClr r="0" g="0" b="0"/>
+      </a:fillRef>
+      <a:effectRef idx="0">
+        <a:scrgbClr r="0" g="0" b="0"/>
+      </a:effectRef>
+      <a:fontRef idx="minor">
+        <a:schemeClr val="lt1"/>
+      </a:fontRef>
+    </dgm:style>
+  </dgm:styleLbl>
+  <dgm:styleLbl name="asst3">
+    <dgm:scene3d>
+      <a:camera prst="orthographicFront"/>
+      <a:lightRig rig="threePt" dir="t"/>
+    </dgm:scene3d>
+    <dgm:sp3d/>
+    <dgm:txPr/>
+    <dgm:style>
+      <a:lnRef idx="2">
+        <a:scrgbClr r="0" g="0" b="0"/>
+      </a:lnRef>
+      <a:fillRef idx="1">
+        <a:scrgbClr r="0" g="0" b="0"/>
+      </a:fillRef>
+      <a:effectRef idx="0">
+        <a:scrgbClr r="0" g="0" b="0"/>
+      </a:effectRef>
+      <a:fontRef idx="minor">
+        <a:schemeClr val="lt1"/>
+      </a:fontRef>
+    </dgm:style>
+  </dgm:styleLbl>
+  <dgm:styleLbl name="asst4">
+    <dgm:scene3d>
+      <a:camera prst="orthographicFront"/>
+      <a:lightRig rig="threePt" dir="t"/>
+    </dgm:scene3d>
+    <dgm:sp3d/>
+    <dgm:txPr/>
+    <dgm:style>
+      <a:lnRef idx="2">
+        <a:scrgbClr r="0" g="0" b="0"/>
+      </a:lnRef>
+      <a:fillRef idx="1">
+        <a:scrgbClr r="0" g="0" b="0"/>
+      </a:fillRef>
+      <a:effectRef idx="0">
+        <a:scrgbClr r="0" g="0" b="0"/>
+      </a:effectRef>
+      <a:fontRef idx="minor">
+        <a:schemeClr val="lt1"/>
+      </a:fontRef>
+    </dgm:style>
+  </dgm:styleLbl>
+  <dgm:styleLbl name="parChTrans2D1">
+    <dgm:scene3d>
+      <a:camera prst="orthographicFront"/>
+      <a:lightRig rig="threePt" dir="t"/>
+    </dgm:scene3d>
+    <dgm:sp3d/>
+    <dgm:txPr/>
+    <dgm:style>
+      <a:lnRef idx="2">
+        <a:scrgbClr r="0" g="0" b="0"/>
+      </a:lnRef>
+      <a:fillRef idx="1">
+        <a:scrgbClr r="0" g="0" b="0"/>
+      </a:fillRef>
+      <a:effectRef idx="0">
+        <a:scrgbClr r="0" g="0" b="0"/>
+      </a:effectRef>
+      <a:fontRef idx="minor">
+        <a:schemeClr val="lt1"/>
+      </a:fontRef>
+    </dgm:style>
+  </dgm:styleLbl>
+  <dgm:styleLbl name="parChTrans2D2">
+    <dgm:scene3d>
+      <a:camera prst="orthographicFront"/>
+      <a:lightRig rig="threePt" dir="t"/>
+    </dgm:scene3d>
+    <dgm:sp3d/>
+    <dgm:txPr/>
+    <dgm:style>
+      <a:lnRef idx="2">
+        <a:scrgbClr r="0" g="0" b="0"/>
+      </a:lnRef>
+      <a:fillRef idx="1">
+        <a:scrgbClr r="0" g="0" b="0"/>
+      </a:fillRef>
+      <a:effectRef idx="0">
+        <a:scrgbClr r="0" g="0" b="0"/>
+      </a:effectRef>
+      <a:fontRef idx="minor">
+        <a:schemeClr val="lt1"/>
+      </a:fontRef>
+    </dgm:style>
+  </dgm:styleLbl>
+  <dgm:styleLbl name="parChTrans2D3">
+    <dgm:scene3d>
+      <a:camera prst="orthographicFront"/>
+      <a:lightRig rig="threePt" dir="t"/>
+    </dgm:scene3d>
+    <dgm:sp3d/>
+    <dgm:txPr/>
+    <dgm:style>
+      <a:lnRef idx="2">
+        <a:scrgbClr r="0" g="0" b="0"/>
+      </a:lnRef>
+      <a:fillRef idx="1">
+        <a:scrgbClr r="0" g="0" b="0"/>
+      </a:fillRef>
+      <a:effectRef idx="0">
+        <a:scrgbClr r="0" g="0" b="0"/>
+      </a:effectRef>
+      <a:fontRef idx="minor">
+        <a:schemeClr val="lt1"/>
+      </a:fontRef>
+    </dgm:style>
+  </dgm:styleLbl>
+  <dgm:styleLbl name="parChTrans2D4">
+    <dgm:scene3d>
+      <a:camera prst="orthographicFront"/>
+      <a:lightRig rig="threePt" dir="t"/>
+    </dgm:scene3d>
+    <dgm:sp3d/>
+    <dgm:txPr/>
+    <dgm:style>
+      <a:lnRef idx="2">
+        <a:scrgbClr r="0" g="0" b="0"/>
+      </a:lnRef>
+      <a:fillRef idx="1">
+        <a:scrgbClr r="0" g="0" b="0"/>
+      </a:fillRef>
+      <a:effectRef idx="0">
+        <a:scrgbClr r="0" g="0" b="0"/>
+      </a:effectRef>
+      <a:fontRef idx="minor">
+        <a:schemeClr val="lt1"/>
+      </a:fontRef>
+    </dgm:style>
+  </dgm:styleLbl>
+  <dgm:styleLbl name="parChTrans1D1">
+    <dgm:scene3d>
+      <a:camera prst="orthographicFront"/>
+      <a:lightRig rig="threePt" dir="t"/>
+    </dgm:scene3d>
+    <dgm:sp3d/>
+    <dgm:txPr/>
+    <dgm:style>
+      <a:lnRef idx="2">
+        <a:scrgbClr r="0" g="0" b="0"/>
+      </a:lnRef>
+      <a:fillRef idx="0">
+        <a:scrgbClr r="0" g="0" b="0"/>
+      </a:fillRef>
+      <a:effectRef idx="0">
+        <a:scrgbClr r="0" g="0" b="0"/>
+      </a:effectRef>
+      <a:fontRef idx="minor"/>
+    </dgm:style>
+  </dgm:styleLbl>
+  <dgm:styleLbl name="parChTrans1D2">
+    <dgm:scene3d>
+      <a:camera prst="orthographicFront"/>
+      <a:lightRig rig="threePt" dir="t"/>
+    </dgm:scene3d>
+    <dgm:sp3d/>
+    <dgm:txPr/>
+    <dgm:style>
+      <a:lnRef idx="2">
+        <a:scrgbClr r="0" g="0" b="0"/>
+      </a:lnRef>
+      <a:fillRef idx="0">
+        <a:scrgbClr r="0" g="0" b="0"/>
+      </a:fillRef>
+      <a:effectRef idx="0">
+        <a:scrgbClr r="0" g="0" b="0"/>
+      </a:effectRef>
+      <a:fontRef idx="minor"/>
+    </dgm:style>
+  </dgm:styleLbl>
+  <dgm:styleLbl name="parChTrans1D3">
+    <dgm:scene3d>
+      <a:camera prst="orthographicFront"/>
+      <a:lightRig rig="threePt" dir="t"/>
+    </dgm:scene3d>
+    <dgm:sp3d/>
+    <dgm:txPr/>
+    <dgm:style>
+      <a:lnRef idx="2">
+        <a:scrgbClr r="0" g="0" b="0"/>
+      </a:lnRef>
+      <a:fillRef idx="0">
+        <a:scrgbClr r="0" g="0" b="0"/>
+      </a:fillRef>
+      <a:effectRef idx="0">
+        <a:scrgbClr r="0" g="0" b="0"/>
+      </a:effectRef>
+      <a:fontRef idx="minor"/>
+    </dgm:style>
+  </dgm:styleLbl>
+  <dgm:styleLbl name="parChTrans1D4">
+    <dgm:scene3d>
+      <a:camera prst="orthographicFront"/>
+      <a:lightRig rig="threePt" dir="t"/>
+    </dgm:scene3d>
+    <dgm:sp3d/>
+    <dgm:txPr/>
+    <dgm:style>
+      <a:lnRef idx="2">
+        <a:scrgbClr r="0" g="0" b="0"/>
+      </a:lnRef>
+      <a:fillRef idx="0">
+        <a:scrgbClr r="0" g="0" b="0"/>
+      </a:fillRef>
+      <a:effectRef idx="0">
+        <a:scrgbClr r="0" g="0" b="0"/>
+      </a:effectRef>
+      <a:fontRef idx="minor"/>
+    </dgm:style>
+  </dgm:styleLbl>
+  <dgm:styleLbl name="fgAcc1">
+    <dgm:scene3d>
+      <a:camera prst="orthographicFront"/>
+      <a:lightRig rig="threePt" dir="t"/>
+    </dgm:scene3d>
+    <dgm:sp3d/>
+    <dgm:txPr/>
+    <dgm:style>
+      <a:lnRef idx="2">
+        <a:scrgbClr r="0" g="0" b="0"/>
+      </a:lnRef>
+      <a:fillRef idx="1">
+        <a:scrgbClr r="0" g="0" b="0"/>
+      </a:fillRef>
+      <a:effectRef idx="0">
+        <a:scrgbClr r="0" g="0" b="0"/>
+      </a:effectRef>
+      <a:fontRef idx="minor"/>
+    </dgm:style>
+  </dgm:styleLbl>
+  <dgm:styleLbl name="conFgAcc1">
+    <dgm:scene3d>
+      <a:camera prst="orthographicFront"/>
+      <a:lightRig rig="threePt" dir="t"/>
+    </dgm:scene3d>
+    <dgm:sp3d/>
+    <dgm:txPr/>
+    <dgm:style>
+      <a:lnRef idx="2">
+        <a:scrgbClr r="0" g="0" b="0"/>
+      </a:lnRef>
+      <a:fillRef idx="1">
+        <a:scrgbClr r="0" g="0" b="0"/>
+      </a:fillRef>
+      <a:effectRef idx="0">
+        <a:scrgbClr r="0" g="0" b="0"/>
+      </a:effectRef>
+      <a:fontRef idx="minor"/>
+    </dgm:style>
+  </dgm:styleLbl>
+  <dgm:styleLbl name="alignAcc1">
+    <dgm:scene3d>
+      <a:camera prst="orthographicFront"/>
+      <a:lightRig rig="threePt" dir="t"/>
+    </dgm:scene3d>
+    <dgm:sp3d/>
+    <dgm:txPr/>
+    <dgm:style>
+      <a:lnRef idx="2">
+        <a:scrgbClr r="0" g="0" b="0"/>
+      </a:lnRef>
+      <a:fillRef idx="1">
+        <a:scrgbClr r="0" g="0" b="0"/>
+      </a:fillRef>
+      <a:effectRef idx="0">
+        <a:scrgbClr r="0" g="0" b="0"/>
+      </a:effectRef>
+      <a:fontRef idx="minor"/>
+    </dgm:style>
+  </dgm:styleLbl>
+  <dgm:styleLbl name="trAlignAcc1">
+    <dgm:scene3d>
+      <a:camera prst="orthographicFront"/>
+      <a:lightRig rig="threePt" dir="t"/>
+    </dgm:scene3d>
+    <dgm:sp3d/>
+    <dgm:txPr/>
+    <dgm:style>
+      <a:lnRef idx="1">
+        <a:scrgbClr r="0" g="0" b="0"/>
+      </a:lnRef>
+      <a:fillRef idx="1">
+        <a:scrgbClr r="0" g="0" b="0"/>
+      </a:fillRef>
+      <a:effectRef idx="0">
+        <a:scrgbClr r="0" g="0" b="0"/>
+      </a:effectRef>
+      <a:fontRef idx="minor"/>
+    </dgm:style>
+  </dgm:styleLbl>
+  <dgm:styleLbl name="bgAcc1">
+    <dgm:scene3d>
+      <a:camera prst="orthographicFront"/>
+      <a:lightRig rig="threePt" dir="t"/>
+    </dgm:scene3d>
+    <dgm:sp3d/>
+    <dgm:txPr/>
+    <dgm:style>
+      <a:lnRef idx="2">
+        <a:scrgbClr r="0" g="0" b="0"/>
+      </a:lnRef>
+      <a:fillRef idx="1">
+        <a:scrgbClr r="0" g="0" b="0"/>
+      </a:fillRef>
+      <a:effectRef idx="0">
+        <a:scrgbClr r="0" g="0" b="0"/>
+      </a:effectRef>
+      <a:fontRef idx="minor"/>
+    </dgm:style>
+  </dgm:styleLbl>
+  <dgm:styleLbl name="solidFgAcc1">
+    <dgm:scene3d>
+      <a:camera prst="orthographicFront"/>
+      <a:lightRig rig="threePt" dir="t"/>
+    </dgm:scene3d>
+    <dgm:sp3d/>
+    <dgm:txPr/>
+    <dgm:style>
+      <a:lnRef idx="2">
+        <a:scrgbClr r="0" g="0" b="0"/>
+      </a:lnRef>
+      <a:fillRef idx="1">
+        <a:scrgbClr r="0" g="0" b="0"/>
+      </a:fillRef>
+      <a:effectRef idx="0">
+        <a:scrgbClr r="0" g="0" b="0"/>
+      </a:effectRef>
+      <a:fontRef idx="minor"/>
+    </dgm:style>
+  </dgm:styleLbl>
+  <dgm:styleLbl name="solidAlignAcc1">
+    <dgm:scene3d>
+      <a:camera prst="orthographicFront"/>
+      <a:lightRig rig="threePt" dir="t"/>
+    </dgm:scene3d>
+    <dgm:sp3d/>
+    <dgm:txPr/>
+    <dgm:style>
+      <a:lnRef idx="2">
+        <a:scrgbClr r="0" g="0" b="0"/>
+      </a:lnRef>
+      <a:fillRef idx="1">
+        <a:scrgbClr r="0" g="0" b="0"/>
+      </a:fillRef>
+      <a:effectRef idx="0">
+        <a:scrgbClr r="0" g="0" b="0"/>
+      </a:effectRef>
+      <a:fontRef idx="minor"/>
+    </dgm:style>
+  </dgm:styleLbl>
+  <dgm:styleLbl name="solidBgAcc1">
+    <dgm:scene3d>
+      <a:camera prst="orthographicFront"/>
+      <a:lightRig rig="threePt" dir="t"/>
+    </dgm:scene3d>
+    <dgm:sp3d/>
+    <dgm:txPr/>
+    <dgm:style>
+      <a:lnRef idx="2">
+        <a:scrgbClr r="0" g="0" b="0"/>
+      </a:lnRef>
+      <a:fillRef idx="1">
+        <a:scrgbClr r="0" g="0" b="0"/>
+      </a:fillRef>
+      <a:effectRef idx="0">
+        <a:scrgbClr r="0" g="0" b="0"/>
+      </a:effectRef>
+      <a:fontRef idx="minor"/>
+    </dgm:style>
+  </dgm:styleLbl>
+  <dgm:styleLbl name="fgAccFollowNode1">
+    <dgm:scene3d>
+      <a:camera prst="orthographicFront"/>
+      <a:lightRig rig="threePt" dir="t"/>
+    </dgm:scene3d>
+    <dgm:sp3d/>
+    <dgm:txPr/>
+    <dgm:style>
+      <a:lnRef idx="2">
+        <a:scrgbClr r="0" g="0" b="0"/>
+      </a:lnRef>
+      <a:fillRef idx="1">
+        <a:scrgbClr r="0" g="0" b="0"/>
+      </a:fillRef>
+      <a:effectRef idx="0">
+        <a:scrgbClr r="0" g="0" b="0"/>
+      </a:effectRef>
+      <a:fontRef idx="minor"/>
+    </dgm:style>
+  </dgm:styleLbl>
+  <dgm:styleLbl name="alignAccFollowNode1">
+    <dgm:scene3d>
+      <a:camera prst="orthographicFront"/>
+      <a:lightRig rig="threePt" dir="t"/>
+    </dgm:scene3d>
+    <dgm:sp3d/>
+    <dgm:txPr/>
+    <dgm:style>
+      <a:lnRef idx="2">
+        <a:scrgbClr r="0" g="0" b="0"/>
+      </a:lnRef>
+      <a:fillRef idx="1">
+        <a:scrgbClr r="0" g="0" b="0"/>
+      </a:fillRef>
+      <a:effectRef idx="0">
+        <a:scrgbClr r="0" g="0" b="0"/>
+      </a:effectRef>
+      <a:fontRef idx="minor"/>
+    </dgm:style>
+  </dgm:styleLbl>
+  <dgm:styleLbl name="bgAccFollowNode1">
+    <dgm:scene3d>
+      <a:camera prst="orthographicFront"/>
+      <a:lightRig rig="threePt" dir="t"/>
+    </dgm:scene3d>
+    <dgm:sp3d/>
+    <dgm:txPr/>
+    <dgm:style>
+      <a:lnRef idx="2">
+        <a:scrgbClr r="0" g="0" b="0"/>
+      </a:lnRef>
+      <a:fillRef idx="1">
+        <a:scrgbClr r="0" g="0" b="0"/>
+      </a:fillRef>
+      <a:effectRef idx="0">
+        <a:scrgbClr r="0" g="0" b="0"/>
+      </a:effectRef>
+      <a:fontRef idx="minor"/>
+    </dgm:style>
+  </dgm:styleLbl>
+  <dgm:styleLbl name="fgAcc0">
+    <dgm:scene3d>
+      <a:camera prst="orthographicFront"/>
+      <a:lightRig rig="threePt" dir="t"/>
+    </dgm:scene3d>
+    <dgm:sp3d/>
+    <dgm:txPr/>
+    <dgm:style>
+      <a:lnRef idx="2">
+        <a:scrgbClr r="0" g="0" b="0"/>
+      </a:lnRef>
+      <a:fillRef idx="1">
+        <a:scrgbClr r="0" g="0" b="0"/>
+      </a:fillRef>
+      <a:effectRef idx="0">
+        <a:scrgbClr r="0" g="0" b="0"/>
+      </a:effectRef>
+      <a:fontRef idx="minor"/>
+    </dgm:style>
+  </dgm:styleLbl>
+  <dgm:styleLbl name="fgAcc2">
+    <dgm:scene3d>
+      <a:camera prst="orthographicFront"/>
+      <a:lightRig rig="threePt" dir="t"/>
+    </dgm:scene3d>
+    <dgm:sp3d/>
+    <dgm:txPr/>
+    <dgm:style>
+      <a:lnRef idx="2">
+        <a:scrgbClr r="0" g="0" b="0"/>
+      </a:lnRef>
+      <a:fillRef idx="1">
+        <a:scrgbClr r="0" g="0" b="0"/>
+      </a:fillRef>
+      <a:effectRef idx="0">
+        <a:scrgbClr r="0" g="0" b="0"/>
+      </a:effectRef>
+      <a:fontRef idx="minor"/>
+    </dgm:style>
+  </dgm:styleLbl>
+  <dgm:styleLbl name="fgAcc3">
+    <dgm:scene3d>
+      <a:camera prst="orthographicFront"/>
+      <a:lightRig rig="threePt" dir="t"/>
+    </dgm:scene3d>
+    <dgm:sp3d/>
+    <dgm:txPr/>
+    <dgm:style>
+      <a:lnRef idx="2">
+        <a:scrgbClr r="0" g="0" b="0"/>
+      </a:lnRef>
+      <a:fillRef idx="1">
+        <a:scrgbClr r="0" g="0" b="0"/>
+      </a:fillRef>
+      <a:effectRef idx="0">
+        <a:scrgbClr r="0" g="0" b="0"/>
+      </a:effectRef>
+      <a:fontRef idx="minor"/>
+    </dgm:style>
+  </dgm:styleLbl>
+  <dgm:styleLbl name="fgAcc4">
+    <dgm:scene3d>
+      <a:camera prst="orthographicFront"/>
+      <a:lightRig rig="threePt" dir="t"/>
+    </dgm:scene3d>
+    <dgm:sp3d/>
+    <dgm:txPr/>
+    <dgm:style>
+      <a:lnRef idx="2">
+        <a:scrgbClr r="0" g="0" b="0"/>
+      </a:lnRef>
+      <a:fillRef idx="1">
+        <a:scrgbClr r="0" g="0" b="0"/>
+      </a:fillRef>
+      <a:effectRef idx="0">
+        <a:scrgbClr r="0" g="0" b="0"/>
+      </a:effectRef>
+      <a:fontRef idx="minor"/>
+    </dgm:style>
+  </dgm:styleLbl>
+  <dgm:styleLbl name="bgShp">
+    <dgm:scene3d>
+      <a:camera prst="orthographicFront"/>
+      <a:lightRig rig="threePt" dir="t"/>
+    </dgm:scene3d>
+    <dgm:sp3d/>
+    <dgm:txPr/>
+    <dgm:style>
+      <a:lnRef idx="0">
+        <a:scrgbClr r="0" g="0" b="0"/>
+      </a:lnRef>
+      <a:fillRef idx="1">
+        <a:scrgbClr r="0" g="0" b="0"/>
+      </a:fillRef>
+      <a:effectRef idx="0">
+        <a:scrgbClr r="0" g="0" b="0"/>
+      </a:effectRef>
+      <a:fontRef idx="minor"/>
+    </dgm:style>
+  </dgm:styleLbl>
+  <dgm:styleLbl name="dkBgShp">
+    <dgm:scene3d>
+      <a:camera prst="orthographicFront"/>
+      <a:lightRig rig="threePt" dir="t"/>
+    </dgm:scene3d>
+    <dgm:sp3d/>
+    <dgm:txPr/>
+    <dgm:style>
+      <a:lnRef idx="0">
+        <a:scrgbClr r="0" g="0" b="0"/>
+      </a:lnRef>
+      <a:fillRef idx="1">
+        <a:scrgbClr r="0" g="0" b="0"/>
+      </a:fillRef>
+      <a:effectRef idx="0">
+        <a:scrgbClr r="0" g="0" b="0"/>
+      </a:effectRef>
+      <a:fontRef idx="minor"/>
+    </dgm:style>
+  </dgm:styleLbl>
+  <dgm:styleLbl name="trBgShp">
+    <dgm:scene3d>
+      <a:camera prst="orthographicFront"/>
+      <a:lightRig rig="threePt" dir="t"/>
+    </dgm:scene3d>
+    <dgm:sp3d/>
+    <dgm:txPr/>
+    <dgm:style>
+      <a:lnRef idx="0">
+        <a:scrgbClr r="0" g="0" b="0"/>
+      </a:lnRef>
+      <a:fillRef idx="1">
+        <a:scrgbClr r="0" g="0" b="0"/>
+      </a:fillRef>
+      <a:effectRef idx="0">
+        <a:scrgbClr r="0" g="0" b="0"/>
+      </a:effectRef>
+      <a:fontRef idx="minor"/>
+    </dgm:style>
+  </dgm:styleLbl>
+  <dgm:styleLbl name="fgShp">
+    <dgm:scene3d>
+      <a:camera prst="orthographicFront"/>
+      <a:lightRig rig="threePt" dir="t"/>
+    </dgm:scene3d>
+    <dgm:sp3d/>
+    <dgm:txPr/>
+    <dgm:style>
+      <a:lnRef idx="2">
+        <a:scrgbClr r="0" g="0" b="0"/>
+      </a:lnRef>
+      <a:fillRef idx="1">
+        <a:scrgbClr r="0" g="0" b="0"/>
+      </a:fillRef>
+      <a:effectRef idx="0">
+        <a:scrgbClr r="0" g="0" b="0"/>
+      </a:effectRef>
+      <a:fontRef idx="minor"/>
+    </dgm:style>
+  </dgm:styleLbl>
+  <dgm:styleLbl name="revTx">
+    <dgm:scene3d>
+      <a:camera prst="orthographicFront"/>
+      <a:lightRig rig="threePt" dir="t"/>
+    </dgm:scene3d>
+    <dgm:sp3d/>
+    <dgm:txPr/>
+    <dgm:style>
+      <a:lnRef idx="0">
+        <a:scrgbClr r="0" g="0" b="0"/>
+      </a:lnRef>
+      <a:fillRef idx="0">
+        <a:scrgbClr r="0" g="0" b="0"/>
+      </a:fillRef>
+      <a:effectRef idx="0">
+        <a:scrgbClr r="0" g="0" b="0"/>
+      </a:effectRef>
+      <a:fontRef idx="minor"/>
+    </dgm:style>
+  </dgm:styleLbl>
+</dgm:styleDef>
 </file>
 
 <file path=ppt/slideLayouts/slideLayout1.xml><?xml version="1.0" encoding="utf-8"?>
@@ -262,7 +6470,7 @@
           <a:p>
             <a:fld id="{E117C2E9-822D-8044-913F-A60F44C19390}" type="datetimeFigureOut">
               <a:rPr kumimoji="1" lang="zh-CN" altLang="en-US" smtClean="0"/>
-              <a:t>2025/3/15</a:t>
+              <a:t>2025/3/29</a:t>
             </a:fld>
             <a:endParaRPr kumimoji="1" lang="zh-CN" altLang="en-US"/>
           </a:p>
@@ -460,7 +6668,7 @@
           <a:p>
             <a:fld id="{E117C2E9-822D-8044-913F-A60F44C19390}" type="datetimeFigureOut">
               <a:rPr kumimoji="1" lang="zh-CN" altLang="en-US" smtClean="0"/>
-              <a:t>2025/3/15</a:t>
+              <a:t>2025/3/29</a:t>
             </a:fld>
             <a:endParaRPr kumimoji="1" lang="zh-CN" altLang="en-US"/>
           </a:p>
@@ -668,7 +6876,7 @@
           <a:p>
             <a:fld id="{E117C2E9-822D-8044-913F-A60F44C19390}" type="datetimeFigureOut">
               <a:rPr kumimoji="1" lang="zh-CN" altLang="en-US" smtClean="0"/>
-              <a:t>2025/3/15</a:t>
+              <a:t>2025/3/29</a:t>
             </a:fld>
             <a:endParaRPr kumimoji="1" lang="zh-CN" altLang="en-US"/>
           </a:p>
@@ -866,7 +7074,7 @@
           <a:p>
             <a:fld id="{E117C2E9-822D-8044-913F-A60F44C19390}" type="datetimeFigureOut">
               <a:rPr kumimoji="1" lang="zh-CN" altLang="en-US" smtClean="0"/>
-              <a:t>2025/3/15</a:t>
+              <a:t>2025/3/29</a:t>
             </a:fld>
             <a:endParaRPr kumimoji="1" lang="zh-CN" altLang="en-US"/>
           </a:p>
@@ -1141,7 +7349,7 @@
           <a:p>
             <a:fld id="{E117C2E9-822D-8044-913F-A60F44C19390}" type="datetimeFigureOut">
               <a:rPr kumimoji="1" lang="zh-CN" altLang="en-US" smtClean="0"/>
-              <a:t>2025/3/15</a:t>
+              <a:t>2025/3/29</a:t>
             </a:fld>
             <a:endParaRPr kumimoji="1" lang="zh-CN" altLang="en-US"/>
           </a:p>
@@ -1406,7 +7614,7 @@
           <a:p>
             <a:fld id="{E117C2E9-822D-8044-913F-A60F44C19390}" type="datetimeFigureOut">
               <a:rPr kumimoji="1" lang="zh-CN" altLang="en-US" smtClean="0"/>
-              <a:t>2025/3/15</a:t>
+              <a:t>2025/3/29</a:t>
             </a:fld>
             <a:endParaRPr kumimoji="1" lang="zh-CN" altLang="en-US"/>
           </a:p>
@@ -1818,7 +8026,7 @@
           <a:p>
             <a:fld id="{E117C2E9-822D-8044-913F-A60F44C19390}" type="datetimeFigureOut">
               <a:rPr kumimoji="1" lang="zh-CN" altLang="en-US" smtClean="0"/>
-              <a:t>2025/3/15</a:t>
+              <a:t>2025/3/29</a:t>
             </a:fld>
             <a:endParaRPr kumimoji="1" lang="zh-CN" altLang="en-US"/>
           </a:p>
@@ -1959,7 +8167,7 @@
           <a:p>
             <a:fld id="{E117C2E9-822D-8044-913F-A60F44C19390}" type="datetimeFigureOut">
               <a:rPr kumimoji="1" lang="zh-CN" altLang="en-US" smtClean="0"/>
-              <a:t>2025/3/15</a:t>
+              <a:t>2025/3/29</a:t>
             </a:fld>
             <a:endParaRPr kumimoji="1" lang="zh-CN" altLang="en-US"/>
           </a:p>
@@ -2072,7 +8280,7 @@
           <a:p>
             <a:fld id="{E117C2E9-822D-8044-913F-A60F44C19390}" type="datetimeFigureOut">
               <a:rPr kumimoji="1" lang="zh-CN" altLang="en-US" smtClean="0"/>
-              <a:t>2025/3/15</a:t>
+              <a:t>2025/3/29</a:t>
             </a:fld>
             <a:endParaRPr kumimoji="1" lang="zh-CN" altLang="en-US"/>
           </a:p>
@@ -2383,7 +8591,7 @@
           <a:p>
             <a:fld id="{E117C2E9-822D-8044-913F-A60F44C19390}" type="datetimeFigureOut">
               <a:rPr kumimoji="1" lang="zh-CN" altLang="en-US" smtClean="0"/>
-              <a:t>2025/3/15</a:t>
+              <a:t>2025/3/29</a:t>
             </a:fld>
             <a:endParaRPr kumimoji="1" lang="zh-CN" altLang="en-US"/>
           </a:p>
@@ -2671,7 +8879,7 @@
           <a:p>
             <a:fld id="{E117C2E9-822D-8044-913F-A60F44C19390}" type="datetimeFigureOut">
               <a:rPr kumimoji="1" lang="zh-CN" altLang="en-US" smtClean="0"/>
-              <a:t>2025/3/15</a:t>
+              <a:t>2025/3/29</a:t>
             </a:fld>
             <a:endParaRPr kumimoji="1" lang="zh-CN" altLang="en-US"/>
           </a:p>
@@ -2912,7 +9120,7 @@
           <a:p>
             <a:fld id="{E117C2E9-822D-8044-913F-A60F44C19390}" type="datetimeFigureOut">
               <a:rPr kumimoji="1" lang="zh-CN" altLang="en-US" smtClean="0"/>
-              <a:t>2025/3/15</a:t>
+              <a:t>2025/3/29</a:t>
             </a:fld>
             <a:endParaRPr kumimoji="1" lang="zh-CN" altLang="en-US"/>
           </a:p>
@@ -6321,60 +12529,2730 @@
           <a:chExt cx="0" cy="0"/>
         </a:xfrm>
       </p:grpSpPr>
-      <p:sp>
-        <p:nvSpPr>
-          <p:cNvPr id="2" name="标题 1">
+      <p:grpSp>
+        <p:nvGrpSpPr>
+          <p:cNvPr id="25" name="组合 24">
             <a:extLst>
               <a:ext uri="{FF2B5EF4-FFF2-40B4-BE49-F238E27FC236}">
-                <a16:creationId xmlns:a16="http://schemas.microsoft.com/office/drawing/2014/main" id="{DD4C3E45-5205-D65E-BE7C-8F3A5DECF862}"/>
+                <a16:creationId xmlns:a16="http://schemas.microsoft.com/office/drawing/2014/main" id="{33F67D71-10AA-9FD4-72C6-A2F7F5BC0ADB}"/>
               </a:ext>
             </a:extLst>
           </p:cNvPr>
-          <p:cNvSpPr>
-            <a:spLocks noGrp="1"/>
-          </p:cNvSpPr>
-          <p:nvPr>
-            <p:ph type="title"/>
-          </p:nvPr>
-        </p:nvSpPr>
-        <p:spPr/>
-        <p:txBody>
-          <a:bodyPr/>
-          <a:lstStyle/>
-          <a:p>
-            <a:endParaRPr kumimoji="1" lang="zh-CN" altLang="en-US"/>
-          </a:p>
-        </p:txBody>
-      </p:sp>
-      <p:sp>
-        <p:nvSpPr>
-          <p:cNvPr id="3" name="内容占位符 2">
+          <p:cNvGrpSpPr/>
+          <p:nvPr/>
+        </p:nvGrpSpPr>
+        <p:grpSpPr>
+          <a:xfrm>
+            <a:off x="303244" y="354374"/>
+            <a:ext cx="11398571" cy="5416645"/>
+            <a:chOff x="303244" y="354374"/>
+            <a:chExt cx="11398571" cy="5416645"/>
+          </a:xfrm>
+        </p:grpSpPr>
+        <p:sp>
+          <p:nvSpPr>
+            <p:cNvPr id="4" name="矩形 3">
+              <a:extLst>
+                <a:ext uri="{FF2B5EF4-FFF2-40B4-BE49-F238E27FC236}">
+                  <a16:creationId xmlns:a16="http://schemas.microsoft.com/office/drawing/2014/main" id="{19D0CE83-E477-6B79-239F-1A5A7D507D92}"/>
+                </a:ext>
+              </a:extLst>
+            </p:cNvPr>
+            <p:cNvSpPr/>
+            <p:nvPr/>
+          </p:nvSpPr>
+          <p:spPr>
+            <a:xfrm>
+              <a:off x="4109225" y="456155"/>
+              <a:ext cx="3973550" cy="442331"/>
+            </a:xfrm>
+            <a:prstGeom prst="rect">
+              <a:avLst/>
+            </a:prstGeom>
+            <a:solidFill>
+              <a:srgbClr val="E6F7F3"/>
+            </a:solidFill>
+          </p:spPr>
+          <p:style>
+            <a:lnRef idx="2">
+              <a:schemeClr val="accent1">
+                <a:shade val="15000"/>
+              </a:schemeClr>
+            </a:lnRef>
+            <a:fillRef idx="1">
+              <a:schemeClr val="accent1"/>
+            </a:fillRef>
+            <a:effectRef idx="0">
+              <a:schemeClr val="accent1"/>
+            </a:effectRef>
+            <a:fontRef idx="minor">
+              <a:schemeClr val="lt1"/>
+            </a:fontRef>
+          </p:style>
+          <p:txBody>
+            <a:bodyPr rtlCol="0" anchor="ctr"/>
+            <a:lstStyle/>
+            <a:p>
+              <a:pPr algn="ctr"/>
+              <a:r>
+                <a:rPr kumimoji="1" lang="en-US" altLang="zh-CN" sz="2400" b="1" dirty="0">
+                  <a:solidFill>
+                    <a:schemeClr val="tx1"/>
+                  </a:solidFill>
+                </a:rPr>
+                <a:t>DNS</a:t>
+              </a:r>
+              <a:r>
+                <a:rPr kumimoji="1" lang="zh-CN" altLang="en-US" sz="2400" b="1" dirty="0">
+                  <a:solidFill>
+                    <a:schemeClr val="tx1"/>
+                  </a:solidFill>
+                </a:rPr>
+                <a:t>的消息格式</a:t>
+              </a:r>
+            </a:p>
+          </p:txBody>
+        </p:sp>
+        <p:sp>
+          <p:nvSpPr>
+            <p:cNvPr id="5" name="矩形 4">
+              <a:extLst>
+                <a:ext uri="{FF2B5EF4-FFF2-40B4-BE49-F238E27FC236}">
+                  <a16:creationId xmlns:a16="http://schemas.microsoft.com/office/drawing/2014/main" id="{9D5FE0BE-E691-A065-81FE-3E52DE1314E3}"/>
+                </a:ext>
+              </a:extLst>
+            </p:cNvPr>
+            <p:cNvSpPr/>
+            <p:nvPr/>
+          </p:nvSpPr>
+          <p:spPr>
+            <a:xfrm>
+              <a:off x="3789803" y="1377108"/>
+              <a:ext cx="2412694" cy="572877"/>
+            </a:xfrm>
+            <a:prstGeom prst="rect">
+              <a:avLst/>
+            </a:prstGeom>
+            <a:ln>
+              <a:solidFill>
+                <a:schemeClr val="tx1"/>
+              </a:solidFill>
+            </a:ln>
+          </p:spPr>
+          <p:style>
+            <a:lnRef idx="1">
+              <a:schemeClr val="accent4"/>
+            </a:lnRef>
+            <a:fillRef idx="2">
+              <a:schemeClr val="accent4"/>
+            </a:fillRef>
+            <a:effectRef idx="1">
+              <a:schemeClr val="accent4"/>
+            </a:effectRef>
+            <a:fontRef idx="minor">
+              <a:schemeClr val="dk1"/>
+            </a:fontRef>
+          </p:style>
+          <p:txBody>
+            <a:bodyPr rtlCol="0" anchor="ctr"/>
+            <a:lstStyle/>
+            <a:p>
+              <a:pPr algn="ctr"/>
+              <a:r>
+                <a:rPr kumimoji="1" lang="en-US" altLang="zh-CN" dirty="0"/>
+                <a:t>Identification</a:t>
+              </a:r>
+            </a:p>
+          </p:txBody>
+        </p:sp>
+        <p:sp>
+          <p:nvSpPr>
+            <p:cNvPr id="7" name="矩形 6">
+              <a:extLst>
+                <a:ext uri="{FF2B5EF4-FFF2-40B4-BE49-F238E27FC236}">
+                  <a16:creationId xmlns:a16="http://schemas.microsoft.com/office/drawing/2014/main" id="{D1C1CFDA-7BF5-A910-99CC-60F118FC4937}"/>
+                </a:ext>
+              </a:extLst>
+            </p:cNvPr>
+            <p:cNvSpPr/>
+            <p:nvPr/>
+          </p:nvSpPr>
+          <p:spPr>
+            <a:xfrm>
+              <a:off x="6202497" y="1377107"/>
+              <a:ext cx="2412694" cy="572877"/>
+            </a:xfrm>
+            <a:prstGeom prst="rect">
+              <a:avLst/>
+            </a:prstGeom>
+            <a:ln>
+              <a:solidFill>
+                <a:schemeClr val="tx1"/>
+              </a:solidFill>
+            </a:ln>
+          </p:spPr>
+          <p:style>
+            <a:lnRef idx="1">
+              <a:schemeClr val="accent4"/>
+            </a:lnRef>
+            <a:fillRef idx="2">
+              <a:schemeClr val="accent4"/>
+            </a:fillRef>
+            <a:effectRef idx="1">
+              <a:schemeClr val="accent4"/>
+            </a:effectRef>
+            <a:fontRef idx="minor">
+              <a:schemeClr val="dk1"/>
+            </a:fontRef>
+          </p:style>
+          <p:txBody>
+            <a:bodyPr rtlCol="0" anchor="ctr"/>
+            <a:lstStyle/>
+            <a:p>
+              <a:pPr algn="ctr"/>
+              <a:r>
+                <a:rPr kumimoji="1" lang="en-US" altLang="zh-CN" dirty="0"/>
+                <a:t>Flags</a:t>
+              </a:r>
+            </a:p>
+          </p:txBody>
+        </p:sp>
+        <p:sp>
+          <p:nvSpPr>
+            <p:cNvPr id="8" name="矩形 7">
+              <a:extLst>
+                <a:ext uri="{FF2B5EF4-FFF2-40B4-BE49-F238E27FC236}">
+                  <a16:creationId xmlns:a16="http://schemas.microsoft.com/office/drawing/2014/main" id="{15DB1BB9-1037-60CB-66CE-4FBD6BEC03EB}"/>
+                </a:ext>
+              </a:extLst>
+            </p:cNvPr>
+            <p:cNvSpPr/>
+            <p:nvPr/>
+          </p:nvSpPr>
+          <p:spPr>
+            <a:xfrm>
+              <a:off x="3789803" y="1949985"/>
+              <a:ext cx="2412694" cy="572877"/>
+            </a:xfrm>
+            <a:prstGeom prst="rect">
+              <a:avLst/>
+            </a:prstGeom>
+            <a:ln>
+              <a:solidFill>
+                <a:schemeClr val="tx1"/>
+              </a:solidFill>
+            </a:ln>
+          </p:spPr>
+          <p:style>
+            <a:lnRef idx="1">
+              <a:schemeClr val="accent4"/>
+            </a:lnRef>
+            <a:fillRef idx="2">
+              <a:schemeClr val="accent4"/>
+            </a:fillRef>
+            <a:effectRef idx="1">
+              <a:schemeClr val="accent4"/>
+            </a:effectRef>
+            <a:fontRef idx="minor">
+              <a:schemeClr val="dk1"/>
+            </a:fontRef>
+          </p:style>
+          <p:txBody>
+            <a:bodyPr rtlCol="0" anchor="ctr"/>
+            <a:lstStyle/>
+            <a:p>
+              <a:pPr algn="ctr"/>
+              <a:r>
+                <a:rPr kumimoji="1" lang="en-US" altLang="zh-CN" dirty="0"/>
+                <a:t>Number</a:t>
+              </a:r>
+              <a:r>
+                <a:rPr kumimoji="1" lang="zh-CN" altLang="en-US" dirty="0"/>
+                <a:t> </a:t>
+              </a:r>
+              <a:r>
+                <a:rPr kumimoji="1" lang="en-US" altLang="zh-CN" dirty="0"/>
+                <a:t>of</a:t>
+              </a:r>
+              <a:r>
+                <a:rPr kumimoji="1" lang="zh-CN" altLang="en-US" dirty="0"/>
+                <a:t> </a:t>
+              </a:r>
+              <a:r>
+                <a:rPr kumimoji="1" lang="en-US" altLang="zh-CN" dirty="0"/>
+                <a:t>questions</a:t>
+              </a:r>
+            </a:p>
+          </p:txBody>
+        </p:sp>
+        <p:sp>
+          <p:nvSpPr>
+            <p:cNvPr id="9" name="矩形 8">
+              <a:extLst>
+                <a:ext uri="{FF2B5EF4-FFF2-40B4-BE49-F238E27FC236}">
+                  <a16:creationId xmlns:a16="http://schemas.microsoft.com/office/drawing/2014/main" id="{B17F4FF3-657F-36D6-50E5-C60818249838}"/>
+                </a:ext>
+              </a:extLst>
+            </p:cNvPr>
+            <p:cNvSpPr/>
+            <p:nvPr/>
+          </p:nvSpPr>
+          <p:spPr>
+            <a:xfrm>
+              <a:off x="6202497" y="1949984"/>
+              <a:ext cx="2412694" cy="572877"/>
+            </a:xfrm>
+            <a:prstGeom prst="rect">
+              <a:avLst/>
+            </a:prstGeom>
+            <a:ln>
+              <a:solidFill>
+                <a:schemeClr val="tx1"/>
+              </a:solidFill>
+            </a:ln>
+          </p:spPr>
+          <p:style>
+            <a:lnRef idx="1">
+              <a:schemeClr val="accent4"/>
+            </a:lnRef>
+            <a:fillRef idx="2">
+              <a:schemeClr val="accent4"/>
+            </a:fillRef>
+            <a:effectRef idx="1">
+              <a:schemeClr val="accent4"/>
+            </a:effectRef>
+            <a:fontRef idx="minor">
+              <a:schemeClr val="dk1"/>
+            </a:fontRef>
+          </p:style>
+          <p:txBody>
+            <a:bodyPr rtlCol="0" anchor="ctr"/>
+            <a:lstStyle/>
+            <a:p>
+              <a:pPr algn="ctr"/>
+              <a:r>
+                <a:rPr kumimoji="1" lang="en-US" altLang="zh-CN" sz="1600" dirty="0"/>
+                <a:t>Number</a:t>
+              </a:r>
+              <a:r>
+                <a:rPr kumimoji="1" lang="zh-CN" altLang="en-US" sz="1600" dirty="0"/>
+                <a:t> </a:t>
+              </a:r>
+              <a:r>
+                <a:rPr kumimoji="1" lang="en-US" altLang="zh-CN" sz="1600" dirty="0"/>
+                <a:t>of</a:t>
+              </a:r>
+              <a:r>
+                <a:rPr kumimoji="1" lang="zh-CN" altLang="en-US" sz="1600" dirty="0"/>
+                <a:t> </a:t>
+              </a:r>
+              <a:r>
+                <a:rPr kumimoji="1" lang="en-US" altLang="zh-CN" sz="1600" dirty="0"/>
+                <a:t>answer</a:t>
+              </a:r>
+              <a:r>
+                <a:rPr kumimoji="1" lang="zh-CN" altLang="en-US" sz="1600" dirty="0"/>
+                <a:t> </a:t>
+              </a:r>
+              <a:r>
+                <a:rPr kumimoji="1" lang="en-US" altLang="zh-CN" sz="1600" dirty="0"/>
+                <a:t>PRs</a:t>
+              </a:r>
+            </a:p>
+          </p:txBody>
+        </p:sp>
+        <p:sp>
+          <p:nvSpPr>
+            <p:cNvPr id="12" name="矩形 11">
+              <a:extLst>
+                <a:ext uri="{FF2B5EF4-FFF2-40B4-BE49-F238E27FC236}">
+                  <a16:creationId xmlns:a16="http://schemas.microsoft.com/office/drawing/2014/main" id="{DD1AD340-5171-60C6-9FF0-6802204D3115}"/>
+                </a:ext>
+              </a:extLst>
+            </p:cNvPr>
+            <p:cNvSpPr/>
+            <p:nvPr/>
+          </p:nvSpPr>
+          <p:spPr>
+            <a:xfrm>
+              <a:off x="3789803" y="2522861"/>
+              <a:ext cx="2412694" cy="572877"/>
+            </a:xfrm>
+            <a:prstGeom prst="rect">
+              <a:avLst/>
+            </a:prstGeom>
+            <a:ln>
+              <a:solidFill>
+                <a:schemeClr val="tx1"/>
+              </a:solidFill>
+            </a:ln>
+          </p:spPr>
+          <p:style>
+            <a:lnRef idx="1">
+              <a:schemeClr val="accent4"/>
+            </a:lnRef>
+            <a:fillRef idx="2">
+              <a:schemeClr val="accent4"/>
+            </a:fillRef>
+            <a:effectRef idx="1">
+              <a:schemeClr val="accent4"/>
+            </a:effectRef>
+            <a:fontRef idx="minor">
+              <a:schemeClr val="dk1"/>
+            </a:fontRef>
+          </p:style>
+          <p:txBody>
+            <a:bodyPr rtlCol="0" anchor="ctr"/>
+            <a:lstStyle/>
+            <a:p>
+              <a:pPr algn="ctr"/>
+              <a:r>
+                <a:rPr kumimoji="1" lang="en-US" altLang="zh-CN" sz="1600" dirty="0"/>
+                <a:t>number</a:t>
+              </a:r>
+              <a:r>
+                <a:rPr kumimoji="1" lang="zh-CN" altLang="en-US" sz="1600" dirty="0"/>
+                <a:t> </a:t>
+              </a:r>
+              <a:r>
+                <a:rPr kumimoji="1" lang="en-US" altLang="zh-CN" sz="1600" dirty="0"/>
+                <a:t>of</a:t>
+              </a:r>
+              <a:r>
+                <a:rPr kumimoji="1" lang="zh-CN" altLang="en-US" sz="1600" dirty="0"/>
+                <a:t> </a:t>
+              </a:r>
+              <a:r>
+                <a:rPr kumimoji="1" lang="en-US" altLang="zh-CN" sz="1600" dirty="0"/>
+                <a:t>authority</a:t>
+              </a:r>
+              <a:r>
+                <a:rPr kumimoji="1" lang="zh-CN" altLang="en-US" sz="1600" dirty="0"/>
+                <a:t> </a:t>
+              </a:r>
+              <a:r>
+                <a:rPr kumimoji="1" lang="en-US" altLang="zh-CN" sz="1600" dirty="0"/>
+                <a:t>PRs</a:t>
+              </a:r>
+            </a:p>
+          </p:txBody>
+        </p:sp>
+        <p:sp>
+          <p:nvSpPr>
+            <p:cNvPr id="13" name="矩形 12">
+              <a:extLst>
+                <a:ext uri="{FF2B5EF4-FFF2-40B4-BE49-F238E27FC236}">
+                  <a16:creationId xmlns:a16="http://schemas.microsoft.com/office/drawing/2014/main" id="{26C371D9-C1CA-B7A6-625B-981816963A55}"/>
+                </a:ext>
+              </a:extLst>
+            </p:cNvPr>
+            <p:cNvSpPr/>
+            <p:nvPr/>
+          </p:nvSpPr>
+          <p:spPr>
+            <a:xfrm>
+              <a:off x="6202497" y="2522860"/>
+              <a:ext cx="2412694" cy="572877"/>
+            </a:xfrm>
+            <a:prstGeom prst="rect">
+              <a:avLst/>
+            </a:prstGeom>
+            <a:ln>
+              <a:solidFill>
+                <a:schemeClr val="tx1"/>
+              </a:solidFill>
+            </a:ln>
+          </p:spPr>
+          <p:style>
+            <a:lnRef idx="1">
+              <a:schemeClr val="accent4"/>
+            </a:lnRef>
+            <a:fillRef idx="2">
+              <a:schemeClr val="accent4"/>
+            </a:fillRef>
+            <a:effectRef idx="1">
+              <a:schemeClr val="accent4"/>
+            </a:effectRef>
+            <a:fontRef idx="minor">
+              <a:schemeClr val="dk1"/>
+            </a:fontRef>
+          </p:style>
+          <p:txBody>
+            <a:bodyPr rtlCol="0" anchor="ctr"/>
+            <a:lstStyle/>
+            <a:p>
+              <a:pPr algn="ctr"/>
+              <a:r>
+                <a:rPr kumimoji="1" lang="en-US" altLang="zh-CN" sz="1400" dirty="0"/>
+                <a:t>Number</a:t>
+              </a:r>
+              <a:r>
+                <a:rPr kumimoji="1" lang="zh-CN" altLang="en-US" sz="1400" dirty="0"/>
+                <a:t> </a:t>
+              </a:r>
+              <a:r>
+                <a:rPr kumimoji="1" lang="en-US" altLang="zh-CN" sz="1400" dirty="0"/>
+                <a:t>of</a:t>
+              </a:r>
+              <a:r>
+                <a:rPr kumimoji="1" lang="zh-CN" altLang="en-US" sz="1400" dirty="0"/>
+                <a:t> </a:t>
+              </a:r>
+              <a:r>
+                <a:rPr kumimoji="1" lang="en-US" altLang="zh-CN" sz="1400" dirty="0"/>
+                <a:t>additional</a:t>
+              </a:r>
+              <a:r>
+                <a:rPr kumimoji="1" lang="zh-CN" altLang="en-US" sz="1400" dirty="0"/>
+                <a:t> </a:t>
+              </a:r>
+              <a:r>
+                <a:rPr kumimoji="1" lang="en-US" altLang="zh-CN" sz="1400" dirty="0"/>
+                <a:t>PRs</a:t>
+              </a:r>
+            </a:p>
+          </p:txBody>
+        </p:sp>
+        <p:sp>
+          <p:nvSpPr>
+            <p:cNvPr id="14" name="线形标注 1 13">
+              <a:extLst>
+                <a:ext uri="{FF2B5EF4-FFF2-40B4-BE49-F238E27FC236}">
+                  <a16:creationId xmlns:a16="http://schemas.microsoft.com/office/drawing/2014/main" id="{FF251029-59B6-49BB-AF42-68EAC307D366}"/>
+                </a:ext>
+              </a:extLst>
+            </p:cNvPr>
+            <p:cNvSpPr/>
+            <p:nvPr/>
+          </p:nvSpPr>
+          <p:spPr>
+            <a:xfrm>
+              <a:off x="303244" y="820833"/>
+              <a:ext cx="2412693" cy="572877"/>
+            </a:xfrm>
+            <a:prstGeom prst="borderCallout1">
+              <a:avLst>
+                <a:gd name="adj1" fmla="val 39205"/>
+                <a:gd name="adj2" fmla="val 100094"/>
+                <a:gd name="adj3" fmla="val 145057"/>
+                <a:gd name="adj4" fmla="val 153942"/>
+              </a:avLst>
+            </a:prstGeom>
+            <a:solidFill>
+              <a:srgbClr val="CEFDFF"/>
+            </a:solidFill>
+            <a:ln>
+              <a:solidFill>
+                <a:srgbClr val="FF0000"/>
+              </a:solidFill>
+            </a:ln>
+          </p:spPr>
+          <p:style>
+            <a:lnRef idx="2">
+              <a:schemeClr val="accent1">
+                <a:shade val="15000"/>
+              </a:schemeClr>
+            </a:lnRef>
+            <a:fillRef idx="1">
+              <a:schemeClr val="accent1"/>
+            </a:fillRef>
+            <a:effectRef idx="0">
+              <a:schemeClr val="accent1"/>
+            </a:effectRef>
+            <a:fontRef idx="minor">
+              <a:schemeClr val="lt1"/>
+            </a:fontRef>
+          </p:style>
+          <p:txBody>
+            <a:bodyPr rtlCol="0" anchor="ctr"/>
+            <a:lstStyle/>
+            <a:p>
+              <a:pPr algn="ctr"/>
+              <a:r>
+                <a:rPr kumimoji="1" lang="en-US" altLang="zh-CN" sz="1600" b="1" dirty="0">
+                  <a:solidFill>
+                    <a:srgbClr val="FF0000"/>
+                  </a:solidFill>
+                </a:rPr>
+                <a:t>16</a:t>
+              </a:r>
+              <a:r>
+                <a:rPr kumimoji="1" lang="zh-CN" altLang="en-US" sz="1600" b="1" dirty="0">
+                  <a:solidFill>
+                    <a:srgbClr val="FF0000"/>
+                  </a:solidFill>
+                </a:rPr>
+                <a:t>位查询编号</a:t>
+              </a:r>
+              <a:endParaRPr kumimoji="1" lang="en-US" altLang="zh-CN" sz="1600" b="1" dirty="0">
+                <a:solidFill>
+                  <a:srgbClr val="FF0000"/>
+                </a:solidFill>
+              </a:endParaRPr>
+            </a:p>
+            <a:p>
+              <a:pPr algn="ctr"/>
+              <a:r>
+                <a:rPr kumimoji="1" lang="zh-CN" altLang="en-US" sz="1600" b="1" dirty="0">
+                  <a:solidFill>
+                    <a:srgbClr val="FF0000"/>
+                  </a:solidFill>
+                </a:rPr>
+                <a:t>回复使用相同的编号</a:t>
+              </a:r>
+            </a:p>
+          </p:txBody>
+        </p:sp>
+        <p:sp>
+          <p:nvSpPr>
+            <p:cNvPr id="16" name="线形标注 1 15">
+              <a:extLst>
+                <a:ext uri="{FF2B5EF4-FFF2-40B4-BE49-F238E27FC236}">
+                  <a16:creationId xmlns:a16="http://schemas.microsoft.com/office/drawing/2014/main" id="{AB0265BD-8525-A66D-1D3F-14C3508DC160}"/>
+                </a:ext>
+              </a:extLst>
+            </p:cNvPr>
+            <p:cNvSpPr/>
+            <p:nvPr/>
+          </p:nvSpPr>
+          <p:spPr>
+            <a:xfrm>
+              <a:off x="9289122" y="354374"/>
+              <a:ext cx="2412693" cy="1039336"/>
+            </a:xfrm>
+            <a:prstGeom prst="borderCallout1">
+              <a:avLst>
+                <a:gd name="adj1" fmla="val 37085"/>
+                <a:gd name="adj2" fmla="val -363"/>
+                <a:gd name="adj3" fmla="val 118754"/>
+                <a:gd name="adj4" fmla="val -44232"/>
+              </a:avLst>
+            </a:prstGeom>
+            <a:solidFill>
+              <a:srgbClr val="CEFDFF"/>
+            </a:solidFill>
+            <a:ln>
+              <a:solidFill>
+                <a:srgbClr val="FF0000"/>
+              </a:solidFill>
+            </a:ln>
+          </p:spPr>
+          <p:style>
+            <a:lnRef idx="2">
+              <a:schemeClr val="accent1">
+                <a:shade val="15000"/>
+              </a:schemeClr>
+            </a:lnRef>
+            <a:fillRef idx="1">
+              <a:schemeClr val="accent1"/>
+            </a:fillRef>
+            <a:effectRef idx="0">
+              <a:schemeClr val="accent1"/>
+            </a:effectRef>
+            <a:fontRef idx="minor">
+              <a:schemeClr val="lt1"/>
+            </a:fontRef>
+          </p:style>
+          <p:txBody>
+            <a:bodyPr rtlCol="0" anchor="ctr"/>
+            <a:lstStyle/>
+            <a:p>
+              <a:pPr marL="285750" indent="-285750">
+                <a:buFont typeface="Arial" panose="020B0604020202020204" pitchFamily="34" charset="0"/>
+                <a:buChar char="•"/>
+              </a:pPr>
+              <a:r>
+                <a:rPr kumimoji="1" lang="zh-CN" altLang="en-US" sz="1600" b="1" dirty="0">
+                  <a:solidFill>
+                    <a:srgbClr val="FF0000"/>
+                  </a:solidFill>
+                </a:rPr>
+                <a:t>查询或回复</a:t>
+              </a:r>
+              <a:endParaRPr kumimoji="1" lang="en-US" altLang="zh-CN" sz="1600" b="1" dirty="0">
+                <a:solidFill>
+                  <a:srgbClr val="FF0000"/>
+                </a:solidFill>
+              </a:endParaRPr>
+            </a:p>
+            <a:p>
+              <a:pPr marL="285750" indent="-285750">
+                <a:buFont typeface="Arial" panose="020B0604020202020204" pitchFamily="34" charset="0"/>
+                <a:buChar char="•"/>
+              </a:pPr>
+              <a:r>
+                <a:rPr kumimoji="1" lang="zh-CN" altLang="en-US" sz="1600" b="1" dirty="0">
+                  <a:solidFill>
+                    <a:srgbClr val="FF0000"/>
+                  </a:solidFill>
+                </a:rPr>
+                <a:t>期望递归</a:t>
+              </a:r>
+              <a:endParaRPr kumimoji="1" lang="en-US" altLang="zh-CN" sz="1600" b="1" dirty="0">
+                <a:solidFill>
+                  <a:srgbClr val="FF0000"/>
+                </a:solidFill>
+              </a:endParaRPr>
+            </a:p>
+            <a:p>
+              <a:pPr marL="285750" indent="-285750">
+                <a:buFont typeface="Arial" panose="020B0604020202020204" pitchFamily="34" charset="0"/>
+                <a:buChar char="•"/>
+              </a:pPr>
+              <a:r>
+                <a:rPr kumimoji="1" lang="zh-CN" altLang="en-US" sz="1600" b="1" dirty="0">
+                  <a:solidFill>
+                    <a:srgbClr val="FF0000"/>
+                  </a:solidFill>
+                </a:rPr>
+                <a:t>递归可用</a:t>
+              </a:r>
+              <a:endParaRPr kumimoji="1" lang="en-US" altLang="zh-CN" sz="1600" b="1" dirty="0">
+                <a:solidFill>
+                  <a:srgbClr val="FF0000"/>
+                </a:solidFill>
+              </a:endParaRPr>
+            </a:p>
+            <a:p>
+              <a:pPr marL="285750" indent="-285750">
+                <a:buFont typeface="Arial" panose="020B0604020202020204" pitchFamily="34" charset="0"/>
+                <a:buChar char="•"/>
+              </a:pPr>
+              <a:r>
+                <a:rPr kumimoji="1" lang="zh-CN" altLang="en-US" sz="1600" b="1" dirty="0">
+                  <a:solidFill>
+                    <a:srgbClr val="FF0000"/>
+                  </a:solidFill>
+                </a:rPr>
+                <a:t>权威回答</a:t>
+              </a:r>
+            </a:p>
+          </p:txBody>
+        </p:sp>
+        <p:sp>
+          <p:nvSpPr>
+            <p:cNvPr id="17" name="右中括号 16">
+              <a:extLst>
+                <a:ext uri="{FF2B5EF4-FFF2-40B4-BE49-F238E27FC236}">
+                  <a16:creationId xmlns:a16="http://schemas.microsoft.com/office/drawing/2014/main" id="{05C4F5FC-8CDC-7611-122C-BE0740F7B85E}"/>
+                </a:ext>
+              </a:extLst>
+            </p:cNvPr>
+            <p:cNvSpPr/>
+            <p:nvPr/>
+          </p:nvSpPr>
+          <p:spPr>
+            <a:xfrm>
+              <a:off x="8725359" y="1393710"/>
+              <a:ext cx="440675" cy="1702027"/>
+            </a:xfrm>
+            <a:prstGeom prst="rightBracket">
+              <a:avLst/>
+            </a:prstGeom>
+            <a:ln w="28575"/>
+          </p:spPr>
+          <p:style>
+            <a:lnRef idx="1">
+              <a:schemeClr val="accent1"/>
+            </a:lnRef>
+            <a:fillRef idx="0">
+              <a:schemeClr val="accent1"/>
+            </a:fillRef>
+            <a:effectRef idx="0">
+              <a:schemeClr val="accent1"/>
+            </a:effectRef>
+            <a:fontRef idx="minor">
+              <a:schemeClr val="tx1"/>
+            </a:fontRef>
+          </p:style>
+          <p:txBody>
+            <a:bodyPr rtlCol="0" anchor="ctr"/>
+            <a:lstStyle/>
+            <a:p>
+              <a:pPr algn="ctr"/>
+              <a:endParaRPr kumimoji="1" lang="zh-CN" altLang="en-US"/>
+            </a:p>
+          </p:txBody>
+        </p:sp>
+        <p:sp>
+          <p:nvSpPr>
+            <p:cNvPr id="20" name="文本框 19">
+              <a:extLst>
+                <a:ext uri="{FF2B5EF4-FFF2-40B4-BE49-F238E27FC236}">
+                  <a16:creationId xmlns:a16="http://schemas.microsoft.com/office/drawing/2014/main" id="{5143C694-EE1A-1287-2DA8-36AA953E6868}"/>
+                </a:ext>
+              </a:extLst>
+            </p:cNvPr>
+            <p:cNvSpPr txBox="1"/>
+            <p:nvPr/>
+          </p:nvSpPr>
+          <p:spPr>
+            <a:xfrm>
+              <a:off x="9166034" y="1977342"/>
+              <a:ext cx="950901" cy="369332"/>
+            </a:xfrm>
+            <a:prstGeom prst="rect">
+              <a:avLst/>
+            </a:prstGeom>
+            <a:noFill/>
+          </p:spPr>
+          <p:txBody>
+            <a:bodyPr wrap="none" rtlCol="0">
+              <a:spAutoFit/>
+            </a:bodyPr>
+            <a:lstStyle/>
+            <a:p>
+              <a:r>
+                <a:rPr kumimoji="1" lang="en-US" altLang="zh-CN" dirty="0"/>
+                <a:t>12Bytes</a:t>
+              </a:r>
+              <a:endParaRPr kumimoji="1" lang="zh-CN" altLang="en-US" dirty="0"/>
+            </a:p>
+          </p:txBody>
+        </p:sp>
+        <p:sp>
+          <p:nvSpPr>
+            <p:cNvPr id="21" name="矩形 20">
+              <a:extLst>
+                <a:ext uri="{FF2B5EF4-FFF2-40B4-BE49-F238E27FC236}">
+                  <a16:creationId xmlns:a16="http://schemas.microsoft.com/office/drawing/2014/main" id="{712FF5A8-2D5A-BCF5-1704-6DA6243C1663}"/>
+                </a:ext>
+              </a:extLst>
+            </p:cNvPr>
+            <p:cNvSpPr/>
+            <p:nvPr/>
+          </p:nvSpPr>
+          <p:spPr>
+            <a:xfrm>
+              <a:off x="3789803" y="3095737"/>
+              <a:ext cx="4825388" cy="666526"/>
+            </a:xfrm>
+            <a:prstGeom prst="rect">
+              <a:avLst/>
+            </a:prstGeom>
+            <a:solidFill>
+              <a:srgbClr val="7CFDFF"/>
+            </a:solidFill>
+            <a:ln>
+              <a:solidFill>
+                <a:schemeClr val="tx1"/>
+              </a:solidFill>
+            </a:ln>
+          </p:spPr>
+          <p:style>
+            <a:lnRef idx="1">
+              <a:schemeClr val="accent4"/>
+            </a:lnRef>
+            <a:fillRef idx="2">
+              <a:schemeClr val="accent4"/>
+            </a:fillRef>
+            <a:effectRef idx="1">
+              <a:schemeClr val="accent4"/>
+            </a:effectRef>
+            <a:fontRef idx="minor">
+              <a:schemeClr val="dk1"/>
+            </a:fontRef>
+          </p:style>
+          <p:txBody>
+            <a:bodyPr rtlCol="0" anchor="ctr"/>
+            <a:lstStyle/>
+            <a:p>
+              <a:pPr algn="ctr"/>
+              <a:r>
+                <a:rPr kumimoji="1" lang="en-US" altLang="zh-CN" sz="1600" dirty="0"/>
+                <a:t>Questions</a:t>
+              </a:r>
+            </a:p>
+            <a:p>
+              <a:pPr algn="ctr"/>
+              <a:r>
+                <a:rPr kumimoji="1" lang="en-US" altLang="zh-CN" sz="1600" dirty="0"/>
+                <a:t>Name</a:t>
+              </a:r>
+              <a:r>
+                <a:rPr kumimoji="1" lang="zh-CN" altLang="en-US" sz="1600" dirty="0"/>
+                <a:t>，</a:t>
+              </a:r>
+              <a:r>
+                <a:rPr kumimoji="1" lang="en-US" altLang="zh-CN" sz="1600" dirty="0"/>
+                <a:t>type</a:t>
+              </a:r>
+            </a:p>
+          </p:txBody>
+        </p:sp>
+        <p:sp>
+          <p:nvSpPr>
+            <p:cNvPr id="22" name="矩形 21">
+              <a:extLst>
+                <a:ext uri="{FF2B5EF4-FFF2-40B4-BE49-F238E27FC236}">
+                  <a16:creationId xmlns:a16="http://schemas.microsoft.com/office/drawing/2014/main" id="{AC35D5BE-9C63-291C-0FB8-5F4687FED03B}"/>
+                </a:ext>
+              </a:extLst>
+            </p:cNvPr>
+            <p:cNvSpPr/>
+            <p:nvPr/>
+          </p:nvSpPr>
+          <p:spPr>
+            <a:xfrm>
+              <a:off x="3789803" y="3771441"/>
+              <a:ext cx="4825388" cy="666526"/>
+            </a:xfrm>
+            <a:prstGeom prst="rect">
+              <a:avLst/>
+            </a:prstGeom>
+            <a:solidFill>
+              <a:srgbClr val="7CFDFF"/>
+            </a:solidFill>
+            <a:ln>
+              <a:solidFill>
+                <a:schemeClr val="tx1"/>
+              </a:solidFill>
+            </a:ln>
+          </p:spPr>
+          <p:style>
+            <a:lnRef idx="1">
+              <a:schemeClr val="accent4"/>
+            </a:lnRef>
+            <a:fillRef idx="2">
+              <a:schemeClr val="accent4"/>
+            </a:fillRef>
+            <a:effectRef idx="1">
+              <a:schemeClr val="accent4"/>
+            </a:effectRef>
+            <a:fontRef idx="minor">
+              <a:schemeClr val="dk1"/>
+            </a:fontRef>
+          </p:style>
+          <p:txBody>
+            <a:bodyPr rtlCol="0" anchor="ctr"/>
+            <a:lstStyle/>
+            <a:p>
+              <a:pPr algn="ctr"/>
+              <a:r>
+                <a:rPr kumimoji="1" lang="en-US" altLang="zh-CN" sz="1600" dirty="0"/>
+                <a:t>Answers</a:t>
+              </a:r>
+            </a:p>
+          </p:txBody>
+        </p:sp>
+        <p:sp>
+          <p:nvSpPr>
+            <p:cNvPr id="23" name="矩形 22">
+              <a:extLst>
+                <a:ext uri="{FF2B5EF4-FFF2-40B4-BE49-F238E27FC236}">
+                  <a16:creationId xmlns:a16="http://schemas.microsoft.com/office/drawing/2014/main" id="{3A77E224-7662-27CA-402F-190605C0EE38}"/>
+                </a:ext>
+              </a:extLst>
+            </p:cNvPr>
+            <p:cNvSpPr/>
+            <p:nvPr/>
+          </p:nvSpPr>
+          <p:spPr>
+            <a:xfrm>
+              <a:off x="3789803" y="4437967"/>
+              <a:ext cx="4825388" cy="666526"/>
+            </a:xfrm>
+            <a:prstGeom prst="rect">
+              <a:avLst/>
+            </a:prstGeom>
+            <a:solidFill>
+              <a:srgbClr val="7CFDFF"/>
+            </a:solidFill>
+            <a:ln>
+              <a:solidFill>
+                <a:schemeClr val="tx1"/>
+              </a:solidFill>
+            </a:ln>
+          </p:spPr>
+          <p:style>
+            <a:lnRef idx="1">
+              <a:schemeClr val="accent4"/>
+            </a:lnRef>
+            <a:fillRef idx="2">
+              <a:schemeClr val="accent4"/>
+            </a:fillRef>
+            <a:effectRef idx="1">
+              <a:schemeClr val="accent4"/>
+            </a:effectRef>
+            <a:fontRef idx="minor">
+              <a:schemeClr val="dk1"/>
+            </a:fontRef>
+          </p:style>
+          <p:txBody>
+            <a:bodyPr rtlCol="0" anchor="ctr"/>
+            <a:lstStyle/>
+            <a:p>
+              <a:pPr algn="ctr"/>
+              <a:r>
+                <a:rPr kumimoji="1" lang="en-US" altLang="zh-CN" sz="1600" dirty="0"/>
+                <a:t>Authority</a:t>
+              </a:r>
+            </a:p>
+          </p:txBody>
+        </p:sp>
+        <p:sp>
+          <p:nvSpPr>
+            <p:cNvPr id="24" name="矩形 23">
+              <a:extLst>
+                <a:ext uri="{FF2B5EF4-FFF2-40B4-BE49-F238E27FC236}">
+                  <a16:creationId xmlns:a16="http://schemas.microsoft.com/office/drawing/2014/main" id="{5A58342C-49F9-5A86-6896-A24AD1244DF8}"/>
+                </a:ext>
+              </a:extLst>
+            </p:cNvPr>
+            <p:cNvSpPr/>
+            <p:nvPr/>
+          </p:nvSpPr>
+          <p:spPr>
+            <a:xfrm>
+              <a:off x="3789803" y="5104493"/>
+              <a:ext cx="4825388" cy="666526"/>
+            </a:xfrm>
+            <a:prstGeom prst="rect">
+              <a:avLst/>
+            </a:prstGeom>
+            <a:solidFill>
+              <a:srgbClr val="7CFDFF"/>
+            </a:solidFill>
+            <a:ln>
+              <a:solidFill>
+                <a:schemeClr val="tx1"/>
+              </a:solidFill>
+            </a:ln>
+          </p:spPr>
+          <p:style>
+            <a:lnRef idx="1">
+              <a:schemeClr val="accent4"/>
+            </a:lnRef>
+            <a:fillRef idx="2">
+              <a:schemeClr val="accent4"/>
+            </a:fillRef>
+            <a:effectRef idx="1">
+              <a:schemeClr val="accent4"/>
+            </a:effectRef>
+            <a:fontRef idx="minor">
+              <a:schemeClr val="dk1"/>
+            </a:fontRef>
+          </p:style>
+          <p:txBody>
+            <a:bodyPr rtlCol="0" anchor="ctr"/>
+            <a:lstStyle/>
+            <a:p>
+              <a:pPr algn="ctr"/>
+              <a:r>
+                <a:rPr kumimoji="1" lang="en-US" altLang="zh-CN" sz="1600" dirty="0"/>
+                <a:t>Additional</a:t>
+              </a:r>
+              <a:r>
+                <a:rPr kumimoji="1" lang="zh-CN" altLang="en-US" sz="1600" dirty="0"/>
+                <a:t> </a:t>
+              </a:r>
+              <a:r>
+                <a:rPr kumimoji="1" lang="en-US" altLang="zh-CN" sz="1600" dirty="0"/>
+                <a:t>information</a:t>
+              </a:r>
+            </a:p>
+          </p:txBody>
+        </p:sp>
+      </p:grpSp>
+    </p:spTree>
+    <p:extLst>
+      <p:ext uri="{BB962C8B-B14F-4D97-AF65-F5344CB8AC3E}">
+        <p14:creationId xmlns:p14="http://schemas.microsoft.com/office/powerpoint/2010/main" val="917560776"/>
+      </p:ext>
+    </p:extLst>
+  </p:cSld>
+  <p:clrMapOvr>
+    <a:masterClrMapping/>
+  </p:clrMapOvr>
+</p:sld>
+</file>
+
+<file path=ppt/slides/slide5.xml><?xml version="1.0" encoding="utf-8"?>
+<p:sld xmlns:a="http://schemas.openxmlformats.org/drawingml/2006/main" xmlns:r="http://schemas.openxmlformats.org/officeDocument/2006/relationships" xmlns:p="http://schemas.openxmlformats.org/presentationml/2006/main">
+  <p:cSld>
+    <p:spTree>
+      <p:nvGrpSpPr>
+        <p:cNvPr id="1" name=""/>
+        <p:cNvGrpSpPr/>
+        <p:nvPr/>
+      </p:nvGrpSpPr>
+      <p:grpSpPr>
+        <a:xfrm>
+          <a:off x="0" y="0"/>
+          <a:ext cx="0" cy="0"/>
+          <a:chOff x="0" y="0"/>
+          <a:chExt cx="0" cy="0"/>
+        </a:xfrm>
+      </p:grpSpPr>
+      <p:grpSp>
+        <p:nvGrpSpPr>
+          <p:cNvPr id="13" name="组合 12">
             <a:extLst>
               <a:ext uri="{FF2B5EF4-FFF2-40B4-BE49-F238E27FC236}">
-                <a16:creationId xmlns:a16="http://schemas.microsoft.com/office/drawing/2014/main" id="{ACBB3B3E-5084-155B-F9FB-DC28A13671C2}"/>
+                <a16:creationId xmlns:a16="http://schemas.microsoft.com/office/drawing/2014/main" id="{A42F6A02-14E5-5330-B8CB-D34A0ED4D149}"/>
               </a:ext>
             </a:extLst>
           </p:cNvPr>
-          <p:cNvSpPr>
-            <a:spLocks noGrp="1"/>
-          </p:cNvSpPr>
-          <p:nvPr>
-            <p:ph idx="1"/>
-          </p:nvPr>
+          <p:cNvGrpSpPr/>
+          <p:nvPr/>
+        </p:nvGrpSpPr>
+        <p:grpSpPr>
+          <a:xfrm>
+            <a:off x="1600200" y="456155"/>
+            <a:ext cx="9544050" cy="5567456"/>
+            <a:chOff x="1600200" y="456155"/>
+            <a:chExt cx="9544050" cy="5567456"/>
+          </a:xfrm>
+        </p:grpSpPr>
+        <p:sp>
+          <p:nvSpPr>
+            <p:cNvPr id="4" name="矩形 3">
+              <a:extLst>
+                <a:ext uri="{FF2B5EF4-FFF2-40B4-BE49-F238E27FC236}">
+                  <a16:creationId xmlns:a16="http://schemas.microsoft.com/office/drawing/2014/main" id="{3C2EFC93-06D9-BBF9-D113-59F7C205028D}"/>
+                </a:ext>
+              </a:extLst>
+            </p:cNvPr>
+            <p:cNvSpPr/>
+            <p:nvPr/>
+          </p:nvSpPr>
+          <p:spPr>
+            <a:xfrm>
+              <a:off x="4109225" y="456155"/>
+              <a:ext cx="3973550" cy="442331"/>
+            </a:xfrm>
+            <a:prstGeom prst="rect">
+              <a:avLst/>
+            </a:prstGeom>
+            <a:solidFill>
+              <a:srgbClr val="E6F7F3"/>
+            </a:solidFill>
+          </p:spPr>
+          <p:style>
+            <a:lnRef idx="2">
+              <a:schemeClr val="accent1">
+                <a:shade val="15000"/>
+              </a:schemeClr>
+            </a:lnRef>
+            <a:fillRef idx="1">
+              <a:schemeClr val="accent1"/>
+            </a:fillRef>
+            <a:effectRef idx="0">
+              <a:schemeClr val="accent1"/>
+            </a:effectRef>
+            <a:fontRef idx="minor">
+              <a:schemeClr val="lt1"/>
+            </a:fontRef>
+          </p:style>
+          <p:txBody>
+            <a:bodyPr rtlCol="0" anchor="ctr"/>
+            <a:lstStyle/>
+            <a:p>
+              <a:pPr algn="ctr"/>
+              <a:r>
+                <a:rPr kumimoji="1" lang="zh-CN" altLang="en-US" sz="2400" b="1" dirty="0">
+                  <a:solidFill>
+                    <a:schemeClr val="tx1"/>
+                  </a:solidFill>
+                </a:rPr>
+                <a:t>端上的网络开发</a:t>
+              </a:r>
+            </a:p>
+          </p:txBody>
+        </p:sp>
+        <p:graphicFrame>
+          <p:nvGraphicFramePr>
+            <p:cNvPr id="6" name="图示 5">
+              <a:extLst>
+                <a:ext uri="{FF2B5EF4-FFF2-40B4-BE49-F238E27FC236}">
+                  <a16:creationId xmlns:a16="http://schemas.microsoft.com/office/drawing/2014/main" id="{61CB2CF3-FD5E-93D4-43BE-CB333B25F9BD}"/>
+                </a:ext>
+              </a:extLst>
+            </p:cNvPr>
+            <p:cNvGraphicFramePr/>
+            <p:nvPr>
+              <p:extLst>
+                <p:ext uri="{D42A27DB-BD31-4B8C-83A1-F6EECF244321}">
+                  <p14:modId xmlns:p14="http://schemas.microsoft.com/office/powerpoint/2010/main" val="1830054047"/>
+                </p:ext>
+              </p:extLst>
+            </p:nvPr>
+          </p:nvGraphicFramePr>
+          <p:xfrm>
+            <a:off x="4109225" y="1177291"/>
+            <a:ext cx="3973550" cy="4846320"/>
+          </p:xfrm>
+          <a:graphic>
+            <a:graphicData uri="http://schemas.openxmlformats.org/drawingml/2006/diagram">
+              <dgm:relIds xmlns:dgm="http://schemas.openxmlformats.org/drawingml/2006/diagram" xmlns:r="http://schemas.openxmlformats.org/officeDocument/2006/relationships" r:dm="rId2" r:lo="rId3" r:qs="rId4" r:cs="rId5"/>
+            </a:graphicData>
+          </a:graphic>
+        </p:graphicFrame>
+        <p:sp>
+          <p:nvSpPr>
+            <p:cNvPr id="7" name="线形标注 1 6">
+              <a:extLst>
+                <a:ext uri="{FF2B5EF4-FFF2-40B4-BE49-F238E27FC236}">
+                  <a16:creationId xmlns:a16="http://schemas.microsoft.com/office/drawing/2014/main" id="{10F880B7-84DE-A219-273B-2A08CAC332FE}"/>
+                </a:ext>
+              </a:extLst>
+            </p:cNvPr>
+            <p:cNvSpPr/>
+            <p:nvPr/>
+          </p:nvSpPr>
+          <p:spPr>
+            <a:xfrm>
+              <a:off x="1600200" y="1417320"/>
+              <a:ext cx="1497330" cy="742950"/>
+            </a:xfrm>
+            <a:prstGeom prst="borderCallout1">
+              <a:avLst>
+                <a:gd name="adj1" fmla="val 38750"/>
+                <a:gd name="adj2" fmla="val 99301"/>
+                <a:gd name="adj3" fmla="val 115577"/>
+                <a:gd name="adj4" fmla="val 179988"/>
+              </a:avLst>
+            </a:prstGeom>
+            <a:solidFill>
+              <a:srgbClr val="CEFDFF"/>
+            </a:solidFill>
+            <a:ln>
+              <a:solidFill>
+                <a:srgbClr val="FF0000"/>
+              </a:solidFill>
+            </a:ln>
+          </p:spPr>
+          <p:style>
+            <a:lnRef idx="2">
+              <a:schemeClr val="accent1">
+                <a:shade val="15000"/>
+              </a:schemeClr>
+            </a:lnRef>
+            <a:fillRef idx="1">
+              <a:schemeClr val="accent1"/>
+            </a:fillRef>
+            <a:effectRef idx="0">
+              <a:schemeClr val="accent1"/>
+            </a:effectRef>
+            <a:fontRef idx="minor">
+              <a:schemeClr val="lt1"/>
+            </a:fontRef>
+          </p:style>
+          <p:txBody>
+            <a:bodyPr rtlCol="0" anchor="ctr"/>
+            <a:lstStyle/>
+            <a:p>
+              <a:pPr algn="ctr"/>
+              <a:r>
+                <a:rPr kumimoji="1" lang="en-US" altLang="zh-CN" dirty="0">
+                  <a:solidFill>
+                    <a:schemeClr val="tx1"/>
+                  </a:solidFill>
+                </a:rPr>
+                <a:t>Socket</a:t>
+              </a:r>
+              <a:r>
+                <a:rPr kumimoji="1" lang="zh-CN" altLang="en-US" dirty="0">
+                  <a:solidFill>
+                    <a:schemeClr val="tx1"/>
+                  </a:solidFill>
+                </a:rPr>
+                <a:t>编程</a:t>
+              </a:r>
+            </a:p>
+          </p:txBody>
+        </p:sp>
+        <p:sp>
+          <p:nvSpPr>
+            <p:cNvPr id="8" name="线形标注 1 7">
+              <a:extLst>
+                <a:ext uri="{FF2B5EF4-FFF2-40B4-BE49-F238E27FC236}">
+                  <a16:creationId xmlns:a16="http://schemas.microsoft.com/office/drawing/2014/main" id="{9B825319-83F6-1200-0576-8C0A88E02C8F}"/>
+                </a:ext>
+              </a:extLst>
+            </p:cNvPr>
+            <p:cNvSpPr/>
+            <p:nvPr/>
+          </p:nvSpPr>
+          <p:spPr>
+            <a:xfrm>
+              <a:off x="8702040" y="681130"/>
+              <a:ext cx="2442210" cy="742950"/>
+            </a:xfrm>
+            <a:prstGeom prst="borderCallout1">
+              <a:avLst>
+                <a:gd name="adj1" fmla="val 40288"/>
+                <a:gd name="adj2" fmla="val -1462"/>
+                <a:gd name="adj3" fmla="val 81731"/>
+                <a:gd name="adj4" fmla="val -32334"/>
+              </a:avLst>
+            </a:prstGeom>
+            <a:solidFill>
+              <a:srgbClr val="CEFDFF"/>
+            </a:solidFill>
+            <a:ln>
+              <a:solidFill>
+                <a:srgbClr val="FF0000"/>
+              </a:solidFill>
+            </a:ln>
+          </p:spPr>
+          <p:style>
+            <a:lnRef idx="2">
+              <a:schemeClr val="accent1">
+                <a:shade val="15000"/>
+              </a:schemeClr>
+            </a:lnRef>
+            <a:fillRef idx="1">
+              <a:schemeClr val="accent1"/>
+            </a:fillRef>
+            <a:effectRef idx="0">
+              <a:schemeClr val="accent1"/>
+            </a:effectRef>
+            <a:fontRef idx="minor">
+              <a:schemeClr val="lt1"/>
+            </a:fontRef>
+          </p:style>
+          <p:txBody>
+            <a:bodyPr rtlCol="0" anchor="ctr"/>
+            <a:lstStyle/>
+            <a:p>
+              <a:pPr algn="ctr"/>
+              <a:r>
+                <a:rPr kumimoji="1" lang="en-US" altLang="zh-CN" dirty="0">
+                  <a:solidFill>
+                    <a:schemeClr val="tx1"/>
+                  </a:solidFill>
+                </a:rPr>
+                <a:t>Web/RPC/</a:t>
+              </a:r>
+              <a:r>
+                <a:rPr kumimoji="1" lang="zh-CN" altLang="en-US" dirty="0">
+                  <a:solidFill>
+                    <a:schemeClr val="tx1"/>
+                  </a:solidFill>
+                </a:rPr>
+                <a:t>中间件编程</a:t>
+              </a:r>
+            </a:p>
+          </p:txBody>
+        </p:sp>
+        <p:sp>
+          <p:nvSpPr>
+            <p:cNvPr id="9" name="线形标注 1 8">
+              <a:extLst>
+                <a:ext uri="{FF2B5EF4-FFF2-40B4-BE49-F238E27FC236}">
+                  <a16:creationId xmlns:a16="http://schemas.microsoft.com/office/drawing/2014/main" id="{D0222F3E-FCB7-55AA-584D-64A0FADEEA58}"/>
+                </a:ext>
+              </a:extLst>
+            </p:cNvPr>
+            <p:cNvSpPr/>
+            <p:nvPr/>
+          </p:nvSpPr>
+          <p:spPr>
+            <a:xfrm>
+              <a:off x="1600200" y="3443380"/>
+              <a:ext cx="1497330" cy="742950"/>
+            </a:xfrm>
+            <a:prstGeom prst="borderCallout1">
+              <a:avLst>
+                <a:gd name="adj1" fmla="val 38750"/>
+                <a:gd name="adj2" fmla="val 99301"/>
+                <a:gd name="adj3" fmla="val 100192"/>
+                <a:gd name="adj4" fmla="val 179988"/>
+              </a:avLst>
+            </a:prstGeom>
+            <a:solidFill>
+              <a:srgbClr val="CEFDFF"/>
+            </a:solidFill>
+            <a:ln>
+              <a:solidFill>
+                <a:srgbClr val="FF0000"/>
+              </a:solidFill>
+            </a:ln>
+          </p:spPr>
+          <p:style>
+            <a:lnRef idx="2">
+              <a:schemeClr val="accent1">
+                <a:shade val="15000"/>
+              </a:schemeClr>
+            </a:lnRef>
+            <a:fillRef idx="1">
+              <a:schemeClr val="accent1"/>
+            </a:fillRef>
+            <a:effectRef idx="0">
+              <a:schemeClr val="accent1"/>
+            </a:effectRef>
+            <a:fontRef idx="minor">
+              <a:schemeClr val="lt1"/>
+            </a:fontRef>
+          </p:style>
+          <p:txBody>
+            <a:bodyPr rtlCol="0" anchor="ctr"/>
+            <a:lstStyle/>
+            <a:p>
+              <a:pPr algn="ctr"/>
+              <a:r>
+                <a:rPr kumimoji="1" lang="en-US" altLang="zh-CN" dirty="0">
+                  <a:solidFill>
+                    <a:schemeClr val="tx1"/>
+                  </a:solidFill>
+                </a:rPr>
+                <a:t>NDIS</a:t>
+              </a:r>
+              <a:r>
+                <a:rPr kumimoji="1" lang="zh-CN" altLang="en-US" dirty="0">
+                  <a:solidFill>
+                    <a:schemeClr val="tx1"/>
+                  </a:solidFill>
+                </a:rPr>
+                <a:t>编程（</a:t>
+              </a:r>
+              <a:r>
+                <a:rPr kumimoji="1" lang="en-US" altLang="zh-CN" dirty="0">
+                  <a:solidFill>
+                    <a:schemeClr val="tx1"/>
+                  </a:solidFill>
+                </a:rPr>
+                <a:t>win</a:t>
+              </a:r>
+              <a:r>
+                <a:rPr kumimoji="1" lang="zh-CN" altLang="en-US" dirty="0">
+                  <a:solidFill>
+                    <a:schemeClr val="tx1"/>
+                  </a:solidFill>
+                </a:rPr>
+                <a:t>）</a:t>
+              </a:r>
+            </a:p>
+          </p:txBody>
+        </p:sp>
+        <p:sp>
+          <p:nvSpPr>
+            <p:cNvPr id="10" name="线形标注 1 9">
+              <a:extLst>
+                <a:ext uri="{FF2B5EF4-FFF2-40B4-BE49-F238E27FC236}">
+                  <a16:creationId xmlns:a16="http://schemas.microsoft.com/office/drawing/2014/main" id="{831D8281-268D-E7BA-02ED-EC3DBD20C3DF}"/>
+                </a:ext>
+              </a:extLst>
+            </p:cNvPr>
+            <p:cNvSpPr/>
+            <p:nvPr/>
+          </p:nvSpPr>
+          <p:spPr>
+            <a:xfrm>
+              <a:off x="1600200" y="4697730"/>
+              <a:ext cx="1497330" cy="742950"/>
+            </a:xfrm>
+            <a:prstGeom prst="borderCallout1">
+              <a:avLst>
+                <a:gd name="adj1" fmla="val 38750"/>
+                <a:gd name="adj2" fmla="val 99301"/>
+                <a:gd name="adj3" fmla="val 32500"/>
+                <a:gd name="adj4" fmla="val 179988"/>
+              </a:avLst>
+            </a:prstGeom>
+            <a:solidFill>
+              <a:srgbClr val="CEFDFF"/>
+            </a:solidFill>
+            <a:ln>
+              <a:solidFill>
+                <a:srgbClr val="FF0000"/>
+              </a:solidFill>
+            </a:ln>
+          </p:spPr>
+          <p:style>
+            <a:lnRef idx="2">
+              <a:schemeClr val="accent1">
+                <a:shade val="15000"/>
+              </a:schemeClr>
+            </a:lnRef>
+            <a:fillRef idx="1">
+              <a:schemeClr val="accent1"/>
+            </a:fillRef>
+            <a:effectRef idx="0">
+              <a:schemeClr val="accent1"/>
+            </a:effectRef>
+            <a:fontRef idx="minor">
+              <a:schemeClr val="lt1"/>
+            </a:fontRef>
+          </p:style>
+          <p:txBody>
+            <a:bodyPr rtlCol="0" anchor="ctr"/>
+            <a:lstStyle/>
+            <a:p>
+              <a:pPr algn="ctr"/>
+              <a:r>
+                <a:rPr kumimoji="1" lang="zh-CN" altLang="en-US" dirty="0">
+                  <a:solidFill>
+                    <a:schemeClr val="tx1"/>
+                  </a:solidFill>
+                </a:rPr>
+                <a:t>网卡编程（硬件相关）</a:t>
+              </a:r>
+            </a:p>
+          </p:txBody>
+        </p:sp>
+        <p:sp>
+          <p:nvSpPr>
+            <p:cNvPr id="11" name="线形标注 1 10">
+              <a:extLst>
+                <a:ext uri="{FF2B5EF4-FFF2-40B4-BE49-F238E27FC236}">
+                  <a16:creationId xmlns:a16="http://schemas.microsoft.com/office/drawing/2014/main" id="{CAE314F5-859D-79C9-FA8A-FF5ACABFF457}"/>
+                </a:ext>
+              </a:extLst>
+            </p:cNvPr>
+            <p:cNvSpPr/>
+            <p:nvPr/>
+          </p:nvSpPr>
+          <p:spPr>
+            <a:xfrm>
+              <a:off x="8702040" y="2433730"/>
+              <a:ext cx="2442210" cy="742950"/>
+            </a:xfrm>
+            <a:prstGeom prst="borderCallout1">
+              <a:avLst>
+                <a:gd name="adj1" fmla="val 40288"/>
+                <a:gd name="adj2" fmla="val -1462"/>
+                <a:gd name="adj3" fmla="val 206346"/>
+                <a:gd name="adj4" fmla="val -35142"/>
+              </a:avLst>
+            </a:prstGeom>
+            <a:solidFill>
+              <a:srgbClr val="CEFDFF"/>
+            </a:solidFill>
+            <a:ln>
+              <a:solidFill>
+                <a:srgbClr val="FF0000"/>
+              </a:solidFill>
+            </a:ln>
+          </p:spPr>
+          <p:style>
+            <a:lnRef idx="2">
+              <a:schemeClr val="accent1">
+                <a:shade val="15000"/>
+              </a:schemeClr>
+            </a:lnRef>
+            <a:fillRef idx="1">
+              <a:schemeClr val="accent1"/>
+            </a:fillRef>
+            <a:effectRef idx="0">
+              <a:schemeClr val="accent1"/>
+            </a:effectRef>
+            <a:fontRef idx="minor">
+              <a:schemeClr val="lt1"/>
+            </a:fontRef>
+          </p:style>
+          <p:txBody>
+            <a:bodyPr rtlCol="0" anchor="ctr"/>
+            <a:lstStyle/>
+            <a:p>
+              <a:pPr algn="ctr"/>
+              <a:r>
+                <a:rPr kumimoji="1" lang="zh-CN" altLang="en-US" dirty="0">
+                  <a:solidFill>
+                    <a:schemeClr val="tx1"/>
+                  </a:solidFill>
+                </a:rPr>
+                <a:t>基于 </a:t>
+              </a:r>
+              <a:r>
+                <a:rPr kumimoji="1" lang="en-US" altLang="zh-CN" dirty="0" err="1">
+                  <a:solidFill>
+                    <a:schemeClr val="tx1"/>
+                  </a:solidFill>
+                </a:rPr>
+                <a:t>LibPcap</a:t>
+              </a:r>
+              <a:r>
+                <a:rPr kumimoji="1" lang="en-US" altLang="zh-CN" dirty="0">
+                  <a:solidFill>
+                    <a:schemeClr val="tx1"/>
+                  </a:solidFill>
+                </a:rPr>
+                <a:t>/</a:t>
+              </a:r>
+              <a:r>
+                <a:rPr kumimoji="1" lang="en-US" altLang="zh-CN" dirty="0" err="1">
+                  <a:solidFill>
+                    <a:schemeClr val="tx1"/>
+                  </a:solidFill>
+                </a:rPr>
+                <a:t>WinPcap</a:t>
+              </a:r>
+              <a:r>
+                <a:rPr kumimoji="1" lang="zh-CN" altLang="en-US" dirty="0">
+                  <a:solidFill>
+                    <a:schemeClr val="tx1"/>
+                  </a:solidFill>
+                </a:rPr>
+                <a:t>、</a:t>
+              </a:r>
+              <a:r>
+                <a:rPr kumimoji="1" lang="en-US" altLang="zh-CN" dirty="0" err="1">
+                  <a:solidFill>
+                    <a:schemeClr val="tx1"/>
+                  </a:solidFill>
+                </a:rPr>
+                <a:t>Libnet</a:t>
+              </a:r>
+              <a:r>
+                <a:rPr kumimoji="1" lang="zh-CN" altLang="en-US" dirty="0">
+                  <a:solidFill>
+                    <a:schemeClr val="tx1"/>
+                  </a:solidFill>
+                </a:rPr>
+                <a:t>、</a:t>
+              </a:r>
+              <a:r>
+                <a:rPr kumimoji="1" lang="en-US" altLang="zh-CN" dirty="0" err="1">
+                  <a:solidFill>
+                    <a:schemeClr val="tx1"/>
+                  </a:solidFill>
+                </a:rPr>
+                <a:t>Libnids</a:t>
+              </a:r>
+              <a:r>
+                <a:rPr kumimoji="1" lang="zh-CN" altLang="en-US" dirty="0">
+                  <a:solidFill>
+                    <a:schemeClr val="tx1"/>
+                  </a:solidFill>
+                </a:rPr>
+                <a:t>、</a:t>
+              </a:r>
+              <a:r>
+                <a:rPr kumimoji="1" lang="en-US" altLang="zh-CN" dirty="0" err="1">
+                  <a:solidFill>
+                    <a:schemeClr val="tx1"/>
+                  </a:solidFill>
+                </a:rPr>
+                <a:t>Libicmp</a:t>
+              </a:r>
+              <a:r>
+                <a:rPr kumimoji="1" lang="zh-CN" altLang="en-US" dirty="0">
+                  <a:solidFill>
+                    <a:schemeClr val="tx1"/>
+                  </a:solidFill>
+                </a:rPr>
+                <a:t>编程</a:t>
+              </a:r>
+            </a:p>
+          </p:txBody>
+        </p:sp>
+        <p:sp>
+          <p:nvSpPr>
+            <p:cNvPr id="12" name="线形标注 1 11">
+              <a:extLst>
+                <a:ext uri="{FF2B5EF4-FFF2-40B4-BE49-F238E27FC236}">
+                  <a16:creationId xmlns:a16="http://schemas.microsoft.com/office/drawing/2014/main" id="{A3B65279-08BE-EADA-4BE9-BE6343A6995D}"/>
+                </a:ext>
+              </a:extLst>
+            </p:cNvPr>
+            <p:cNvSpPr/>
+            <p:nvPr/>
+          </p:nvSpPr>
+          <p:spPr>
+            <a:xfrm>
+              <a:off x="8702040" y="3814855"/>
+              <a:ext cx="2442210" cy="742950"/>
+            </a:xfrm>
+            <a:prstGeom prst="borderCallout1">
+              <a:avLst>
+                <a:gd name="adj1" fmla="val 40288"/>
+                <a:gd name="adj2" fmla="val -1462"/>
+                <a:gd name="adj3" fmla="val 54039"/>
+                <a:gd name="adj4" fmla="val -33270"/>
+              </a:avLst>
+            </a:prstGeom>
+            <a:solidFill>
+              <a:srgbClr val="CEFDFF"/>
+            </a:solidFill>
+            <a:ln>
+              <a:solidFill>
+                <a:srgbClr val="FF0000"/>
+              </a:solidFill>
+            </a:ln>
+          </p:spPr>
+          <p:style>
+            <a:lnRef idx="2">
+              <a:schemeClr val="accent1">
+                <a:shade val="15000"/>
+              </a:schemeClr>
+            </a:lnRef>
+            <a:fillRef idx="1">
+              <a:schemeClr val="accent1"/>
+            </a:fillRef>
+            <a:effectRef idx="0">
+              <a:schemeClr val="accent1"/>
+            </a:effectRef>
+            <a:fontRef idx="minor">
+              <a:schemeClr val="lt1"/>
+            </a:fontRef>
+          </p:style>
+          <p:txBody>
+            <a:bodyPr rtlCol="0" anchor="ctr"/>
+            <a:lstStyle/>
+            <a:p>
+              <a:pPr algn="ctr"/>
+              <a:r>
+                <a:rPr kumimoji="1" lang="zh-CN" altLang="en-US" dirty="0">
+                  <a:solidFill>
+                    <a:schemeClr val="tx1"/>
+                  </a:solidFill>
+                </a:rPr>
+                <a:t>基于</a:t>
+              </a:r>
+              <a:r>
+                <a:rPr kumimoji="1" lang="en-US" altLang="zh-CN" dirty="0">
+                  <a:solidFill>
+                    <a:schemeClr val="tx1"/>
+                  </a:solidFill>
+                </a:rPr>
+                <a:t>Packet</a:t>
+              </a:r>
+              <a:r>
+                <a:rPr kumimoji="1" lang="zh-CN" altLang="en-US" dirty="0">
+                  <a:solidFill>
+                    <a:schemeClr val="tx1"/>
+                  </a:solidFill>
+                </a:rPr>
+                <a:t> </a:t>
+              </a:r>
+              <a:r>
+                <a:rPr kumimoji="1" lang="en-US" altLang="zh-CN" dirty="0">
+                  <a:solidFill>
+                    <a:schemeClr val="tx1"/>
+                  </a:solidFill>
+                </a:rPr>
+                <a:t>Driver</a:t>
+              </a:r>
+              <a:r>
+                <a:rPr kumimoji="1" lang="zh-CN" altLang="en-US" dirty="0">
+                  <a:solidFill>
+                    <a:schemeClr val="tx1"/>
+                  </a:solidFill>
+                </a:rPr>
+                <a:t>编程</a:t>
+              </a:r>
+              <a:endParaRPr kumimoji="1" lang="en-US" altLang="zh-CN" dirty="0">
+                <a:solidFill>
+                  <a:schemeClr val="tx1"/>
+                </a:solidFill>
+              </a:endParaRPr>
+            </a:p>
+            <a:p>
+              <a:pPr algn="ctr"/>
+              <a:r>
+                <a:rPr kumimoji="1" lang="zh-CN" altLang="en-US" dirty="0">
+                  <a:solidFill>
+                    <a:schemeClr val="tx1"/>
+                  </a:solidFill>
+                </a:rPr>
+                <a:t>（屏蔽网卡细节，</a:t>
+              </a:r>
+              <a:endParaRPr kumimoji="1" lang="en-US" altLang="zh-CN" dirty="0">
+                <a:solidFill>
+                  <a:schemeClr val="tx1"/>
+                </a:solidFill>
+              </a:endParaRPr>
+            </a:p>
+            <a:p>
+              <a:pPr algn="ctr"/>
+              <a:r>
+                <a:rPr kumimoji="1" lang="zh-CN" altLang="en-US" dirty="0">
+                  <a:solidFill>
+                    <a:schemeClr val="tx1"/>
+                  </a:solidFill>
+                </a:rPr>
+                <a:t>适用于所有网卡）</a:t>
+              </a:r>
+            </a:p>
+          </p:txBody>
+        </p:sp>
+      </p:grpSp>
+    </p:spTree>
+    <p:extLst>
+      <p:ext uri="{BB962C8B-B14F-4D97-AF65-F5344CB8AC3E}">
+        <p14:creationId xmlns:p14="http://schemas.microsoft.com/office/powerpoint/2010/main" val="2586648646"/>
+      </p:ext>
+    </p:extLst>
+  </p:cSld>
+  <p:clrMapOvr>
+    <a:masterClrMapping/>
+  </p:clrMapOvr>
+</p:sld>
+</file>
+
+<file path=ppt/slides/slide6.xml><?xml version="1.0" encoding="utf-8"?>
+<p:sld xmlns:a="http://schemas.openxmlformats.org/drawingml/2006/main" xmlns:r="http://schemas.openxmlformats.org/officeDocument/2006/relationships" xmlns:p="http://schemas.openxmlformats.org/presentationml/2006/main">
+  <p:cSld>
+    <p:spTree>
+      <p:nvGrpSpPr>
+        <p:cNvPr id="1" name=""/>
+        <p:cNvGrpSpPr/>
+        <p:nvPr/>
+      </p:nvGrpSpPr>
+      <p:grpSpPr>
+        <a:xfrm>
+          <a:off x="0" y="0"/>
+          <a:ext cx="0" cy="0"/>
+          <a:chOff x="0" y="0"/>
+          <a:chExt cx="0" cy="0"/>
+        </a:xfrm>
+      </p:grpSpPr>
+      <p:grpSp>
+        <p:nvGrpSpPr>
+          <p:cNvPr id="21" name="组合 20">
+            <a:extLst>
+              <a:ext uri="{FF2B5EF4-FFF2-40B4-BE49-F238E27FC236}">
+                <a16:creationId xmlns:a16="http://schemas.microsoft.com/office/drawing/2014/main" id="{2DC27A8B-E05C-D619-71FD-F0CC86666B5E}"/>
+              </a:ext>
+            </a:extLst>
+          </p:cNvPr>
+          <p:cNvGrpSpPr/>
+          <p:nvPr/>
+        </p:nvGrpSpPr>
+        <p:grpSpPr>
+          <a:xfrm>
+            <a:off x="262890" y="479015"/>
+            <a:ext cx="11271311" cy="5567456"/>
+            <a:chOff x="262890" y="479015"/>
+            <a:chExt cx="11271311" cy="5567456"/>
+          </a:xfrm>
+        </p:grpSpPr>
+        <p:grpSp>
+          <p:nvGrpSpPr>
+            <p:cNvPr id="13" name="组合 12">
+              <a:extLst>
+                <a:ext uri="{FF2B5EF4-FFF2-40B4-BE49-F238E27FC236}">
+                  <a16:creationId xmlns:a16="http://schemas.microsoft.com/office/drawing/2014/main" id="{A42F6A02-14E5-5330-B8CB-D34A0ED4D149}"/>
+                </a:ext>
+              </a:extLst>
+            </p:cNvPr>
+            <p:cNvGrpSpPr/>
+            <p:nvPr/>
+          </p:nvGrpSpPr>
+          <p:grpSpPr>
+            <a:xfrm>
+              <a:off x="262890" y="479015"/>
+              <a:ext cx="9544050" cy="5567456"/>
+              <a:chOff x="1600200" y="456155"/>
+              <a:chExt cx="9544050" cy="5567456"/>
+            </a:xfrm>
+          </p:grpSpPr>
+          <p:sp>
+            <p:nvSpPr>
+              <p:cNvPr id="4" name="矩形 3">
+                <a:extLst>
+                  <a:ext uri="{FF2B5EF4-FFF2-40B4-BE49-F238E27FC236}">
+                    <a16:creationId xmlns:a16="http://schemas.microsoft.com/office/drawing/2014/main" id="{3C2EFC93-06D9-BBF9-D113-59F7C205028D}"/>
+                  </a:ext>
+                </a:extLst>
+              </p:cNvPr>
+              <p:cNvSpPr/>
+              <p:nvPr/>
+            </p:nvSpPr>
+            <p:spPr>
+              <a:xfrm>
+                <a:off x="4109225" y="456155"/>
+                <a:ext cx="3973550" cy="442331"/>
+              </a:xfrm>
+              <a:prstGeom prst="rect">
+                <a:avLst/>
+              </a:prstGeom>
+              <a:solidFill>
+                <a:srgbClr val="E6F7F3"/>
+              </a:solidFill>
+            </p:spPr>
+            <p:style>
+              <a:lnRef idx="2">
+                <a:schemeClr val="accent1">
+                  <a:shade val="15000"/>
+                </a:schemeClr>
+              </a:lnRef>
+              <a:fillRef idx="1">
+                <a:schemeClr val="accent1"/>
+              </a:fillRef>
+              <a:effectRef idx="0">
+                <a:schemeClr val="accent1"/>
+              </a:effectRef>
+              <a:fontRef idx="minor">
+                <a:schemeClr val="lt1"/>
+              </a:fontRef>
+            </p:style>
+            <p:txBody>
+              <a:bodyPr rtlCol="0" anchor="ctr"/>
+              <a:lstStyle/>
+              <a:p>
+                <a:pPr algn="ctr"/>
+                <a:r>
+                  <a:rPr kumimoji="1" lang="zh-CN" altLang="en-US" sz="2400" b="1" dirty="0">
+                    <a:solidFill>
+                      <a:schemeClr val="tx1"/>
+                    </a:solidFill>
+                  </a:rPr>
+                  <a:t>端上的网络开发</a:t>
+                </a:r>
+              </a:p>
+            </p:txBody>
+          </p:sp>
+          <p:graphicFrame>
+            <p:nvGraphicFramePr>
+              <p:cNvPr id="6" name="图示 5">
+                <a:extLst>
+                  <a:ext uri="{FF2B5EF4-FFF2-40B4-BE49-F238E27FC236}">
+                    <a16:creationId xmlns:a16="http://schemas.microsoft.com/office/drawing/2014/main" id="{61CB2CF3-FD5E-93D4-43BE-CB333B25F9BD}"/>
+                  </a:ext>
+                </a:extLst>
+              </p:cNvPr>
+              <p:cNvGraphicFramePr/>
+              <p:nvPr/>
+            </p:nvGraphicFramePr>
+            <p:xfrm>
+              <a:off x="4109225" y="1177291"/>
+              <a:ext cx="3973550" cy="4846320"/>
+            </p:xfrm>
+            <a:graphic>
+              <a:graphicData uri="http://schemas.openxmlformats.org/drawingml/2006/diagram">
+                <dgm:relIds xmlns:dgm="http://schemas.openxmlformats.org/drawingml/2006/diagram" xmlns:r="http://schemas.openxmlformats.org/officeDocument/2006/relationships" r:dm="rId2" r:lo="rId3" r:qs="rId4" r:cs="rId5"/>
+              </a:graphicData>
+            </a:graphic>
+          </p:graphicFrame>
+          <p:sp>
+            <p:nvSpPr>
+              <p:cNvPr id="7" name="线形标注 1 6">
+                <a:extLst>
+                  <a:ext uri="{FF2B5EF4-FFF2-40B4-BE49-F238E27FC236}">
+                    <a16:creationId xmlns:a16="http://schemas.microsoft.com/office/drawing/2014/main" id="{10F880B7-84DE-A219-273B-2A08CAC332FE}"/>
+                  </a:ext>
+                </a:extLst>
+              </p:cNvPr>
+              <p:cNvSpPr/>
+              <p:nvPr/>
+            </p:nvSpPr>
+            <p:spPr>
+              <a:xfrm>
+                <a:off x="1600200" y="1417320"/>
+                <a:ext cx="1497330" cy="742950"/>
+              </a:xfrm>
+              <a:prstGeom prst="borderCallout1">
+                <a:avLst>
+                  <a:gd name="adj1" fmla="val 38750"/>
+                  <a:gd name="adj2" fmla="val 99301"/>
+                  <a:gd name="adj3" fmla="val 115577"/>
+                  <a:gd name="adj4" fmla="val 179988"/>
+                </a:avLst>
+              </a:prstGeom>
+              <a:solidFill>
+                <a:srgbClr val="CEFDFF"/>
+              </a:solidFill>
+              <a:ln>
+                <a:solidFill>
+                  <a:srgbClr val="FF0000"/>
+                </a:solidFill>
+              </a:ln>
+            </p:spPr>
+            <p:style>
+              <a:lnRef idx="2">
+                <a:schemeClr val="accent1">
+                  <a:shade val="15000"/>
+                </a:schemeClr>
+              </a:lnRef>
+              <a:fillRef idx="1">
+                <a:schemeClr val="accent1"/>
+              </a:fillRef>
+              <a:effectRef idx="0">
+                <a:schemeClr val="accent1"/>
+              </a:effectRef>
+              <a:fontRef idx="minor">
+                <a:schemeClr val="lt1"/>
+              </a:fontRef>
+            </p:style>
+            <p:txBody>
+              <a:bodyPr rtlCol="0" anchor="ctr"/>
+              <a:lstStyle/>
+              <a:p>
+                <a:pPr algn="ctr"/>
+                <a:r>
+                  <a:rPr kumimoji="1" lang="en-US" altLang="zh-CN" dirty="0">
+                    <a:solidFill>
+                      <a:schemeClr val="tx1"/>
+                    </a:solidFill>
+                  </a:rPr>
+                  <a:t>Socket</a:t>
+                </a:r>
+                <a:r>
+                  <a:rPr kumimoji="1" lang="zh-CN" altLang="en-US" dirty="0">
+                    <a:solidFill>
+                      <a:schemeClr val="tx1"/>
+                    </a:solidFill>
+                  </a:rPr>
+                  <a:t>编程</a:t>
+                </a:r>
+              </a:p>
+            </p:txBody>
+          </p:sp>
+          <p:sp>
+            <p:nvSpPr>
+              <p:cNvPr id="8" name="线形标注 1 7">
+                <a:extLst>
+                  <a:ext uri="{FF2B5EF4-FFF2-40B4-BE49-F238E27FC236}">
+                    <a16:creationId xmlns:a16="http://schemas.microsoft.com/office/drawing/2014/main" id="{9B825319-83F6-1200-0576-8C0A88E02C8F}"/>
+                  </a:ext>
+                </a:extLst>
+              </p:cNvPr>
+              <p:cNvSpPr/>
+              <p:nvPr/>
+            </p:nvSpPr>
+            <p:spPr>
+              <a:xfrm>
+                <a:off x="8702040" y="681130"/>
+                <a:ext cx="2442210" cy="742950"/>
+              </a:xfrm>
+              <a:prstGeom prst="borderCallout1">
+                <a:avLst>
+                  <a:gd name="adj1" fmla="val 40288"/>
+                  <a:gd name="adj2" fmla="val -1462"/>
+                  <a:gd name="adj3" fmla="val 81731"/>
+                  <a:gd name="adj4" fmla="val -32334"/>
+                </a:avLst>
+              </a:prstGeom>
+              <a:solidFill>
+                <a:srgbClr val="CEFDFF"/>
+              </a:solidFill>
+              <a:ln>
+                <a:solidFill>
+                  <a:srgbClr val="FF0000"/>
+                </a:solidFill>
+              </a:ln>
+            </p:spPr>
+            <p:style>
+              <a:lnRef idx="2">
+                <a:schemeClr val="accent1">
+                  <a:shade val="15000"/>
+                </a:schemeClr>
+              </a:lnRef>
+              <a:fillRef idx="1">
+                <a:schemeClr val="accent1"/>
+              </a:fillRef>
+              <a:effectRef idx="0">
+                <a:schemeClr val="accent1"/>
+              </a:effectRef>
+              <a:fontRef idx="minor">
+                <a:schemeClr val="lt1"/>
+              </a:fontRef>
+            </p:style>
+            <p:txBody>
+              <a:bodyPr rtlCol="0" anchor="ctr"/>
+              <a:lstStyle/>
+              <a:p>
+                <a:pPr algn="ctr"/>
+                <a:r>
+                  <a:rPr kumimoji="1" lang="en-US" altLang="zh-CN" dirty="0">
+                    <a:solidFill>
+                      <a:schemeClr val="tx1"/>
+                    </a:solidFill>
+                  </a:rPr>
+                  <a:t>Web/RPC/</a:t>
+                </a:r>
+                <a:r>
+                  <a:rPr kumimoji="1" lang="zh-CN" altLang="en-US" dirty="0">
+                    <a:solidFill>
+                      <a:schemeClr val="tx1"/>
+                    </a:solidFill>
+                  </a:rPr>
+                  <a:t>中间件编程</a:t>
+                </a:r>
+              </a:p>
+            </p:txBody>
+          </p:sp>
+          <p:sp>
+            <p:nvSpPr>
+              <p:cNvPr id="9" name="线形标注 1 8">
+                <a:extLst>
+                  <a:ext uri="{FF2B5EF4-FFF2-40B4-BE49-F238E27FC236}">
+                    <a16:creationId xmlns:a16="http://schemas.microsoft.com/office/drawing/2014/main" id="{D0222F3E-FCB7-55AA-584D-64A0FADEEA58}"/>
+                  </a:ext>
+                </a:extLst>
+              </p:cNvPr>
+              <p:cNvSpPr/>
+              <p:nvPr/>
+            </p:nvSpPr>
+            <p:spPr>
+              <a:xfrm>
+                <a:off x="1600200" y="3443380"/>
+                <a:ext cx="1497330" cy="742950"/>
+              </a:xfrm>
+              <a:prstGeom prst="borderCallout1">
+                <a:avLst>
+                  <a:gd name="adj1" fmla="val 38750"/>
+                  <a:gd name="adj2" fmla="val 99301"/>
+                  <a:gd name="adj3" fmla="val 100192"/>
+                  <a:gd name="adj4" fmla="val 179988"/>
+                </a:avLst>
+              </a:prstGeom>
+              <a:solidFill>
+                <a:srgbClr val="CEFDFF"/>
+              </a:solidFill>
+              <a:ln>
+                <a:solidFill>
+                  <a:srgbClr val="FF0000"/>
+                </a:solidFill>
+              </a:ln>
+            </p:spPr>
+            <p:style>
+              <a:lnRef idx="2">
+                <a:schemeClr val="accent1">
+                  <a:shade val="15000"/>
+                </a:schemeClr>
+              </a:lnRef>
+              <a:fillRef idx="1">
+                <a:schemeClr val="accent1"/>
+              </a:fillRef>
+              <a:effectRef idx="0">
+                <a:schemeClr val="accent1"/>
+              </a:effectRef>
+              <a:fontRef idx="minor">
+                <a:schemeClr val="lt1"/>
+              </a:fontRef>
+            </p:style>
+            <p:txBody>
+              <a:bodyPr rtlCol="0" anchor="ctr"/>
+              <a:lstStyle/>
+              <a:p>
+                <a:pPr algn="ctr"/>
+                <a:r>
+                  <a:rPr kumimoji="1" lang="en-US" altLang="zh-CN" dirty="0">
+                    <a:solidFill>
+                      <a:schemeClr val="tx1"/>
+                    </a:solidFill>
+                  </a:rPr>
+                  <a:t>NDIS</a:t>
+                </a:r>
+                <a:r>
+                  <a:rPr kumimoji="1" lang="zh-CN" altLang="en-US" dirty="0">
+                    <a:solidFill>
+                      <a:schemeClr val="tx1"/>
+                    </a:solidFill>
+                  </a:rPr>
+                  <a:t>编程（</a:t>
+                </a:r>
+                <a:r>
+                  <a:rPr kumimoji="1" lang="en-US" altLang="zh-CN" dirty="0">
+                    <a:solidFill>
+                      <a:schemeClr val="tx1"/>
+                    </a:solidFill>
+                  </a:rPr>
+                  <a:t>win</a:t>
+                </a:r>
+                <a:r>
+                  <a:rPr kumimoji="1" lang="zh-CN" altLang="en-US" dirty="0">
+                    <a:solidFill>
+                      <a:schemeClr val="tx1"/>
+                    </a:solidFill>
+                  </a:rPr>
+                  <a:t>）</a:t>
+                </a:r>
+              </a:p>
+            </p:txBody>
+          </p:sp>
+          <p:sp>
+            <p:nvSpPr>
+              <p:cNvPr id="10" name="线形标注 1 9">
+                <a:extLst>
+                  <a:ext uri="{FF2B5EF4-FFF2-40B4-BE49-F238E27FC236}">
+                    <a16:creationId xmlns:a16="http://schemas.microsoft.com/office/drawing/2014/main" id="{831D8281-268D-E7BA-02ED-EC3DBD20C3DF}"/>
+                  </a:ext>
+                </a:extLst>
+              </p:cNvPr>
+              <p:cNvSpPr/>
+              <p:nvPr/>
+            </p:nvSpPr>
+            <p:spPr>
+              <a:xfrm>
+                <a:off x="1600200" y="4697730"/>
+                <a:ext cx="1497330" cy="742950"/>
+              </a:xfrm>
+              <a:prstGeom prst="borderCallout1">
+                <a:avLst>
+                  <a:gd name="adj1" fmla="val 38750"/>
+                  <a:gd name="adj2" fmla="val 99301"/>
+                  <a:gd name="adj3" fmla="val 32500"/>
+                  <a:gd name="adj4" fmla="val 179988"/>
+                </a:avLst>
+              </a:prstGeom>
+              <a:solidFill>
+                <a:srgbClr val="CEFDFF"/>
+              </a:solidFill>
+              <a:ln>
+                <a:solidFill>
+                  <a:srgbClr val="FF0000"/>
+                </a:solidFill>
+              </a:ln>
+            </p:spPr>
+            <p:style>
+              <a:lnRef idx="2">
+                <a:schemeClr val="accent1">
+                  <a:shade val="15000"/>
+                </a:schemeClr>
+              </a:lnRef>
+              <a:fillRef idx="1">
+                <a:schemeClr val="accent1"/>
+              </a:fillRef>
+              <a:effectRef idx="0">
+                <a:schemeClr val="accent1"/>
+              </a:effectRef>
+              <a:fontRef idx="minor">
+                <a:schemeClr val="lt1"/>
+              </a:fontRef>
+            </p:style>
+            <p:txBody>
+              <a:bodyPr rtlCol="0" anchor="ctr"/>
+              <a:lstStyle/>
+              <a:p>
+                <a:pPr algn="ctr"/>
+                <a:r>
+                  <a:rPr kumimoji="1" lang="zh-CN" altLang="en-US" dirty="0">
+                    <a:solidFill>
+                      <a:schemeClr val="tx1"/>
+                    </a:solidFill>
+                  </a:rPr>
+                  <a:t>网卡编程（硬件相关）</a:t>
+                </a:r>
+              </a:p>
+            </p:txBody>
+          </p:sp>
+          <p:sp>
+            <p:nvSpPr>
+              <p:cNvPr id="11" name="线形标注 1 10">
+                <a:extLst>
+                  <a:ext uri="{FF2B5EF4-FFF2-40B4-BE49-F238E27FC236}">
+                    <a16:creationId xmlns:a16="http://schemas.microsoft.com/office/drawing/2014/main" id="{CAE314F5-859D-79C9-FA8A-FF5ACABFF457}"/>
+                  </a:ext>
+                </a:extLst>
+              </p:cNvPr>
+              <p:cNvSpPr/>
+              <p:nvPr/>
+            </p:nvSpPr>
+            <p:spPr>
+              <a:xfrm>
+                <a:off x="8702040" y="2433730"/>
+                <a:ext cx="2442210" cy="742950"/>
+              </a:xfrm>
+              <a:prstGeom prst="borderCallout1">
+                <a:avLst>
+                  <a:gd name="adj1" fmla="val 40288"/>
+                  <a:gd name="adj2" fmla="val -1462"/>
+                  <a:gd name="adj3" fmla="val 206346"/>
+                  <a:gd name="adj4" fmla="val -35142"/>
+                </a:avLst>
+              </a:prstGeom>
+              <a:solidFill>
+                <a:srgbClr val="CEFDFF"/>
+              </a:solidFill>
+              <a:ln>
+                <a:solidFill>
+                  <a:srgbClr val="FF0000"/>
+                </a:solidFill>
+              </a:ln>
+            </p:spPr>
+            <p:style>
+              <a:lnRef idx="2">
+                <a:schemeClr val="accent1">
+                  <a:shade val="15000"/>
+                </a:schemeClr>
+              </a:lnRef>
+              <a:fillRef idx="1">
+                <a:schemeClr val="accent1"/>
+              </a:fillRef>
+              <a:effectRef idx="0">
+                <a:schemeClr val="accent1"/>
+              </a:effectRef>
+              <a:fontRef idx="minor">
+                <a:schemeClr val="lt1"/>
+              </a:fontRef>
+            </p:style>
+            <p:txBody>
+              <a:bodyPr rtlCol="0" anchor="ctr"/>
+              <a:lstStyle/>
+              <a:p>
+                <a:pPr algn="ctr"/>
+                <a:r>
+                  <a:rPr kumimoji="1" lang="zh-CN" altLang="en-US" dirty="0">
+                    <a:solidFill>
+                      <a:schemeClr val="tx1"/>
+                    </a:solidFill>
+                  </a:rPr>
+                  <a:t>基于 </a:t>
+                </a:r>
+                <a:r>
+                  <a:rPr kumimoji="1" lang="en-US" altLang="zh-CN" dirty="0" err="1">
+                    <a:solidFill>
+                      <a:schemeClr val="tx1"/>
+                    </a:solidFill>
+                  </a:rPr>
+                  <a:t>LibPcap</a:t>
+                </a:r>
+                <a:r>
+                  <a:rPr kumimoji="1" lang="en-US" altLang="zh-CN" dirty="0">
+                    <a:solidFill>
+                      <a:schemeClr val="tx1"/>
+                    </a:solidFill>
+                  </a:rPr>
+                  <a:t>/</a:t>
+                </a:r>
+                <a:r>
+                  <a:rPr kumimoji="1" lang="en-US" altLang="zh-CN" dirty="0" err="1">
+                    <a:solidFill>
+                      <a:schemeClr val="tx1"/>
+                    </a:solidFill>
+                  </a:rPr>
+                  <a:t>WinPcap</a:t>
+                </a:r>
+                <a:r>
+                  <a:rPr kumimoji="1" lang="zh-CN" altLang="en-US" dirty="0">
+                    <a:solidFill>
+                      <a:schemeClr val="tx1"/>
+                    </a:solidFill>
+                  </a:rPr>
+                  <a:t>、</a:t>
+                </a:r>
+                <a:r>
+                  <a:rPr kumimoji="1" lang="en-US" altLang="zh-CN" dirty="0" err="1">
+                    <a:solidFill>
+                      <a:schemeClr val="tx1"/>
+                    </a:solidFill>
+                  </a:rPr>
+                  <a:t>Libnet</a:t>
+                </a:r>
+                <a:r>
+                  <a:rPr kumimoji="1" lang="zh-CN" altLang="en-US" dirty="0">
+                    <a:solidFill>
+                      <a:schemeClr val="tx1"/>
+                    </a:solidFill>
+                  </a:rPr>
+                  <a:t>、</a:t>
+                </a:r>
+                <a:r>
+                  <a:rPr kumimoji="1" lang="en-US" altLang="zh-CN" dirty="0" err="1">
+                    <a:solidFill>
+                      <a:schemeClr val="tx1"/>
+                    </a:solidFill>
+                  </a:rPr>
+                  <a:t>Libnids</a:t>
+                </a:r>
+                <a:r>
+                  <a:rPr kumimoji="1" lang="zh-CN" altLang="en-US" dirty="0">
+                    <a:solidFill>
+                      <a:schemeClr val="tx1"/>
+                    </a:solidFill>
+                  </a:rPr>
+                  <a:t>、</a:t>
+                </a:r>
+                <a:r>
+                  <a:rPr kumimoji="1" lang="en-US" altLang="zh-CN" dirty="0" err="1">
+                    <a:solidFill>
+                      <a:schemeClr val="tx1"/>
+                    </a:solidFill>
+                  </a:rPr>
+                  <a:t>Libicmp</a:t>
+                </a:r>
+                <a:r>
+                  <a:rPr kumimoji="1" lang="zh-CN" altLang="en-US" dirty="0">
+                    <a:solidFill>
+                      <a:schemeClr val="tx1"/>
+                    </a:solidFill>
+                  </a:rPr>
+                  <a:t>编程</a:t>
+                </a:r>
+              </a:p>
+            </p:txBody>
+          </p:sp>
+          <p:sp>
+            <p:nvSpPr>
+              <p:cNvPr id="12" name="线形标注 1 11">
+                <a:extLst>
+                  <a:ext uri="{FF2B5EF4-FFF2-40B4-BE49-F238E27FC236}">
+                    <a16:creationId xmlns:a16="http://schemas.microsoft.com/office/drawing/2014/main" id="{A3B65279-08BE-EADA-4BE9-BE6343A6995D}"/>
+                  </a:ext>
+                </a:extLst>
+              </p:cNvPr>
+              <p:cNvSpPr/>
+              <p:nvPr/>
+            </p:nvSpPr>
+            <p:spPr>
+              <a:xfrm>
+                <a:off x="8702040" y="3814855"/>
+                <a:ext cx="2442210" cy="742950"/>
+              </a:xfrm>
+              <a:prstGeom prst="borderCallout1">
+                <a:avLst>
+                  <a:gd name="adj1" fmla="val 40288"/>
+                  <a:gd name="adj2" fmla="val -1462"/>
+                  <a:gd name="adj3" fmla="val 54039"/>
+                  <a:gd name="adj4" fmla="val -33270"/>
+                </a:avLst>
+              </a:prstGeom>
+              <a:solidFill>
+                <a:srgbClr val="CEFDFF"/>
+              </a:solidFill>
+              <a:ln>
+                <a:solidFill>
+                  <a:srgbClr val="FF0000"/>
+                </a:solidFill>
+              </a:ln>
+            </p:spPr>
+            <p:style>
+              <a:lnRef idx="2">
+                <a:schemeClr val="accent1">
+                  <a:shade val="15000"/>
+                </a:schemeClr>
+              </a:lnRef>
+              <a:fillRef idx="1">
+                <a:schemeClr val="accent1"/>
+              </a:fillRef>
+              <a:effectRef idx="0">
+                <a:schemeClr val="accent1"/>
+              </a:effectRef>
+              <a:fontRef idx="minor">
+                <a:schemeClr val="lt1"/>
+              </a:fontRef>
+            </p:style>
+            <p:txBody>
+              <a:bodyPr rtlCol="0" anchor="ctr"/>
+              <a:lstStyle/>
+              <a:p>
+                <a:pPr algn="ctr"/>
+                <a:r>
+                  <a:rPr kumimoji="1" lang="zh-CN" altLang="en-US" dirty="0">
+                    <a:solidFill>
+                      <a:schemeClr val="tx1"/>
+                    </a:solidFill>
+                  </a:rPr>
+                  <a:t>基于</a:t>
+                </a:r>
+                <a:r>
+                  <a:rPr kumimoji="1" lang="en-US" altLang="zh-CN" dirty="0">
+                    <a:solidFill>
+                      <a:schemeClr val="tx1"/>
+                    </a:solidFill>
+                  </a:rPr>
+                  <a:t>Packet</a:t>
+                </a:r>
+                <a:r>
+                  <a:rPr kumimoji="1" lang="zh-CN" altLang="en-US" dirty="0">
+                    <a:solidFill>
+                      <a:schemeClr val="tx1"/>
+                    </a:solidFill>
+                  </a:rPr>
+                  <a:t> </a:t>
+                </a:r>
+                <a:r>
+                  <a:rPr kumimoji="1" lang="en-US" altLang="zh-CN" dirty="0">
+                    <a:solidFill>
+                      <a:schemeClr val="tx1"/>
+                    </a:solidFill>
+                  </a:rPr>
+                  <a:t>Driver</a:t>
+                </a:r>
+                <a:r>
+                  <a:rPr kumimoji="1" lang="zh-CN" altLang="en-US" dirty="0">
+                    <a:solidFill>
+                      <a:schemeClr val="tx1"/>
+                    </a:solidFill>
+                  </a:rPr>
+                  <a:t>编程</a:t>
+                </a:r>
+                <a:endParaRPr kumimoji="1" lang="en-US" altLang="zh-CN" dirty="0">
+                  <a:solidFill>
+                    <a:schemeClr val="tx1"/>
+                  </a:solidFill>
+                </a:endParaRPr>
+              </a:p>
+              <a:p>
+                <a:pPr algn="ctr"/>
+                <a:r>
+                  <a:rPr kumimoji="1" lang="zh-CN" altLang="en-US" dirty="0">
+                    <a:solidFill>
+                      <a:schemeClr val="tx1"/>
+                    </a:solidFill>
+                  </a:rPr>
+                  <a:t>（屏蔽网卡细节，</a:t>
+                </a:r>
+                <a:endParaRPr kumimoji="1" lang="en-US" altLang="zh-CN" dirty="0">
+                  <a:solidFill>
+                    <a:schemeClr val="tx1"/>
+                  </a:solidFill>
+                </a:endParaRPr>
+              </a:p>
+              <a:p>
+                <a:pPr algn="ctr"/>
+                <a:r>
+                  <a:rPr kumimoji="1" lang="zh-CN" altLang="en-US" dirty="0">
+                    <a:solidFill>
+                      <a:schemeClr val="tx1"/>
+                    </a:solidFill>
+                  </a:rPr>
+                  <a:t>适用于所有网卡）</a:t>
+                </a:r>
+              </a:p>
+            </p:txBody>
+          </p:sp>
+        </p:grpSp>
+        <p:cxnSp>
+          <p:nvCxnSpPr>
+            <p:cNvPr id="16" name="直线连接符 15">
+              <a:extLst>
+                <a:ext uri="{FF2B5EF4-FFF2-40B4-BE49-F238E27FC236}">
+                  <a16:creationId xmlns:a16="http://schemas.microsoft.com/office/drawing/2014/main" id="{BCD2F8AB-C490-1FA5-38DC-6CF6585FFE62}"/>
+                </a:ext>
+              </a:extLst>
+            </p:cNvPr>
+            <p:cNvCxnSpPr/>
+            <p:nvPr/>
+          </p:nvCxnSpPr>
+          <p:spPr>
+            <a:xfrm>
+              <a:off x="2194560" y="2160270"/>
+              <a:ext cx="8126730" cy="0"/>
+            </a:xfrm>
+            <a:prstGeom prst="line">
+              <a:avLst/>
+            </a:prstGeom>
+            <a:ln>
+              <a:prstDash val="lgDash"/>
+            </a:ln>
+          </p:spPr>
+          <p:style>
+            <a:lnRef idx="1">
+              <a:schemeClr val="accent1"/>
+            </a:lnRef>
+            <a:fillRef idx="0">
+              <a:schemeClr val="accent1"/>
+            </a:fillRef>
+            <a:effectRef idx="0">
+              <a:schemeClr val="accent1"/>
+            </a:effectRef>
+            <a:fontRef idx="minor">
+              <a:schemeClr val="tx1"/>
+            </a:fontRef>
+          </p:style>
+        </p:cxnSp>
+        <p:sp>
+          <p:nvSpPr>
+            <p:cNvPr id="17" name="右中括号 16">
+              <a:extLst>
+                <a:ext uri="{FF2B5EF4-FFF2-40B4-BE49-F238E27FC236}">
+                  <a16:creationId xmlns:a16="http://schemas.microsoft.com/office/drawing/2014/main" id="{9B283F31-2540-6EB6-A3E8-A79722ED3772}"/>
+                </a:ext>
+              </a:extLst>
+            </p:cNvPr>
+            <p:cNvSpPr/>
+            <p:nvPr/>
+          </p:nvSpPr>
+          <p:spPr>
+            <a:xfrm>
+              <a:off x="10069830" y="1200151"/>
+              <a:ext cx="251460" cy="906442"/>
+            </a:xfrm>
+            <a:prstGeom prst="rightBracket">
+              <a:avLst/>
+            </a:prstGeom>
+          </p:spPr>
+          <p:style>
+            <a:lnRef idx="1">
+              <a:schemeClr val="accent1"/>
+            </a:lnRef>
+            <a:fillRef idx="0">
+              <a:schemeClr val="accent1"/>
+            </a:fillRef>
+            <a:effectRef idx="0">
+              <a:schemeClr val="accent1"/>
+            </a:effectRef>
+            <a:fontRef idx="minor">
+              <a:schemeClr val="tx1"/>
+            </a:fontRef>
+          </p:style>
+          <p:txBody>
+            <a:bodyPr rtlCol="0" anchor="ctr"/>
+            <a:lstStyle/>
+            <a:p>
+              <a:pPr algn="ctr"/>
+              <a:endParaRPr kumimoji="1" lang="zh-CN" altLang="en-US"/>
+            </a:p>
+          </p:txBody>
+        </p:sp>
+        <p:sp>
+          <p:nvSpPr>
+            <p:cNvPr id="18" name="右中括号 17">
+              <a:extLst>
+                <a:ext uri="{FF2B5EF4-FFF2-40B4-BE49-F238E27FC236}">
+                  <a16:creationId xmlns:a16="http://schemas.microsoft.com/office/drawing/2014/main" id="{FEDF6B7C-1734-3A56-BF33-33F80000C95B}"/>
+                </a:ext>
+              </a:extLst>
+            </p:cNvPr>
+            <p:cNvSpPr/>
+            <p:nvPr/>
+          </p:nvSpPr>
+          <p:spPr>
+            <a:xfrm>
+              <a:off x="10069830" y="2213949"/>
+              <a:ext cx="252482" cy="3832522"/>
+            </a:xfrm>
+            <a:prstGeom prst="rightBracket">
+              <a:avLst/>
+            </a:prstGeom>
+          </p:spPr>
+          <p:style>
+            <a:lnRef idx="1">
+              <a:schemeClr val="accent1"/>
+            </a:lnRef>
+            <a:fillRef idx="0">
+              <a:schemeClr val="accent1"/>
+            </a:fillRef>
+            <a:effectRef idx="0">
+              <a:schemeClr val="accent1"/>
+            </a:effectRef>
+            <a:fontRef idx="minor">
+              <a:schemeClr val="tx1"/>
+            </a:fontRef>
+          </p:style>
+          <p:txBody>
+            <a:bodyPr rtlCol="0" anchor="ctr"/>
+            <a:lstStyle/>
+            <a:p>
+              <a:pPr algn="ctr"/>
+              <a:endParaRPr kumimoji="1" lang="zh-CN" altLang="en-US"/>
+            </a:p>
+          </p:txBody>
+        </p:sp>
+        <p:sp>
+          <p:nvSpPr>
+            <p:cNvPr id="19" name="文本框 18">
+              <a:extLst>
+                <a:ext uri="{FF2B5EF4-FFF2-40B4-BE49-F238E27FC236}">
+                  <a16:creationId xmlns:a16="http://schemas.microsoft.com/office/drawing/2014/main" id="{AF7C33E6-4727-EFB4-EAD4-2E8E9AFDA0E7}"/>
+                </a:ext>
+              </a:extLst>
+            </p:cNvPr>
+            <p:cNvSpPr txBox="1"/>
+            <p:nvPr/>
+          </p:nvSpPr>
+          <p:spPr>
+            <a:xfrm>
+              <a:off x="10426205" y="1440180"/>
+              <a:ext cx="1107996" cy="369332"/>
+            </a:xfrm>
+            <a:prstGeom prst="rect">
+              <a:avLst/>
+            </a:prstGeom>
+            <a:noFill/>
+          </p:spPr>
+          <p:txBody>
+            <a:bodyPr wrap="none" rtlCol="0">
+              <a:spAutoFit/>
+            </a:bodyPr>
+            <a:lstStyle/>
+            <a:p>
+              <a:r>
+                <a:rPr kumimoji="1" lang="zh-CN" altLang="en-US" dirty="0"/>
+                <a:t>应用进程</a:t>
+              </a:r>
+            </a:p>
+          </p:txBody>
+        </p:sp>
+        <p:sp>
+          <p:nvSpPr>
+            <p:cNvPr id="20" name="文本框 19">
+              <a:extLst>
+                <a:ext uri="{FF2B5EF4-FFF2-40B4-BE49-F238E27FC236}">
+                  <a16:creationId xmlns:a16="http://schemas.microsoft.com/office/drawing/2014/main" id="{AC59A46C-690A-78FD-E86E-619F23046318}"/>
+                </a:ext>
+              </a:extLst>
+            </p:cNvPr>
+            <p:cNvSpPr txBox="1"/>
+            <p:nvPr/>
+          </p:nvSpPr>
+          <p:spPr>
+            <a:xfrm>
+              <a:off x="10426205" y="3837715"/>
+              <a:ext cx="1107996" cy="369332"/>
+            </a:xfrm>
+            <a:prstGeom prst="rect">
+              <a:avLst/>
+            </a:prstGeom>
+            <a:noFill/>
+          </p:spPr>
+          <p:txBody>
+            <a:bodyPr wrap="none" rtlCol="0">
+              <a:spAutoFit/>
+            </a:bodyPr>
+            <a:lstStyle/>
+            <a:p>
+              <a:r>
+                <a:rPr kumimoji="1" lang="zh-CN" altLang="en-US" dirty="0"/>
+                <a:t>操作系统</a:t>
+              </a:r>
+            </a:p>
+          </p:txBody>
+        </p:sp>
+      </p:grpSp>
+      <p:sp>
+        <p:nvSpPr>
+          <p:cNvPr id="22" name="左箭头标注 21">
+            <a:extLst>
+              <a:ext uri="{FF2B5EF4-FFF2-40B4-BE49-F238E27FC236}">
+                <a16:creationId xmlns:a16="http://schemas.microsoft.com/office/drawing/2014/main" id="{C27EB4A7-2E29-916C-FB53-2AAF186CB032}"/>
+              </a:ext>
+            </a:extLst>
+          </p:cNvPr>
+          <p:cNvSpPr/>
+          <p:nvPr/>
         </p:nvSpPr>
-        <p:spPr/>
+        <p:spPr>
+          <a:xfrm>
+            <a:off x="10454780" y="1857375"/>
+            <a:ext cx="971550" cy="605790"/>
+          </a:xfrm>
+          <a:prstGeom prst="leftArrowCallout">
+            <a:avLst/>
+          </a:prstGeom>
+          <a:solidFill>
+            <a:srgbClr val="FF0000"/>
+          </a:solidFill>
+        </p:spPr>
+        <p:style>
+          <a:lnRef idx="2">
+            <a:schemeClr val="accent1">
+              <a:shade val="15000"/>
+            </a:schemeClr>
+          </a:lnRef>
+          <a:fillRef idx="1">
+            <a:schemeClr val="accent1"/>
+          </a:fillRef>
+          <a:effectRef idx="0">
+            <a:schemeClr val="accent1"/>
+          </a:effectRef>
+          <a:fontRef idx="minor">
+            <a:schemeClr val="lt1"/>
+          </a:fontRef>
+        </p:style>
         <p:txBody>
-          <a:bodyPr/>
+          <a:bodyPr rtlCol="0" anchor="ctr"/>
           <a:lstStyle/>
           <a:p>
-            <a:endParaRPr kumimoji="1" lang="zh-CN" altLang="en-US"/>
+            <a:pPr algn="ctr"/>
+            <a:r>
+              <a:rPr kumimoji="1" lang="en-US" altLang="zh-CN" dirty="0"/>
+              <a:t>API</a:t>
+            </a:r>
+            <a:endParaRPr kumimoji="1" lang="zh-CN" altLang="en-US" dirty="0"/>
           </a:p>
         </p:txBody>
       </p:sp>
     </p:spTree>
     <p:extLst>
       <p:ext uri="{BB962C8B-B14F-4D97-AF65-F5344CB8AC3E}">
-        <p14:creationId xmlns:p14="http://schemas.microsoft.com/office/powerpoint/2010/main" val="917560776"/>
+        <p14:creationId xmlns:p14="http://schemas.microsoft.com/office/powerpoint/2010/main" val="2766229404"/>
       </p:ext>
     </p:extLst>
   </p:cSld>
